--- a/public/docs/Reviews.pptx
+++ b/public/docs/Reviews.pptx
@@ -5,10 +5,10 @@
     <p:sldMasterId id="2147483648" r:id="rId4"/>
   </p:sldMasterIdLst>
   <p:notesMasterIdLst>
-    <p:notesMasterId r:id="rId11"/>
+    <p:notesMasterId r:id="rId13"/>
   </p:notesMasterIdLst>
   <p:handoutMasterIdLst>
-    <p:handoutMasterId r:id="rId12"/>
+    <p:handoutMasterId r:id="rId14"/>
   </p:handoutMasterIdLst>
   <p:sldIdLst>
     <p:sldId id="267" r:id="rId5"/>
@@ -17,6 +17,8 @@
     <p:sldId id="270" r:id="rId8"/>
     <p:sldId id="271" r:id="rId9"/>
     <p:sldId id="272" r:id="rId10"/>
+    <p:sldId id="273" r:id="rId11"/>
+    <p:sldId id="274" r:id="rId12"/>
   </p:sldIdLst>
   <p:sldSz cx="12192000" cy="6858000"/>
   <p:notesSz cx="6858000" cy="9144000"/>
@@ -1323,6 +1325,226 @@
     <p:extLst>
       <p:ext uri="{BB962C8B-B14F-4D97-AF65-F5344CB8AC3E}">
         <p14:creationId xmlns:p14="http://schemas.microsoft.com/office/powerpoint/2010/main" val="3957495570"/>
+      </p:ext>
+    </p:extLst>
+  </p:cSld>
+  <p:clrMapOvr>
+    <a:masterClrMapping/>
+  </p:clrMapOvr>
+</p:notes>
+</file>
+
+<file path=ppt/notesSlides/notesSlide7.xml><?xml version="1.0" encoding="utf-8"?>
+<p:notes xmlns:a="http://schemas.openxmlformats.org/drawingml/2006/main" xmlns:r="http://schemas.openxmlformats.org/officeDocument/2006/relationships" xmlns:p="http://schemas.openxmlformats.org/presentationml/2006/main">
+  <p:cSld>
+    <p:spTree>
+      <p:nvGrpSpPr>
+        <p:cNvPr id="1" name="">
+          <a:extLst>
+            <a:ext uri="{FF2B5EF4-FFF2-40B4-BE49-F238E27FC236}">
+              <a16:creationId xmlns:a16="http://schemas.microsoft.com/office/drawing/2014/main" id="{159E538A-E864-0CA2-7175-6DB348666BBE}"/>
+            </a:ext>
+          </a:extLst>
+        </p:cNvPr>
+        <p:cNvGrpSpPr/>
+        <p:nvPr/>
+      </p:nvGrpSpPr>
+      <p:grpSpPr>
+        <a:xfrm>
+          <a:off x="0" y="0"/>
+          <a:ext cx="0" cy="0"/>
+          <a:chOff x="0" y="0"/>
+          <a:chExt cx="0" cy="0"/>
+        </a:xfrm>
+      </p:grpSpPr>
+      <p:sp>
+        <p:nvSpPr>
+          <p:cNvPr id="2" name="Slide Image Placeholder 1">
+            <a:extLst>
+              <a:ext uri="{FF2B5EF4-FFF2-40B4-BE49-F238E27FC236}">
+                <a16:creationId xmlns:a16="http://schemas.microsoft.com/office/drawing/2014/main" id="{A8326808-21F5-2FB3-AD33-5AFE2680D1DA}"/>
+              </a:ext>
+            </a:extLst>
+          </p:cNvPr>
+          <p:cNvSpPr>
+            <a:spLocks noGrp="1" noRot="1" noChangeAspect="1"/>
+          </p:cNvSpPr>
+          <p:nvPr>
+            <p:ph type="sldImg"/>
+          </p:nvPr>
+        </p:nvSpPr>
+        <p:spPr/>
+      </p:sp>
+      <p:sp>
+        <p:nvSpPr>
+          <p:cNvPr id="3" name="Notes Placeholder 2">
+            <a:extLst>
+              <a:ext uri="{FF2B5EF4-FFF2-40B4-BE49-F238E27FC236}">
+                <a16:creationId xmlns:a16="http://schemas.microsoft.com/office/drawing/2014/main" id="{91052652-A3B5-A9DC-CDDC-178A356D9D1D}"/>
+              </a:ext>
+            </a:extLst>
+          </p:cNvPr>
+          <p:cNvSpPr>
+            <a:spLocks noGrp="1"/>
+          </p:cNvSpPr>
+          <p:nvPr>
+            <p:ph type="body" idx="1"/>
+          </p:nvPr>
+        </p:nvSpPr>
+        <p:spPr/>
+        <p:txBody>
+          <a:bodyPr rtlCol="0"/>
+          <a:lstStyle/>
+          <a:p>
+            <a:pPr rtl="0"/>
+            <a:endParaRPr lang="en-GB" dirty="0"/>
+          </a:p>
+        </p:txBody>
+      </p:sp>
+      <p:sp>
+        <p:nvSpPr>
+          <p:cNvPr id="4" name="Slide Number Placeholder 3">
+            <a:extLst>
+              <a:ext uri="{FF2B5EF4-FFF2-40B4-BE49-F238E27FC236}">
+                <a16:creationId xmlns:a16="http://schemas.microsoft.com/office/drawing/2014/main" id="{9D4B494B-9E2A-EDBD-A868-366849E8B050}"/>
+              </a:ext>
+            </a:extLst>
+          </p:cNvPr>
+          <p:cNvSpPr>
+            <a:spLocks noGrp="1"/>
+          </p:cNvSpPr>
+          <p:nvPr>
+            <p:ph type="sldNum" sz="quarter" idx="5"/>
+          </p:nvPr>
+        </p:nvSpPr>
+        <p:spPr/>
+        <p:txBody>
+          <a:bodyPr rtlCol="0"/>
+          <a:lstStyle/>
+          <a:p>
+            <a:pPr rtl="0"/>
+            <a:fld id="{5A226AB8-ACBE-42E6-92F5-667EDDCD9652}" type="slidenum">
+              <a:rPr lang="en-GB" smtClean="0"/>
+              <a:t>7</a:t>
+            </a:fld>
+            <a:endParaRPr lang="en-GB"/>
+          </a:p>
+        </p:txBody>
+      </p:sp>
+    </p:spTree>
+    <p:extLst>
+      <p:ext uri="{BB962C8B-B14F-4D97-AF65-F5344CB8AC3E}">
+        <p14:creationId xmlns:p14="http://schemas.microsoft.com/office/powerpoint/2010/main" val="724312035"/>
+      </p:ext>
+    </p:extLst>
+  </p:cSld>
+  <p:clrMapOvr>
+    <a:masterClrMapping/>
+  </p:clrMapOvr>
+</p:notes>
+</file>
+
+<file path=ppt/notesSlides/notesSlide8.xml><?xml version="1.0" encoding="utf-8"?>
+<p:notes xmlns:a="http://schemas.openxmlformats.org/drawingml/2006/main" xmlns:r="http://schemas.openxmlformats.org/officeDocument/2006/relationships" xmlns:p="http://schemas.openxmlformats.org/presentationml/2006/main">
+  <p:cSld>
+    <p:spTree>
+      <p:nvGrpSpPr>
+        <p:cNvPr id="1" name="">
+          <a:extLst>
+            <a:ext uri="{FF2B5EF4-FFF2-40B4-BE49-F238E27FC236}">
+              <a16:creationId xmlns:a16="http://schemas.microsoft.com/office/drawing/2014/main" id="{CFC7DECA-F848-7BBB-5B08-6282E9DE4B28}"/>
+            </a:ext>
+          </a:extLst>
+        </p:cNvPr>
+        <p:cNvGrpSpPr/>
+        <p:nvPr/>
+      </p:nvGrpSpPr>
+      <p:grpSpPr>
+        <a:xfrm>
+          <a:off x="0" y="0"/>
+          <a:ext cx="0" cy="0"/>
+          <a:chOff x="0" y="0"/>
+          <a:chExt cx="0" cy="0"/>
+        </a:xfrm>
+      </p:grpSpPr>
+      <p:sp>
+        <p:nvSpPr>
+          <p:cNvPr id="2" name="Slide Image Placeholder 1">
+            <a:extLst>
+              <a:ext uri="{FF2B5EF4-FFF2-40B4-BE49-F238E27FC236}">
+                <a16:creationId xmlns:a16="http://schemas.microsoft.com/office/drawing/2014/main" id="{11CFB239-5202-D23D-7DA6-465EFFE4D5FC}"/>
+              </a:ext>
+            </a:extLst>
+          </p:cNvPr>
+          <p:cNvSpPr>
+            <a:spLocks noGrp="1" noRot="1" noChangeAspect="1"/>
+          </p:cNvSpPr>
+          <p:nvPr>
+            <p:ph type="sldImg"/>
+          </p:nvPr>
+        </p:nvSpPr>
+        <p:spPr/>
+      </p:sp>
+      <p:sp>
+        <p:nvSpPr>
+          <p:cNvPr id="3" name="Notes Placeholder 2">
+            <a:extLst>
+              <a:ext uri="{FF2B5EF4-FFF2-40B4-BE49-F238E27FC236}">
+                <a16:creationId xmlns:a16="http://schemas.microsoft.com/office/drawing/2014/main" id="{245C59C3-A25E-FD1E-09F3-5721BA238AAF}"/>
+              </a:ext>
+            </a:extLst>
+          </p:cNvPr>
+          <p:cNvSpPr>
+            <a:spLocks noGrp="1"/>
+          </p:cNvSpPr>
+          <p:nvPr>
+            <p:ph type="body" idx="1"/>
+          </p:nvPr>
+        </p:nvSpPr>
+        <p:spPr/>
+        <p:txBody>
+          <a:bodyPr rtlCol="0"/>
+          <a:lstStyle/>
+          <a:p>
+            <a:pPr rtl="0"/>
+            <a:endParaRPr lang="en-GB" dirty="0"/>
+          </a:p>
+        </p:txBody>
+      </p:sp>
+      <p:sp>
+        <p:nvSpPr>
+          <p:cNvPr id="4" name="Slide Number Placeholder 3">
+            <a:extLst>
+              <a:ext uri="{FF2B5EF4-FFF2-40B4-BE49-F238E27FC236}">
+                <a16:creationId xmlns:a16="http://schemas.microsoft.com/office/drawing/2014/main" id="{F65B6E5E-411E-92A8-F6B2-C310C9DFE8F5}"/>
+              </a:ext>
+            </a:extLst>
+          </p:cNvPr>
+          <p:cNvSpPr>
+            <a:spLocks noGrp="1"/>
+          </p:cNvSpPr>
+          <p:nvPr>
+            <p:ph type="sldNum" sz="quarter" idx="5"/>
+          </p:nvPr>
+        </p:nvSpPr>
+        <p:spPr/>
+        <p:txBody>
+          <a:bodyPr rtlCol="0"/>
+          <a:lstStyle/>
+          <a:p>
+            <a:pPr rtl="0"/>
+            <a:fld id="{5A226AB8-ACBE-42E6-92F5-667EDDCD9652}" type="slidenum">
+              <a:rPr lang="en-GB" smtClean="0"/>
+              <a:t>8</a:t>
+            </a:fld>
+            <a:endParaRPr lang="en-GB"/>
+          </a:p>
+        </p:txBody>
+      </p:sp>
+    </p:spTree>
+    <p:extLst>
+      <p:ext uri="{BB962C8B-B14F-4D97-AF65-F5344CB8AC3E}">
+        <p14:creationId xmlns:p14="http://schemas.microsoft.com/office/powerpoint/2010/main" val="4288109970"/>
       </p:ext>
     </p:extLst>
   </p:cSld>
@@ -6415,7 +6637,7 @@
               <a:rPr lang="en-GB" sz="3200" b="1" dirty="0">
                 <a:latin typeface="+mj-lt"/>
               </a:rPr>
-              <a:t>PRESENT PERFECT TENSE</a:t>
+              <a:t>CONTINUOUS TENSE</a:t>
             </a:r>
             <a:endParaRPr lang="en-GB" sz="3600" dirty="0">
               <a:latin typeface="+mj-lt"/>
@@ -8110,8 +8332,8 @@
         </p:nvSpPr>
         <p:spPr>
           <a:xfrm>
-            <a:off x="573128" y="771323"/>
-            <a:ext cx="6425717" cy="307777"/>
+            <a:off x="527926" y="717346"/>
+            <a:ext cx="6425717" cy="615553"/>
           </a:xfrm>
           <a:prstGeom prst="rect">
             <a:avLst/>
@@ -8135,7 +8357,19 @@
             </a:r>
             <a:r>
               <a:rPr lang="uk-UA" sz="2000" b="1" dirty="0"/>
-              <a:t>дія вже відбулася і має зв’язок із теперішнім</a:t>
+              <a:t>дія відбулася</a:t>
+            </a:r>
+            <a:r>
+              <a:rPr lang="en-GB" sz="2000" b="1" dirty="0"/>
+              <a:t> </a:t>
+            </a:r>
+            <a:r>
+              <a:rPr lang="ru-UA" sz="2000" b="1" dirty="0"/>
+              <a:t>в минулому</a:t>
+            </a:r>
+            <a:r>
+              <a:rPr lang="uk-UA" sz="2000" b="1" dirty="0"/>
+              <a:t> і має зв’язок з теперішнім</a:t>
             </a:r>
             <a:endParaRPr lang="en-GB" sz="2000" b="1" dirty="0"/>
           </a:p>
@@ -8143,10 +8377,10 @@
       </p:sp>
       <p:sp>
         <p:nvSpPr>
-          <p:cNvPr id="54" name="Rounded Rectangle 75">
-            <a:extLst>
-              <a:ext uri="{FF2B5EF4-FFF2-40B4-BE49-F238E27FC236}">
-                <a16:creationId xmlns:a16="http://schemas.microsoft.com/office/drawing/2014/main" id="{C14DFD03-1184-C4F2-67FB-11270B1A0074}"/>
+          <p:cNvPr id="52" name="Rounded Rectangle 81">
+            <a:extLst>
+              <a:ext uri="{FF2B5EF4-FFF2-40B4-BE49-F238E27FC236}">
+                <a16:creationId xmlns:a16="http://schemas.microsoft.com/office/drawing/2014/main" id="{D1D70FB9-3AFD-B01D-430F-F11E1B2D60EC}"/>
               </a:ext>
               <a:ext uri="{C183D7F6-B498-43B3-948B-1728B52AA6E4}">
                 <adec:decorative xmlns:adec="http://schemas.microsoft.com/office/drawing/2017/decorative" val="1"/>
@@ -8158,7 +8392,7 @@
         </p:nvSpPr>
         <p:spPr>
           <a:xfrm>
-            <a:off x="4169818" y="1447801"/>
+            <a:off x="4246018" y="1721261"/>
             <a:ext cx="2146450" cy="560290"/>
           </a:xfrm>
           <a:prstGeom prst="roundRect">
@@ -8167,8 +8401,10 @@
             </a:avLst>
           </a:prstGeom>
           <a:solidFill>
-            <a:schemeClr val="accent1">
-              <a:alpha val="55000"/>
+            <a:schemeClr val="tx2">
+              <a:lumMod val="40000"/>
+              <a:lumOff val="60000"/>
+              <a:alpha val="25000"/>
             </a:schemeClr>
           </a:solidFill>
           <a:ln w="9525">
@@ -8202,46 +8438,10 @@
       </p:sp>
       <p:sp>
         <p:nvSpPr>
-          <p:cNvPr id="55" name="TextBox 54">
-            <a:extLst>
-              <a:ext uri="{FF2B5EF4-FFF2-40B4-BE49-F238E27FC236}">
-                <a16:creationId xmlns:a16="http://schemas.microsoft.com/office/drawing/2014/main" id="{449BEA21-B41E-2E8A-5DE6-3ED4AE809521}"/>
-              </a:ext>
-            </a:extLst>
-          </p:cNvPr>
-          <p:cNvSpPr txBox="1"/>
-          <p:nvPr/>
-        </p:nvSpPr>
-        <p:spPr>
-          <a:xfrm>
-            <a:off x="4862070" y="1604836"/>
-            <a:ext cx="720967" cy="246221"/>
-          </a:xfrm>
-          <a:prstGeom prst="rect">
-            <a:avLst/>
-          </a:prstGeom>
-          <a:noFill/>
-        </p:spPr>
-        <p:txBody>
-          <a:bodyPr wrap="none" lIns="0" tIns="0" rIns="0" bIns="0" rtlCol="0" anchor="ctr">
-            <a:spAutoFit/>
-          </a:bodyPr>
-          <a:lstStyle/>
-          <a:p>
-            <a:pPr algn="ctr" rtl="0"/>
-            <a:r>
-              <a:rPr lang="en-GB" sz="1600" b="1" dirty="0"/>
-              <a:t>PRESENT</a:t>
-            </a:r>
-          </a:p>
-        </p:txBody>
-      </p:sp>
-      <p:sp>
-        <p:nvSpPr>
-          <p:cNvPr id="52" name="Rounded Rectangle 81">
-            <a:extLst>
-              <a:ext uri="{FF2B5EF4-FFF2-40B4-BE49-F238E27FC236}">
-                <a16:creationId xmlns:a16="http://schemas.microsoft.com/office/drawing/2014/main" id="{D1D70FB9-3AFD-B01D-430F-F11E1B2D60EC}"/>
+          <p:cNvPr id="57" name="Rounded Rectangle 76">
+            <a:extLst>
+              <a:ext uri="{FF2B5EF4-FFF2-40B4-BE49-F238E27FC236}">
+                <a16:creationId xmlns:a16="http://schemas.microsoft.com/office/drawing/2014/main" id="{FCF6BEE1-FC96-2847-1DB7-E3E9326A36B2}"/>
               </a:ext>
               <a:ext uri="{C183D7F6-B498-43B3-948B-1728B52AA6E4}">
                 <adec:decorative xmlns:adec="http://schemas.microsoft.com/office/drawing/2017/decorative" val="1"/>
@@ -8253,8 +8453,8 @@
         </p:nvSpPr>
         <p:spPr>
           <a:xfrm>
-            <a:off x="4169818" y="2170841"/>
-            <a:ext cx="2146450" cy="560290"/>
+            <a:off x="912077" y="1721261"/>
+            <a:ext cx="2015063" cy="560290"/>
           </a:xfrm>
           <a:prstGeom prst="roundRect">
             <a:avLst>
@@ -8262,10 +8462,8 @@
             </a:avLst>
           </a:prstGeom>
           <a:solidFill>
-            <a:schemeClr val="tx2">
-              <a:lumMod val="40000"/>
-              <a:lumOff val="60000"/>
-              <a:alpha val="25000"/>
+            <a:schemeClr val="accent1">
+              <a:alpha val="55000"/>
             </a:schemeClr>
           </a:solidFill>
           <a:ln w="9525">
@@ -8293,16 +8491,52 @@
           <a:lstStyle/>
           <a:p>
             <a:pPr algn="ctr" rtl="0"/>
-            <a:endParaRPr lang="en-GB"/>
-          </a:p>
-        </p:txBody>
-      </p:sp>
-      <p:sp>
-        <p:nvSpPr>
-          <p:cNvPr id="57" name="Rounded Rectangle 76">
-            <a:extLst>
-              <a:ext uri="{FF2B5EF4-FFF2-40B4-BE49-F238E27FC236}">
-                <a16:creationId xmlns:a16="http://schemas.microsoft.com/office/drawing/2014/main" id="{FCF6BEE1-FC96-2847-1DB7-E3E9326A36B2}"/>
+            <a:endParaRPr lang="en-GB" b="1"/>
+          </a:p>
+        </p:txBody>
+      </p:sp>
+      <p:sp>
+        <p:nvSpPr>
+          <p:cNvPr id="69" name="TextBox 68">
+            <a:extLst>
+              <a:ext uri="{FF2B5EF4-FFF2-40B4-BE49-F238E27FC236}">
+                <a16:creationId xmlns:a16="http://schemas.microsoft.com/office/drawing/2014/main" id="{847EC0E4-56C2-D43F-42C1-F1C9D2CBEBAF}"/>
+              </a:ext>
+            </a:extLst>
+          </p:cNvPr>
+          <p:cNvSpPr txBox="1"/>
+          <p:nvPr/>
+        </p:nvSpPr>
+        <p:spPr>
+          <a:xfrm>
+            <a:off x="1894763" y="1878296"/>
+            <a:ext cx="49693" cy="246221"/>
+          </a:xfrm>
+          <a:prstGeom prst="rect">
+            <a:avLst/>
+          </a:prstGeom>
+          <a:noFill/>
+        </p:spPr>
+        <p:txBody>
+          <a:bodyPr wrap="none" lIns="0" tIns="0" rIns="0" bIns="0" rtlCol="0" anchor="ctr">
+            <a:spAutoFit/>
+          </a:bodyPr>
+          <a:lstStyle/>
+          <a:p>
+            <a:pPr algn="ctr" rtl="0"/>
+            <a:r>
+              <a:rPr lang="en-GB" sz="1600" b="1" dirty="0"/>
+              <a:t>I</a:t>
+            </a:r>
+          </a:p>
+        </p:txBody>
+      </p:sp>
+      <p:sp>
+        <p:nvSpPr>
+          <p:cNvPr id="58" name="Rounded Rectangle 77">
+            <a:extLst>
+              <a:ext uri="{FF2B5EF4-FFF2-40B4-BE49-F238E27FC236}">
+                <a16:creationId xmlns:a16="http://schemas.microsoft.com/office/drawing/2014/main" id="{B5FF83D8-3BA9-1BAE-BBA8-68F1899E6FED}"/>
               </a:ext>
               <a:ext uri="{C183D7F6-B498-43B3-948B-1728B52AA6E4}">
                 <adec:decorative xmlns:adec="http://schemas.microsoft.com/office/drawing/2017/decorative" val="1"/>
@@ -8314,7 +8548,7 @@
         </p:nvSpPr>
         <p:spPr>
           <a:xfrm>
-            <a:off x="835877" y="2170841"/>
+            <a:off x="912077" y="2444301"/>
             <a:ext cx="2015063" cy="560290"/>
           </a:xfrm>
           <a:prstGeom prst="roundRect">
@@ -8323,7 +8557,7 @@
             </a:avLst>
           </a:prstGeom>
           <a:solidFill>
-            <a:schemeClr val="accent1">
+            <a:schemeClr val="tx2">
               <a:alpha val="55000"/>
             </a:schemeClr>
           </a:solidFill>
@@ -8358,46 +8592,10 @@
       </p:sp>
       <p:sp>
         <p:nvSpPr>
-          <p:cNvPr id="69" name="TextBox 68">
-            <a:extLst>
-              <a:ext uri="{FF2B5EF4-FFF2-40B4-BE49-F238E27FC236}">
-                <a16:creationId xmlns:a16="http://schemas.microsoft.com/office/drawing/2014/main" id="{847EC0E4-56C2-D43F-42C1-F1C9D2CBEBAF}"/>
-              </a:ext>
-            </a:extLst>
-          </p:cNvPr>
-          <p:cNvSpPr txBox="1"/>
-          <p:nvPr/>
-        </p:nvSpPr>
-        <p:spPr>
-          <a:xfrm>
-            <a:off x="1818563" y="2327876"/>
-            <a:ext cx="49693" cy="246221"/>
-          </a:xfrm>
-          <a:prstGeom prst="rect">
-            <a:avLst/>
-          </a:prstGeom>
-          <a:noFill/>
-        </p:spPr>
-        <p:txBody>
-          <a:bodyPr wrap="none" lIns="0" tIns="0" rIns="0" bIns="0" rtlCol="0" anchor="ctr">
-            <a:spAutoFit/>
-          </a:bodyPr>
-          <a:lstStyle/>
-          <a:p>
-            <a:pPr algn="ctr" rtl="0"/>
-            <a:r>
-              <a:rPr lang="en-GB" sz="1600" b="1" dirty="0"/>
-              <a:t>I</a:t>
-            </a:r>
-          </a:p>
-        </p:txBody>
-      </p:sp>
-      <p:sp>
-        <p:nvSpPr>
-          <p:cNvPr id="58" name="Rounded Rectangle 77">
-            <a:extLst>
-              <a:ext uri="{FF2B5EF4-FFF2-40B4-BE49-F238E27FC236}">
-                <a16:creationId xmlns:a16="http://schemas.microsoft.com/office/drawing/2014/main" id="{B5FF83D8-3BA9-1BAE-BBA8-68F1899E6FED}"/>
+          <p:cNvPr id="61" name="Rounded Rectangle 82">
+            <a:extLst>
+              <a:ext uri="{FF2B5EF4-FFF2-40B4-BE49-F238E27FC236}">
+                <a16:creationId xmlns:a16="http://schemas.microsoft.com/office/drawing/2014/main" id="{7923A477-EEFC-C113-C4C7-75BEB920A126}"/>
               </a:ext>
               <a:ext uri="{C183D7F6-B498-43B3-948B-1728B52AA6E4}">
                 <adec:decorative xmlns:adec="http://schemas.microsoft.com/office/drawing/2017/decorative" val="1"/>
@@ -8409,8 +8607,8 @@
         </p:nvSpPr>
         <p:spPr>
           <a:xfrm>
-            <a:off x="835877" y="2893881"/>
-            <a:ext cx="2015063" cy="560290"/>
+            <a:off x="4246018" y="2444301"/>
+            <a:ext cx="2146450" cy="560290"/>
           </a:xfrm>
           <a:prstGeom prst="roundRect">
             <a:avLst>
@@ -8419,7 +8617,9 @@
           </a:prstGeom>
           <a:solidFill>
             <a:schemeClr val="tx2">
-              <a:alpha val="55000"/>
+              <a:lumMod val="40000"/>
+              <a:lumOff val="60000"/>
+              <a:alpha val="25000"/>
             </a:schemeClr>
           </a:solidFill>
           <a:ln w="9525">
@@ -8447,16 +8647,52 @@
           <a:lstStyle/>
           <a:p>
             <a:pPr algn="ctr" rtl="0"/>
-            <a:endParaRPr lang="en-GB" b="1"/>
-          </a:p>
-        </p:txBody>
-      </p:sp>
-      <p:sp>
-        <p:nvSpPr>
-          <p:cNvPr id="61" name="Rounded Rectangle 82">
-            <a:extLst>
-              <a:ext uri="{FF2B5EF4-FFF2-40B4-BE49-F238E27FC236}">
-                <a16:creationId xmlns:a16="http://schemas.microsoft.com/office/drawing/2014/main" id="{7923A477-EEFC-C113-C4C7-75BEB920A126}"/>
+            <a:endParaRPr lang="en-GB"/>
+          </a:p>
+        </p:txBody>
+      </p:sp>
+      <p:sp>
+        <p:nvSpPr>
+          <p:cNvPr id="70" name="TextBox 69">
+            <a:extLst>
+              <a:ext uri="{FF2B5EF4-FFF2-40B4-BE49-F238E27FC236}">
+                <a16:creationId xmlns:a16="http://schemas.microsoft.com/office/drawing/2014/main" id="{CC1FB47E-F752-CE6F-671A-75E2D53C7B25}"/>
+              </a:ext>
+            </a:extLst>
+          </p:cNvPr>
+          <p:cNvSpPr txBox="1"/>
+          <p:nvPr/>
+        </p:nvSpPr>
+        <p:spPr>
+          <a:xfrm>
+            <a:off x="1771395" y="2601335"/>
+            <a:ext cx="296428" cy="246221"/>
+          </a:xfrm>
+          <a:prstGeom prst="rect">
+            <a:avLst/>
+          </a:prstGeom>
+          <a:noFill/>
+        </p:spPr>
+        <p:txBody>
+          <a:bodyPr wrap="none" lIns="0" tIns="0" rIns="0" bIns="0" rtlCol="0" anchor="ctr">
+            <a:spAutoFit/>
+          </a:bodyPr>
+          <a:lstStyle/>
+          <a:p>
+            <a:pPr algn="ctr" rtl="0"/>
+            <a:r>
+              <a:rPr lang="en-GB" sz="1600" b="1" dirty="0"/>
+              <a:t>You</a:t>
+            </a:r>
+          </a:p>
+        </p:txBody>
+      </p:sp>
+      <p:sp>
+        <p:nvSpPr>
+          <p:cNvPr id="59" name="Rounded Rectangle 78">
+            <a:extLst>
+              <a:ext uri="{FF2B5EF4-FFF2-40B4-BE49-F238E27FC236}">
+                <a16:creationId xmlns:a16="http://schemas.microsoft.com/office/drawing/2014/main" id="{D516C2B4-E9AA-7E40-D22D-351B61DF09CE}"/>
               </a:ext>
               <a:ext uri="{C183D7F6-B498-43B3-948B-1728B52AA6E4}">
                 <adec:decorative xmlns:adec="http://schemas.microsoft.com/office/drawing/2017/decorative" val="1"/>
@@ -8468,8 +8704,8 @@
         </p:nvSpPr>
         <p:spPr>
           <a:xfrm>
-            <a:off x="4169818" y="2893881"/>
-            <a:ext cx="2146450" cy="560290"/>
+            <a:off x="912077" y="3167341"/>
+            <a:ext cx="2015063" cy="560290"/>
           </a:xfrm>
           <a:prstGeom prst="roundRect">
             <a:avLst>
@@ -8477,10 +8713,8 @@
             </a:avLst>
           </a:prstGeom>
           <a:solidFill>
-            <a:schemeClr val="tx2">
-              <a:lumMod val="40000"/>
-              <a:lumOff val="60000"/>
-              <a:alpha val="25000"/>
+            <a:schemeClr val="accent1">
+              <a:alpha val="55000"/>
             </a:schemeClr>
           </a:solidFill>
           <a:ln w="9525">
@@ -8514,46 +8748,10 @@
       </p:sp>
       <p:sp>
         <p:nvSpPr>
-          <p:cNvPr id="70" name="TextBox 69">
-            <a:extLst>
-              <a:ext uri="{FF2B5EF4-FFF2-40B4-BE49-F238E27FC236}">
-                <a16:creationId xmlns:a16="http://schemas.microsoft.com/office/drawing/2014/main" id="{CC1FB47E-F752-CE6F-671A-75E2D53C7B25}"/>
-              </a:ext>
-            </a:extLst>
-          </p:cNvPr>
-          <p:cNvSpPr txBox="1"/>
-          <p:nvPr/>
-        </p:nvSpPr>
-        <p:spPr>
-          <a:xfrm>
-            <a:off x="1695195" y="3050915"/>
-            <a:ext cx="296428" cy="246221"/>
-          </a:xfrm>
-          <a:prstGeom prst="rect">
-            <a:avLst/>
-          </a:prstGeom>
-          <a:noFill/>
-        </p:spPr>
-        <p:txBody>
-          <a:bodyPr wrap="none" lIns="0" tIns="0" rIns="0" bIns="0" rtlCol="0" anchor="ctr">
-            <a:spAutoFit/>
-          </a:bodyPr>
-          <a:lstStyle/>
-          <a:p>
-            <a:pPr algn="ctr" rtl="0"/>
-            <a:r>
-              <a:rPr lang="en-GB" sz="1600" b="1" dirty="0"/>
-              <a:t>You</a:t>
-            </a:r>
-          </a:p>
-        </p:txBody>
-      </p:sp>
-      <p:sp>
-        <p:nvSpPr>
-          <p:cNvPr id="59" name="Rounded Rectangle 78">
-            <a:extLst>
-              <a:ext uri="{FF2B5EF4-FFF2-40B4-BE49-F238E27FC236}">
-                <a16:creationId xmlns:a16="http://schemas.microsoft.com/office/drawing/2014/main" id="{D516C2B4-E9AA-7E40-D22D-351B61DF09CE}"/>
+          <p:cNvPr id="62" name="Rounded Rectangle 83">
+            <a:extLst>
+              <a:ext uri="{FF2B5EF4-FFF2-40B4-BE49-F238E27FC236}">
+                <a16:creationId xmlns:a16="http://schemas.microsoft.com/office/drawing/2014/main" id="{0F2201B0-015D-AC5A-99AD-1F85464C08EB}"/>
               </a:ext>
               <a:ext uri="{C183D7F6-B498-43B3-948B-1728B52AA6E4}">
                 <adec:decorative xmlns:adec="http://schemas.microsoft.com/office/drawing/2017/decorative" val="1"/>
@@ -8565,8 +8763,8 @@
         </p:nvSpPr>
         <p:spPr>
           <a:xfrm>
-            <a:off x="835877" y="3616921"/>
-            <a:ext cx="2015063" cy="560290"/>
+            <a:off x="4291222" y="3167341"/>
+            <a:ext cx="2146450" cy="560290"/>
           </a:xfrm>
           <a:prstGeom prst="roundRect">
             <a:avLst>
@@ -8574,8 +8772,10 @@
             </a:avLst>
           </a:prstGeom>
           <a:solidFill>
-            <a:schemeClr val="accent1">
-              <a:alpha val="55000"/>
+            <a:schemeClr val="tx2">
+              <a:lumMod val="40000"/>
+              <a:lumOff val="60000"/>
+              <a:alpha val="25000"/>
             </a:schemeClr>
           </a:solidFill>
           <a:ln w="9525">
@@ -8609,10 +8809,46 @@
       </p:sp>
       <p:sp>
         <p:nvSpPr>
-          <p:cNvPr id="62" name="Rounded Rectangle 83">
-            <a:extLst>
-              <a:ext uri="{FF2B5EF4-FFF2-40B4-BE49-F238E27FC236}">
-                <a16:creationId xmlns:a16="http://schemas.microsoft.com/office/drawing/2014/main" id="{0F2201B0-015D-AC5A-99AD-1F85464C08EB}"/>
+          <p:cNvPr id="71" name="TextBox 70">
+            <a:extLst>
+              <a:ext uri="{FF2B5EF4-FFF2-40B4-BE49-F238E27FC236}">
+                <a16:creationId xmlns:a16="http://schemas.microsoft.com/office/drawing/2014/main" id="{841211F5-3B26-FA82-176F-2F694FE3AB69}"/>
+              </a:ext>
+            </a:extLst>
+          </p:cNvPr>
+          <p:cNvSpPr txBox="1"/>
+          <p:nvPr/>
+        </p:nvSpPr>
+        <p:spPr>
+          <a:xfrm>
+            <a:off x="1528479" y="3324375"/>
+            <a:ext cx="782266" cy="246221"/>
+          </a:xfrm>
+          <a:prstGeom prst="rect">
+            <a:avLst/>
+          </a:prstGeom>
+          <a:noFill/>
+        </p:spPr>
+        <p:txBody>
+          <a:bodyPr wrap="none" lIns="0" tIns="0" rIns="0" bIns="0" rtlCol="0" anchor="ctr">
+            <a:spAutoFit/>
+          </a:bodyPr>
+          <a:lstStyle/>
+          <a:p>
+            <a:pPr algn="ctr" rtl="0"/>
+            <a:r>
+              <a:rPr lang="en-GB" sz="1600" b="1" dirty="0"/>
+              <a:t>He/She/It</a:t>
+            </a:r>
+          </a:p>
+        </p:txBody>
+      </p:sp>
+      <p:sp>
+        <p:nvSpPr>
+          <p:cNvPr id="60" name="Rounded Rectangle 79">
+            <a:extLst>
+              <a:ext uri="{FF2B5EF4-FFF2-40B4-BE49-F238E27FC236}">
+                <a16:creationId xmlns:a16="http://schemas.microsoft.com/office/drawing/2014/main" id="{1CFC2964-E426-D502-E320-497EADAA420D}"/>
               </a:ext>
               <a:ext uri="{C183D7F6-B498-43B3-948B-1728B52AA6E4}">
                 <adec:decorative xmlns:adec="http://schemas.microsoft.com/office/drawing/2017/decorative" val="1"/>
@@ -8624,8 +8860,8 @@
         </p:nvSpPr>
         <p:spPr>
           <a:xfrm>
-            <a:off x="4215022" y="3616921"/>
-            <a:ext cx="2146450" cy="560290"/>
+            <a:off x="912077" y="3890381"/>
+            <a:ext cx="2015063" cy="560290"/>
           </a:xfrm>
           <a:prstGeom prst="roundRect">
             <a:avLst>
@@ -8634,9 +8870,7 @@
           </a:prstGeom>
           <a:solidFill>
             <a:schemeClr val="tx2">
-              <a:lumMod val="40000"/>
-              <a:lumOff val="60000"/>
-              <a:alpha val="25000"/>
+              <a:alpha val="55000"/>
             </a:schemeClr>
           </a:solidFill>
           <a:ln w="9525">
@@ -8670,46 +8904,10 @@
       </p:sp>
       <p:sp>
         <p:nvSpPr>
-          <p:cNvPr id="71" name="TextBox 70">
-            <a:extLst>
-              <a:ext uri="{FF2B5EF4-FFF2-40B4-BE49-F238E27FC236}">
-                <a16:creationId xmlns:a16="http://schemas.microsoft.com/office/drawing/2014/main" id="{841211F5-3B26-FA82-176F-2F694FE3AB69}"/>
-              </a:ext>
-            </a:extLst>
-          </p:cNvPr>
-          <p:cNvSpPr txBox="1"/>
-          <p:nvPr/>
-        </p:nvSpPr>
-        <p:spPr>
-          <a:xfrm>
-            <a:off x="1452279" y="3773955"/>
-            <a:ext cx="782266" cy="246221"/>
-          </a:xfrm>
-          <a:prstGeom prst="rect">
-            <a:avLst/>
-          </a:prstGeom>
-          <a:noFill/>
-        </p:spPr>
-        <p:txBody>
-          <a:bodyPr wrap="none" lIns="0" tIns="0" rIns="0" bIns="0" rtlCol="0" anchor="ctr">
-            <a:spAutoFit/>
-          </a:bodyPr>
-          <a:lstStyle/>
-          <a:p>
-            <a:pPr algn="ctr" rtl="0"/>
-            <a:r>
-              <a:rPr lang="en-GB" sz="1600" b="1" dirty="0"/>
-              <a:t>He/She/It</a:t>
-            </a:r>
-          </a:p>
-        </p:txBody>
-      </p:sp>
-      <p:sp>
-        <p:nvSpPr>
-          <p:cNvPr id="60" name="Rounded Rectangle 79">
-            <a:extLst>
-              <a:ext uri="{FF2B5EF4-FFF2-40B4-BE49-F238E27FC236}">
-                <a16:creationId xmlns:a16="http://schemas.microsoft.com/office/drawing/2014/main" id="{1CFC2964-E426-D502-E320-497EADAA420D}"/>
+          <p:cNvPr id="63" name="Rounded Rectangle 84">
+            <a:extLst>
+              <a:ext uri="{FF2B5EF4-FFF2-40B4-BE49-F238E27FC236}">
+                <a16:creationId xmlns:a16="http://schemas.microsoft.com/office/drawing/2014/main" id="{A10BACCA-4F28-B95E-C01E-CE7741F28407}"/>
               </a:ext>
               <a:ext uri="{C183D7F6-B498-43B3-948B-1728B52AA6E4}">
                 <adec:decorative xmlns:adec="http://schemas.microsoft.com/office/drawing/2017/decorative" val="1"/>
@@ -8721,8 +8919,8 @@
         </p:nvSpPr>
         <p:spPr>
           <a:xfrm>
-            <a:off x="835877" y="4339961"/>
-            <a:ext cx="2015063" cy="560290"/>
+            <a:off x="4291222" y="3890381"/>
+            <a:ext cx="2146450" cy="560290"/>
           </a:xfrm>
           <a:prstGeom prst="roundRect">
             <a:avLst>
@@ -8731,7 +8929,9 @@
           </a:prstGeom>
           <a:solidFill>
             <a:schemeClr val="tx2">
-              <a:alpha val="55000"/>
+              <a:lumMod val="40000"/>
+              <a:lumOff val="60000"/>
+              <a:alpha val="25000"/>
             </a:schemeClr>
           </a:solidFill>
           <a:ln w="9525">
@@ -8765,10 +8965,76 @@
       </p:sp>
       <p:sp>
         <p:nvSpPr>
-          <p:cNvPr id="63" name="Rounded Rectangle 84">
-            <a:extLst>
-              <a:ext uri="{FF2B5EF4-FFF2-40B4-BE49-F238E27FC236}">
-                <a16:creationId xmlns:a16="http://schemas.microsoft.com/office/drawing/2014/main" id="{A10BACCA-4F28-B95E-C01E-CE7741F28407}"/>
+          <p:cNvPr id="72" name="TextBox 71">
+            <a:extLst>
+              <a:ext uri="{FF2B5EF4-FFF2-40B4-BE49-F238E27FC236}">
+                <a16:creationId xmlns:a16="http://schemas.microsoft.com/office/drawing/2014/main" id="{98EAC9B8-3602-1A9E-6ACE-955684EDE478}"/>
+              </a:ext>
+            </a:extLst>
+          </p:cNvPr>
+          <p:cNvSpPr txBox="1"/>
+          <p:nvPr/>
+        </p:nvSpPr>
+        <p:spPr>
+          <a:xfrm>
+            <a:off x="1782296" y="4047415"/>
+            <a:ext cx="274627" cy="246221"/>
+          </a:xfrm>
+          <a:prstGeom prst="rect">
+            <a:avLst/>
+          </a:prstGeom>
+          <a:noFill/>
+        </p:spPr>
+        <p:txBody>
+          <a:bodyPr wrap="none" lIns="0" tIns="0" rIns="0" bIns="0" rtlCol="0" anchor="ctr">
+            <a:spAutoFit/>
+          </a:bodyPr>
+          <a:lstStyle/>
+          <a:p>
+            <a:pPr algn="ctr" rtl="0"/>
+            <a:r>
+              <a:rPr lang="en-GB" sz="1600" b="1" dirty="0"/>
+              <a:t>We</a:t>
+            </a:r>
+          </a:p>
+        </p:txBody>
+      </p:sp>
+      <p:sp>
+        <p:nvSpPr>
+          <p:cNvPr id="7" name="Slide Number Placeholder 6">
+            <a:extLst>
+              <a:ext uri="{FF2B5EF4-FFF2-40B4-BE49-F238E27FC236}">
+                <a16:creationId xmlns:a16="http://schemas.microsoft.com/office/drawing/2014/main" id="{78CBBD7E-25D6-1BD5-37F1-57C7A2614B06}"/>
+              </a:ext>
+            </a:extLst>
+          </p:cNvPr>
+          <p:cNvSpPr>
+            <a:spLocks noGrp="1"/>
+          </p:cNvSpPr>
+          <p:nvPr>
+            <p:ph type="sldNum" sz="quarter" idx="12"/>
+          </p:nvPr>
+        </p:nvSpPr>
+        <p:spPr/>
+        <p:txBody>
+          <a:bodyPr/>
+          <a:lstStyle/>
+          <a:p>
+            <a:pPr rtl="0"/>
+            <a:fld id="{5A4A7955-6230-48B4-BD8B-A7C460F75945}" type="slidenum">
+              <a:rPr lang="en-GB" noProof="0" smtClean="0"/>
+              <a:t>3</a:t>
+            </a:fld>
+            <a:endParaRPr lang="en-GB" noProof="0"/>
+          </a:p>
+        </p:txBody>
+      </p:sp>
+      <p:sp>
+        <p:nvSpPr>
+          <p:cNvPr id="3" name="Rounded Rectangle 79">
+            <a:extLst>
+              <a:ext uri="{FF2B5EF4-FFF2-40B4-BE49-F238E27FC236}">
+                <a16:creationId xmlns:a16="http://schemas.microsoft.com/office/drawing/2014/main" id="{A0273823-F681-2562-2E20-736FADA2DE4D}"/>
               </a:ext>
               <a:ext uri="{C183D7F6-B498-43B3-948B-1728B52AA6E4}">
                 <adec:decorative xmlns:adec="http://schemas.microsoft.com/office/drawing/2017/decorative" val="1"/>
@@ -8780,8 +9046,8 @@
         </p:nvSpPr>
         <p:spPr>
           <a:xfrm>
-            <a:off x="4215022" y="4339961"/>
-            <a:ext cx="2146450" cy="560290"/>
+            <a:off x="912077" y="4680474"/>
+            <a:ext cx="2015063" cy="560290"/>
           </a:xfrm>
           <a:prstGeom prst="roundRect">
             <a:avLst>
@@ -8790,9 +9056,7 @@
           </a:prstGeom>
           <a:solidFill>
             <a:schemeClr val="tx2">
-              <a:lumMod val="40000"/>
-              <a:lumOff val="60000"/>
-              <a:alpha val="25000"/>
+              <a:alpha val="55000"/>
             </a:schemeClr>
           </a:solidFill>
           <a:ln w="9525">
@@ -8826,76 +9090,10 @@
       </p:sp>
       <p:sp>
         <p:nvSpPr>
-          <p:cNvPr id="72" name="TextBox 71">
-            <a:extLst>
-              <a:ext uri="{FF2B5EF4-FFF2-40B4-BE49-F238E27FC236}">
-                <a16:creationId xmlns:a16="http://schemas.microsoft.com/office/drawing/2014/main" id="{98EAC9B8-3602-1A9E-6ACE-955684EDE478}"/>
-              </a:ext>
-            </a:extLst>
-          </p:cNvPr>
-          <p:cNvSpPr txBox="1"/>
-          <p:nvPr/>
-        </p:nvSpPr>
-        <p:spPr>
-          <a:xfrm>
-            <a:off x="1706096" y="4496995"/>
-            <a:ext cx="274627" cy="246221"/>
-          </a:xfrm>
-          <a:prstGeom prst="rect">
-            <a:avLst/>
-          </a:prstGeom>
-          <a:noFill/>
-        </p:spPr>
-        <p:txBody>
-          <a:bodyPr wrap="none" lIns="0" tIns="0" rIns="0" bIns="0" rtlCol="0" anchor="ctr">
-            <a:spAutoFit/>
-          </a:bodyPr>
-          <a:lstStyle/>
-          <a:p>
-            <a:pPr algn="ctr" rtl="0"/>
-            <a:r>
-              <a:rPr lang="en-GB" sz="1600" b="1" dirty="0"/>
-              <a:t>We</a:t>
-            </a:r>
-          </a:p>
-        </p:txBody>
-      </p:sp>
-      <p:sp>
-        <p:nvSpPr>
-          <p:cNvPr id="7" name="Slide Number Placeholder 6">
-            <a:extLst>
-              <a:ext uri="{FF2B5EF4-FFF2-40B4-BE49-F238E27FC236}">
-                <a16:creationId xmlns:a16="http://schemas.microsoft.com/office/drawing/2014/main" id="{78CBBD7E-25D6-1BD5-37F1-57C7A2614B06}"/>
-              </a:ext>
-            </a:extLst>
-          </p:cNvPr>
-          <p:cNvSpPr>
-            <a:spLocks noGrp="1"/>
-          </p:cNvSpPr>
-          <p:nvPr>
-            <p:ph type="sldNum" sz="quarter" idx="12"/>
-          </p:nvPr>
-        </p:nvSpPr>
-        <p:spPr/>
-        <p:txBody>
-          <a:bodyPr/>
-          <a:lstStyle/>
-          <a:p>
-            <a:pPr rtl="0"/>
-            <a:fld id="{5A4A7955-6230-48B4-BD8B-A7C460F75945}" type="slidenum">
-              <a:rPr lang="en-GB" noProof="0" smtClean="0"/>
-              <a:t>3</a:t>
-            </a:fld>
-            <a:endParaRPr lang="en-GB" noProof="0"/>
-          </a:p>
-        </p:txBody>
-      </p:sp>
-      <p:sp>
-        <p:nvSpPr>
-          <p:cNvPr id="3" name="Rounded Rectangle 79">
-            <a:extLst>
-              <a:ext uri="{FF2B5EF4-FFF2-40B4-BE49-F238E27FC236}">
-                <a16:creationId xmlns:a16="http://schemas.microsoft.com/office/drawing/2014/main" id="{A0273823-F681-2562-2E20-736FADA2DE4D}"/>
+          <p:cNvPr id="4" name="Rounded Rectangle 84">
+            <a:extLst>
+              <a:ext uri="{FF2B5EF4-FFF2-40B4-BE49-F238E27FC236}">
+                <a16:creationId xmlns:a16="http://schemas.microsoft.com/office/drawing/2014/main" id="{29890B54-3538-DFA0-9036-90BD976AC64F}"/>
               </a:ext>
               <a:ext uri="{C183D7F6-B498-43B3-948B-1728B52AA6E4}">
                 <adec:decorative xmlns:adec="http://schemas.microsoft.com/office/drawing/2017/decorative" val="1"/>
@@ -8907,8 +9105,8 @@
         </p:nvSpPr>
         <p:spPr>
           <a:xfrm>
-            <a:off x="835877" y="5130054"/>
-            <a:ext cx="2015063" cy="560290"/>
+            <a:off x="4291222" y="4680474"/>
+            <a:ext cx="2146450" cy="560290"/>
           </a:xfrm>
           <a:prstGeom prst="roundRect">
             <a:avLst>
@@ -8917,7 +9115,9 @@
           </a:prstGeom>
           <a:solidFill>
             <a:schemeClr val="tx2">
-              <a:alpha val="55000"/>
+              <a:lumMod val="40000"/>
+              <a:lumOff val="60000"/>
+              <a:alpha val="25000"/>
             </a:schemeClr>
           </a:solidFill>
           <a:ln w="9525">
@@ -8951,67 +9151,6 @@
       </p:sp>
       <p:sp>
         <p:nvSpPr>
-          <p:cNvPr id="4" name="Rounded Rectangle 84">
-            <a:extLst>
-              <a:ext uri="{FF2B5EF4-FFF2-40B4-BE49-F238E27FC236}">
-                <a16:creationId xmlns:a16="http://schemas.microsoft.com/office/drawing/2014/main" id="{29890B54-3538-DFA0-9036-90BD976AC64F}"/>
-              </a:ext>
-              <a:ext uri="{C183D7F6-B498-43B3-948B-1728B52AA6E4}">
-                <adec:decorative xmlns:adec="http://schemas.microsoft.com/office/drawing/2017/decorative" val="1"/>
-              </a:ext>
-            </a:extLst>
-          </p:cNvPr>
-          <p:cNvSpPr/>
-          <p:nvPr/>
-        </p:nvSpPr>
-        <p:spPr>
-          <a:xfrm>
-            <a:off x="4215022" y="5130054"/>
-            <a:ext cx="2146450" cy="560290"/>
-          </a:xfrm>
-          <a:prstGeom prst="roundRect">
-            <a:avLst>
-              <a:gd name="adj" fmla="val 50000"/>
-            </a:avLst>
-          </a:prstGeom>
-          <a:solidFill>
-            <a:schemeClr val="tx2">
-              <a:lumMod val="40000"/>
-              <a:lumOff val="60000"/>
-              <a:alpha val="25000"/>
-            </a:schemeClr>
-          </a:solidFill>
-          <a:ln w="9525">
-            <a:noFill/>
-          </a:ln>
-        </p:spPr>
-        <p:style>
-          <a:lnRef idx="2">
-            <a:schemeClr val="accent1">
-              <a:shade val="50000"/>
-            </a:schemeClr>
-          </a:lnRef>
-          <a:fillRef idx="1">
-            <a:schemeClr val="accent1"/>
-          </a:fillRef>
-          <a:effectRef idx="0">
-            <a:schemeClr val="accent1"/>
-          </a:effectRef>
-          <a:fontRef idx="minor">
-            <a:schemeClr val="lt1"/>
-          </a:fontRef>
-        </p:style>
-        <p:txBody>
-          <a:bodyPr rtlCol="0" anchor="ctr"/>
-          <a:lstStyle/>
-          <a:p>
-            <a:pPr algn="ctr" rtl="0"/>
-            <a:endParaRPr lang="en-GB"/>
-          </a:p>
-        </p:txBody>
-      </p:sp>
-      <p:sp>
-        <p:nvSpPr>
           <p:cNvPr id="8" name="TextBox 7">
             <a:extLst>
               <a:ext uri="{FF2B5EF4-FFF2-40B4-BE49-F238E27FC236}">
@@ -9024,7 +9163,7 @@
         </p:nvSpPr>
         <p:spPr>
           <a:xfrm>
-            <a:off x="1645149" y="5287088"/>
+            <a:off x="1721349" y="4837508"/>
             <a:ext cx="396520" cy="246221"/>
           </a:xfrm>
           <a:prstGeom prst="rect">
@@ -9060,8 +9199,8 @@
         </p:nvSpPr>
         <p:spPr>
           <a:xfrm>
-            <a:off x="4444843" y="2327876"/>
-            <a:ext cx="1555427" cy="246221"/>
+            <a:off x="4468684" y="1878296"/>
+            <a:ext cx="1765228" cy="246221"/>
           </a:xfrm>
           <a:prstGeom prst="rect">
             <a:avLst/>
@@ -9077,7 +9216,15 @@
             <a:pPr algn="ctr" rtl="0"/>
             <a:r>
               <a:rPr lang="en-GB" sz="1600" dirty="0"/>
-              <a:t>have been working</a:t>
+              <a:t>have</a:t>
+            </a:r>
+            <a:r>
+              <a:rPr lang="ru-UA" sz="1600" dirty="0"/>
+              <a:t> </a:t>
+            </a:r>
+            <a:r>
+              <a:rPr lang="en-GB" sz="1600" dirty="0"/>
+              <a:t>written 3 books </a:t>
             </a:r>
           </a:p>
         </p:txBody>
@@ -9096,8 +9243,8 @@
         </p:nvSpPr>
         <p:spPr>
           <a:xfrm>
-            <a:off x="4444841" y="3037697"/>
-            <a:ext cx="1555426" cy="246221"/>
+            <a:off x="4468684" y="2584316"/>
+            <a:ext cx="1765227" cy="246221"/>
           </a:xfrm>
           <a:prstGeom prst="rect">
             <a:avLst/>
@@ -9110,10 +9257,18 @@
           </a:bodyPr>
           <a:lstStyle/>
           <a:p>
-            <a:pPr algn="ctr"/>
+            <a:pPr algn="ctr" rtl="0"/>
             <a:r>
               <a:rPr lang="en-GB" sz="1600" dirty="0"/>
-              <a:t>have been working</a:t>
+              <a:t>have</a:t>
+            </a:r>
+            <a:r>
+              <a:rPr lang="ru-UA" sz="1600" dirty="0"/>
+              <a:t> </a:t>
+            </a:r>
+            <a:r>
+              <a:rPr lang="en-GB" sz="1600" dirty="0"/>
+              <a:t>written 3 books </a:t>
             </a:r>
           </a:p>
         </p:txBody>
@@ -9132,8 +9287,8 @@
         </p:nvSpPr>
         <p:spPr>
           <a:xfrm>
-            <a:off x="4497386" y="3773955"/>
-            <a:ext cx="1450333" cy="246221"/>
+            <a:off x="4521234" y="3324375"/>
+            <a:ext cx="1660134" cy="246221"/>
           </a:xfrm>
           <a:prstGeom prst="rect">
             <a:avLst/>
@@ -9149,7 +9304,15 @@
             <a:pPr algn="ctr" rtl="0"/>
             <a:r>
               <a:rPr lang="en-GB" sz="1600" dirty="0"/>
-              <a:t>has been working</a:t>
+              <a:t>has</a:t>
+            </a:r>
+            <a:r>
+              <a:rPr lang="ru-UA" sz="1600" dirty="0"/>
+              <a:t> </a:t>
+            </a:r>
+            <a:r>
+              <a:rPr lang="en-GB" sz="1600" dirty="0"/>
+              <a:t>written 3 books </a:t>
             </a:r>
           </a:p>
         </p:txBody>
@@ -9168,8 +9331,8 @@
         </p:nvSpPr>
         <p:spPr>
           <a:xfrm>
-            <a:off x="4444840" y="4493796"/>
-            <a:ext cx="1555426" cy="246221"/>
+            <a:off x="4468684" y="4047414"/>
+            <a:ext cx="1765227" cy="246221"/>
           </a:xfrm>
           <a:prstGeom prst="rect">
             <a:avLst/>
@@ -9185,7 +9348,15 @@
             <a:pPr algn="ctr" rtl="0"/>
             <a:r>
               <a:rPr lang="en-GB" sz="1600" dirty="0"/>
-              <a:t>have been working</a:t>
+              <a:t>have</a:t>
+            </a:r>
+            <a:r>
+              <a:rPr lang="ru-UA" sz="1600" dirty="0"/>
+              <a:t> </a:t>
+            </a:r>
+            <a:r>
+              <a:rPr lang="en-GB" sz="1600" dirty="0"/>
+              <a:t>written 3 books </a:t>
             </a:r>
           </a:p>
         </p:txBody>
@@ -9204,8 +9375,8 @@
         </p:nvSpPr>
         <p:spPr>
           <a:xfrm>
-            <a:off x="4444840" y="5287088"/>
-            <a:ext cx="1555426" cy="246221"/>
+            <a:off x="4468684" y="4836316"/>
+            <a:ext cx="1765227" cy="246221"/>
           </a:xfrm>
           <a:prstGeom prst="rect">
             <a:avLst/>
@@ -9221,7 +9392,15 @@
             <a:pPr algn="ctr" rtl="0"/>
             <a:r>
               <a:rPr lang="en-GB" sz="1600" dirty="0"/>
-              <a:t>have been working</a:t>
+              <a:t>have</a:t>
+            </a:r>
+            <a:r>
+              <a:rPr lang="ru-UA" sz="1600" dirty="0"/>
+              <a:t> </a:t>
+            </a:r>
+            <a:r>
+              <a:rPr lang="en-GB" sz="1600" dirty="0"/>
+              <a:t>written 3 books </a:t>
             </a:r>
           </a:p>
         </p:txBody>
@@ -10382,10 +10561,6 @@
           <a:p>
             <a:pPr algn="ctr" rtl="0"/>
             <a:r>
-              <a:rPr lang="en-GB" sz="1600" i="1" dirty="0"/>
-              <a:t>I </a:t>
-            </a:r>
-            <a:r>
               <a:rPr lang="en-GB" sz="1600" i="1" dirty="0">
                 <a:solidFill>
                   <a:schemeClr val="bg1">
@@ -10393,7 +10568,7 @@
                   </a:schemeClr>
                 </a:solidFill>
               </a:rPr>
-              <a:t>had not worked</a:t>
+              <a:t>I had not worked</a:t>
             </a:r>
           </a:p>
         </p:txBody>
@@ -11852,40 +12027,7374 @@
           </a:p>
         </p:txBody>
       </p:sp>
-      <p:pic>
-        <p:nvPicPr>
-          <p:cNvPr id="6" name="Picture 5">
-            <a:extLst>
-              <a:ext uri="{FF2B5EF4-FFF2-40B4-BE49-F238E27FC236}">
-                <a16:creationId xmlns:a16="http://schemas.microsoft.com/office/drawing/2014/main" id="{ECB590C7-9D04-A099-C9EB-AF4DAF26CCEE}"/>
-              </a:ext>
-            </a:extLst>
-          </p:cNvPr>
-          <p:cNvPicPr>
-            <a:picLocks noChangeAspect="1"/>
-          </p:cNvPicPr>
-          <p:nvPr/>
-        </p:nvPicPr>
-        <p:blipFill>
-          <a:blip r:embed="rId3"/>
-          <a:stretch>
-            <a:fillRect/>
-          </a:stretch>
-        </p:blipFill>
-        <p:spPr>
-          <a:xfrm>
-            <a:off x="1129228" y="1503783"/>
-            <a:ext cx="9666590" cy="4948534"/>
-          </a:xfrm>
-          <a:prstGeom prst="rect">
-            <a:avLst/>
-          </a:prstGeom>
-        </p:spPr>
-      </p:pic>
+      <p:graphicFrame>
+        <p:nvGraphicFramePr>
+          <p:cNvPr id="10" name="Table 9">
+            <a:extLst>
+              <a:ext uri="{FF2B5EF4-FFF2-40B4-BE49-F238E27FC236}">
+                <a16:creationId xmlns:a16="http://schemas.microsoft.com/office/drawing/2014/main" id="{18B9E324-940F-FCF9-ECFE-985004A7DDBE}"/>
+              </a:ext>
+            </a:extLst>
+          </p:cNvPr>
+          <p:cNvGraphicFramePr>
+            <a:graphicFrameLocks noGrp="1"/>
+          </p:cNvGraphicFramePr>
+          <p:nvPr>
+            <p:extLst>
+              <p:ext uri="{D42A27DB-BD31-4B8C-83A1-F6EECF244321}">
+                <p14:modId xmlns:p14="http://schemas.microsoft.com/office/powerpoint/2010/main" val="836867986"/>
+              </p:ext>
+            </p:extLst>
+          </p:nvPr>
+        </p:nvGraphicFramePr>
+        <p:xfrm>
+          <a:off x="1917290" y="1800545"/>
+          <a:ext cx="7315199" cy="5593315"/>
+        </p:xfrm>
+        <a:graphic>
+          <a:graphicData uri="http://schemas.openxmlformats.org/drawingml/2006/table">
+            <a:tbl>
+              <a:tblPr>
+                <a:tableStyleId>{5C22544A-7EE6-4342-B048-85BDC9FD1C3A}</a:tableStyleId>
+              </a:tblPr>
+              <a:tblGrid>
+                <a:gridCol w="1772132">
+                  <a:extLst>
+                    <a:ext uri="{9D8B030D-6E8A-4147-A177-3AD203B41FA5}">
+                      <a16:colId xmlns:a16="http://schemas.microsoft.com/office/drawing/2014/main" val="1010450805"/>
+                    </a:ext>
+                  </a:extLst>
+                </a:gridCol>
+                <a:gridCol w="1772132">
+                  <a:extLst>
+                    <a:ext uri="{9D8B030D-6E8A-4147-A177-3AD203B41FA5}">
+                      <a16:colId xmlns:a16="http://schemas.microsoft.com/office/drawing/2014/main" val="3008204618"/>
+                    </a:ext>
+                  </a:extLst>
+                </a:gridCol>
+                <a:gridCol w="1772132">
+                  <a:extLst>
+                    <a:ext uri="{9D8B030D-6E8A-4147-A177-3AD203B41FA5}">
+                      <a16:colId xmlns:a16="http://schemas.microsoft.com/office/drawing/2014/main" val="2259743584"/>
+                    </a:ext>
+                  </a:extLst>
+                </a:gridCol>
+                <a:gridCol w="1998803">
+                  <a:extLst>
+                    <a:ext uri="{9D8B030D-6E8A-4147-A177-3AD203B41FA5}">
+                      <a16:colId xmlns:a16="http://schemas.microsoft.com/office/drawing/2014/main" val="1822177018"/>
+                    </a:ext>
+                  </a:extLst>
+                </a:gridCol>
+              </a:tblGrid>
+              <a:tr h="297335">
+                <a:tc>
+                  <a:txBody>
+                    <a:bodyPr/>
+                    <a:lstStyle/>
+                    <a:p>
+                      <a:pPr algn="ctr" fontAlgn="ctr"/>
+                      <a:r>
+                        <a:rPr lang="en-GB" sz="1800" b="1" u="none" strike="noStrike" dirty="0">
+                          <a:solidFill>
+                            <a:schemeClr val="bg1"/>
+                          </a:solidFill>
+                          <a:effectLst/>
+                        </a:rPr>
+                        <a:t>Infinitive</a:t>
+                      </a:r>
+                      <a:endParaRPr lang="en-GB" sz="1800" b="1" i="0" u="none" strike="noStrike" dirty="0">
+                        <a:solidFill>
+                          <a:schemeClr val="bg1"/>
+                        </a:solidFill>
+                        <a:effectLst/>
+                        <a:latin typeface="Aptos Narrow" panose="020B0004020202020204" pitchFamily="34" charset="0"/>
+                      </a:endParaRPr>
+                    </a:p>
+                  </a:txBody>
+                  <a:tcPr marL="4229" marR="4229" marT="4229" marB="0" anchor="ctr">
+                    <a:lnL w="12700" cap="flat" cmpd="sng" algn="ctr">
+                      <a:solidFill>
+                        <a:schemeClr val="tx1"/>
+                      </a:solidFill>
+                      <a:prstDash val="solid"/>
+                      <a:round/>
+                      <a:headEnd type="none" w="med" len="med"/>
+                      <a:tailEnd type="none" w="med" len="med"/>
+                    </a:lnL>
+                    <a:lnT w="12700" cap="flat" cmpd="sng" algn="ctr">
+                      <a:solidFill>
+                        <a:schemeClr val="tx1"/>
+                      </a:solidFill>
+                      <a:prstDash val="solid"/>
+                      <a:round/>
+                      <a:headEnd type="none" w="med" len="med"/>
+                      <a:tailEnd type="none" w="med" len="med"/>
+                    </a:lnT>
+                    <a:lnB w="12700" cap="flat" cmpd="sng" algn="ctr">
+                      <a:solidFill>
+                        <a:schemeClr val="tx1"/>
+                      </a:solidFill>
+                      <a:prstDash val="solid"/>
+                      <a:round/>
+                      <a:headEnd type="none" w="med" len="med"/>
+                      <a:tailEnd type="none" w="med" len="med"/>
+                    </a:lnB>
+                    <a:solidFill>
+                      <a:schemeClr val="accent1">
+                        <a:lumMod val="75000"/>
+                      </a:schemeClr>
+                    </a:solidFill>
+                  </a:tcPr>
+                </a:tc>
+                <a:tc>
+                  <a:txBody>
+                    <a:bodyPr/>
+                    <a:lstStyle/>
+                    <a:p>
+                      <a:pPr algn="ctr" fontAlgn="ctr"/>
+                      <a:r>
+                        <a:rPr lang="en-GB" sz="1800" b="1" u="none" strike="noStrike" dirty="0">
+                          <a:solidFill>
+                            <a:schemeClr val="bg1"/>
+                          </a:solidFill>
+                          <a:effectLst/>
+                        </a:rPr>
+                        <a:t>Past Simple</a:t>
+                      </a:r>
+                      <a:endParaRPr lang="en-GB" sz="1800" b="1" i="0" u="none" strike="noStrike" dirty="0">
+                        <a:solidFill>
+                          <a:schemeClr val="bg1"/>
+                        </a:solidFill>
+                        <a:effectLst/>
+                        <a:latin typeface="Aptos Narrow" panose="020B0004020202020204" pitchFamily="34" charset="0"/>
+                      </a:endParaRPr>
+                    </a:p>
+                  </a:txBody>
+                  <a:tcPr marL="4229" marR="4229" marT="4229" marB="0" anchor="ctr">
+                    <a:lnT w="12700" cap="flat" cmpd="sng" algn="ctr">
+                      <a:solidFill>
+                        <a:schemeClr val="tx1"/>
+                      </a:solidFill>
+                      <a:prstDash val="solid"/>
+                      <a:round/>
+                      <a:headEnd type="none" w="med" len="med"/>
+                      <a:tailEnd type="none" w="med" len="med"/>
+                    </a:lnT>
+                    <a:lnB w="12700" cap="flat" cmpd="sng" algn="ctr">
+                      <a:solidFill>
+                        <a:schemeClr val="tx1"/>
+                      </a:solidFill>
+                      <a:prstDash val="solid"/>
+                      <a:round/>
+                      <a:headEnd type="none" w="med" len="med"/>
+                      <a:tailEnd type="none" w="med" len="med"/>
+                    </a:lnB>
+                    <a:solidFill>
+                      <a:schemeClr val="accent1">
+                        <a:lumMod val="75000"/>
+                      </a:schemeClr>
+                    </a:solidFill>
+                  </a:tcPr>
+                </a:tc>
+                <a:tc>
+                  <a:txBody>
+                    <a:bodyPr/>
+                    <a:lstStyle/>
+                    <a:p>
+                      <a:pPr algn="ctr" fontAlgn="ctr"/>
+                      <a:r>
+                        <a:rPr lang="en-GB" sz="1800" b="1" u="none" strike="noStrike" dirty="0">
+                          <a:solidFill>
+                            <a:schemeClr val="bg1"/>
+                          </a:solidFill>
+                          <a:effectLst/>
+                        </a:rPr>
+                        <a:t>Past Participle</a:t>
+                      </a:r>
+                      <a:endParaRPr lang="en-GB" sz="1800" b="1" i="0" u="none" strike="noStrike" dirty="0">
+                        <a:solidFill>
+                          <a:schemeClr val="bg1"/>
+                        </a:solidFill>
+                        <a:effectLst/>
+                        <a:latin typeface="Aptos Narrow" panose="020B0004020202020204" pitchFamily="34" charset="0"/>
+                      </a:endParaRPr>
+                    </a:p>
+                  </a:txBody>
+                  <a:tcPr marL="4229" marR="4229" marT="4229" marB="0" anchor="ctr">
+                    <a:lnT w="12700" cap="flat" cmpd="sng" algn="ctr">
+                      <a:solidFill>
+                        <a:schemeClr val="tx1"/>
+                      </a:solidFill>
+                      <a:prstDash val="solid"/>
+                      <a:round/>
+                      <a:headEnd type="none" w="med" len="med"/>
+                      <a:tailEnd type="none" w="med" len="med"/>
+                    </a:lnT>
+                    <a:lnB w="12700" cap="flat" cmpd="sng" algn="ctr">
+                      <a:solidFill>
+                        <a:schemeClr val="tx1"/>
+                      </a:solidFill>
+                      <a:prstDash val="solid"/>
+                      <a:round/>
+                      <a:headEnd type="none" w="med" len="med"/>
+                      <a:tailEnd type="none" w="med" len="med"/>
+                    </a:lnB>
+                    <a:solidFill>
+                      <a:schemeClr val="accent1">
+                        <a:lumMod val="75000"/>
+                      </a:schemeClr>
+                    </a:solidFill>
+                  </a:tcPr>
+                </a:tc>
+                <a:tc>
+                  <a:txBody>
+                    <a:bodyPr/>
+                    <a:lstStyle/>
+                    <a:p>
+                      <a:pPr algn="ctr" fontAlgn="ctr"/>
+                      <a:r>
+                        <a:rPr lang="uk-UA" sz="1800" b="1" u="none" strike="noStrike" dirty="0">
+                          <a:solidFill>
+                            <a:schemeClr val="bg1"/>
+                          </a:solidFill>
+                          <a:effectLst/>
+                        </a:rPr>
+                        <a:t>Переклад</a:t>
+                      </a:r>
+                      <a:endParaRPr lang="uk-UA" sz="1800" b="1" i="0" u="none" strike="noStrike" dirty="0">
+                        <a:solidFill>
+                          <a:schemeClr val="bg1"/>
+                        </a:solidFill>
+                        <a:effectLst/>
+                        <a:latin typeface="Aptos Narrow" panose="020B0004020202020204" pitchFamily="34" charset="0"/>
+                      </a:endParaRPr>
+                    </a:p>
+                  </a:txBody>
+                  <a:tcPr marL="4229" marR="4229" marT="4229" marB="0" anchor="ctr">
+                    <a:lnR w="12700" cap="flat" cmpd="sng" algn="ctr">
+                      <a:solidFill>
+                        <a:schemeClr val="tx1"/>
+                      </a:solidFill>
+                      <a:prstDash val="solid"/>
+                      <a:round/>
+                      <a:headEnd type="none" w="med" len="med"/>
+                      <a:tailEnd type="none" w="med" len="med"/>
+                    </a:lnR>
+                    <a:lnT w="12700" cap="flat" cmpd="sng" algn="ctr">
+                      <a:solidFill>
+                        <a:schemeClr val="tx1"/>
+                      </a:solidFill>
+                      <a:prstDash val="solid"/>
+                      <a:round/>
+                      <a:headEnd type="none" w="med" len="med"/>
+                      <a:tailEnd type="none" w="med" len="med"/>
+                    </a:lnT>
+                    <a:lnB w="12700" cap="flat" cmpd="sng" algn="ctr">
+                      <a:solidFill>
+                        <a:schemeClr val="tx1"/>
+                      </a:solidFill>
+                      <a:prstDash val="solid"/>
+                      <a:round/>
+                      <a:headEnd type="none" w="med" len="med"/>
+                      <a:tailEnd type="none" w="med" len="med"/>
+                    </a:lnB>
+                    <a:solidFill>
+                      <a:schemeClr val="accent1">
+                        <a:lumMod val="75000"/>
+                      </a:schemeClr>
+                    </a:solidFill>
+                  </a:tcPr>
+                </a:tc>
+                <a:extLst>
+                  <a:ext uri="{0D108BD9-81ED-4DB2-BD59-A6C34878D82A}">
+                    <a16:rowId xmlns:a16="http://schemas.microsoft.com/office/drawing/2014/main" val="3433110137"/>
+                  </a:ext>
+                </a:extLst>
+              </a:tr>
+              <a:tr h="264799">
+                <a:tc>
+                  <a:txBody>
+                    <a:bodyPr/>
+                    <a:lstStyle/>
+                    <a:p>
+                      <a:pPr algn="ctr" fontAlgn="ctr"/>
+                      <a:r>
+                        <a:rPr lang="en-GB" sz="1600" u="none" strike="noStrike" dirty="0">
+                          <a:effectLst/>
+                        </a:rPr>
+                        <a:t>be</a:t>
+                      </a:r>
+                      <a:endParaRPr lang="en-GB" sz="1600" b="0" i="0" u="none" strike="noStrike" dirty="0">
+                        <a:solidFill>
+                          <a:srgbClr val="000000"/>
+                        </a:solidFill>
+                        <a:effectLst/>
+                        <a:latin typeface="Aptos Narrow" panose="020B0004020202020204" pitchFamily="34" charset="0"/>
+                      </a:endParaRPr>
+                    </a:p>
+                  </a:txBody>
+                  <a:tcPr marL="4229" marR="4229" marT="4229" marB="0" anchor="ctr">
+                    <a:lnL w="12700" cap="flat" cmpd="sng" algn="ctr">
+                      <a:solidFill>
+                        <a:schemeClr val="tx1"/>
+                      </a:solidFill>
+                      <a:prstDash val="solid"/>
+                      <a:round/>
+                      <a:headEnd type="none" w="med" len="med"/>
+                      <a:tailEnd type="none" w="med" len="med"/>
+                    </a:lnL>
+                    <a:lnR w="12700" cap="flat" cmpd="sng" algn="ctr">
+                      <a:solidFill>
+                        <a:schemeClr val="tx1"/>
+                      </a:solidFill>
+                      <a:prstDash val="solid"/>
+                      <a:round/>
+                      <a:headEnd type="none" w="med" len="med"/>
+                      <a:tailEnd type="none" w="med" len="med"/>
+                    </a:lnR>
+                    <a:lnT w="12700" cap="flat" cmpd="sng" algn="ctr">
+                      <a:solidFill>
+                        <a:schemeClr val="tx1"/>
+                      </a:solidFill>
+                      <a:prstDash val="solid"/>
+                      <a:round/>
+                      <a:headEnd type="none" w="med" len="med"/>
+                      <a:tailEnd type="none" w="med" len="med"/>
+                    </a:lnT>
+                    <a:lnB w="12700" cap="flat" cmpd="sng" algn="ctr">
+                      <a:solidFill>
+                        <a:schemeClr val="tx1"/>
+                      </a:solidFill>
+                      <a:prstDash val="solid"/>
+                      <a:round/>
+                      <a:headEnd type="none" w="med" len="med"/>
+                      <a:tailEnd type="none" w="med" len="med"/>
+                    </a:lnB>
+                  </a:tcPr>
+                </a:tc>
+                <a:tc>
+                  <a:txBody>
+                    <a:bodyPr/>
+                    <a:lstStyle/>
+                    <a:p>
+                      <a:pPr algn="ctr" fontAlgn="ctr"/>
+                      <a:r>
+                        <a:rPr lang="en-GB" sz="1600" u="none" strike="noStrike" dirty="0">
+                          <a:effectLst/>
+                        </a:rPr>
+                        <a:t>was/were</a:t>
+                      </a:r>
+                      <a:endParaRPr lang="en-GB" sz="1600" b="0" i="0" u="none" strike="noStrike" dirty="0">
+                        <a:solidFill>
+                          <a:srgbClr val="000000"/>
+                        </a:solidFill>
+                        <a:effectLst/>
+                        <a:latin typeface="Aptos Narrow" panose="020B0004020202020204" pitchFamily="34" charset="0"/>
+                      </a:endParaRPr>
+                    </a:p>
+                  </a:txBody>
+                  <a:tcPr marL="4229" marR="4229" marT="4229" marB="0" anchor="ctr">
+                    <a:lnL w="12700" cap="flat" cmpd="sng" algn="ctr">
+                      <a:solidFill>
+                        <a:schemeClr val="tx1"/>
+                      </a:solidFill>
+                      <a:prstDash val="solid"/>
+                      <a:round/>
+                      <a:headEnd type="none" w="med" len="med"/>
+                      <a:tailEnd type="none" w="med" len="med"/>
+                    </a:lnL>
+                    <a:lnR w="12700" cap="flat" cmpd="sng" algn="ctr">
+                      <a:solidFill>
+                        <a:schemeClr val="tx1"/>
+                      </a:solidFill>
+                      <a:prstDash val="solid"/>
+                      <a:round/>
+                      <a:headEnd type="none" w="med" len="med"/>
+                      <a:tailEnd type="none" w="med" len="med"/>
+                    </a:lnR>
+                    <a:lnT w="12700" cap="flat" cmpd="sng" algn="ctr">
+                      <a:solidFill>
+                        <a:schemeClr val="tx1"/>
+                      </a:solidFill>
+                      <a:prstDash val="solid"/>
+                      <a:round/>
+                      <a:headEnd type="none" w="med" len="med"/>
+                      <a:tailEnd type="none" w="med" len="med"/>
+                    </a:lnT>
+                    <a:lnB w="12700" cap="flat" cmpd="sng" algn="ctr">
+                      <a:solidFill>
+                        <a:schemeClr val="tx1"/>
+                      </a:solidFill>
+                      <a:prstDash val="solid"/>
+                      <a:round/>
+                      <a:headEnd type="none" w="med" len="med"/>
+                      <a:tailEnd type="none" w="med" len="med"/>
+                    </a:lnB>
+                  </a:tcPr>
+                </a:tc>
+                <a:tc>
+                  <a:txBody>
+                    <a:bodyPr/>
+                    <a:lstStyle/>
+                    <a:p>
+                      <a:pPr algn="ctr" fontAlgn="ctr"/>
+                      <a:r>
+                        <a:rPr lang="en-GB" sz="1600" u="none" strike="noStrike" dirty="0">
+                          <a:effectLst/>
+                        </a:rPr>
+                        <a:t>been</a:t>
+                      </a:r>
+                      <a:endParaRPr lang="en-GB" sz="1600" b="0" i="0" u="none" strike="noStrike" dirty="0">
+                        <a:solidFill>
+                          <a:srgbClr val="000000"/>
+                        </a:solidFill>
+                        <a:effectLst/>
+                        <a:latin typeface="Aptos Narrow" panose="020B0004020202020204" pitchFamily="34" charset="0"/>
+                      </a:endParaRPr>
+                    </a:p>
+                  </a:txBody>
+                  <a:tcPr marL="4229" marR="4229" marT="4229" marB="0" anchor="ctr">
+                    <a:lnL w="12700" cap="flat" cmpd="sng" algn="ctr">
+                      <a:solidFill>
+                        <a:schemeClr val="tx1"/>
+                      </a:solidFill>
+                      <a:prstDash val="solid"/>
+                      <a:round/>
+                      <a:headEnd type="none" w="med" len="med"/>
+                      <a:tailEnd type="none" w="med" len="med"/>
+                    </a:lnL>
+                    <a:lnR w="12700" cap="flat" cmpd="sng" algn="ctr">
+                      <a:solidFill>
+                        <a:schemeClr val="tx1"/>
+                      </a:solidFill>
+                      <a:prstDash val="solid"/>
+                      <a:round/>
+                      <a:headEnd type="none" w="med" len="med"/>
+                      <a:tailEnd type="none" w="med" len="med"/>
+                    </a:lnR>
+                    <a:lnT w="12700" cap="flat" cmpd="sng" algn="ctr">
+                      <a:solidFill>
+                        <a:schemeClr val="tx1"/>
+                      </a:solidFill>
+                      <a:prstDash val="solid"/>
+                      <a:round/>
+                      <a:headEnd type="none" w="med" len="med"/>
+                      <a:tailEnd type="none" w="med" len="med"/>
+                    </a:lnT>
+                    <a:lnB w="12700" cap="flat" cmpd="sng" algn="ctr">
+                      <a:solidFill>
+                        <a:schemeClr val="tx1"/>
+                      </a:solidFill>
+                      <a:prstDash val="solid"/>
+                      <a:round/>
+                      <a:headEnd type="none" w="med" len="med"/>
+                      <a:tailEnd type="none" w="med" len="med"/>
+                    </a:lnB>
+                  </a:tcPr>
+                </a:tc>
+                <a:tc>
+                  <a:txBody>
+                    <a:bodyPr/>
+                    <a:lstStyle/>
+                    <a:p>
+                      <a:pPr algn="ctr" fontAlgn="ctr"/>
+                      <a:r>
+                        <a:rPr lang="uk-UA" sz="1600" u="none" strike="noStrike" dirty="0">
+                          <a:effectLst/>
+                        </a:rPr>
+                        <a:t>бути</a:t>
+                      </a:r>
+                      <a:endParaRPr lang="uk-UA" sz="1600" b="0" i="0" u="none" strike="noStrike" dirty="0">
+                        <a:solidFill>
+                          <a:srgbClr val="000000"/>
+                        </a:solidFill>
+                        <a:effectLst/>
+                        <a:latin typeface="Aptos Narrow" panose="020B0004020202020204" pitchFamily="34" charset="0"/>
+                      </a:endParaRPr>
+                    </a:p>
+                  </a:txBody>
+                  <a:tcPr marL="4229" marR="4229" marT="4229" marB="0" anchor="ctr">
+                    <a:lnL w="12700" cap="flat" cmpd="sng" algn="ctr">
+                      <a:solidFill>
+                        <a:schemeClr val="tx1"/>
+                      </a:solidFill>
+                      <a:prstDash val="solid"/>
+                      <a:round/>
+                      <a:headEnd type="none" w="med" len="med"/>
+                      <a:tailEnd type="none" w="med" len="med"/>
+                    </a:lnL>
+                    <a:lnR w="12700" cap="flat" cmpd="sng" algn="ctr">
+                      <a:solidFill>
+                        <a:schemeClr val="tx1"/>
+                      </a:solidFill>
+                      <a:prstDash val="solid"/>
+                      <a:round/>
+                      <a:headEnd type="none" w="med" len="med"/>
+                      <a:tailEnd type="none" w="med" len="med"/>
+                    </a:lnR>
+                    <a:lnT w="12700" cap="flat" cmpd="sng" algn="ctr">
+                      <a:solidFill>
+                        <a:schemeClr val="tx1"/>
+                      </a:solidFill>
+                      <a:prstDash val="solid"/>
+                      <a:round/>
+                      <a:headEnd type="none" w="med" len="med"/>
+                      <a:tailEnd type="none" w="med" len="med"/>
+                    </a:lnT>
+                    <a:lnB w="12700" cap="flat" cmpd="sng" algn="ctr">
+                      <a:solidFill>
+                        <a:schemeClr val="tx1"/>
+                      </a:solidFill>
+                      <a:prstDash val="solid"/>
+                      <a:round/>
+                      <a:headEnd type="none" w="med" len="med"/>
+                      <a:tailEnd type="none" w="med" len="med"/>
+                    </a:lnB>
+                  </a:tcPr>
+                </a:tc>
+                <a:extLst>
+                  <a:ext uri="{0D108BD9-81ED-4DB2-BD59-A6C34878D82A}">
+                    <a16:rowId xmlns:a16="http://schemas.microsoft.com/office/drawing/2014/main" val="4013322127"/>
+                  </a:ext>
+                </a:extLst>
+              </a:tr>
+              <a:tr h="264799">
+                <a:tc>
+                  <a:txBody>
+                    <a:bodyPr/>
+                    <a:lstStyle/>
+                    <a:p>
+                      <a:pPr algn="ctr" fontAlgn="ctr"/>
+                      <a:r>
+                        <a:rPr lang="en-GB" sz="1600" u="none" strike="noStrike">
+                          <a:effectLst/>
+                        </a:rPr>
+                        <a:t>have</a:t>
+                      </a:r>
+                      <a:endParaRPr lang="en-GB" sz="1600" b="0" i="0" u="none" strike="noStrike">
+                        <a:solidFill>
+                          <a:srgbClr val="000000"/>
+                        </a:solidFill>
+                        <a:effectLst/>
+                        <a:latin typeface="Aptos Narrow" panose="020B0004020202020204" pitchFamily="34" charset="0"/>
+                      </a:endParaRPr>
+                    </a:p>
+                  </a:txBody>
+                  <a:tcPr marL="4229" marR="4229" marT="4229" marB="0" anchor="ctr">
+                    <a:lnL w="12700" cap="flat" cmpd="sng" algn="ctr">
+                      <a:solidFill>
+                        <a:schemeClr val="tx1"/>
+                      </a:solidFill>
+                      <a:prstDash val="solid"/>
+                      <a:round/>
+                      <a:headEnd type="none" w="med" len="med"/>
+                      <a:tailEnd type="none" w="med" len="med"/>
+                    </a:lnL>
+                    <a:lnR w="12700" cap="flat" cmpd="sng" algn="ctr">
+                      <a:solidFill>
+                        <a:schemeClr val="tx1"/>
+                      </a:solidFill>
+                      <a:prstDash val="solid"/>
+                      <a:round/>
+                      <a:headEnd type="none" w="med" len="med"/>
+                      <a:tailEnd type="none" w="med" len="med"/>
+                    </a:lnR>
+                    <a:lnT w="12700" cap="flat" cmpd="sng" algn="ctr">
+                      <a:solidFill>
+                        <a:schemeClr val="tx1"/>
+                      </a:solidFill>
+                      <a:prstDash val="solid"/>
+                      <a:round/>
+                      <a:headEnd type="none" w="med" len="med"/>
+                      <a:tailEnd type="none" w="med" len="med"/>
+                    </a:lnT>
+                    <a:lnB w="12700" cap="flat" cmpd="sng" algn="ctr">
+                      <a:solidFill>
+                        <a:schemeClr val="tx1"/>
+                      </a:solidFill>
+                      <a:prstDash val="solid"/>
+                      <a:round/>
+                      <a:headEnd type="none" w="med" len="med"/>
+                      <a:tailEnd type="none" w="med" len="med"/>
+                    </a:lnB>
+                  </a:tcPr>
+                </a:tc>
+                <a:tc>
+                  <a:txBody>
+                    <a:bodyPr/>
+                    <a:lstStyle/>
+                    <a:p>
+                      <a:pPr algn="ctr" fontAlgn="ctr"/>
+                      <a:r>
+                        <a:rPr lang="en-GB" sz="1600" u="none" strike="noStrike">
+                          <a:effectLst/>
+                        </a:rPr>
+                        <a:t>had</a:t>
+                      </a:r>
+                      <a:endParaRPr lang="en-GB" sz="1600" b="0" i="0" u="none" strike="noStrike">
+                        <a:solidFill>
+                          <a:srgbClr val="000000"/>
+                        </a:solidFill>
+                        <a:effectLst/>
+                        <a:latin typeface="Aptos Narrow" panose="020B0004020202020204" pitchFamily="34" charset="0"/>
+                      </a:endParaRPr>
+                    </a:p>
+                  </a:txBody>
+                  <a:tcPr marL="4229" marR="4229" marT="4229" marB="0" anchor="ctr">
+                    <a:lnL w="12700" cap="flat" cmpd="sng" algn="ctr">
+                      <a:solidFill>
+                        <a:schemeClr val="tx1"/>
+                      </a:solidFill>
+                      <a:prstDash val="solid"/>
+                      <a:round/>
+                      <a:headEnd type="none" w="med" len="med"/>
+                      <a:tailEnd type="none" w="med" len="med"/>
+                    </a:lnL>
+                    <a:lnR w="12700" cap="flat" cmpd="sng" algn="ctr">
+                      <a:solidFill>
+                        <a:schemeClr val="tx1"/>
+                      </a:solidFill>
+                      <a:prstDash val="solid"/>
+                      <a:round/>
+                      <a:headEnd type="none" w="med" len="med"/>
+                      <a:tailEnd type="none" w="med" len="med"/>
+                    </a:lnR>
+                    <a:lnT w="12700" cap="flat" cmpd="sng" algn="ctr">
+                      <a:solidFill>
+                        <a:schemeClr val="tx1"/>
+                      </a:solidFill>
+                      <a:prstDash val="solid"/>
+                      <a:round/>
+                      <a:headEnd type="none" w="med" len="med"/>
+                      <a:tailEnd type="none" w="med" len="med"/>
+                    </a:lnT>
+                    <a:lnB w="12700" cap="flat" cmpd="sng" algn="ctr">
+                      <a:solidFill>
+                        <a:schemeClr val="tx1"/>
+                      </a:solidFill>
+                      <a:prstDash val="solid"/>
+                      <a:round/>
+                      <a:headEnd type="none" w="med" len="med"/>
+                      <a:tailEnd type="none" w="med" len="med"/>
+                    </a:lnB>
+                  </a:tcPr>
+                </a:tc>
+                <a:tc>
+                  <a:txBody>
+                    <a:bodyPr/>
+                    <a:lstStyle/>
+                    <a:p>
+                      <a:pPr algn="ctr" fontAlgn="ctr"/>
+                      <a:r>
+                        <a:rPr lang="en-GB" sz="1600" u="none" strike="noStrike">
+                          <a:effectLst/>
+                        </a:rPr>
+                        <a:t>had</a:t>
+                      </a:r>
+                      <a:endParaRPr lang="en-GB" sz="1600" b="0" i="0" u="none" strike="noStrike">
+                        <a:solidFill>
+                          <a:srgbClr val="000000"/>
+                        </a:solidFill>
+                        <a:effectLst/>
+                        <a:latin typeface="Aptos Narrow" panose="020B0004020202020204" pitchFamily="34" charset="0"/>
+                      </a:endParaRPr>
+                    </a:p>
+                  </a:txBody>
+                  <a:tcPr marL="4229" marR="4229" marT="4229" marB="0" anchor="ctr">
+                    <a:lnL w="12700" cap="flat" cmpd="sng" algn="ctr">
+                      <a:solidFill>
+                        <a:schemeClr val="tx1"/>
+                      </a:solidFill>
+                      <a:prstDash val="solid"/>
+                      <a:round/>
+                      <a:headEnd type="none" w="med" len="med"/>
+                      <a:tailEnd type="none" w="med" len="med"/>
+                    </a:lnL>
+                    <a:lnR w="12700" cap="flat" cmpd="sng" algn="ctr">
+                      <a:solidFill>
+                        <a:schemeClr val="tx1"/>
+                      </a:solidFill>
+                      <a:prstDash val="solid"/>
+                      <a:round/>
+                      <a:headEnd type="none" w="med" len="med"/>
+                      <a:tailEnd type="none" w="med" len="med"/>
+                    </a:lnR>
+                    <a:lnT w="12700" cap="flat" cmpd="sng" algn="ctr">
+                      <a:solidFill>
+                        <a:schemeClr val="tx1"/>
+                      </a:solidFill>
+                      <a:prstDash val="solid"/>
+                      <a:round/>
+                      <a:headEnd type="none" w="med" len="med"/>
+                      <a:tailEnd type="none" w="med" len="med"/>
+                    </a:lnT>
+                    <a:lnB w="12700" cap="flat" cmpd="sng" algn="ctr">
+                      <a:solidFill>
+                        <a:schemeClr val="tx1"/>
+                      </a:solidFill>
+                      <a:prstDash val="solid"/>
+                      <a:round/>
+                      <a:headEnd type="none" w="med" len="med"/>
+                      <a:tailEnd type="none" w="med" len="med"/>
+                    </a:lnB>
+                  </a:tcPr>
+                </a:tc>
+                <a:tc>
+                  <a:txBody>
+                    <a:bodyPr/>
+                    <a:lstStyle/>
+                    <a:p>
+                      <a:pPr algn="ctr" fontAlgn="ctr"/>
+                      <a:r>
+                        <a:rPr lang="uk-UA" sz="1600" u="none" strike="noStrike">
+                          <a:effectLst/>
+                        </a:rPr>
+                        <a:t>мати</a:t>
+                      </a:r>
+                      <a:endParaRPr lang="uk-UA" sz="1600" b="0" i="0" u="none" strike="noStrike">
+                        <a:solidFill>
+                          <a:srgbClr val="000000"/>
+                        </a:solidFill>
+                        <a:effectLst/>
+                        <a:latin typeface="Aptos Narrow" panose="020B0004020202020204" pitchFamily="34" charset="0"/>
+                      </a:endParaRPr>
+                    </a:p>
+                  </a:txBody>
+                  <a:tcPr marL="4229" marR="4229" marT="4229" marB="0" anchor="ctr">
+                    <a:lnL w="12700" cap="flat" cmpd="sng" algn="ctr">
+                      <a:solidFill>
+                        <a:schemeClr val="tx1"/>
+                      </a:solidFill>
+                      <a:prstDash val="solid"/>
+                      <a:round/>
+                      <a:headEnd type="none" w="med" len="med"/>
+                      <a:tailEnd type="none" w="med" len="med"/>
+                    </a:lnL>
+                    <a:lnR w="12700" cap="flat" cmpd="sng" algn="ctr">
+                      <a:solidFill>
+                        <a:schemeClr val="tx1"/>
+                      </a:solidFill>
+                      <a:prstDash val="solid"/>
+                      <a:round/>
+                      <a:headEnd type="none" w="med" len="med"/>
+                      <a:tailEnd type="none" w="med" len="med"/>
+                    </a:lnR>
+                    <a:lnT w="12700" cap="flat" cmpd="sng" algn="ctr">
+                      <a:solidFill>
+                        <a:schemeClr val="tx1"/>
+                      </a:solidFill>
+                      <a:prstDash val="solid"/>
+                      <a:round/>
+                      <a:headEnd type="none" w="med" len="med"/>
+                      <a:tailEnd type="none" w="med" len="med"/>
+                    </a:lnT>
+                    <a:lnB w="12700" cap="flat" cmpd="sng" algn="ctr">
+                      <a:solidFill>
+                        <a:schemeClr val="tx1"/>
+                      </a:solidFill>
+                      <a:prstDash val="solid"/>
+                      <a:round/>
+                      <a:headEnd type="none" w="med" len="med"/>
+                      <a:tailEnd type="none" w="med" len="med"/>
+                    </a:lnB>
+                  </a:tcPr>
+                </a:tc>
+                <a:extLst>
+                  <a:ext uri="{0D108BD9-81ED-4DB2-BD59-A6C34878D82A}">
+                    <a16:rowId xmlns:a16="http://schemas.microsoft.com/office/drawing/2014/main" val="3376725539"/>
+                  </a:ext>
+                </a:extLst>
+              </a:tr>
+              <a:tr h="264799">
+                <a:tc>
+                  <a:txBody>
+                    <a:bodyPr/>
+                    <a:lstStyle/>
+                    <a:p>
+                      <a:pPr algn="ctr" fontAlgn="ctr"/>
+                      <a:r>
+                        <a:rPr lang="en-GB" sz="1600" u="none" strike="noStrike" dirty="0">
+                          <a:effectLst/>
+                        </a:rPr>
+                        <a:t>do</a:t>
+                      </a:r>
+                      <a:endParaRPr lang="en-GB" sz="1600" b="0" i="0" u="none" strike="noStrike" dirty="0">
+                        <a:solidFill>
+                          <a:srgbClr val="000000"/>
+                        </a:solidFill>
+                        <a:effectLst/>
+                        <a:latin typeface="Aptos Narrow" panose="020B0004020202020204" pitchFamily="34" charset="0"/>
+                      </a:endParaRPr>
+                    </a:p>
+                  </a:txBody>
+                  <a:tcPr marL="4229" marR="4229" marT="4229" marB="0" anchor="ctr">
+                    <a:lnL w="12700" cap="flat" cmpd="sng" algn="ctr">
+                      <a:solidFill>
+                        <a:schemeClr val="tx1"/>
+                      </a:solidFill>
+                      <a:prstDash val="solid"/>
+                      <a:round/>
+                      <a:headEnd type="none" w="med" len="med"/>
+                      <a:tailEnd type="none" w="med" len="med"/>
+                    </a:lnL>
+                    <a:lnR w="12700" cap="flat" cmpd="sng" algn="ctr">
+                      <a:solidFill>
+                        <a:schemeClr val="tx1"/>
+                      </a:solidFill>
+                      <a:prstDash val="solid"/>
+                      <a:round/>
+                      <a:headEnd type="none" w="med" len="med"/>
+                      <a:tailEnd type="none" w="med" len="med"/>
+                    </a:lnR>
+                    <a:lnT w="12700" cap="flat" cmpd="sng" algn="ctr">
+                      <a:solidFill>
+                        <a:schemeClr val="tx1"/>
+                      </a:solidFill>
+                      <a:prstDash val="solid"/>
+                      <a:round/>
+                      <a:headEnd type="none" w="med" len="med"/>
+                      <a:tailEnd type="none" w="med" len="med"/>
+                    </a:lnT>
+                    <a:lnB w="12700" cap="flat" cmpd="sng" algn="ctr">
+                      <a:solidFill>
+                        <a:schemeClr val="tx1"/>
+                      </a:solidFill>
+                      <a:prstDash val="solid"/>
+                      <a:round/>
+                      <a:headEnd type="none" w="med" len="med"/>
+                      <a:tailEnd type="none" w="med" len="med"/>
+                    </a:lnB>
+                  </a:tcPr>
+                </a:tc>
+                <a:tc>
+                  <a:txBody>
+                    <a:bodyPr/>
+                    <a:lstStyle/>
+                    <a:p>
+                      <a:pPr algn="ctr" fontAlgn="ctr"/>
+                      <a:r>
+                        <a:rPr lang="en-GB" sz="1600" u="none" strike="noStrike">
+                          <a:effectLst/>
+                        </a:rPr>
+                        <a:t>did</a:t>
+                      </a:r>
+                      <a:endParaRPr lang="en-GB" sz="1600" b="0" i="0" u="none" strike="noStrike">
+                        <a:solidFill>
+                          <a:srgbClr val="000000"/>
+                        </a:solidFill>
+                        <a:effectLst/>
+                        <a:latin typeface="Aptos Narrow" panose="020B0004020202020204" pitchFamily="34" charset="0"/>
+                      </a:endParaRPr>
+                    </a:p>
+                  </a:txBody>
+                  <a:tcPr marL="4229" marR="4229" marT="4229" marB="0" anchor="ctr">
+                    <a:lnL w="12700" cap="flat" cmpd="sng" algn="ctr">
+                      <a:solidFill>
+                        <a:schemeClr val="tx1"/>
+                      </a:solidFill>
+                      <a:prstDash val="solid"/>
+                      <a:round/>
+                      <a:headEnd type="none" w="med" len="med"/>
+                      <a:tailEnd type="none" w="med" len="med"/>
+                    </a:lnL>
+                    <a:lnR w="12700" cap="flat" cmpd="sng" algn="ctr">
+                      <a:solidFill>
+                        <a:schemeClr val="tx1"/>
+                      </a:solidFill>
+                      <a:prstDash val="solid"/>
+                      <a:round/>
+                      <a:headEnd type="none" w="med" len="med"/>
+                      <a:tailEnd type="none" w="med" len="med"/>
+                    </a:lnR>
+                    <a:lnT w="12700" cap="flat" cmpd="sng" algn="ctr">
+                      <a:solidFill>
+                        <a:schemeClr val="tx1"/>
+                      </a:solidFill>
+                      <a:prstDash val="solid"/>
+                      <a:round/>
+                      <a:headEnd type="none" w="med" len="med"/>
+                      <a:tailEnd type="none" w="med" len="med"/>
+                    </a:lnT>
+                    <a:lnB w="12700" cap="flat" cmpd="sng" algn="ctr">
+                      <a:solidFill>
+                        <a:schemeClr val="tx1"/>
+                      </a:solidFill>
+                      <a:prstDash val="solid"/>
+                      <a:round/>
+                      <a:headEnd type="none" w="med" len="med"/>
+                      <a:tailEnd type="none" w="med" len="med"/>
+                    </a:lnB>
+                  </a:tcPr>
+                </a:tc>
+                <a:tc>
+                  <a:txBody>
+                    <a:bodyPr/>
+                    <a:lstStyle/>
+                    <a:p>
+                      <a:pPr algn="ctr" fontAlgn="ctr"/>
+                      <a:r>
+                        <a:rPr lang="en-GB" sz="1600" u="none" strike="noStrike">
+                          <a:effectLst/>
+                        </a:rPr>
+                        <a:t>done</a:t>
+                      </a:r>
+                      <a:endParaRPr lang="en-GB" sz="1600" b="0" i="0" u="none" strike="noStrike">
+                        <a:solidFill>
+                          <a:srgbClr val="000000"/>
+                        </a:solidFill>
+                        <a:effectLst/>
+                        <a:latin typeface="Aptos Narrow" panose="020B0004020202020204" pitchFamily="34" charset="0"/>
+                      </a:endParaRPr>
+                    </a:p>
+                  </a:txBody>
+                  <a:tcPr marL="4229" marR="4229" marT="4229" marB="0" anchor="ctr">
+                    <a:lnL w="12700" cap="flat" cmpd="sng" algn="ctr">
+                      <a:solidFill>
+                        <a:schemeClr val="tx1"/>
+                      </a:solidFill>
+                      <a:prstDash val="solid"/>
+                      <a:round/>
+                      <a:headEnd type="none" w="med" len="med"/>
+                      <a:tailEnd type="none" w="med" len="med"/>
+                    </a:lnL>
+                    <a:lnR w="12700" cap="flat" cmpd="sng" algn="ctr">
+                      <a:solidFill>
+                        <a:schemeClr val="tx1"/>
+                      </a:solidFill>
+                      <a:prstDash val="solid"/>
+                      <a:round/>
+                      <a:headEnd type="none" w="med" len="med"/>
+                      <a:tailEnd type="none" w="med" len="med"/>
+                    </a:lnR>
+                    <a:lnT w="12700" cap="flat" cmpd="sng" algn="ctr">
+                      <a:solidFill>
+                        <a:schemeClr val="tx1"/>
+                      </a:solidFill>
+                      <a:prstDash val="solid"/>
+                      <a:round/>
+                      <a:headEnd type="none" w="med" len="med"/>
+                      <a:tailEnd type="none" w="med" len="med"/>
+                    </a:lnT>
+                    <a:lnB w="12700" cap="flat" cmpd="sng" algn="ctr">
+                      <a:solidFill>
+                        <a:schemeClr val="tx1"/>
+                      </a:solidFill>
+                      <a:prstDash val="solid"/>
+                      <a:round/>
+                      <a:headEnd type="none" w="med" len="med"/>
+                      <a:tailEnd type="none" w="med" len="med"/>
+                    </a:lnB>
+                  </a:tcPr>
+                </a:tc>
+                <a:tc>
+                  <a:txBody>
+                    <a:bodyPr/>
+                    <a:lstStyle/>
+                    <a:p>
+                      <a:pPr algn="ctr" fontAlgn="ctr"/>
+                      <a:r>
+                        <a:rPr lang="uk-UA" sz="1600" u="none" strike="noStrike">
+                          <a:effectLst/>
+                        </a:rPr>
+                        <a:t>робити</a:t>
+                      </a:r>
+                      <a:endParaRPr lang="uk-UA" sz="1600" b="0" i="0" u="none" strike="noStrike">
+                        <a:solidFill>
+                          <a:srgbClr val="000000"/>
+                        </a:solidFill>
+                        <a:effectLst/>
+                        <a:latin typeface="Aptos Narrow" panose="020B0004020202020204" pitchFamily="34" charset="0"/>
+                      </a:endParaRPr>
+                    </a:p>
+                  </a:txBody>
+                  <a:tcPr marL="4229" marR="4229" marT="4229" marB="0" anchor="ctr">
+                    <a:lnL w="12700" cap="flat" cmpd="sng" algn="ctr">
+                      <a:solidFill>
+                        <a:schemeClr val="tx1"/>
+                      </a:solidFill>
+                      <a:prstDash val="solid"/>
+                      <a:round/>
+                      <a:headEnd type="none" w="med" len="med"/>
+                      <a:tailEnd type="none" w="med" len="med"/>
+                    </a:lnL>
+                    <a:lnR w="12700" cap="flat" cmpd="sng" algn="ctr">
+                      <a:solidFill>
+                        <a:schemeClr val="tx1"/>
+                      </a:solidFill>
+                      <a:prstDash val="solid"/>
+                      <a:round/>
+                      <a:headEnd type="none" w="med" len="med"/>
+                      <a:tailEnd type="none" w="med" len="med"/>
+                    </a:lnR>
+                    <a:lnT w="12700" cap="flat" cmpd="sng" algn="ctr">
+                      <a:solidFill>
+                        <a:schemeClr val="tx1"/>
+                      </a:solidFill>
+                      <a:prstDash val="solid"/>
+                      <a:round/>
+                      <a:headEnd type="none" w="med" len="med"/>
+                      <a:tailEnd type="none" w="med" len="med"/>
+                    </a:lnT>
+                    <a:lnB w="12700" cap="flat" cmpd="sng" algn="ctr">
+                      <a:solidFill>
+                        <a:schemeClr val="tx1"/>
+                      </a:solidFill>
+                      <a:prstDash val="solid"/>
+                      <a:round/>
+                      <a:headEnd type="none" w="med" len="med"/>
+                      <a:tailEnd type="none" w="med" len="med"/>
+                    </a:lnB>
+                  </a:tcPr>
+                </a:tc>
+                <a:extLst>
+                  <a:ext uri="{0D108BD9-81ED-4DB2-BD59-A6C34878D82A}">
+                    <a16:rowId xmlns:a16="http://schemas.microsoft.com/office/drawing/2014/main" val="2296880682"/>
+                  </a:ext>
+                </a:extLst>
+              </a:tr>
+              <a:tr h="264799">
+                <a:tc>
+                  <a:txBody>
+                    <a:bodyPr/>
+                    <a:lstStyle/>
+                    <a:p>
+                      <a:pPr algn="ctr" fontAlgn="ctr"/>
+                      <a:r>
+                        <a:rPr lang="en-GB" sz="1600" u="none" strike="noStrike">
+                          <a:effectLst/>
+                        </a:rPr>
+                        <a:t>say</a:t>
+                      </a:r>
+                      <a:endParaRPr lang="en-GB" sz="1600" b="0" i="0" u="none" strike="noStrike">
+                        <a:solidFill>
+                          <a:srgbClr val="000000"/>
+                        </a:solidFill>
+                        <a:effectLst/>
+                        <a:latin typeface="Aptos Narrow" panose="020B0004020202020204" pitchFamily="34" charset="0"/>
+                      </a:endParaRPr>
+                    </a:p>
+                  </a:txBody>
+                  <a:tcPr marL="4229" marR="4229" marT="4229" marB="0" anchor="ctr">
+                    <a:lnL w="12700" cap="flat" cmpd="sng" algn="ctr">
+                      <a:solidFill>
+                        <a:schemeClr val="tx1"/>
+                      </a:solidFill>
+                      <a:prstDash val="solid"/>
+                      <a:round/>
+                      <a:headEnd type="none" w="med" len="med"/>
+                      <a:tailEnd type="none" w="med" len="med"/>
+                    </a:lnL>
+                    <a:lnR w="12700" cap="flat" cmpd="sng" algn="ctr">
+                      <a:solidFill>
+                        <a:schemeClr val="tx1"/>
+                      </a:solidFill>
+                      <a:prstDash val="solid"/>
+                      <a:round/>
+                      <a:headEnd type="none" w="med" len="med"/>
+                      <a:tailEnd type="none" w="med" len="med"/>
+                    </a:lnR>
+                    <a:lnT w="12700" cap="flat" cmpd="sng" algn="ctr">
+                      <a:solidFill>
+                        <a:schemeClr val="tx1"/>
+                      </a:solidFill>
+                      <a:prstDash val="solid"/>
+                      <a:round/>
+                      <a:headEnd type="none" w="med" len="med"/>
+                      <a:tailEnd type="none" w="med" len="med"/>
+                    </a:lnT>
+                    <a:lnB w="12700" cap="flat" cmpd="sng" algn="ctr">
+                      <a:solidFill>
+                        <a:schemeClr val="tx1"/>
+                      </a:solidFill>
+                      <a:prstDash val="solid"/>
+                      <a:round/>
+                      <a:headEnd type="none" w="med" len="med"/>
+                      <a:tailEnd type="none" w="med" len="med"/>
+                    </a:lnB>
+                  </a:tcPr>
+                </a:tc>
+                <a:tc>
+                  <a:txBody>
+                    <a:bodyPr/>
+                    <a:lstStyle/>
+                    <a:p>
+                      <a:pPr algn="ctr" fontAlgn="ctr"/>
+                      <a:r>
+                        <a:rPr lang="en-GB" sz="1600" u="none" strike="noStrike">
+                          <a:effectLst/>
+                        </a:rPr>
+                        <a:t>said</a:t>
+                      </a:r>
+                      <a:endParaRPr lang="en-GB" sz="1600" b="0" i="0" u="none" strike="noStrike">
+                        <a:solidFill>
+                          <a:srgbClr val="000000"/>
+                        </a:solidFill>
+                        <a:effectLst/>
+                        <a:latin typeface="Aptos Narrow" panose="020B0004020202020204" pitchFamily="34" charset="0"/>
+                      </a:endParaRPr>
+                    </a:p>
+                  </a:txBody>
+                  <a:tcPr marL="4229" marR="4229" marT="4229" marB="0" anchor="ctr">
+                    <a:lnL w="12700" cap="flat" cmpd="sng" algn="ctr">
+                      <a:solidFill>
+                        <a:schemeClr val="tx1"/>
+                      </a:solidFill>
+                      <a:prstDash val="solid"/>
+                      <a:round/>
+                      <a:headEnd type="none" w="med" len="med"/>
+                      <a:tailEnd type="none" w="med" len="med"/>
+                    </a:lnL>
+                    <a:lnR w="12700" cap="flat" cmpd="sng" algn="ctr">
+                      <a:solidFill>
+                        <a:schemeClr val="tx1"/>
+                      </a:solidFill>
+                      <a:prstDash val="solid"/>
+                      <a:round/>
+                      <a:headEnd type="none" w="med" len="med"/>
+                      <a:tailEnd type="none" w="med" len="med"/>
+                    </a:lnR>
+                    <a:lnT w="12700" cap="flat" cmpd="sng" algn="ctr">
+                      <a:solidFill>
+                        <a:schemeClr val="tx1"/>
+                      </a:solidFill>
+                      <a:prstDash val="solid"/>
+                      <a:round/>
+                      <a:headEnd type="none" w="med" len="med"/>
+                      <a:tailEnd type="none" w="med" len="med"/>
+                    </a:lnT>
+                    <a:lnB w="12700" cap="flat" cmpd="sng" algn="ctr">
+                      <a:solidFill>
+                        <a:schemeClr val="tx1"/>
+                      </a:solidFill>
+                      <a:prstDash val="solid"/>
+                      <a:round/>
+                      <a:headEnd type="none" w="med" len="med"/>
+                      <a:tailEnd type="none" w="med" len="med"/>
+                    </a:lnB>
+                  </a:tcPr>
+                </a:tc>
+                <a:tc>
+                  <a:txBody>
+                    <a:bodyPr/>
+                    <a:lstStyle/>
+                    <a:p>
+                      <a:pPr algn="ctr" fontAlgn="ctr"/>
+                      <a:r>
+                        <a:rPr lang="en-GB" sz="1600" u="none" strike="noStrike">
+                          <a:effectLst/>
+                        </a:rPr>
+                        <a:t>said</a:t>
+                      </a:r>
+                      <a:endParaRPr lang="en-GB" sz="1600" b="0" i="0" u="none" strike="noStrike">
+                        <a:solidFill>
+                          <a:srgbClr val="000000"/>
+                        </a:solidFill>
+                        <a:effectLst/>
+                        <a:latin typeface="Aptos Narrow" panose="020B0004020202020204" pitchFamily="34" charset="0"/>
+                      </a:endParaRPr>
+                    </a:p>
+                  </a:txBody>
+                  <a:tcPr marL="4229" marR="4229" marT="4229" marB="0" anchor="ctr">
+                    <a:lnL w="12700" cap="flat" cmpd="sng" algn="ctr">
+                      <a:solidFill>
+                        <a:schemeClr val="tx1"/>
+                      </a:solidFill>
+                      <a:prstDash val="solid"/>
+                      <a:round/>
+                      <a:headEnd type="none" w="med" len="med"/>
+                      <a:tailEnd type="none" w="med" len="med"/>
+                    </a:lnL>
+                    <a:lnR w="12700" cap="flat" cmpd="sng" algn="ctr">
+                      <a:solidFill>
+                        <a:schemeClr val="tx1"/>
+                      </a:solidFill>
+                      <a:prstDash val="solid"/>
+                      <a:round/>
+                      <a:headEnd type="none" w="med" len="med"/>
+                      <a:tailEnd type="none" w="med" len="med"/>
+                    </a:lnR>
+                    <a:lnT w="12700" cap="flat" cmpd="sng" algn="ctr">
+                      <a:solidFill>
+                        <a:schemeClr val="tx1"/>
+                      </a:solidFill>
+                      <a:prstDash val="solid"/>
+                      <a:round/>
+                      <a:headEnd type="none" w="med" len="med"/>
+                      <a:tailEnd type="none" w="med" len="med"/>
+                    </a:lnT>
+                    <a:lnB w="12700" cap="flat" cmpd="sng" algn="ctr">
+                      <a:solidFill>
+                        <a:schemeClr val="tx1"/>
+                      </a:solidFill>
+                      <a:prstDash val="solid"/>
+                      <a:round/>
+                      <a:headEnd type="none" w="med" len="med"/>
+                      <a:tailEnd type="none" w="med" len="med"/>
+                    </a:lnB>
+                  </a:tcPr>
+                </a:tc>
+                <a:tc>
+                  <a:txBody>
+                    <a:bodyPr/>
+                    <a:lstStyle/>
+                    <a:p>
+                      <a:pPr algn="ctr" fontAlgn="ctr"/>
+                      <a:r>
+                        <a:rPr lang="uk-UA" sz="1600" u="none" strike="noStrike">
+                          <a:effectLst/>
+                        </a:rPr>
+                        <a:t>казати</a:t>
+                      </a:r>
+                      <a:endParaRPr lang="uk-UA" sz="1600" b="0" i="0" u="none" strike="noStrike">
+                        <a:solidFill>
+                          <a:srgbClr val="000000"/>
+                        </a:solidFill>
+                        <a:effectLst/>
+                        <a:latin typeface="Aptos Narrow" panose="020B0004020202020204" pitchFamily="34" charset="0"/>
+                      </a:endParaRPr>
+                    </a:p>
+                  </a:txBody>
+                  <a:tcPr marL="4229" marR="4229" marT="4229" marB="0" anchor="ctr">
+                    <a:lnL w="12700" cap="flat" cmpd="sng" algn="ctr">
+                      <a:solidFill>
+                        <a:schemeClr val="tx1"/>
+                      </a:solidFill>
+                      <a:prstDash val="solid"/>
+                      <a:round/>
+                      <a:headEnd type="none" w="med" len="med"/>
+                      <a:tailEnd type="none" w="med" len="med"/>
+                    </a:lnL>
+                    <a:lnR w="12700" cap="flat" cmpd="sng" algn="ctr">
+                      <a:solidFill>
+                        <a:schemeClr val="tx1"/>
+                      </a:solidFill>
+                      <a:prstDash val="solid"/>
+                      <a:round/>
+                      <a:headEnd type="none" w="med" len="med"/>
+                      <a:tailEnd type="none" w="med" len="med"/>
+                    </a:lnR>
+                    <a:lnT w="12700" cap="flat" cmpd="sng" algn="ctr">
+                      <a:solidFill>
+                        <a:schemeClr val="tx1"/>
+                      </a:solidFill>
+                      <a:prstDash val="solid"/>
+                      <a:round/>
+                      <a:headEnd type="none" w="med" len="med"/>
+                      <a:tailEnd type="none" w="med" len="med"/>
+                    </a:lnT>
+                    <a:lnB w="12700" cap="flat" cmpd="sng" algn="ctr">
+                      <a:solidFill>
+                        <a:schemeClr val="tx1"/>
+                      </a:solidFill>
+                      <a:prstDash val="solid"/>
+                      <a:round/>
+                      <a:headEnd type="none" w="med" len="med"/>
+                      <a:tailEnd type="none" w="med" len="med"/>
+                    </a:lnB>
+                  </a:tcPr>
+                </a:tc>
+                <a:extLst>
+                  <a:ext uri="{0D108BD9-81ED-4DB2-BD59-A6C34878D82A}">
+                    <a16:rowId xmlns:a16="http://schemas.microsoft.com/office/drawing/2014/main" val="3940411773"/>
+                  </a:ext>
+                </a:extLst>
+              </a:tr>
+              <a:tr h="264799">
+                <a:tc>
+                  <a:txBody>
+                    <a:bodyPr/>
+                    <a:lstStyle/>
+                    <a:p>
+                      <a:pPr algn="ctr" fontAlgn="ctr"/>
+                      <a:r>
+                        <a:rPr lang="en-GB" sz="1600" u="none" strike="noStrike">
+                          <a:effectLst/>
+                        </a:rPr>
+                        <a:t>go</a:t>
+                      </a:r>
+                      <a:endParaRPr lang="en-GB" sz="1600" b="0" i="0" u="none" strike="noStrike">
+                        <a:solidFill>
+                          <a:srgbClr val="000000"/>
+                        </a:solidFill>
+                        <a:effectLst/>
+                        <a:latin typeface="Aptos Narrow" panose="020B0004020202020204" pitchFamily="34" charset="0"/>
+                      </a:endParaRPr>
+                    </a:p>
+                  </a:txBody>
+                  <a:tcPr marL="4229" marR="4229" marT="4229" marB="0" anchor="ctr">
+                    <a:lnL w="12700" cap="flat" cmpd="sng" algn="ctr">
+                      <a:solidFill>
+                        <a:schemeClr val="tx1"/>
+                      </a:solidFill>
+                      <a:prstDash val="solid"/>
+                      <a:round/>
+                      <a:headEnd type="none" w="med" len="med"/>
+                      <a:tailEnd type="none" w="med" len="med"/>
+                    </a:lnL>
+                    <a:lnR w="12700" cap="flat" cmpd="sng" algn="ctr">
+                      <a:solidFill>
+                        <a:schemeClr val="tx1"/>
+                      </a:solidFill>
+                      <a:prstDash val="solid"/>
+                      <a:round/>
+                      <a:headEnd type="none" w="med" len="med"/>
+                      <a:tailEnd type="none" w="med" len="med"/>
+                    </a:lnR>
+                    <a:lnT w="12700" cap="flat" cmpd="sng" algn="ctr">
+                      <a:solidFill>
+                        <a:schemeClr val="tx1"/>
+                      </a:solidFill>
+                      <a:prstDash val="solid"/>
+                      <a:round/>
+                      <a:headEnd type="none" w="med" len="med"/>
+                      <a:tailEnd type="none" w="med" len="med"/>
+                    </a:lnT>
+                    <a:lnB w="12700" cap="flat" cmpd="sng" algn="ctr">
+                      <a:solidFill>
+                        <a:schemeClr val="tx1"/>
+                      </a:solidFill>
+                      <a:prstDash val="solid"/>
+                      <a:round/>
+                      <a:headEnd type="none" w="med" len="med"/>
+                      <a:tailEnd type="none" w="med" len="med"/>
+                    </a:lnB>
+                  </a:tcPr>
+                </a:tc>
+                <a:tc>
+                  <a:txBody>
+                    <a:bodyPr/>
+                    <a:lstStyle/>
+                    <a:p>
+                      <a:pPr algn="ctr" fontAlgn="ctr"/>
+                      <a:r>
+                        <a:rPr lang="en-GB" sz="1600" u="none" strike="noStrike">
+                          <a:effectLst/>
+                        </a:rPr>
+                        <a:t>went</a:t>
+                      </a:r>
+                      <a:endParaRPr lang="en-GB" sz="1600" b="0" i="0" u="none" strike="noStrike">
+                        <a:solidFill>
+                          <a:srgbClr val="000000"/>
+                        </a:solidFill>
+                        <a:effectLst/>
+                        <a:latin typeface="Aptos Narrow" panose="020B0004020202020204" pitchFamily="34" charset="0"/>
+                      </a:endParaRPr>
+                    </a:p>
+                  </a:txBody>
+                  <a:tcPr marL="4229" marR="4229" marT="4229" marB="0" anchor="ctr">
+                    <a:lnL w="12700" cap="flat" cmpd="sng" algn="ctr">
+                      <a:solidFill>
+                        <a:schemeClr val="tx1"/>
+                      </a:solidFill>
+                      <a:prstDash val="solid"/>
+                      <a:round/>
+                      <a:headEnd type="none" w="med" len="med"/>
+                      <a:tailEnd type="none" w="med" len="med"/>
+                    </a:lnL>
+                    <a:lnR w="12700" cap="flat" cmpd="sng" algn="ctr">
+                      <a:solidFill>
+                        <a:schemeClr val="tx1"/>
+                      </a:solidFill>
+                      <a:prstDash val="solid"/>
+                      <a:round/>
+                      <a:headEnd type="none" w="med" len="med"/>
+                      <a:tailEnd type="none" w="med" len="med"/>
+                    </a:lnR>
+                    <a:lnT w="12700" cap="flat" cmpd="sng" algn="ctr">
+                      <a:solidFill>
+                        <a:schemeClr val="tx1"/>
+                      </a:solidFill>
+                      <a:prstDash val="solid"/>
+                      <a:round/>
+                      <a:headEnd type="none" w="med" len="med"/>
+                      <a:tailEnd type="none" w="med" len="med"/>
+                    </a:lnT>
+                    <a:lnB w="12700" cap="flat" cmpd="sng" algn="ctr">
+                      <a:solidFill>
+                        <a:schemeClr val="tx1"/>
+                      </a:solidFill>
+                      <a:prstDash val="solid"/>
+                      <a:round/>
+                      <a:headEnd type="none" w="med" len="med"/>
+                      <a:tailEnd type="none" w="med" len="med"/>
+                    </a:lnB>
+                  </a:tcPr>
+                </a:tc>
+                <a:tc>
+                  <a:txBody>
+                    <a:bodyPr/>
+                    <a:lstStyle/>
+                    <a:p>
+                      <a:pPr algn="ctr" fontAlgn="ctr"/>
+                      <a:r>
+                        <a:rPr lang="en-GB" sz="1600" u="none" strike="noStrike">
+                          <a:effectLst/>
+                        </a:rPr>
+                        <a:t>gone</a:t>
+                      </a:r>
+                      <a:endParaRPr lang="en-GB" sz="1600" b="0" i="0" u="none" strike="noStrike">
+                        <a:solidFill>
+                          <a:srgbClr val="000000"/>
+                        </a:solidFill>
+                        <a:effectLst/>
+                        <a:latin typeface="Aptos Narrow" panose="020B0004020202020204" pitchFamily="34" charset="0"/>
+                      </a:endParaRPr>
+                    </a:p>
+                  </a:txBody>
+                  <a:tcPr marL="4229" marR="4229" marT="4229" marB="0" anchor="ctr">
+                    <a:lnL w="12700" cap="flat" cmpd="sng" algn="ctr">
+                      <a:solidFill>
+                        <a:schemeClr val="tx1"/>
+                      </a:solidFill>
+                      <a:prstDash val="solid"/>
+                      <a:round/>
+                      <a:headEnd type="none" w="med" len="med"/>
+                      <a:tailEnd type="none" w="med" len="med"/>
+                    </a:lnL>
+                    <a:lnR w="12700" cap="flat" cmpd="sng" algn="ctr">
+                      <a:solidFill>
+                        <a:schemeClr val="tx1"/>
+                      </a:solidFill>
+                      <a:prstDash val="solid"/>
+                      <a:round/>
+                      <a:headEnd type="none" w="med" len="med"/>
+                      <a:tailEnd type="none" w="med" len="med"/>
+                    </a:lnR>
+                    <a:lnT w="12700" cap="flat" cmpd="sng" algn="ctr">
+                      <a:solidFill>
+                        <a:schemeClr val="tx1"/>
+                      </a:solidFill>
+                      <a:prstDash val="solid"/>
+                      <a:round/>
+                      <a:headEnd type="none" w="med" len="med"/>
+                      <a:tailEnd type="none" w="med" len="med"/>
+                    </a:lnT>
+                    <a:lnB w="12700" cap="flat" cmpd="sng" algn="ctr">
+                      <a:solidFill>
+                        <a:schemeClr val="tx1"/>
+                      </a:solidFill>
+                      <a:prstDash val="solid"/>
+                      <a:round/>
+                      <a:headEnd type="none" w="med" len="med"/>
+                      <a:tailEnd type="none" w="med" len="med"/>
+                    </a:lnB>
+                  </a:tcPr>
+                </a:tc>
+                <a:tc>
+                  <a:txBody>
+                    <a:bodyPr/>
+                    <a:lstStyle/>
+                    <a:p>
+                      <a:pPr algn="ctr" fontAlgn="ctr"/>
+                      <a:r>
+                        <a:rPr lang="uk-UA" sz="1600" u="none" strike="noStrike">
+                          <a:effectLst/>
+                        </a:rPr>
+                        <a:t>іти</a:t>
+                      </a:r>
+                      <a:endParaRPr lang="uk-UA" sz="1600" b="0" i="0" u="none" strike="noStrike">
+                        <a:solidFill>
+                          <a:srgbClr val="000000"/>
+                        </a:solidFill>
+                        <a:effectLst/>
+                        <a:latin typeface="Aptos Narrow" panose="020B0004020202020204" pitchFamily="34" charset="0"/>
+                      </a:endParaRPr>
+                    </a:p>
+                  </a:txBody>
+                  <a:tcPr marL="4229" marR="4229" marT="4229" marB="0" anchor="ctr">
+                    <a:lnL w="12700" cap="flat" cmpd="sng" algn="ctr">
+                      <a:solidFill>
+                        <a:schemeClr val="tx1"/>
+                      </a:solidFill>
+                      <a:prstDash val="solid"/>
+                      <a:round/>
+                      <a:headEnd type="none" w="med" len="med"/>
+                      <a:tailEnd type="none" w="med" len="med"/>
+                    </a:lnL>
+                    <a:lnR w="12700" cap="flat" cmpd="sng" algn="ctr">
+                      <a:solidFill>
+                        <a:schemeClr val="tx1"/>
+                      </a:solidFill>
+                      <a:prstDash val="solid"/>
+                      <a:round/>
+                      <a:headEnd type="none" w="med" len="med"/>
+                      <a:tailEnd type="none" w="med" len="med"/>
+                    </a:lnR>
+                    <a:lnT w="12700" cap="flat" cmpd="sng" algn="ctr">
+                      <a:solidFill>
+                        <a:schemeClr val="tx1"/>
+                      </a:solidFill>
+                      <a:prstDash val="solid"/>
+                      <a:round/>
+                      <a:headEnd type="none" w="med" len="med"/>
+                      <a:tailEnd type="none" w="med" len="med"/>
+                    </a:lnT>
+                    <a:lnB w="12700" cap="flat" cmpd="sng" algn="ctr">
+                      <a:solidFill>
+                        <a:schemeClr val="tx1"/>
+                      </a:solidFill>
+                      <a:prstDash val="solid"/>
+                      <a:round/>
+                      <a:headEnd type="none" w="med" len="med"/>
+                      <a:tailEnd type="none" w="med" len="med"/>
+                    </a:lnB>
+                  </a:tcPr>
+                </a:tc>
+                <a:extLst>
+                  <a:ext uri="{0D108BD9-81ED-4DB2-BD59-A6C34878D82A}">
+                    <a16:rowId xmlns:a16="http://schemas.microsoft.com/office/drawing/2014/main" val="3420930336"/>
+                  </a:ext>
+                </a:extLst>
+              </a:tr>
+              <a:tr h="264799">
+                <a:tc>
+                  <a:txBody>
+                    <a:bodyPr/>
+                    <a:lstStyle/>
+                    <a:p>
+                      <a:pPr algn="ctr" fontAlgn="ctr"/>
+                      <a:r>
+                        <a:rPr lang="en-GB" sz="1600" u="none" strike="noStrike">
+                          <a:effectLst/>
+                        </a:rPr>
+                        <a:t>get</a:t>
+                      </a:r>
+                      <a:endParaRPr lang="en-GB" sz="1600" b="0" i="0" u="none" strike="noStrike">
+                        <a:solidFill>
+                          <a:srgbClr val="000000"/>
+                        </a:solidFill>
+                        <a:effectLst/>
+                        <a:latin typeface="Aptos Narrow" panose="020B0004020202020204" pitchFamily="34" charset="0"/>
+                      </a:endParaRPr>
+                    </a:p>
+                  </a:txBody>
+                  <a:tcPr marL="4229" marR="4229" marT="4229" marB="0" anchor="ctr">
+                    <a:lnL w="12700" cap="flat" cmpd="sng" algn="ctr">
+                      <a:solidFill>
+                        <a:schemeClr val="tx1"/>
+                      </a:solidFill>
+                      <a:prstDash val="solid"/>
+                      <a:round/>
+                      <a:headEnd type="none" w="med" len="med"/>
+                      <a:tailEnd type="none" w="med" len="med"/>
+                    </a:lnL>
+                    <a:lnR w="12700" cap="flat" cmpd="sng" algn="ctr">
+                      <a:solidFill>
+                        <a:schemeClr val="tx1"/>
+                      </a:solidFill>
+                      <a:prstDash val="solid"/>
+                      <a:round/>
+                      <a:headEnd type="none" w="med" len="med"/>
+                      <a:tailEnd type="none" w="med" len="med"/>
+                    </a:lnR>
+                    <a:lnT w="12700" cap="flat" cmpd="sng" algn="ctr">
+                      <a:solidFill>
+                        <a:schemeClr val="tx1"/>
+                      </a:solidFill>
+                      <a:prstDash val="solid"/>
+                      <a:round/>
+                      <a:headEnd type="none" w="med" len="med"/>
+                      <a:tailEnd type="none" w="med" len="med"/>
+                    </a:lnT>
+                    <a:lnB w="12700" cap="flat" cmpd="sng" algn="ctr">
+                      <a:solidFill>
+                        <a:schemeClr val="tx1"/>
+                      </a:solidFill>
+                      <a:prstDash val="solid"/>
+                      <a:round/>
+                      <a:headEnd type="none" w="med" len="med"/>
+                      <a:tailEnd type="none" w="med" len="med"/>
+                    </a:lnB>
+                  </a:tcPr>
+                </a:tc>
+                <a:tc>
+                  <a:txBody>
+                    <a:bodyPr/>
+                    <a:lstStyle/>
+                    <a:p>
+                      <a:pPr algn="ctr" fontAlgn="ctr"/>
+                      <a:r>
+                        <a:rPr lang="en-GB" sz="1600" u="none" strike="noStrike" dirty="0">
+                          <a:effectLst/>
+                        </a:rPr>
+                        <a:t>got</a:t>
+                      </a:r>
+                      <a:endParaRPr lang="en-GB" sz="1600" b="0" i="0" u="none" strike="noStrike" dirty="0">
+                        <a:solidFill>
+                          <a:srgbClr val="000000"/>
+                        </a:solidFill>
+                        <a:effectLst/>
+                        <a:latin typeface="Aptos Narrow" panose="020B0004020202020204" pitchFamily="34" charset="0"/>
+                      </a:endParaRPr>
+                    </a:p>
+                  </a:txBody>
+                  <a:tcPr marL="4229" marR="4229" marT="4229" marB="0" anchor="ctr">
+                    <a:lnL w="12700" cap="flat" cmpd="sng" algn="ctr">
+                      <a:solidFill>
+                        <a:schemeClr val="tx1"/>
+                      </a:solidFill>
+                      <a:prstDash val="solid"/>
+                      <a:round/>
+                      <a:headEnd type="none" w="med" len="med"/>
+                      <a:tailEnd type="none" w="med" len="med"/>
+                    </a:lnL>
+                    <a:lnR w="12700" cap="flat" cmpd="sng" algn="ctr">
+                      <a:solidFill>
+                        <a:schemeClr val="tx1"/>
+                      </a:solidFill>
+                      <a:prstDash val="solid"/>
+                      <a:round/>
+                      <a:headEnd type="none" w="med" len="med"/>
+                      <a:tailEnd type="none" w="med" len="med"/>
+                    </a:lnR>
+                    <a:lnT w="12700" cap="flat" cmpd="sng" algn="ctr">
+                      <a:solidFill>
+                        <a:schemeClr val="tx1"/>
+                      </a:solidFill>
+                      <a:prstDash val="solid"/>
+                      <a:round/>
+                      <a:headEnd type="none" w="med" len="med"/>
+                      <a:tailEnd type="none" w="med" len="med"/>
+                    </a:lnT>
+                    <a:lnB w="12700" cap="flat" cmpd="sng" algn="ctr">
+                      <a:solidFill>
+                        <a:schemeClr val="tx1"/>
+                      </a:solidFill>
+                      <a:prstDash val="solid"/>
+                      <a:round/>
+                      <a:headEnd type="none" w="med" len="med"/>
+                      <a:tailEnd type="none" w="med" len="med"/>
+                    </a:lnB>
+                  </a:tcPr>
+                </a:tc>
+                <a:tc>
+                  <a:txBody>
+                    <a:bodyPr/>
+                    <a:lstStyle/>
+                    <a:p>
+                      <a:pPr algn="ctr" fontAlgn="ctr"/>
+                      <a:r>
+                        <a:rPr lang="en-GB" sz="1600" u="none" strike="noStrike">
+                          <a:effectLst/>
+                        </a:rPr>
+                        <a:t>got</a:t>
+                      </a:r>
+                      <a:endParaRPr lang="en-GB" sz="1600" b="0" i="0" u="none" strike="noStrike">
+                        <a:solidFill>
+                          <a:srgbClr val="000000"/>
+                        </a:solidFill>
+                        <a:effectLst/>
+                        <a:latin typeface="Aptos Narrow" panose="020B0004020202020204" pitchFamily="34" charset="0"/>
+                      </a:endParaRPr>
+                    </a:p>
+                  </a:txBody>
+                  <a:tcPr marL="4229" marR="4229" marT="4229" marB="0" anchor="ctr">
+                    <a:lnL w="12700" cap="flat" cmpd="sng" algn="ctr">
+                      <a:solidFill>
+                        <a:schemeClr val="tx1"/>
+                      </a:solidFill>
+                      <a:prstDash val="solid"/>
+                      <a:round/>
+                      <a:headEnd type="none" w="med" len="med"/>
+                      <a:tailEnd type="none" w="med" len="med"/>
+                    </a:lnL>
+                    <a:lnR w="12700" cap="flat" cmpd="sng" algn="ctr">
+                      <a:solidFill>
+                        <a:schemeClr val="tx1"/>
+                      </a:solidFill>
+                      <a:prstDash val="solid"/>
+                      <a:round/>
+                      <a:headEnd type="none" w="med" len="med"/>
+                      <a:tailEnd type="none" w="med" len="med"/>
+                    </a:lnR>
+                    <a:lnT w="12700" cap="flat" cmpd="sng" algn="ctr">
+                      <a:solidFill>
+                        <a:schemeClr val="tx1"/>
+                      </a:solidFill>
+                      <a:prstDash val="solid"/>
+                      <a:round/>
+                      <a:headEnd type="none" w="med" len="med"/>
+                      <a:tailEnd type="none" w="med" len="med"/>
+                    </a:lnT>
+                    <a:lnB w="12700" cap="flat" cmpd="sng" algn="ctr">
+                      <a:solidFill>
+                        <a:schemeClr val="tx1"/>
+                      </a:solidFill>
+                      <a:prstDash val="solid"/>
+                      <a:round/>
+                      <a:headEnd type="none" w="med" len="med"/>
+                      <a:tailEnd type="none" w="med" len="med"/>
+                    </a:lnB>
+                  </a:tcPr>
+                </a:tc>
+                <a:tc>
+                  <a:txBody>
+                    <a:bodyPr/>
+                    <a:lstStyle/>
+                    <a:p>
+                      <a:pPr algn="ctr" fontAlgn="ctr"/>
+                      <a:r>
+                        <a:rPr lang="uk-UA" sz="1600" u="none" strike="noStrike">
+                          <a:effectLst/>
+                        </a:rPr>
+                        <a:t>отримувати</a:t>
+                      </a:r>
+                      <a:endParaRPr lang="uk-UA" sz="1600" b="0" i="0" u="none" strike="noStrike">
+                        <a:solidFill>
+                          <a:srgbClr val="000000"/>
+                        </a:solidFill>
+                        <a:effectLst/>
+                        <a:latin typeface="Aptos Narrow" panose="020B0004020202020204" pitchFamily="34" charset="0"/>
+                      </a:endParaRPr>
+                    </a:p>
+                  </a:txBody>
+                  <a:tcPr marL="4229" marR="4229" marT="4229" marB="0" anchor="ctr">
+                    <a:lnL w="12700" cap="flat" cmpd="sng" algn="ctr">
+                      <a:solidFill>
+                        <a:schemeClr val="tx1"/>
+                      </a:solidFill>
+                      <a:prstDash val="solid"/>
+                      <a:round/>
+                      <a:headEnd type="none" w="med" len="med"/>
+                      <a:tailEnd type="none" w="med" len="med"/>
+                    </a:lnL>
+                    <a:lnR w="12700" cap="flat" cmpd="sng" algn="ctr">
+                      <a:solidFill>
+                        <a:schemeClr val="tx1"/>
+                      </a:solidFill>
+                      <a:prstDash val="solid"/>
+                      <a:round/>
+                      <a:headEnd type="none" w="med" len="med"/>
+                      <a:tailEnd type="none" w="med" len="med"/>
+                    </a:lnR>
+                    <a:lnT w="12700" cap="flat" cmpd="sng" algn="ctr">
+                      <a:solidFill>
+                        <a:schemeClr val="tx1"/>
+                      </a:solidFill>
+                      <a:prstDash val="solid"/>
+                      <a:round/>
+                      <a:headEnd type="none" w="med" len="med"/>
+                      <a:tailEnd type="none" w="med" len="med"/>
+                    </a:lnT>
+                    <a:lnB w="12700" cap="flat" cmpd="sng" algn="ctr">
+                      <a:solidFill>
+                        <a:schemeClr val="tx1"/>
+                      </a:solidFill>
+                      <a:prstDash val="solid"/>
+                      <a:round/>
+                      <a:headEnd type="none" w="med" len="med"/>
+                      <a:tailEnd type="none" w="med" len="med"/>
+                    </a:lnB>
+                  </a:tcPr>
+                </a:tc>
+                <a:extLst>
+                  <a:ext uri="{0D108BD9-81ED-4DB2-BD59-A6C34878D82A}">
+                    <a16:rowId xmlns:a16="http://schemas.microsoft.com/office/drawing/2014/main" val="3645391509"/>
+                  </a:ext>
+                </a:extLst>
+              </a:tr>
+              <a:tr h="264799">
+                <a:tc>
+                  <a:txBody>
+                    <a:bodyPr/>
+                    <a:lstStyle/>
+                    <a:p>
+                      <a:pPr algn="ctr" fontAlgn="ctr"/>
+                      <a:r>
+                        <a:rPr lang="en-GB" sz="1600" u="none" strike="noStrike">
+                          <a:effectLst/>
+                        </a:rPr>
+                        <a:t>make</a:t>
+                      </a:r>
+                      <a:endParaRPr lang="en-GB" sz="1600" b="0" i="0" u="none" strike="noStrike">
+                        <a:solidFill>
+                          <a:srgbClr val="000000"/>
+                        </a:solidFill>
+                        <a:effectLst/>
+                        <a:latin typeface="Aptos Narrow" panose="020B0004020202020204" pitchFamily="34" charset="0"/>
+                      </a:endParaRPr>
+                    </a:p>
+                  </a:txBody>
+                  <a:tcPr marL="4229" marR="4229" marT="4229" marB="0" anchor="ctr">
+                    <a:lnL w="12700" cap="flat" cmpd="sng" algn="ctr">
+                      <a:solidFill>
+                        <a:schemeClr val="tx1"/>
+                      </a:solidFill>
+                      <a:prstDash val="solid"/>
+                      <a:round/>
+                      <a:headEnd type="none" w="med" len="med"/>
+                      <a:tailEnd type="none" w="med" len="med"/>
+                    </a:lnL>
+                    <a:lnR w="12700" cap="flat" cmpd="sng" algn="ctr">
+                      <a:solidFill>
+                        <a:schemeClr val="tx1"/>
+                      </a:solidFill>
+                      <a:prstDash val="solid"/>
+                      <a:round/>
+                      <a:headEnd type="none" w="med" len="med"/>
+                      <a:tailEnd type="none" w="med" len="med"/>
+                    </a:lnR>
+                    <a:lnT w="12700" cap="flat" cmpd="sng" algn="ctr">
+                      <a:solidFill>
+                        <a:schemeClr val="tx1"/>
+                      </a:solidFill>
+                      <a:prstDash val="solid"/>
+                      <a:round/>
+                      <a:headEnd type="none" w="med" len="med"/>
+                      <a:tailEnd type="none" w="med" len="med"/>
+                    </a:lnT>
+                    <a:lnB w="12700" cap="flat" cmpd="sng" algn="ctr">
+                      <a:solidFill>
+                        <a:schemeClr val="tx1"/>
+                      </a:solidFill>
+                      <a:prstDash val="solid"/>
+                      <a:round/>
+                      <a:headEnd type="none" w="med" len="med"/>
+                      <a:tailEnd type="none" w="med" len="med"/>
+                    </a:lnB>
+                  </a:tcPr>
+                </a:tc>
+                <a:tc>
+                  <a:txBody>
+                    <a:bodyPr/>
+                    <a:lstStyle/>
+                    <a:p>
+                      <a:pPr algn="ctr" fontAlgn="ctr"/>
+                      <a:r>
+                        <a:rPr lang="en-GB" sz="1600" u="none" strike="noStrike">
+                          <a:effectLst/>
+                        </a:rPr>
+                        <a:t>made</a:t>
+                      </a:r>
+                      <a:endParaRPr lang="en-GB" sz="1600" b="0" i="0" u="none" strike="noStrike">
+                        <a:solidFill>
+                          <a:srgbClr val="000000"/>
+                        </a:solidFill>
+                        <a:effectLst/>
+                        <a:latin typeface="Aptos Narrow" panose="020B0004020202020204" pitchFamily="34" charset="0"/>
+                      </a:endParaRPr>
+                    </a:p>
+                  </a:txBody>
+                  <a:tcPr marL="4229" marR="4229" marT="4229" marB="0" anchor="ctr">
+                    <a:lnL w="12700" cap="flat" cmpd="sng" algn="ctr">
+                      <a:solidFill>
+                        <a:schemeClr val="tx1"/>
+                      </a:solidFill>
+                      <a:prstDash val="solid"/>
+                      <a:round/>
+                      <a:headEnd type="none" w="med" len="med"/>
+                      <a:tailEnd type="none" w="med" len="med"/>
+                    </a:lnL>
+                    <a:lnR w="12700" cap="flat" cmpd="sng" algn="ctr">
+                      <a:solidFill>
+                        <a:schemeClr val="tx1"/>
+                      </a:solidFill>
+                      <a:prstDash val="solid"/>
+                      <a:round/>
+                      <a:headEnd type="none" w="med" len="med"/>
+                      <a:tailEnd type="none" w="med" len="med"/>
+                    </a:lnR>
+                    <a:lnT w="12700" cap="flat" cmpd="sng" algn="ctr">
+                      <a:solidFill>
+                        <a:schemeClr val="tx1"/>
+                      </a:solidFill>
+                      <a:prstDash val="solid"/>
+                      <a:round/>
+                      <a:headEnd type="none" w="med" len="med"/>
+                      <a:tailEnd type="none" w="med" len="med"/>
+                    </a:lnT>
+                    <a:lnB w="12700" cap="flat" cmpd="sng" algn="ctr">
+                      <a:solidFill>
+                        <a:schemeClr val="tx1"/>
+                      </a:solidFill>
+                      <a:prstDash val="solid"/>
+                      <a:round/>
+                      <a:headEnd type="none" w="med" len="med"/>
+                      <a:tailEnd type="none" w="med" len="med"/>
+                    </a:lnB>
+                  </a:tcPr>
+                </a:tc>
+                <a:tc>
+                  <a:txBody>
+                    <a:bodyPr/>
+                    <a:lstStyle/>
+                    <a:p>
+                      <a:pPr algn="ctr" fontAlgn="ctr"/>
+                      <a:r>
+                        <a:rPr lang="en-GB" sz="1600" u="none" strike="noStrike">
+                          <a:effectLst/>
+                        </a:rPr>
+                        <a:t>made</a:t>
+                      </a:r>
+                      <a:endParaRPr lang="en-GB" sz="1600" b="0" i="0" u="none" strike="noStrike">
+                        <a:solidFill>
+                          <a:srgbClr val="000000"/>
+                        </a:solidFill>
+                        <a:effectLst/>
+                        <a:latin typeface="Aptos Narrow" panose="020B0004020202020204" pitchFamily="34" charset="0"/>
+                      </a:endParaRPr>
+                    </a:p>
+                  </a:txBody>
+                  <a:tcPr marL="4229" marR="4229" marT="4229" marB="0" anchor="ctr">
+                    <a:lnL w="12700" cap="flat" cmpd="sng" algn="ctr">
+                      <a:solidFill>
+                        <a:schemeClr val="tx1"/>
+                      </a:solidFill>
+                      <a:prstDash val="solid"/>
+                      <a:round/>
+                      <a:headEnd type="none" w="med" len="med"/>
+                      <a:tailEnd type="none" w="med" len="med"/>
+                    </a:lnL>
+                    <a:lnR w="12700" cap="flat" cmpd="sng" algn="ctr">
+                      <a:solidFill>
+                        <a:schemeClr val="tx1"/>
+                      </a:solidFill>
+                      <a:prstDash val="solid"/>
+                      <a:round/>
+                      <a:headEnd type="none" w="med" len="med"/>
+                      <a:tailEnd type="none" w="med" len="med"/>
+                    </a:lnR>
+                    <a:lnT w="12700" cap="flat" cmpd="sng" algn="ctr">
+                      <a:solidFill>
+                        <a:schemeClr val="tx1"/>
+                      </a:solidFill>
+                      <a:prstDash val="solid"/>
+                      <a:round/>
+                      <a:headEnd type="none" w="med" len="med"/>
+                      <a:tailEnd type="none" w="med" len="med"/>
+                    </a:lnT>
+                    <a:lnB w="12700" cap="flat" cmpd="sng" algn="ctr">
+                      <a:solidFill>
+                        <a:schemeClr val="tx1"/>
+                      </a:solidFill>
+                      <a:prstDash val="solid"/>
+                      <a:round/>
+                      <a:headEnd type="none" w="med" len="med"/>
+                      <a:tailEnd type="none" w="med" len="med"/>
+                    </a:lnB>
+                  </a:tcPr>
+                </a:tc>
+                <a:tc>
+                  <a:txBody>
+                    <a:bodyPr/>
+                    <a:lstStyle/>
+                    <a:p>
+                      <a:pPr algn="ctr" fontAlgn="ctr"/>
+                      <a:r>
+                        <a:rPr lang="uk-UA" sz="1600" u="none" strike="noStrike">
+                          <a:effectLst/>
+                        </a:rPr>
+                        <a:t>робити, створювати</a:t>
+                      </a:r>
+                      <a:endParaRPr lang="uk-UA" sz="1600" b="0" i="0" u="none" strike="noStrike">
+                        <a:solidFill>
+                          <a:srgbClr val="000000"/>
+                        </a:solidFill>
+                        <a:effectLst/>
+                        <a:latin typeface="Aptos Narrow" panose="020B0004020202020204" pitchFamily="34" charset="0"/>
+                      </a:endParaRPr>
+                    </a:p>
+                  </a:txBody>
+                  <a:tcPr marL="4229" marR="4229" marT="4229" marB="0" anchor="ctr">
+                    <a:lnL w="12700" cap="flat" cmpd="sng" algn="ctr">
+                      <a:solidFill>
+                        <a:schemeClr val="tx1"/>
+                      </a:solidFill>
+                      <a:prstDash val="solid"/>
+                      <a:round/>
+                      <a:headEnd type="none" w="med" len="med"/>
+                      <a:tailEnd type="none" w="med" len="med"/>
+                    </a:lnL>
+                    <a:lnR w="12700" cap="flat" cmpd="sng" algn="ctr">
+                      <a:solidFill>
+                        <a:schemeClr val="tx1"/>
+                      </a:solidFill>
+                      <a:prstDash val="solid"/>
+                      <a:round/>
+                      <a:headEnd type="none" w="med" len="med"/>
+                      <a:tailEnd type="none" w="med" len="med"/>
+                    </a:lnR>
+                    <a:lnT w="12700" cap="flat" cmpd="sng" algn="ctr">
+                      <a:solidFill>
+                        <a:schemeClr val="tx1"/>
+                      </a:solidFill>
+                      <a:prstDash val="solid"/>
+                      <a:round/>
+                      <a:headEnd type="none" w="med" len="med"/>
+                      <a:tailEnd type="none" w="med" len="med"/>
+                    </a:lnT>
+                    <a:lnB w="12700" cap="flat" cmpd="sng" algn="ctr">
+                      <a:solidFill>
+                        <a:schemeClr val="tx1"/>
+                      </a:solidFill>
+                      <a:prstDash val="solid"/>
+                      <a:round/>
+                      <a:headEnd type="none" w="med" len="med"/>
+                      <a:tailEnd type="none" w="med" len="med"/>
+                    </a:lnB>
+                  </a:tcPr>
+                </a:tc>
+                <a:extLst>
+                  <a:ext uri="{0D108BD9-81ED-4DB2-BD59-A6C34878D82A}">
+                    <a16:rowId xmlns:a16="http://schemas.microsoft.com/office/drawing/2014/main" val="2509655268"/>
+                  </a:ext>
+                </a:extLst>
+              </a:tr>
+              <a:tr h="264799">
+                <a:tc>
+                  <a:txBody>
+                    <a:bodyPr/>
+                    <a:lstStyle/>
+                    <a:p>
+                      <a:pPr algn="ctr" fontAlgn="ctr"/>
+                      <a:r>
+                        <a:rPr lang="en-GB" sz="1600" u="none" strike="noStrike">
+                          <a:effectLst/>
+                        </a:rPr>
+                        <a:t>know</a:t>
+                      </a:r>
+                      <a:endParaRPr lang="en-GB" sz="1600" b="0" i="0" u="none" strike="noStrike">
+                        <a:solidFill>
+                          <a:srgbClr val="000000"/>
+                        </a:solidFill>
+                        <a:effectLst/>
+                        <a:latin typeface="Aptos Narrow" panose="020B0004020202020204" pitchFamily="34" charset="0"/>
+                      </a:endParaRPr>
+                    </a:p>
+                  </a:txBody>
+                  <a:tcPr marL="4229" marR="4229" marT="4229" marB="0" anchor="ctr">
+                    <a:lnL w="12700" cap="flat" cmpd="sng" algn="ctr">
+                      <a:solidFill>
+                        <a:schemeClr val="tx1"/>
+                      </a:solidFill>
+                      <a:prstDash val="solid"/>
+                      <a:round/>
+                      <a:headEnd type="none" w="med" len="med"/>
+                      <a:tailEnd type="none" w="med" len="med"/>
+                    </a:lnL>
+                    <a:lnR w="12700" cap="flat" cmpd="sng" algn="ctr">
+                      <a:solidFill>
+                        <a:schemeClr val="tx1"/>
+                      </a:solidFill>
+                      <a:prstDash val="solid"/>
+                      <a:round/>
+                      <a:headEnd type="none" w="med" len="med"/>
+                      <a:tailEnd type="none" w="med" len="med"/>
+                    </a:lnR>
+                    <a:lnT w="12700" cap="flat" cmpd="sng" algn="ctr">
+                      <a:solidFill>
+                        <a:schemeClr val="tx1"/>
+                      </a:solidFill>
+                      <a:prstDash val="solid"/>
+                      <a:round/>
+                      <a:headEnd type="none" w="med" len="med"/>
+                      <a:tailEnd type="none" w="med" len="med"/>
+                    </a:lnT>
+                    <a:lnB w="12700" cap="flat" cmpd="sng" algn="ctr">
+                      <a:solidFill>
+                        <a:schemeClr val="tx1"/>
+                      </a:solidFill>
+                      <a:prstDash val="solid"/>
+                      <a:round/>
+                      <a:headEnd type="none" w="med" len="med"/>
+                      <a:tailEnd type="none" w="med" len="med"/>
+                    </a:lnB>
+                  </a:tcPr>
+                </a:tc>
+                <a:tc>
+                  <a:txBody>
+                    <a:bodyPr/>
+                    <a:lstStyle/>
+                    <a:p>
+                      <a:pPr algn="ctr" fontAlgn="ctr"/>
+                      <a:r>
+                        <a:rPr lang="en-GB" sz="1600" u="none" strike="noStrike">
+                          <a:effectLst/>
+                        </a:rPr>
+                        <a:t>knew</a:t>
+                      </a:r>
+                      <a:endParaRPr lang="en-GB" sz="1600" b="0" i="0" u="none" strike="noStrike">
+                        <a:solidFill>
+                          <a:srgbClr val="000000"/>
+                        </a:solidFill>
+                        <a:effectLst/>
+                        <a:latin typeface="Aptos Narrow" panose="020B0004020202020204" pitchFamily="34" charset="0"/>
+                      </a:endParaRPr>
+                    </a:p>
+                  </a:txBody>
+                  <a:tcPr marL="4229" marR="4229" marT="4229" marB="0" anchor="ctr">
+                    <a:lnL w="12700" cap="flat" cmpd="sng" algn="ctr">
+                      <a:solidFill>
+                        <a:schemeClr val="tx1"/>
+                      </a:solidFill>
+                      <a:prstDash val="solid"/>
+                      <a:round/>
+                      <a:headEnd type="none" w="med" len="med"/>
+                      <a:tailEnd type="none" w="med" len="med"/>
+                    </a:lnL>
+                    <a:lnR w="12700" cap="flat" cmpd="sng" algn="ctr">
+                      <a:solidFill>
+                        <a:schemeClr val="tx1"/>
+                      </a:solidFill>
+                      <a:prstDash val="solid"/>
+                      <a:round/>
+                      <a:headEnd type="none" w="med" len="med"/>
+                      <a:tailEnd type="none" w="med" len="med"/>
+                    </a:lnR>
+                    <a:lnT w="12700" cap="flat" cmpd="sng" algn="ctr">
+                      <a:solidFill>
+                        <a:schemeClr val="tx1"/>
+                      </a:solidFill>
+                      <a:prstDash val="solid"/>
+                      <a:round/>
+                      <a:headEnd type="none" w="med" len="med"/>
+                      <a:tailEnd type="none" w="med" len="med"/>
+                    </a:lnT>
+                    <a:lnB w="12700" cap="flat" cmpd="sng" algn="ctr">
+                      <a:solidFill>
+                        <a:schemeClr val="tx1"/>
+                      </a:solidFill>
+                      <a:prstDash val="solid"/>
+                      <a:round/>
+                      <a:headEnd type="none" w="med" len="med"/>
+                      <a:tailEnd type="none" w="med" len="med"/>
+                    </a:lnB>
+                  </a:tcPr>
+                </a:tc>
+                <a:tc>
+                  <a:txBody>
+                    <a:bodyPr/>
+                    <a:lstStyle/>
+                    <a:p>
+                      <a:pPr algn="ctr" fontAlgn="ctr"/>
+                      <a:r>
+                        <a:rPr lang="en-GB" sz="1600" u="none" strike="noStrike">
+                          <a:effectLst/>
+                        </a:rPr>
+                        <a:t>known</a:t>
+                      </a:r>
+                      <a:endParaRPr lang="en-GB" sz="1600" b="0" i="0" u="none" strike="noStrike">
+                        <a:solidFill>
+                          <a:srgbClr val="000000"/>
+                        </a:solidFill>
+                        <a:effectLst/>
+                        <a:latin typeface="Aptos Narrow" panose="020B0004020202020204" pitchFamily="34" charset="0"/>
+                      </a:endParaRPr>
+                    </a:p>
+                  </a:txBody>
+                  <a:tcPr marL="4229" marR="4229" marT="4229" marB="0" anchor="ctr">
+                    <a:lnL w="12700" cap="flat" cmpd="sng" algn="ctr">
+                      <a:solidFill>
+                        <a:schemeClr val="tx1"/>
+                      </a:solidFill>
+                      <a:prstDash val="solid"/>
+                      <a:round/>
+                      <a:headEnd type="none" w="med" len="med"/>
+                      <a:tailEnd type="none" w="med" len="med"/>
+                    </a:lnL>
+                    <a:lnR w="12700" cap="flat" cmpd="sng" algn="ctr">
+                      <a:solidFill>
+                        <a:schemeClr val="tx1"/>
+                      </a:solidFill>
+                      <a:prstDash val="solid"/>
+                      <a:round/>
+                      <a:headEnd type="none" w="med" len="med"/>
+                      <a:tailEnd type="none" w="med" len="med"/>
+                    </a:lnR>
+                    <a:lnT w="12700" cap="flat" cmpd="sng" algn="ctr">
+                      <a:solidFill>
+                        <a:schemeClr val="tx1"/>
+                      </a:solidFill>
+                      <a:prstDash val="solid"/>
+                      <a:round/>
+                      <a:headEnd type="none" w="med" len="med"/>
+                      <a:tailEnd type="none" w="med" len="med"/>
+                    </a:lnT>
+                    <a:lnB w="12700" cap="flat" cmpd="sng" algn="ctr">
+                      <a:solidFill>
+                        <a:schemeClr val="tx1"/>
+                      </a:solidFill>
+                      <a:prstDash val="solid"/>
+                      <a:round/>
+                      <a:headEnd type="none" w="med" len="med"/>
+                      <a:tailEnd type="none" w="med" len="med"/>
+                    </a:lnB>
+                  </a:tcPr>
+                </a:tc>
+                <a:tc>
+                  <a:txBody>
+                    <a:bodyPr/>
+                    <a:lstStyle/>
+                    <a:p>
+                      <a:pPr algn="ctr" fontAlgn="ctr"/>
+                      <a:r>
+                        <a:rPr lang="uk-UA" sz="1600" u="none" strike="noStrike">
+                          <a:effectLst/>
+                        </a:rPr>
+                        <a:t>знати</a:t>
+                      </a:r>
+                      <a:endParaRPr lang="uk-UA" sz="1600" b="0" i="0" u="none" strike="noStrike">
+                        <a:solidFill>
+                          <a:srgbClr val="000000"/>
+                        </a:solidFill>
+                        <a:effectLst/>
+                        <a:latin typeface="Aptos Narrow" panose="020B0004020202020204" pitchFamily="34" charset="0"/>
+                      </a:endParaRPr>
+                    </a:p>
+                  </a:txBody>
+                  <a:tcPr marL="4229" marR="4229" marT="4229" marB="0" anchor="ctr">
+                    <a:lnL w="12700" cap="flat" cmpd="sng" algn="ctr">
+                      <a:solidFill>
+                        <a:schemeClr val="tx1"/>
+                      </a:solidFill>
+                      <a:prstDash val="solid"/>
+                      <a:round/>
+                      <a:headEnd type="none" w="med" len="med"/>
+                      <a:tailEnd type="none" w="med" len="med"/>
+                    </a:lnL>
+                    <a:lnR w="12700" cap="flat" cmpd="sng" algn="ctr">
+                      <a:solidFill>
+                        <a:schemeClr val="tx1"/>
+                      </a:solidFill>
+                      <a:prstDash val="solid"/>
+                      <a:round/>
+                      <a:headEnd type="none" w="med" len="med"/>
+                      <a:tailEnd type="none" w="med" len="med"/>
+                    </a:lnR>
+                    <a:lnT w="12700" cap="flat" cmpd="sng" algn="ctr">
+                      <a:solidFill>
+                        <a:schemeClr val="tx1"/>
+                      </a:solidFill>
+                      <a:prstDash val="solid"/>
+                      <a:round/>
+                      <a:headEnd type="none" w="med" len="med"/>
+                      <a:tailEnd type="none" w="med" len="med"/>
+                    </a:lnT>
+                    <a:lnB w="12700" cap="flat" cmpd="sng" algn="ctr">
+                      <a:solidFill>
+                        <a:schemeClr val="tx1"/>
+                      </a:solidFill>
+                      <a:prstDash val="solid"/>
+                      <a:round/>
+                      <a:headEnd type="none" w="med" len="med"/>
+                      <a:tailEnd type="none" w="med" len="med"/>
+                    </a:lnB>
+                  </a:tcPr>
+                </a:tc>
+                <a:extLst>
+                  <a:ext uri="{0D108BD9-81ED-4DB2-BD59-A6C34878D82A}">
+                    <a16:rowId xmlns:a16="http://schemas.microsoft.com/office/drawing/2014/main" val="911433332"/>
+                  </a:ext>
+                </a:extLst>
+              </a:tr>
+              <a:tr h="264799">
+                <a:tc>
+                  <a:txBody>
+                    <a:bodyPr/>
+                    <a:lstStyle/>
+                    <a:p>
+                      <a:pPr algn="ctr" fontAlgn="ctr"/>
+                      <a:r>
+                        <a:rPr lang="en-GB" sz="1600" u="none" strike="noStrike">
+                          <a:effectLst/>
+                        </a:rPr>
+                        <a:t>think</a:t>
+                      </a:r>
+                      <a:endParaRPr lang="en-GB" sz="1600" b="0" i="0" u="none" strike="noStrike">
+                        <a:solidFill>
+                          <a:srgbClr val="000000"/>
+                        </a:solidFill>
+                        <a:effectLst/>
+                        <a:latin typeface="Aptos Narrow" panose="020B0004020202020204" pitchFamily="34" charset="0"/>
+                      </a:endParaRPr>
+                    </a:p>
+                  </a:txBody>
+                  <a:tcPr marL="4229" marR="4229" marT="4229" marB="0" anchor="ctr">
+                    <a:lnL w="12700" cap="flat" cmpd="sng" algn="ctr">
+                      <a:solidFill>
+                        <a:schemeClr val="tx1"/>
+                      </a:solidFill>
+                      <a:prstDash val="solid"/>
+                      <a:round/>
+                      <a:headEnd type="none" w="med" len="med"/>
+                      <a:tailEnd type="none" w="med" len="med"/>
+                    </a:lnL>
+                    <a:lnR w="12700" cap="flat" cmpd="sng" algn="ctr">
+                      <a:solidFill>
+                        <a:schemeClr val="tx1"/>
+                      </a:solidFill>
+                      <a:prstDash val="solid"/>
+                      <a:round/>
+                      <a:headEnd type="none" w="med" len="med"/>
+                      <a:tailEnd type="none" w="med" len="med"/>
+                    </a:lnR>
+                    <a:lnT w="12700" cap="flat" cmpd="sng" algn="ctr">
+                      <a:solidFill>
+                        <a:schemeClr val="tx1"/>
+                      </a:solidFill>
+                      <a:prstDash val="solid"/>
+                      <a:round/>
+                      <a:headEnd type="none" w="med" len="med"/>
+                      <a:tailEnd type="none" w="med" len="med"/>
+                    </a:lnT>
+                    <a:lnB w="12700" cap="flat" cmpd="sng" algn="ctr">
+                      <a:solidFill>
+                        <a:schemeClr val="tx1"/>
+                      </a:solidFill>
+                      <a:prstDash val="solid"/>
+                      <a:round/>
+                      <a:headEnd type="none" w="med" len="med"/>
+                      <a:tailEnd type="none" w="med" len="med"/>
+                    </a:lnB>
+                  </a:tcPr>
+                </a:tc>
+                <a:tc>
+                  <a:txBody>
+                    <a:bodyPr/>
+                    <a:lstStyle/>
+                    <a:p>
+                      <a:pPr algn="ctr" fontAlgn="ctr"/>
+                      <a:r>
+                        <a:rPr lang="en-GB" sz="1600" u="none" strike="noStrike">
+                          <a:effectLst/>
+                        </a:rPr>
+                        <a:t>thought</a:t>
+                      </a:r>
+                      <a:endParaRPr lang="en-GB" sz="1600" b="0" i="0" u="none" strike="noStrike">
+                        <a:solidFill>
+                          <a:srgbClr val="000000"/>
+                        </a:solidFill>
+                        <a:effectLst/>
+                        <a:latin typeface="Aptos Narrow" panose="020B0004020202020204" pitchFamily="34" charset="0"/>
+                      </a:endParaRPr>
+                    </a:p>
+                  </a:txBody>
+                  <a:tcPr marL="4229" marR="4229" marT="4229" marB="0" anchor="ctr">
+                    <a:lnL w="12700" cap="flat" cmpd="sng" algn="ctr">
+                      <a:solidFill>
+                        <a:schemeClr val="tx1"/>
+                      </a:solidFill>
+                      <a:prstDash val="solid"/>
+                      <a:round/>
+                      <a:headEnd type="none" w="med" len="med"/>
+                      <a:tailEnd type="none" w="med" len="med"/>
+                    </a:lnL>
+                    <a:lnR w="12700" cap="flat" cmpd="sng" algn="ctr">
+                      <a:solidFill>
+                        <a:schemeClr val="tx1"/>
+                      </a:solidFill>
+                      <a:prstDash val="solid"/>
+                      <a:round/>
+                      <a:headEnd type="none" w="med" len="med"/>
+                      <a:tailEnd type="none" w="med" len="med"/>
+                    </a:lnR>
+                    <a:lnT w="12700" cap="flat" cmpd="sng" algn="ctr">
+                      <a:solidFill>
+                        <a:schemeClr val="tx1"/>
+                      </a:solidFill>
+                      <a:prstDash val="solid"/>
+                      <a:round/>
+                      <a:headEnd type="none" w="med" len="med"/>
+                      <a:tailEnd type="none" w="med" len="med"/>
+                    </a:lnT>
+                    <a:lnB w="12700" cap="flat" cmpd="sng" algn="ctr">
+                      <a:solidFill>
+                        <a:schemeClr val="tx1"/>
+                      </a:solidFill>
+                      <a:prstDash val="solid"/>
+                      <a:round/>
+                      <a:headEnd type="none" w="med" len="med"/>
+                      <a:tailEnd type="none" w="med" len="med"/>
+                    </a:lnB>
+                  </a:tcPr>
+                </a:tc>
+                <a:tc>
+                  <a:txBody>
+                    <a:bodyPr/>
+                    <a:lstStyle/>
+                    <a:p>
+                      <a:pPr algn="ctr" fontAlgn="ctr"/>
+                      <a:r>
+                        <a:rPr lang="en-GB" sz="1600" u="none" strike="noStrike" dirty="0">
+                          <a:effectLst/>
+                        </a:rPr>
+                        <a:t>thought</a:t>
+                      </a:r>
+                      <a:endParaRPr lang="en-GB" sz="1600" b="0" i="0" u="none" strike="noStrike" dirty="0">
+                        <a:solidFill>
+                          <a:srgbClr val="000000"/>
+                        </a:solidFill>
+                        <a:effectLst/>
+                        <a:latin typeface="Aptos Narrow" panose="020B0004020202020204" pitchFamily="34" charset="0"/>
+                      </a:endParaRPr>
+                    </a:p>
+                  </a:txBody>
+                  <a:tcPr marL="4229" marR="4229" marT="4229" marB="0" anchor="ctr">
+                    <a:lnL w="12700" cap="flat" cmpd="sng" algn="ctr">
+                      <a:solidFill>
+                        <a:schemeClr val="tx1"/>
+                      </a:solidFill>
+                      <a:prstDash val="solid"/>
+                      <a:round/>
+                      <a:headEnd type="none" w="med" len="med"/>
+                      <a:tailEnd type="none" w="med" len="med"/>
+                    </a:lnL>
+                    <a:lnR w="12700" cap="flat" cmpd="sng" algn="ctr">
+                      <a:solidFill>
+                        <a:schemeClr val="tx1"/>
+                      </a:solidFill>
+                      <a:prstDash val="solid"/>
+                      <a:round/>
+                      <a:headEnd type="none" w="med" len="med"/>
+                      <a:tailEnd type="none" w="med" len="med"/>
+                    </a:lnR>
+                    <a:lnT w="12700" cap="flat" cmpd="sng" algn="ctr">
+                      <a:solidFill>
+                        <a:schemeClr val="tx1"/>
+                      </a:solidFill>
+                      <a:prstDash val="solid"/>
+                      <a:round/>
+                      <a:headEnd type="none" w="med" len="med"/>
+                      <a:tailEnd type="none" w="med" len="med"/>
+                    </a:lnT>
+                    <a:lnB w="12700" cap="flat" cmpd="sng" algn="ctr">
+                      <a:solidFill>
+                        <a:schemeClr val="tx1"/>
+                      </a:solidFill>
+                      <a:prstDash val="solid"/>
+                      <a:round/>
+                      <a:headEnd type="none" w="med" len="med"/>
+                      <a:tailEnd type="none" w="med" len="med"/>
+                    </a:lnB>
+                  </a:tcPr>
+                </a:tc>
+                <a:tc>
+                  <a:txBody>
+                    <a:bodyPr/>
+                    <a:lstStyle/>
+                    <a:p>
+                      <a:pPr algn="ctr" fontAlgn="ctr"/>
+                      <a:r>
+                        <a:rPr lang="uk-UA" sz="1600" u="none" strike="noStrike" dirty="0">
+                          <a:effectLst/>
+                        </a:rPr>
+                        <a:t>думати</a:t>
+                      </a:r>
+                      <a:endParaRPr lang="uk-UA" sz="1600" b="0" i="0" u="none" strike="noStrike" dirty="0">
+                        <a:solidFill>
+                          <a:srgbClr val="000000"/>
+                        </a:solidFill>
+                        <a:effectLst/>
+                        <a:latin typeface="Aptos Narrow" panose="020B0004020202020204" pitchFamily="34" charset="0"/>
+                      </a:endParaRPr>
+                    </a:p>
+                  </a:txBody>
+                  <a:tcPr marL="4229" marR="4229" marT="4229" marB="0" anchor="ctr">
+                    <a:lnL w="12700" cap="flat" cmpd="sng" algn="ctr">
+                      <a:solidFill>
+                        <a:schemeClr val="tx1"/>
+                      </a:solidFill>
+                      <a:prstDash val="solid"/>
+                      <a:round/>
+                      <a:headEnd type="none" w="med" len="med"/>
+                      <a:tailEnd type="none" w="med" len="med"/>
+                    </a:lnL>
+                    <a:lnR w="12700" cap="flat" cmpd="sng" algn="ctr">
+                      <a:solidFill>
+                        <a:schemeClr val="tx1"/>
+                      </a:solidFill>
+                      <a:prstDash val="solid"/>
+                      <a:round/>
+                      <a:headEnd type="none" w="med" len="med"/>
+                      <a:tailEnd type="none" w="med" len="med"/>
+                    </a:lnR>
+                    <a:lnT w="12700" cap="flat" cmpd="sng" algn="ctr">
+                      <a:solidFill>
+                        <a:schemeClr val="tx1"/>
+                      </a:solidFill>
+                      <a:prstDash val="solid"/>
+                      <a:round/>
+                      <a:headEnd type="none" w="med" len="med"/>
+                      <a:tailEnd type="none" w="med" len="med"/>
+                    </a:lnT>
+                    <a:lnB w="12700" cap="flat" cmpd="sng" algn="ctr">
+                      <a:solidFill>
+                        <a:schemeClr val="tx1"/>
+                      </a:solidFill>
+                      <a:prstDash val="solid"/>
+                      <a:round/>
+                      <a:headEnd type="none" w="med" len="med"/>
+                      <a:tailEnd type="none" w="med" len="med"/>
+                    </a:lnB>
+                  </a:tcPr>
+                </a:tc>
+                <a:extLst>
+                  <a:ext uri="{0D108BD9-81ED-4DB2-BD59-A6C34878D82A}">
+                    <a16:rowId xmlns:a16="http://schemas.microsoft.com/office/drawing/2014/main" val="916714877"/>
+                  </a:ext>
+                </a:extLst>
+              </a:tr>
+              <a:tr h="264799">
+                <a:tc>
+                  <a:txBody>
+                    <a:bodyPr/>
+                    <a:lstStyle/>
+                    <a:p>
+                      <a:pPr algn="ctr" fontAlgn="ctr"/>
+                      <a:r>
+                        <a:rPr lang="en-GB" sz="1600" u="none" strike="noStrike">
+                          <a:effectLst/>
+                        </a:rPr>
+                        <a:t>take</a:t>
+                      </a:r>
+                      <a:endParaRPr lang="en-GB" sz="1600" b="0" i="0" u="none" strike="noStrike">
+                        <a:solidFill>
+                          <a:srgbClr val="000000"/>
+                        </a:solidFill>
+                        <a:effectLst/>
+                        <a:latin typeface="Aptos Narrow" panose="020B0004020202020204" pitchFamily="34" charset="0"/>
+                      </a:endParaRPr>
+                    </a:p>
+                  </a:txBody>
+                  <a:tcPr marL="4229" marR="4229" marT="4229" marB="0" anchor="ctr">
+                    <a:lnL w="12700" cap="flat" cmpd="sng" algn="ctr">
+                      <a:solidFill>
+                        <a:schemeClr val="tx1"/>
+                      </a:solidFill>
+                      <a:prstDash val="solid"/>
+                      <a:round/>
+                      <a:headEnd type="none" w="med" len="med"/>
+                      <a:tailEnd type="none" w="med" len="med"/>
+                    </a:lnL>
+                    <a:lnR w="12700" cap="flat" cmpd="sng" algn="ctr">
+                      <a:solidFill>
+                        <a:schemeClr val="tx1"/>
+                      </a:solidFill>
+                      <a:prstDash val="solid"/>
+                      <a:round/>
+                      <a:headEnd type="none" w="med" len="med"/>
+                      <a:tailEnd type="none" w="med" len="med"/>
+                    </a:lnR>
+                    <a:lnT w="12700" cap="flat" cmpd="sng" algn="ctr">
+                      <a:solidFill>
+                        <a:schemeClr val="tx1"/>
+                      </a:solidFill>
+                      <a:prstDash val="solid"/>
+                      <a:round/>
+                      <a:headEnd type="none" w="med" len="med"/>
+                      <a:tailEnd type="none" w="med" len="med"/>
+                    </a:lnT>
+                    <a:lnB w="12700" cap="flat" cmpd="sng" algn="ctr">
+                      <a:solidFill>
+                        <a:schemeClr val="tx1"/>
+                      </a:solidFill>
+                      <a:prstDash val="solid"/>
+                      <a:round/>
+                      <a:headEnd type="none" w="med" len="med"/>
+                      <a:tailEnd type="none" w="med" len="med"/>
+                    </a:lnB>
+                  </a:tcPr>
+                </a:tc>
+                <a:tc>
+                  <a:txBody>
+                    <a:bodyPr/>
+                    <a:lstStyle/>
+                    <a:p>
+                      <a:pPr algn="ctr" fontAlgn="ctr"/>
+                      <a:r>
+                        <a:rPr lang="en-GB" sz="1600" u="none" strike="noStrike">
+                          <a:effectLst/>
+                        </a:rPr>
+                        <a:t>took</a:t>
+                      </a:r>
+                      <a:endParaRPr lang="en-GB" sz="1600" b="0" i="0" u="none" strike="noStrike">
+                        <a:solidFill>
+                          <a:srgbClr val="000000"/>
+                        </a:solidFill>
+                        <a:effectLst/>
+                        <a:latin typeface="Aptos Narrow" panose="020B0004020202020204" pitchFamily="34" charset="0"/>
+                      </a:endParaRPr>
+                    </a:p>
+                  </a:txBody>
+                  <a:tcPr marL="4229" marR="4229" marT="4229" marB="0" anchor="ctr">
+                    <a:lnL w="12700" cap="flat" cmpd="sng" algn="ctr">
+                      <a:solidFill>
+                        <a:schemeClr val="tx1"/>
+                      </a:solidFill>
+                      <a:prstDash val="solid"/>
+                      <a:round/>
+                      <a:headEnd type="none" w="med" len="med"/>
+                      <a:tailEnd type="none" w="med" len="med"/>
+                    </a:lnL>
+                    <a:lnR w="12700" cap="flat" cmpd="sng" algn="ctr">
+                      <a:solidFill>
+                        <a:schemeClr val="tx1"/>
+                      </a:solidFill>
+                      <a:prstDash val="solid"/>
+                      <a:round/>
+                      <a:headEnd type="none" w="med" len="med"/>
+                      <a:tailEnd type="none" w="med" len="med"/>
+                    </a:lnR>
+                    <a:lnT w="12700" cap="flat" cmpd="sng" algn="ctr">
+                      <a:solidFill>
+                        <a:schemeClr val="tx1"/>
+                      </a:solidFill>
+                      <a:prstDash val="solid"/>
+                      <a:round/>
+                      <a:headEnd type="none" w="med" len="med"/>
+                      <a:tailEnd type="none" w="med" len="med"/>
+                    </a:lnT>
+                    <a:lnB w="12700" cap="flat" cmpd="sng" algn="ctr">
+                      <a:solidFill>
+                        <a:schemeClr val="tx1"/>
+                      </a:solidFill>
+                      <a:prstDash val="solid"/>
+                      <a:round/>
+                      <a:headEnd type="none" w="med" len="med"/>
+                      <a:tailEnd type="none" w="med" len="med"/>
+                    </a:lnB>
+                  </a:tcPr>
+                </a:tc>
+                <a:tc>
+                  <a:txBody>
+                    <a:bodyPr/>
+                    <a:lstStyle/>
+                    <a:p>
+                      <a:pPr algn="ctr" fontAlgn="ctr"/>
+                      <a:r>
+                        <a:rPr lang="en-GB" sz="1600" u="none" strike="noStrike">
+                          <a:effectLst/>
+                        </a:rPr>
+                        <a:t>taken</a:t>
+                      </a:r>
+                      <a:endParaRPr lang="en-GB" sz="1600" b="0" i="0" u="none" strike="noStrike">
+                        <a:solidFill>
+                          <a:srgbClr val="000000"/>
+                        </a:solidFill>
+                        <a:effectLst/>
+                        <a:latin typeface="Aptos Narrow" panose="020B0004020202020204" pitchFamily="34" charset="0"/>
+                      </a:endParaRPr>
+                    </a:p>
+                  </a:txBody>
+                  <a:tcPr marL="4229" marR="4229" marT="4229" marB="0" anchor="ctr">
+                    <a:lnL w="12700" cap="flat" cmpd="sng" algn="ctr">
+                      <a:solidFill>
+                        <a:schemeClr val="tx1"/>
+                      </a:solidFill>
+                      <a:prstDash val="solid"/>
+                      <a:round/>
+                      <a:headEnd type="none" w="med" len="med"/>
+                      <a:tailEnd type="none" w="med" len="med"/>
+                    </a:lnL>
+                    <a:lnR w="12700" cap="flat" cmpd="sng" algn="ctr">
+                      <a:solidFill>
+                        <a:schemeClr val="tx1"/>
+                      </a:solidFill>
+                      <a:prstDash val="solid"/>
+                      <a:round/>
+                      <a:headEnd type="none" w="med" len="med"/>
+                      <a:tailEnd type="none" w="med" len="med"/>
+                    </a:lnR>
+                    <a:lnT w="12700" cap="flat" cmpd="sng" algn="ctr">
+                      <a:solidFill>
+                        <a:schemeClr val="tx1"/>
+                      </a:solidFill>
+                      <a:prstDash val="solid"/>
+                      <a:round/>
+                      <a:headEnd type="none" w="med" len="med"/>
+                      <a:tailEnd type="none" w="med" len="med"/>
+                    </a:lnT>
+                    <a:lnB w="12700" cap="flat" cmpd="sng" algn="ctr">
+                      <a:solidFill>
+                        <a:schemeClr val="tx1"/>
+                      </a:solidFill>
+                      <a:prstDash val="solid"/>
+                      <a:round/>
+                      <a:headEnd type="none" w="med" len="med"/>
+                      <a:tailEnd type="none" w="med" len="med"/>
+                    </a:lnB>
+                  </a:tcPr>
+                </a:tc>
+                <a:tc>
+                  <a:txBody>
+                    <a:bodyPr/>
+                    <a:lstStyle/>
+                    <a:p>
+                      <a:pPr algn="ctr" fontAlgn="ctr"/>
+                      <a:r>
+                        <a:rPr lang="uk-UA" sz="1600" u="none" strike="noStrike">
+                          <a:effectLst/>
+                        </a:rPr>
+                        <a:t>брати</a:t>
+                      </a:r>
+                      <a:endParaRPr lang="uk-UA" sz="1600" b="0" i="0" u="none" strike="noStrike">
+                        <a:solidFill>
+                          <a:srgbClr val="000000"/>
+                        </a:solidFill>
+                        <a:effectLst/>
+                        <a:latin typeface="Aptos Narrow" panose="020B0004020202020204" pitchFamily="34" charset="0"/>
+                      </a:endParaRPr>
+                    </a:p>
+                  </a:txBody>
+                  <a:tcPr marL="4229" marR="4229" marT="4229" marB="0" anchor="ctr">
+                    <a:lnL w="12700" cap="flat" cmpd="sng" algn="ctr">
+                      <a:solidFill>
+                        <a:schemeClr val="tx1"/>
+                      </a:solidFill>
+                      <a:prstDash val="solid"/>
+                      <a:round/>
+                      <a:headEnd type="none" w="med" len="med"/>
+                      <a:tailEnd type="none" w="med" len="med"/>
+                    </a:lnL>
+                    <a:lnR w="12700" cap="flat" cmpd="sng" algn="ctr">
+                      <a:solidFill>
+                        <a:schemeClr val="tx1"/>
+                      </a:solidFill>
+                      <a:prstDash val="solid"/>
+                      <a:round/>
+                      <a:headEnd type="none" w="med" len="med"/>
+                      <a:tailEnd type="none" w="med" len="med"/>
+                    </a:lnR>
+                    <a:lnT w="12700" cap="flat" cmpd="sng" algn="ctr">
+                      <a:solidFill>
+                        <a:schemeClr val="tx1"/>
+                      </a:solidFill>
+                      <a:prstDash val="solid"/>
+                      <a:round/>
+                      <a:headEnd type="none" w="med" len="med"/>
+                      <a:tailEnd type="none" w="med" len="med"/>
+                    </a:lnT>
+                    <a:lnB w="12700" cap="flat" cmpd="sng" algn="ctr">
+                      <a:solidFill>
+                        <a:schemeClr val="tx1"/>
+                      </a:solidFill>
+                      <a:prstDash val="solid"/>
+                      <a:round/>
+                      <a:headEnd type="none" w="med" len="med"/>
+                      <a:tailEnd type="none" w="med" len="med"/>
+                    </a:lnB>
+                  </a:tcPr>
+                </a:tc>
+                <a:extLst>
+                  <a:ext uri="{0D108BD9-81ED-4DB2-BD59-A6C34878D82A}">
+                    <a16:rowId xmlns:a16="http://schemas.microsoft.com/office/drawing/2014/main" val="2106199109"/>
+                  </a:ext>
+                </a:extLst>
+              </a:tr>
+              <a:tr h="264799">
+                <a:tc>
+                  <a:txBody>
+                    <a:bodyPr/>
+                    <a:lstStyle/>
+                    <a:p>
+                      <a:pPr algn="ctr" fontAlgn="ctr"/>
+                      <a:r>
+                        <a:rPr lang="en-GB" sz="1600" u="none" strike="noStrike">
+                          <a:effectLst/>
+                        </a:rPr>
+                        <a:t>see</a:t>
+                      </a:r>
+                      <a:endParaRPr lang="en-GB" sz="1600" b="0" i="0" u="none" strike="noStrike">
+                        <a:solidFill>
+                          <a:srgbClr val="000000"/>
+                        </a:solidFill>
+                        <a:effectLst/>
+                        <a:latin typeface="Aptos Narrow" panose="020B0004020202020204" pitchFamily="34" charset="0"/>
+                      </a:endParaRPr>
+                    </a:p>
+                  </a:txBody>
+                  <a:tcPr marL="4229" marR="4229" marT="4229" marB="0" anchor="ctr">
+                    <a:lnL w="12700" cap="flat" cmpd="sng" algn="ctr">
+                      <a:solidFill>
+                        <a:schemeClr val="tx1"/>
+                      </a:solidFill>
+                      <a:prstDash val="solid"/>
+                      <a:round/>
+                      <a:headEnd type="none" w="med" len="med"/>
+                      <a:tailEnd type="none" w="med" len="med"/>
+                    </a:lnL>
+                    <a:lnR w="12700" cap="flat" cmpd="sng" algn="ctr">
+                      <a:solidFill>
+                        <a:schemeClr val="tx1"/>
+                      </a:solidFill>
+                      <a:prstDash val="solid"/>
+                      <a:round/>
+                      <a:headEnd type="none" w="med" len="med"/>
+                      <a:tailEnd type="none" w="med" len="med"/>
+                    </a:lnR>
+                    <a:lnT w="12700" cap="flat" cmpd="sng" algn="ctr">
+                      <a:solidFill>
+                        <a:schemeClr val="tx1"/>
+                      </a:solidFill>
+                      <a:prstDash val="solid"/>
+                      <a:round/>
+                      <a:headEnd type="none" w="med" len="med"/>
+                      <a:tailEnd type="none" w="med" len="med"/>
+                    </a:lnT>
+                    <a:lnB w="12700" cap="flat" cmpd="sng" algn="ctr">
+                      <a:solidFill>
+                        <a:schemeClr val="tx1"/>
+                      </a:solidFill>
+                      <a:prstDash val="solid"/>
+                      <a:round/>
+                      <a:headEnd type="none" w="med" len="med"/>
+                      <a:tailEnd type="none" w="med" len="med"/>
+                    </a:lnB>
+                  </a:tcPr>
+                </a:tc>
+                <a:tc>
+                  <a:txBody>
+                    <a:bodyPr/>
+                    <a:lstStyle/>
+                    <a:p>
+                      <a:pPr algn="ctr" fontAlgn="ctr"/>
+                      <a:r>
+                        <a:rPr lang="en-GB" sz="1600" u="none" strike="noStrike">
+                          <a:effectLst/>
+                        </a:rPr>
+                        <a:t>saw</a:t>
+                      </a:r>
+                      <a:endParaRPr lang="en-GB" sz="1600" b="0" i="0" u="none" strike="noStrike">
+                        <a:solidFill>
+                          <a:srgbClr val="000000"/>
+                        </a:solidFill>
+                        <a:effectLst/>
+                        <a:latin typeface="Aptos Narrow" panose="020B0004020202020204" pitchFamily="34" charset="0"/>
+                      </a:endParaRPr>
+                    </a:p>
+                  </a:txBody>
+                  <a:tcPr marL="4229" marR="4229" marT="4229" marB="0" anchor="ctr">
+                    <a:lnL w="12700" cap="flat" cmpd="sng" algn="ctr">
+                      <a:solidFill>
+                        <a:schemeClr val="tx1"/>
+                      </a:solidFill>
+                      <a:prstDash val="solid"/>
+                      <a:round/>
+                      <a:headEnd type="none" w="med" len="med"/>
+                      <a:tailEnd type="none" w="med" len="med"/>
+                    </a:lnL>
+                    <a:lnR w="12700" cap="flat" cmpd="sng" algn="ctr">
+                      <a:solidFill>
+                        <a:schemeClr val="tx1"/>
+                      </a:solidFill>
+                      <a:prstDash val="solid"/>
+                      <a:round/>
+                      <a:headEnd type="none" w="med" len="med"/>
+                      <a:tailEnd type="none" w="med" len="med"/>
+                    </a:lnR>
+                    <a:lnT w="12700" cap="flat" cmpd="sng" algn="ctr">
+                      <a:solidFill>
+                        <a:schemeClr val="tx1"/>
+                      </a:solidFill>
+                      <a:prstDash val="solid"/>
+                      <a:round/>
+                      <a:headEnd type="none" w="med" len="med"/>
+                      <a:tailEnd type="none" w="med" len="med"/>
+                    </a:lnT>
+                    <a:lnB w="12700" cap="flat" cmpd="sng" algn="ctr">
+                      <a:solidFill>
+                        <a:schemeClr val="tx1"/>
+                      </a:solidFill>
+                      <a:prstDash val="solid"/>
+                      <a:round/>
+                      <a:headEnd type="none" w="med" len="med"/>
+                      <a:tailEnd type="none" w="med" len="med"/>
+                    </a:lnB>
+                  </a:tcPr>
+                </a:tc>
+                <a:tc>
+                  <a:txBody>
+                    <a:bodyPr/>
+                    <a:lstStyle/>
+                    <a:p>
+                      <a:pPr algn="ctr" fontAlgn="ctr"/>
+                      <a:r>
+                        <a:rPr lang="en-GB" sz="1600" u="none" strike="noStrike" dirty="0">
+                          <a:effectLst/>
+                        </a:rPr>
+                        <a:t>seen</a:t>
+                      </a:r>
+                      <a:endParaRPr lang="en-GB" sz="1600" b="0" i="0" u="none" strike="noStrike" dirty="0">
+                        <a:solidFill>
+                          <a:srgbClr val="000000"/>
+                        </a:solidFill>
+                        <a:effectLst/>
+                        <a:latin typeface="Aptos Narrow" panose="020B0004020202020204" pitchFamily="34" charset="0"/>
+                      </a:endParaRPr>
+                    </a:p>
+                  </a:txBody>
+                  <a:tcPr marL="4229" marR="4229" marT="4229" marB="0" anchor="ctr">
+                    <a:lnL w="12700" cap="flat" cmpd="sng" algn="ctr">
+                      <a:solidFill>
+                        <a:schemeClr val="tx1"/>
+                      </a:solidFill>
+                      <a:prstDash val="solid"/>
+                      <a:round/>
+                      <a:headEnd type="none" w="med" len="med"/>
+                      <a:tailEnd type="none" w="med" len="med"/>
+                    </a:lnL>
+                    <a:lnR w="12700" cap="flat" cmpd="sng" algn="ctr">
+                      <a:solidFill>
+                        <a:schemeClr val="tx1"/>
+                      </a:solidFill>
+                      <a:prstDash val="solid"/>
+                      <a:round/>
+                      <a:headEnd type="none" w="med" len="med"/>
+                      <a:tailEnd type="none" w="med" len="med"/>
+                    </a:lnR>
+                    <a:lnT w="12700" cap="flat" cmpd="sng" algn="ctr">
+                      <a:solidFill>
+                        <a:schemeClr val="tx1"/>
+                      </a:solidFill>
+                      <a:prstDash val="solid"/>
+                      <a:round/>
+                      <a:headEnd type="none" w="med" len="med"/>
+                      <a:tailEnd type="none" w="med" len="med"/>
+                    </a:lnT>
+                    <a:lnB w="12700" cap="flat" cmpd="sng" algn="ctr">
+                      <a:solidFill>
+                        <a:schemeClr val="tx1"/>
+                      </a:solidFill>
+                      <a:prstDash val="solid"/>
+                      <a:round/>
+                      <a:headEnd type="none" w="med" len="med"/>
+                      <a:tailEnd type="none" w="med" len="med"/>
+                    </a:lnB>
+                  </a:tcPr>
+                </a:tc>
+                <a:tc>
+                  <a:txBody>
+                    <a:bodyPr/>
+                    <a:lstStyle/>
+                    <a:p>
+                      <a:pPr algn="ctr" fontAlgn="ctr"/>
+                      <a:r>
+                        <a:rPr lang="uk-UA" sz="1600" u="none" strike="noStrike">
+                          <a:effectLst/>
+                        </a:rPr>
+                        <a:t>бачити</a:t>
+                      </a:r>
+                      <a:endParaRPr lang="uk-UA" sz="1600" b="0" i="0" u="none" strike="noStrike">
+                        <a:solidFill>
+                          <a:srgbClr val="000000"/>
+                        </a:solidFill>
+                        <a:effectLst/>
+                        <a:latin typeface="Aptos Narrow" panose="020B0004020202020204" pitchFamily="34" charset="0"/>
+                      </a:endParaRPr>
+                    </a:p>
+                  </a:txBody>
+                  <a:tcPr marL="4229" marR="4229" marT="4229" marB="0" anchor="ctr">
+                    <a:lnL w="12700" cap="flat" cmpd="sng" algn="ctr">
+                      <a:solidFill>
+                        <a:schemeClr val="tx1"/>
+                      </a:solidFill>
+                      <a:prstDash val="solid"/>
+                      <a:round/>
+                      <a:headEnd type="none" w="med" len="med"/>
+                      <a:tailEnd type="none" w="med" len="med"/>
+                    </a:lnL>
+                    <a:lnR w="12700" cap="flat" cmpd="sng" algn="ctr">
+                      <a:solidFill>
+                        <a:schemeClr val="tx1"/>
+                      </a:solidFill>
+                      <a:prstDash val="solid"/>
+                      <a:round/>
+                      <a:headEnd type="none" w="med" len="med"/>
+                      <a:tailEnd type="none" w="med" len="med"/>
+                    </a:lnR>
+                    <a:lnT w="12700" cap="flat" cmpd="sng" algn="ctr">
+                      <a:solidFill>
+                        <a:schemeClr val="tx1"/>
+                      </a:solidFill>
+                      <a:prstDash val="solid"/>
+                      <a:round/>
+                      <a:headEnd type="none" w="med" len="med"/>
+                      <a:tailEnd type="none" w="med" len="med"/>
+                    </a:lnT>
+                    <a:lnB w="12700" cap="flat" cmpd="sng" algn="ctr">
+                      <a:solidFill>
+                        <a:schemeClr val="tx1"/>
+                      </a:solidFill>
+                      <a:prstDash val="solid"/>
+                      <a:round/>
+                      <a:headEnd type="none" w="med" len="med"/>
+                      <a:tailEnd type="none" w="med" len="med"/>
+                    </a:lnB>
+                  </a:tcPr>
+                </a:tc>
+                <a:extLst>
+                  <a:ext uri="{0D108BD9-81ED-4DB2-BD59-A6C34878D82A}">
+                    <a16:rowId xmlns:a16="http://schemas.microsoft.com/office/drawing/2014/main" val="2682281382"/>
+                  </a:ext>
+                </a:extLst>
+              </a:tr>
+              <a:tr h="264799">
+                <a:tc>
+                  <a:txBody>
+                    <a:bodyPr/>
+                    <a:lstStyle/>
+                    <a:p>
+                      <a:pPr algn="ctr" fontAlgn="ctr"/>
+                      <a:r>
+                        <a:rPr lang="en-GB" sz="1600" u="none" strike="noStrike">
+                          <a:effectLst/>
+                        </a:rPr>
+                        <a:t>come</a:t>
+                      </a:r>
+                      <a:endParaRPr lang="en-GB" sz="1600" b="0" i="0" u="none" strike="noStrike">
+                        <a:solidFill>
+                          <a:srgbClr val="000000"/>
+                        </a:solidFill>
+                        <a:effectLst/>
+                        <a:latin typeface="Aptos Narrow" panose="020B0004020202020204" pitchFamily="34" charset="0"/>
+                      </a:endParaRPr>
+                    </a:p>
+                  </a:txBody>
+                  <a:tcPr marL="4229" marR="4229" marT="4229" marB="0" anchor="ctr">
+                    <a:lnL w="12700" cap="flat" cmpd="sng" algn="ctr">
+                      <a:solidFill>
+                        <a:schemeClr val="tx1"/>
+                      </a:solidFill>
+                      <a:prstDash val="solid"/>
+                      <a:round/>
+                      <a:headEnd type="none" w="med" len="med"/>
+                      <a:tailEnd type="none" w="med" len="med"/>
+                    </a:lnL>
+                    <a:lnR w="12700" cap="flat" cmpd="sng" algn="ctr">
+                      <a:solidFill>
+                        <a:schemeClr val="tx1"/>
+                      </a:solidFill>
+                      <a:prstDash val="solid"/>
+                      <a:round/>
+                      <a:headEnd type="none" w="med" len="med"/>
+                      <a:tailEnd type="none" w="med" len="med"/>
+                    </a:lnR>
+                    <a:lnT w="12700" cap="flat" cmpd="sng" algn="ctr">
+                      <a:solidFill>
+                        <a:schemeClr val="tx1"/>
+                      </a:solidFill>
+                      <a:prstDash val="solid"/>
+                      <a:round/>
+                      <a:headEnd type="none" w="med" len="med"/>
+                      <a:tailEnd type="none" w="med" len="med"/>
+                    </a:lnT>
+                    <a:lnB w="12700" cap="flat" cmpd="sng" algn="ctr">
+                      <a:solidFill>
+                        <a:schemeClr val="tx1"/>
+                      </a:solidFill>
+                      <a:prstDash val="solid"/>
+                      <a:round/>
+                      <a:headEnd type="none" w="med" len="med"/>
+                      <a:tailEnd type="none" w="med" len="med"/>
+                    </a:lnB>
+                  </a:tcPr>
+                </a:tc>
+                <a:tc>
+                  <a:txBody>
+                    <a:bodyPr/>
+                    <a:lstStyle/>
+                    <a:p>
+                      <a:pPr algn="ctr" fontAlgn="ctr"/>
+                      <a:r>
+                        <a:rPr lang="en-GB" sz="1600" u="none" strike="noStrike">
+                          <a:effectLst/>
+                        </a:rPr>
+                        <a:t>came</a:t>
+                      </a:r>
+                      <a:endParaRPr lang="en-GB" sz="1600" b="0" i="0" u="none" strike="noStrike">
+                        <a:solidFill>
+                          <a:srgbClr val="000000"/>
+                        </a:solidFill>
+                        <a:effectLst/>
+                        <a:latin typeface="Aptos Narrow" panose="020B0004020202020204" pitchFamily="34" charset="0"/>
+                      </a:endParaRPr>
+                    </a:p>
+                  </a:txBody>
+                  <a:tcPr marL="4229" marR="4229" marT="4229" marB="0" anchor="ctr">
+                    <a:lnL w="12700" cap="flat" cmpd="sng" algn="ctr">
+                      <a:solidFill>
+                        <a:schemeClr val="tx1"/>
+                      </a:solidFill>
+                      <a:prstDash val="solid"/>
+                      <a:round/>
+                      <a:headEnd type="none" w="med" len="med"/>
+                      <a:tailEnd type="none" w="med" len="med"/>
+                    </a:lnL>
+                    <a:lnR w="12700" cap="flat" cmpd="sng" algn="ctr">
+                      <a:solidFill>
+                        <a:schemeClr val="tx1"/>
+                      </a:solidFill>
+                      <a:prstDash val="solid"/>
+                      <a:round/>
+                      <a:headEnd type="none" w="med" len="med"/>
+                      <a:tailEnd type="none" w="med" len="med"/>
+                    </a:lnR>
+                    <a:lnT w="12700" cap="flat" cmpd="sng" algn="ctr">
+                      <a:solidFill>
+                        <a:schemeClr val="tx1"/>
+                      </a:solidFill>
+                      <a:prstDash val="solid"/>
+                      <a:round/>
+                      <a:headEnd type="none" w="med" len="med"/>
+                      <a:tailEnd type="none" w="med" len="med"/>
+                    </a:lnT>
+                    <a:lnB w="12700" cap="flat" cmpd="sng" algn="ctr">
+                      <a:solidFill>
+                        <a:schemeClr val="tx1"/>
+                      </a:solidFill>
+                      <a:prstDash val="solid"/>
+                      <a:round/>
+                      <a:headEnd type="none" w="med" len="med"/>
+                      <a:tailEnd type="none" w="med" len="med"/>
+                    </a:lnB>
+                  </a:tcPr>
+                </a:tc>
+                <a:tc>
+                  <a:txBody>
+                    <a:bodyPr/>
+                    <a:lstStyle/>
+                    <a:p>
+                      <a:pPr algn="ctr" fontAlgn="ctr"/>
+                      <a:r>
+                        <a:rPr lang="en-GB" sz="1600" u="none" strike="noStrike">
+                          <a:effectLst/>
+                        </a:rPr>
+                        <a:t>come</a:t>
+                      </a:r>
+                      <a:endParaRPr lang="en-GB" sz="1600" b="0" i="0" u="none" strike="noStrike">
+                        <a:solidFill>
+                          <a:srgbClr val="000000"/>
+                        </a:solidFill>
+                        <a:effectLst/>
+                        <a:latin typeface="Aptos Narrow" panose="020B0004020202020204" pitchFamily="34" charset="0"/>
+                      </a:endParaRPr>
+                    </a:p>
+                  </a:txBody>
+                  <a:tcPr marL="4229" marR="4229" marT="4229" marB="0" anchor="ctr">
+                    <a:lnL w="12700" cap="flat" cmpd="sng" algn="ctr">
+                      <a:solidFill>
+                        <a:schemeClr val="tx1"/>
+                      </a:solidFill>
+                      <a:prstDash val="solid"/>
+                      <a:round/>
+                      <a:headEnd type="none" w="med" len="med"/>
+                      <a:tailEnd type="none" w="med" len="med"/>
+                    </a:lnL>
+                    <a:lnR w="12700" cap="flat" cmpd="sng" algn="ctr">
+                      <a:solidFill>
+                        <a:schemeClr val="tx1"/>
+                      </a:solidFill>
+                      <a:prstDash val="solid"/>
+                      <a:round/>
+                      <a:headEnd type="none" w="med" len="med"/>
+                      <a:tailEnd type="none" w="med" len="med"/>
+                    </a:lnR>
+                    <a:lnT w="12700" cap="flat" cmpd="sng" algn="ctr">
+                      <a:solidFill>
+                        <a:schemeClr val="tx1"/>
+                      </a:solidFill>
+                      <a:prstDash val="solid"/>
+                      <a:round/>
+                      <a:headEnd type="none" w="med" len="med"/>
+                      <a:tailEnd type="none" w="med" len="med"/>
+                    </a:lnT>
+                    <a:lnB w="12700" cap="flat" cmpd="sng" algn="ctr">
+                      <a:solidFill>
+                        <a:schemeClr val="tx1"/>
+                      </a:solidFill>
+                      <a:prstDash val="solid"/>
+                      <a:round/>
+                      <a:headEnd type="none" w="med" len="med"/>
+                      <a:tailEnd type="none" w="med" len="med"/>
+                    </a:lnB>
+                  </a:tcPr>
+                </a:tc>
+                <a:tc>
+                  <a:txBody>
+                    <a:bodyPr/>
+                    <a:lstStyle/>
+                    <a:p>
+                      <a:pPr algn="ctr" fontAlgn="ctr"/>
+                      <a:r>
+                        <a:rPr lang="uk-UA" sz="1600" u="none" strike="noStrike">
+                          <a:effectLst/>
+                        </a:rPr>
+                        <a:t>приходити</a:t>
+                      </a:r>
+                      <a:endParaRPr lang="uk-UA" sz="1600" b="0" i="0" u="none" strike="noStrike">
+                        <a:solidFill>
+                          <a:srgbClr val="000000"/>
+                        </a:solidFill>
+                        <a:effectLst/>
+                        <a:latin typeface="Aptos Narrow" panose="020B0004020202020204" pitchFamily="34" charset="0"/>
+                      </a:endParaRPr>
+                    </a:p>
+                  </a:txBody>
+                  <a:tcPr marL="4229" marR="4229" marT="4229" marB="0" anchor="ctr">
+                    <a:lnL w="12700" cap="flat" cmpd="sng" algn="ctr">
+                      <a:solidFill>
+                        <a:schemeClr val="tx1"/>
+                      </a:solidFill>
+                      <a:prstDash val="solid"/>
+                      <a:round/>
+                      <a:headEnd type="none" w="med" len="med"/>
+                      <a:tailEnd type="none" w="med" len="med"/>
+                    </a:lnL>
+                    <a:lnR w="12700" cap="flat" cmpd="sng" algn="ctr">
+                      <a:solidFill>
+                        <a:schemeClr val="tx1"/>
+                      </a:solidFill>
+                      <a:prstDash val="solid"/>
+                      <a:round/>
+                      <a:headEnd type="none" w="med" len="med"/>
+                      <a:tailEnd type="none" w="med" len="med"/>
+                    </a:lnR>
+                    <a:lnT w="12700" cap="flat" cmpd="sng" algn="ctr">
+                      <a:solidFill>
+                        <a:schemeClr val="tx1"/>
+                      </a:solidFill>
+                      <a:prstDash val="solid"/>
+                      <a:round/>
+                      <a:headEnd type="none" w="med" len="med"/>
+                      <a:tailEnd type="none" w="med" len="med"/>
+                    </a:lnT>
+                    <a:lnB w="12700" cap="flat" cmpd="sng" algn="ctr">
+                      <a:solidFill>
+                        <a:schemeClr val="tx1"/>
+                      </a:solidFill>
+                      <a:prstDash val="solid"/>
+                      <a:round/>
+                      <a:headEnd type="none" w="med" len="med"/>
+                      <a:tailEnd type="none" w="med" len="med"/>
+                    </a:lnB>
+                  </a:tcPr>
+                </a:tc>
+                <a:extLst>
+                  <a:ext uri="{0D108BD9-81ED-4DB2-BD59-A6C34878D82A}">
+                    <a16:rowId xmlns:a16="http://schemas.microsoft.com/office/drawing/2014/main" val="1041027613"/>
+                  </a:ext>
+                </a:extLst>
+              </a:tr>
+              <a:tr h="264799">
+                <a:tc>
+                  <a:txBody>
+                    <a:bodyPr/>
+                    <a:lstStyle/>
+                    <a:p>
+                      <a:pPr algn="ctr" fontAlgn="ctr"/>
+                      <a:r>
+                        <a:rPr lang="en-GB" sz="1600" u="none" strike="noStrike">
+                          <a:effectLst/>
+                        </a:rPr>
+                        <a:t>find</a:t>
+                      </a:r>
+                      <a:endParaRPr lang="en-GB" sz="1600" b="0" i="0" u="none" strike="noStrike">
+                        <a:solidFill>
+                          <a:srgbClr val="000000"/>
+                        </a:solidFill>
+                        <a:effectLst/>
+                        <a:latin typeface="Aptos Narrow" panose="020B0004020202020204" pitchFamily="34" charset="0"/>
+                      </a:endParaRPr>
+                    </a:p>
+                  </a:txBody>
+                  <a:tcPr marL="4229" marR="4229" marT="4229" marB="0" anchor="ctr">
+                    <a:lnL w="12700" cap="flat" cmpd="sng" algn="ctr">
+                      <a:solidFill>
+                        <a:schemeClr val="tx1"/>
+                      </a:solidFill>
+                      <a:prstDash val="solid"/>
+                      <a:round/>
+                      <a:headEnd type="none" w="med" len="med"/>
+                      <a:tailEnd type="none" w="med" len="med"/>
+                    </a:lnL>
+                    <a:lnR w="12700" cap="flat" cmpd="sng" algn="ctr">
+                      <a:solidFill>
+                        <a:schemeClr val="tx1"/>
+                      </a:solidFill>
+                      <a:prstDash val="solid"/>
+                      <a:round/>
+                      <a:headEnd type="none" w="med" len="med"/>
+                      <a:tailEnd type="none" w="med" len="med"/>
+                    </a:lnR>
+                    <a:lnT w="12700" cap="flat" cmpd="sng" algn="ctr">
+                      <a:solidFill>
+                        <a:schemeClr val="tx1"/>
+                      </a:solidFill>
+                      <a:prstDash val="solid"/>
+                      <a:round/>
+                      <a:headEnd type="none" w="med" len="med"/>
+                      <a:tailEnd type="none" w="med" len="med"/>
+                    </a:lnT>
+                    <a:lnB w="12700" cap="flat" cmpd="sng" algn="ctr">
+                      <a:solidFill>
+                        <a:schemeClr val="tx1"/>
+                      </a:solidFill>
+                      <a:prstDash val="solid"/>
+                      <a:round/>
+                      <a:headEnd type="none" w="med" len="med"/>
+                      <a:tailEnd type="none" w="med" len="med"/>
+                    </a:lnB>
+                  </a:tcPr>
+                </a:tc>
+                <a:tc>
+                  <a:txBody>
+                    <a:bodyPr/>
+                    <a:lstStyle/>
+                    <a:p>
+                      <a:pPr algn="ctr" fontAlgn="ctr"/>
+                      <a:r>
+                        <a:rPr lang="en-GB" sz="1600" u="none" strike="noStrike">
+                          <a:effectLst/>
+                        </a:rPr>
+                        <a:t>found</a:t>
+                      </a:r>
+                      <a:endParaRPr lang="en-GB" sz="1600" b="0" i="0" u="none" strike="noStrike">
+                        <a:solidFill>
+                          <a:srgbClr val="000000"/>
+                        </a:solidFill>
+                        <a:effectLst/>
+                        <a:latin typeface="Aptos Narrow" panose="020B0004020202020204" pitchFamily="34" charset="0"/>
+                      </a:endParaRPr>
+                    </a:p>
+                  </a:txBody>
+                  <a:tcPr marL="4229" marR="4229" marT="4229" marB="0" anchor="ctr">
+                    <a:lnL w="12700" cap="flat" cmpd="sng" algn="ctr">
+                      <a:solidFill>
+                        <a:schemeClr val="tx1"/>
+                      </a:solidFill>
+                      <a:prstDash val="solid"/>
+                      <a:round/>
+                      <a:headEnd type="none" w="med" len="med"/>
+                      <a:tailEnd type="none" w="med" len="med"/>
+                    </a:lnL>
+                    <a:lnR w="12700" cap="flat" cmpd="sng" algn="ctr">
+                      <a:solidFill>
+                        <a:schemeClr val="tx1"/>
+                      </a:solidFill>
+                      <a:prstDash val="solid"/>
+                      <a:round/>
+                      <a:headEnd type="none" w="med" len="med"/>
+                      <a:tailEnd type="none" w="med" len="med"/>
+                    </a:lnR>
+                    <a:lnT w="12700" cap="flat" cmpd="sng" algn="ctr">
+                      <a:solidFill>
+                        <a:schemeClr val="tx1"/>
+                      </a:solidFill>
+                      <a:prstDash val="solid"/>
+                      <a:round/>
+                      <a:headEnd type="none" w="med" len="med"/>
+                      <a:tailEnd type="none" w="med" len="med"/>
+                    </a:lnT>
+                    <a:lnB w="12700" cap="flat" cmpd="sng" algn="ctr">
+                      <a:solidFill>
+                        <a:schemeClr val="tx1"/>
+                      </a:solidFill>
+                      <a:prstDash val="solid"/>
+                      <a:round/>
+                      <a:headEnd type="none" w="med" len="med"/>
+                      <a:tailEnd type="none" w="med" len="med"/>
+                    </a:lnB>
+                  </a:tcPr>
+                </a:tc>
+                <a:tc>
+                  <a:txBody>
+                    <a:bodyPr/>
+                    <a:lstStyle/>
+                    <a:p>
+                      <a:pPr algn="ctr" fontAlgn="ctr"/>
+                      <a:r>
+                        <a:rPr lang="en-GB" sz="1600" u="none" strike="noStrike" dirty="0">
+                          <a:effectLst/>
+                        </a:rPr>
+                        <a:t>found</a:t>
+                      </a:r>
+                      <a:endParaRPr lang="en-GB" sz="1600" b="0" i="0" u="none" strike="noStrike" dirty="0">
+                        <a:solidFill>
+                          <a:srgbClr val="000000"/>
+                        </a:solidFill>
+                        <a:effectLst/>
+                        <a:latin typeface="Aptos Narrow" panose="020B0004020202020204" pitchFamily="34" charset="0"/>
+                      </a:endParaRPr>
+                    </a:p>
+                  </a:txBody>
+                  <a:tcPr marL="4229" marR="4229" marT="4229" marB="0" anchor="ctr">
+                    <a:lnL w="12700" cap="flat" cmpd="sng" algn="ctr">
+                      <a:solidFill>
+                        <a:schemeClr val="tx1"/>
+                      </a:solidFill>
+                      <a:prstDash val="solid"/>
+                      <a:round/>
+                      <a:headEnd type="none" w="med" len="med"/>
+                      <a:tailEnd type="none" w="med" len="med"/>
+                    </a:lnL>
+                    <a:lnR w="12700" cap="flat" cmpd="sng" algn="ctr">
+                      <a:solidFill>
+                        <a:schemeClr val="tx1"/>
+                      </a:solidFill>
+                      <a:prstDash val="solid"/>
+                      <a:round/>
+                      <a:headEnd type="none" w="med" len="med"/>
+                      <a:tailEnd type="none" w="med" len="med"/>
+                    </a:lnR>
+                    <a:lnT w="12700" cap="flat" cmpd="sng" algn="ctr">
+                      <a:solidFill>
+                        <a:schemeClr val="tx1"/>
+                      </a:solidFill>
+                      <a:prstDash val="solid"/>
+                      <a:round/>
+                      <a:headEnd type="none" w="med" len="med"/>
+                      <a:tailEnd type="none" w="med" len="med"/>
+                    </a:lnT>
+                    <a:lnB w="12700" cap="flat" cmpd="sng" algn="ctr">
+                      <a:solidFill>
+                        <a:schemeClr val="tx1"/>
+                      </a:solidFill>
+                      <a:prstDash val="solid"/>
+                      <a:round/>
+                      <a:headEnd type="none" w="med" len="med"/>
+                      <a:tailEnd type="none" w="med" len="med"/>
+                    </a:lnB>
+                  </a:tcPr>
+                </a:tc>
+                <a:tc>
+                  <a:txBody>
+                    <a:bodyPr/>
+                    <a:lstStyle/>
+                    <a:p>
+                      <a:pPr algn="ctr" fontAlgn="ctr"/>
+                      <a:r>
+                        <a:rPr lang="uk-UA" sz="1600" u="none" strike="noStrike">
+                          <a:effectLst/>
+                        </a:rPr>
+                        <a:t>знаходити</a:t>
+                      </a:r>
+                      <a:endParaRPr lang="uk-UA" sz="1600" b="0" i="0" u="none" strike="noStrike">
+                        <a:solidFill>
+                          <a:srgbClr val="000000"/>
+                        </a:solidFill>
+                        <a:effectLst/>
+                        <a:latin typeface="Aptos Narrow" panose="020B0004020202020204" pitchFamily="34" charset="0"/>
+                      </a:endParaRPr>
+                    </a:p>
+                  </a:txBody>
+                  <a:tcPr marL="4229" marR="4229" marT="4229" marB="0" anchor="ctr">
+                    <a:lnL w="12700" cap="flat" cmpd="sng" algn="ctr">
+                      <a:solidFill>
+                        <a:schemeClr val="tx1"/>
+                      </a:solidFill>
+                      <a:prstDash val="solid"/>
+                      <a:round/>
+                      <a:headEnd type="none" w="med" len="med"/>
+                      <a:tailEnd type="none" w="med" len="med"/>
+                    </a:lnL>
+                    <a:lnR w="12700" cap="flat" cmpd="sng" algn="ctr">
+                      <a:solidFill>
+                        <a:schemeClr val="tx1"/>
+                      </a:solidFill>
+                      <a:prstDash val="solid"/>
+                      <a:round/>
+                      <a:headEnd type="none" w="med" len="med"/>
+                      <a:tailEnd type="none" w="med" len="med"/>
+                    </a:lnR>
+                    <a:lnT w="12700" cap="flat" cmpd="sng" algn="ctr">
+                      <a:solidFill>
+                        <a:schemeClr val="tx1"/>
+                      </a:solidFill>
+                      <a:prstDash val="solid"/>
+                      <a:round/>
+                      <a:headEnd type="none" w="med" len="med"/>
+                      <a:tailEnd type="none" w="med" len="med"/>
+                    </a:lnT>
+                    <a:lnB w="12700" cap="flat" cmpd="sng" algn="ctr">
+                      <a:solidFill>
+                        <a:schemeClr val="tx1"/>
+                      </a:solidFill>
+                      <a:prstDash val="solid"/>
+                      <a:round/>
+                      <a:headEnd type="none" w="med" len="med"/>
+                      <a:tailEnd type="none" w="med" len="med"/>
+                    </a:lnB>
+                  </a:tcPr>
+                </a:tc>
+                <a:extLst>
+                  <a:ext uri="{0D108BD9-81ED-4DB2-BD59-A6C34878D82A}">
+                    <a16:rowId xmlns:a16="http://schemas.microsoft.com/office/drawing/2014/main" val="3085607232"/>
+                  </a:ext>
+                </a:extLst>
+              </a:tr>
+              <a:tr h="264799">
+                <a:tc>
+                  <a:txBody>
+                    <a:bodyPr/>
+                    <a:lstStyle/>
+                    <a:p>
+                      <a:pPr algn="ctr" fontAlgn="ctr"/>
+                      <a:r>
+                        <a:rPr lang="en-GB" sz="1600" u="none" strike="noStrike">
+                          <a:effectLst/>
+                        </a:rPr>
+                        <a:t>give</a:t>
+                      </a:r>
+                      <a:endParaRPr lang="en-GB" sz="1600" b="0" i="0" u="none" strike="noStrike">
+                        <a:solidFill>
+                          <a:srgbClr val="000000"/>
+                        </a:solidFill>
+                        <a:effectLst/>
+                        <a:latin typeface="Aptos Narrow" panose="020B0004020202020204" pitchFamily="34" charset="0"/>
+                      </a:endParaRPr>
+                    </a:p>
+                  </a:txBody>
+                  <a:tcPr marL="4229" marR="4229" marT="4229" marB="0" anchor="ctr">
+                    <a:lnL w="12700" cap="flat" cmpd="sng" algn="ctr">
+                      <a:solidFill>
+                        <a:schemeClr val="tx1"/>
+                      </a:solidFill>
+                      <a:prstDash val="solid"/>
+                      <a:round/>
+                      <a:headEnd type="none" w="med" len="med"/>
+                      <a:tailEnd type="none" w="med" len="med"/>
+                    </a:lnL>
+                    <a:lnR w="12700" cap="flat" cmpd="sng" algn="ctr">
+                      <a:solidFill>
+                        <a:schemeClr val="tx1"/>
+                      </a:solidFill>
+                      <a:prstDash val="solid"/>
+                      <a:round/>
+                      <a:headEnd type="none" w="med" len="med"/>
+                      <a:tailEnd type="none" w="med" len="med"/>
+                    </a:lnR>
+                    <a:lnT w="12700" cap="flat" cmpd="sng" algn="ctr">
+                      <a:solidFill>
+                        <a:schemeClr val="tx1"/>
+                      </a:solidFill>
+                      <a:prstDash val="solid"/>
+                      <a:round/>
+                      <a:headEnd type="none" w="med" len="med"/>
+                      <a:tailEnd type="none" w="med" len="med"/>
+                    </a:lnT>
+                    <a:lnB w="12700" cap="flat" cmpd="sng" algn="ctr">
+                      <a:solidFill>
+                        <a:schemeClr val="tx1"/>
+                      </a:solidFill>
+                      <a:prstDash val="solid"/>
+                      <a:round/>
+                      <a:headEnd type="none" w="med" len="med"/>
+                      <a:tailEnd type="none" w="med" len="med"/>
+                    </a:lnB>
+                  </a:tcPr>
+                </a:tc>
+                <a:tc>
+                  <a:txBody>
+                    <a:bodyPr/>
+                    <a:lstStyle/>
+                    <a:p>
+                      <a:pPr algn="ctr" fontAlgn="ctr"/>
+                      <a:r>
+                        <a:rPr lang="en-GB" sz="1600" u="none" strike="noStrike">
+                          <a:effectLst/>
+                        </a:rPr>
+                        <a:t>gave</a:t>
+                      </a:r>
+                      <a:endParaRPr lang="en-GB" sz="1600" b="0" i="0" u="none" strike="noStrike">
+                        <a:solidFill>
+                          <a:srgbClr val="000000"/>
+                        </a:solidFill>
+                        <a:effectLst/>
+                        <a:latin typeface="Aptos Narrow" panose="020B0004020202020204" pitchFamily="34" charset="0"/>
+                      </a:endParaRPr>
+                    </a:p>
+                  </a:txBody>
+                  <a:tcPr marL="4229" marR="4229" marT="4229" marB="0" anchor="ctr">
+                    <a:lnL w="12700" cap="flat" cmpd="sng" algn="ctr">
+                      <a:solidFill>
+                        <a:schemeClr val="tx1"/>
+                      </a:solidFill>
+                      <a:prstDash val="solid"/>
+                      <a:round/>
+                      <a:headEnd type="none" w="med" len="med"/>
+                      <a:tailEnd type="none" w="med" len="med"/>
+                    </a:lnL>
+                    <a:lnR w="12700" cap="flat" cmpd="sng" algn="ctr">
+                      <a:solidFill>
+                        <a:schemeClr val="tx1"/>
+                      </a:solidFill>
+                      <a:prstDash val="solid"/>
+                      <a:round/>
+                      <a:headEnd type="none" w="med" len="med"/>
+                      <a:tailEnd type="none" w="med" len="med"/>
+                    </a:lnR>
+                    <a:lnT w="12700" cap="flat" cmpd="sng" algn="ctr">
+                      <a:solidFill>
+                        <a:schemeClr val="tx1"/>
+                      </a:solidFill>
+                      <a:prstDash val="solid"/>
+                      <a:round/>
+                      <a:headEnd type="none" w="med" len="med"/>
+                      <a:tailEnd type="none" w="med" len="med"/>
+                    </a:lnT>
+                    <a:lnB w="12700" cap="flat" cmpd="sng" algn="ctr">
+                      <a:solidFill>
+                        <a:schemeClr val="tx1"/>
+                      </a:solidFill>
+                      <a:prstDash val="solid"/>
+                      <a:round/>
+                      <a:headEnd type="none" w="med" len="med"/>
+                      <a:tailEnd type="none" w="med" len="med"/>
+                    </a:lnB>
+                  </a:tcPr>
+                </a:tc>
+                <a:tc>
+                  <a:txBody>
+                    <a:bodyPr/>
+                    <a:lstStyle/>
+                    <a:p>
+                      <a:pPr algn="ctr" fontAlgn="ctr"/>
+                      <a:r>
+                        <a:rPr lang="en-GB" sz="1600" u="none" strike="noStrike">
+                          <a:effectLst/>
+                        </a:rPr>
+                        <a:t>given</a:t>
+                      </a:r>
+                      <a:endParaRPr lang="en-GB" sz="1600" b="0" i="0" u="none" strike="noStrike">
+                        <a:solidFill>
+                          <a:srgbClr val="000000"/>
+                        </a:solidFill>
+                        <a:effectLst/>
+                        <a:latin typeface="Aptos Narrow" panose="020B0004020202020204" pitchFamily="34" charset="0"/>
+                      </a:endParaRPr>
+                    </a:p>
+                  </a:txBody>
+                  <a:tcPr marL="4229" marR="4229" marT="4229" marB="0" anchor="ctr">
+                    <a:lnL w="12700" cap="flat" cmpd="sng" algn="ctr">
+                      <a:solidFill>
+                        <a:schemeClr val="tx1"/>
+                      </a:solidFill>
+                      <a:prstDash val="solid"/>
+                      <a:round/>
+                      <a:headEnd type="none" w="med" len="med"/>
+                      <a:tailEnd type="none" w="med" len="med"/>
+                    </a:lnL>
+                    <a:lnR w="12700" cap="flat" cmpd="sng" algn="ctr">
+                      <a:solidFill>
+                        <a:schemeClr val="tx1"/>
+                      </a:solidFill>
+                      <a:prstDash val="solid"/>
+                      <a:round/>
+                      <a:headEnd type="none" w="med" len="med"/>
+                      <a:tailEnd type="none" w="med" len="med"/>
+                    </a:lnR>
+                    <a:lnT w="12700" cap="flat" cmpd="sng" algn="ctr">
+                      <a:solidFill>
+                        <a:schemeClr val="tx1"/>
+                      </a:solidFill>
+                      <a:prstDash val="solid"/>
+                      <a:round/>
+                      <a:headEnd type="none" w="med" len="med"/>
+                      <a:tailEnd type="none" w="med" len="med"/>
+                    </a:lnT>
+                    <a:lnB w="12700" cap="flat" cmpd="sng" algn="ctr">
+                      <a:solidFill>
+                        <a:schemeClr val="tx1"/>
+                      </a:solidFill>
+                      <a:prstDash val="solid"/>
+                      <a:round/>
+                      <a:headEnd type="none" w="med" len="med"/>
+                      <a:tailEnd type="none" w="med" len="med"/>
+                    </a:lnB>
+                  </a:tcPr>
+                </a:tc>
+                <a:tc>
+                  <a:txBody>
+                    <a:bodyPr/>
+                    <a:lstStyle/>
+                    <a:p>
+                      <a:pPr algn="ctr" fontAlgn="ctr"/>
+                      <a:r>
+                        <a:rPr lang="uk-UA" sz="1600" u="none" strike="noStrike" dirty="0">
+                          <a:effectLst/>
+                        </a:rPr>
+                        <a:t>давати</a:t>
+                      </a:r>
+                      <a:endParaRPr lang="uk-UA" sz="1600" b="0" i="0" u="none" strike="noStrike" dirty="0">
+                        <a:solidFill>
+                          <a:srgbClr val="000000"/>
+                        </a:solidFill>
+                        <a:effectLst/>
+                        <a:latin typeface="Aptos Narrow" panose="020B0004020202020204" pitchFamily="34" charset="0"/>
+                      </a:endParaRPr>
+                    </a:p>
+                  </a:txBody>
+                  <a:tcPr marL="4229" marR="4229" marT="4229" marB="0" anchor="ctr">
+                    <a:lnL w="12700" cap="flat" cmpd="sng" algn="ctr">
+                      <a:solidFill>
+                        <a:schemeClr val="tx1"/>
+                      </a:solidFill>
+                      <a:prstDash val="solid"/>
+                      <a:round/>
+                      <a:headEnd type="none" w="med" len="med"/>
+                      <a:tailEnd type="none" w="med" len="med"/>
+                    </a:lnL>
+                    <a:lnR w="12700" cap="flat" cmpd="sng" algn="ctr">
+                      <a:solidFill>
+                        <a:schemeClr val="tx1"/>
+                      </a:solidFill>
+                      <a:prstDash val="solid"/>
+                      <a:round/>
+                      <a:headEnd type="none" w="med" len="med"/>
+                      <a:tailEnd type="none" w="med" len="med"/>
+                    </a:lnR>
+                    <a:lnT w="12700" cap="flat" cmpd="sng" algn="ctr">
+                      <a:solidFill>
+                        <a:schemeClr val="tx1"/>
+                      </a:solidFill>
+                      <a:prstDash val="solid"/>
+                      <a:round/>
+                      <a:headEnd type="none" w="med" len="med"/>
+                      <a:tailEnd type="none" w="med" len="med"/>
+                    </a:lnT>
+                    <a:lnB w="12700" cap="flat" cmpd="sng" algn="ctr">
+                      <a:solidFill>
+                        <a:schemeClr val="tx1"/>
+                      </a:solidFill>
+                      <a:prstDash val="solid"/>
+                      <a:round/>
+                      <a:headEnd type="none" w="med" len="med"/>
+                      <a:tailEnd type="none" w="med" len="med"/>
+                    </a:lnB>
+                  </a:tcPr>
+                </a:tc>
+                <a:extLst>
+                  <a:ext uri="{0D108BD9-81ED-4DB2-BD59-A6C34878D82A}">
+                    <a16:rowId xmlns:a16="http://schemas.microsoft.com/office/drawing/2014/main" val="246309639"/>
+                  </a:ext>
+                </a:extLst>
+              </a:tr>
+              <a:tr h="264799">
+                <a:tc>
+                  <a:txBody>
+                    <a:bodyPr/>
+                    <a:lstStyle/>
+                    <a:p>
+                      <a:pPr algn="ctr" fontAlgn="ctr"/>
+                      <a:r>
+                        <a:rPr lang="en-GB" sz="1600" u="none" strike="noStrike">
+                          <a:effectLst/>
+                        </a:rPr>
+                        <a:t>tell</a:t>
+                      </a:r>
+                      <a:endParaRPr lang="en-GB" sz="1600" b="0" i="0" u="none" strike="noStrike">
+                        <a:solidFill>
+                          <a:srgbClr val="000000"/>
+                        </a:solidFill>
+                        <a:effectLst/>
+                        <a:latin typeface="Aptos Narrow" panose="020B0004020202020204" pitchFamily="34" charset="0"/>
+                      </a:endParaRPr>
+                    </a:p>
+                  </a:txBody>
+                  <a:tcPr marL="4229" marR="4229" marT="4229" marB="0" anchor="ctr">
+                    <a:lnL w="12700" cap="flat" cmpd="sng" algn="ctr">
+                      <a:solidFill>
+                        <a:schemeClr val="tx1"/>
+                      </a:solidFill>
+                      <a:prstDash val="solid"/>
+                      <a:round/>
+                      <a:headEnd type="none" w="med" len="med"/>
+                      <a:tailEnd type="none" w="med" len="med"/>
+                    </a:lnL>
+                    <a:lnR w="12700" cap="flat" cmpd="sng" algn="ctr">
+                      <a:solidFill>
+                        <a:schemeClr val="tx1"/>
+                      </a:solidFill>
+                      <a:prstDash val="solid"/>
+                      <a:round/>
+                      <a:headEnd type="none" w="med" len="med"/>
+                      <a:tailEnd type="none" w="med" len="med"/>
+                    </a:lnR>
+                    <a:lnT w="12700" cap="flat" cmpd="sng" algn="ctr">
+                      <a:solidFill>
+                        <a:schemeClr val="tx1"/>
+                      </a:solidFill>
+                      <a:prstDash val="solid"/>
+                      <a:round/>
+                      <a:headEnd type="none" w="med" len="med"/>
+                      <a:tailEnd type="none" w="med" len="med"/>
+                    </a:lnT>
+                    <a:lnB w="12700" cap="flat" cmpd="sng" algn="ctr">
+                      <a:solidFill>
+                        <a:schemeClr val="tx1"/>
+                      </a:solidFill>
+                      <a:prstDash val="solid"/>
+                      <a:round/>
+                      <a:headEnd type="none" w="med" len="med"/>
+                      <a:tailEnd type="none" w="med" len="med"/>
+                    </a:lnB>
+                  </a:tcPr>
+                </a:tc>
+                <a:tc>
+                  <a:txBody>
+                    <a:bodyPr/>
+                    <a:lstStyle/>
+                    <a:p>
+                      <a:pPr algn="ctr" fontAlgn="ctr"/>
+                      <a:r>
+                        <a:rPr lang="en-GB" sz="1600" u="none" strike="noStrike">
+                          <a:effectLst/>
+                        </a:rPr>
+                        <a:t>told</a:t>
+                      </a:r>
+                      <a:endParaRPr lang="en-GB" sz="1600" b="0" i="0" u="none" strike="noStrike">
+                        <a:solidFill>
+                          <a:srgbClr val="000000"/>
+                        </a:solidFill>
+                        <a:effectLst/>
+                        <a:latin typeface="Aptos Narrow" panose="020B0004020202020204" pitchFamily="34" charset="0"/>
+                      </a:endParaRPr>
+                    </a:p>
+                  </a:txBody>
+                  <a:tcPr marL="4229" marR="4229" marT="4229" marB="0" anchor="ctr">
+                    <a:lnL w="12700" cap="flat" cmpd="sng" algn="ctr">
+                      <a:solidFill>
+                        <a:schemeClr val="tx1"/>
+                      </a:solidFill>
+                      <a:prstDash val="solid"/>
+                      <a:round/>
+                      <a:headEnd type="none" w="med" len="med"/>
+                      <a:tailEnd type="none" w="med" len="med"/>
+                    </a:lnL>
+                    <a:lnR w="12700" cap="flat" cmpd="sng" algn="ctr">
+                      <a:solidFill>
+                        <a:schemeClr val="tx1"/>
+                      </a:solidFill>
+                      <a:prstDash val="solid"/>
+                      <a:round/>
+                      <a:headEnd type="none" w="med" len="med"/>
+                      <a:tailEnd type="none" w="med" len="med"/>
+                    </a:lnR>
+                    <a:lnT w="12700" cap="flat" cmpd="sng" algn="ctr">
+                      <a:solidFill>
+                        <a:schemeClr val="tx1"/>
+                      </a:solidFill>
+                      <a:prstDash val="solid"/>
+                      <a:round/>
+                      <a:headEnd type="none" w="med" len="med"/>
+                      <a:tailEnd type="none" w="med" len="med"/>
+                    </a:lnT>
+                    <a:lnB w="12700" cap="flat" cmpd="sng" algn="ctr">
+                      <a:solidFill>
+                        <a:schemeClr val="tx1"/>
+                      </a:solidFill>
+                      <a:prstDash val="solid"/>
+                      <a:round/>
+                      <a:headEnd type="none" w="med" len="med"/>
+                      <a:tailEnd type="none" w="med" len="med"/>
+                    </a:lnB>
+                  </a:tcPr>
+                </a:tc>
+                <a:tc>
+                  <a:txBody>
+                    <a:bodyPr/>
+                    <a:lstStyle/>
+                    <a:p>
+                      <a:pPr algn="ctr" fontAlgn="ctr"/>
+                      <a:r>
+                        <a:rPr lang="en-GB" sz="1600" u="none" strike="noStrike">
+                          <a:effectLst/>
+                        </a:rPr>
+                        <a:t>told</a:t>
+                      </a:r>
+                      <a:endParaRPr lang="en-GB" sz="1600" b="0" i="0" u="none" strike="noStrike">
+                        <a:solidFill>
+                          <a:srgbClr val="000000"/>
+                        </a:solidFill>
+                        <a:effectLst/>
+                        <a:latin typeface="Aptos Narrow" panose="020B0004020202020204" pitchFamily="34" charset="0"/>
+                      </a:endParaRPr>
+                    </a:p>
+                  </a:txBody>
+                  <a:tcPr marL="4229" marR="4229" marT="4229" marB="0" anchor="ctr">
+                    <a:lnL w="12700" cap="flat" cmpd="sng" algn="ctr">
+                      <a:solidFill>
+                        <a:schemeClr val="tx1"/>
+                      </a:solidFill>
+                      <a:prstDash val="solid"/>
+                      <a:round/>
+                      <a:headEnd type="none" w="med" len="med"/>
+                      <a:tailEnd type="none" w="med" len="med"/>
+                    </a:lnL>
+                    <a:lnR w="12700" cap="flat" cmpd="sng" algn="ctr">
+                      <a:solidFill>
+                        <a:schemeClr val="tx1"/>
+                      </a:solidFill>
+                      <a:prstDash val="solid"/>
+                      <a:round/>
+                      <a:headEnd type="none" w="med" len="med"/>
+                      <a:tailEnd type="none" w="med" len="med"/>
+                    </a:lnR>
+                    <a:lnT w="12700" cap="flat" cmpd="sng" algn="ctr">
+                      <a:solidFill>
+                        <a:schemeClr val="tx1"/>
+                      </a:solidFill>
+                      <a:prstDash val="solid"/>
+                      <a:round/>
+                      <a:headEnd type="none" w="med" len="med"/>
+                      <a:tailEnd type="none" w="med" len="med"/>
+                    </a:lnT>
+                    <a:lnB w="12700" cap="flat" cmpd="sng" algn="ctr">
+                      <a:solidFill>
+                        <a:schemeClr val="tx1"/>
+                      </a:solidFill>
+                      <a:prstDash val="solid"/>
+                      <a:round/>
+                      <a:headEnd type="none" w="med" len="med"/>
+                      <a:tailEnd type="none" w="med" len="med"/>
+                    </a:lnB>
+                  </a:tcPr>
+                </a:tc>
+                <a:tc>
+                  <a:txBody>
+                    <a:bodyPr/>
+                    <a:lstStyle/>
+                    <a:p>
+                      <a:pPr algn="ctr" fontAlgn="ctr"/>
+                      <a:r>
+                        <a:rPr lang="uk-UA" sz="1600" u="none" strike="noStrike" dirty="0">
+                          <a:effectLst/>
+                        </a:rPr>
+                        <a:t>розповідати</a:t>
+                      </a:r>
+                      <a:endParaRPr lang="uk-UA" sz="1600" b="0" i="0" u="none" strike="noStrike" dirty="0">
+                        <a:solidFill>
+                          <a:srgbClr val="000000"/>
+                        </a:solidFill>
+                        <a:effectLst/>
+                        <a:latin typeface="Aptos Narrow" panose="020B0004020202020204" pitchFamily="34" charset="0"/>
+                      </a:endParaRPr>
+                    </a:p>
+                  </a:txBody>
+                  <a:tcPr marL="4229" marR="4229" marT="4229" marB="0" anchor="ctr">
+                    <a:lnL w="12700" cap="flat" cmpd="sng" algn="ctr">
+                      <a:solidFill>
+                        <a:schemeClr val="tx1"/>
+                      </a:solidFill>
+                      <a:prstDash val="solid"/>
+                      <a:round/>
+                      <a:headEnd type="none" w="med" len="med"/>
+                      <a:tailEnd type="none" w="med" len="med"/>
+                    </a:lnL>
+                    <a:lnR w="12700" cap="flat" cmpd="sng" algn="ctr">
+                      <a:solidFill>
+                        <a:schemeClr val="tx1"/>
+                      </a:solidFill>
+                      <a:prstDash val="solid"/>
+                      <a:round/>
+                      <a:headEnd type="none" w="med" len="med"/>
+                      <a:tailEnd type="none" w="med" len="med"/>
+                    </a:lnR>
+                    <a:lnT w="12700" cap="flat" cmpd="sng" algn="ctr">
+                      <a:solidFill>
+                        <a:schemeClr val="tx1"/>
+                      </a:solidFill>
+                      <a:prstDash val="solid"/>
+                      <a:round/>
+                      <a:headEnd type="none" w="med" len="med"/>
+                      <a:tailEnd type="none" w="med" len="med"/>
+                    </a:lnT>
+                    <a:lnB w="12700" cap="flat" cmpd="sng" algn="ctr">
+                      <a:solidFill>
+                        <a:schemeClr val="tx1"/>
+                      </a:solidFill>
+                      <a:prstDash val="solid"/>
+                      <a:round/>
+                      <a:headEnd type="none" w="med" len="med"/>
+                      <a:tailEnd type="none" w="med" len="med"/>
+                    </a:lnB>
+                  </a:tcPr>
+                </a:tc>
+                <a:extLst>
+                  <a:ext uri="{0D108BD9-81ED-4DB2-BD59-A6C34878D82A}">
+                    <a16:rowId xmlns:a16="http://schemas.microsoft.com/office/drawing/2014/main" val="30400816"/>
+                  </a:ext>
+                </a:extLst>
+              </a:tr>
+              <a:tr h="264799">
+                <a:tc>
+                  <a:txBody>
+                    <a:bodyPr/>
+                    <a:lstStyle/>
+                    <a:p>
+                      <a:pPr algn="ctr" fontAlgn="ctr"/>
+                      <a:r>
+                        <a:rPr lang="en-GB" sz="1600" u="none" strike="noStrike">
+                          <a:effectLst/>
+                        </a:rPr>
+                        <a:t>become</a:t>
+                      </a:r>
+                      <a:endParaRPr lang="en-GB" sz="1600" b="0" i="0" u="none" strike="noStrike">
+                        <a:solidFill>
+                          <a:srgbClr val="000000"/>
+                        </a:solidFill>
+                        <a:effectLst/>
+                        <a:latin typeface="Aptos Narrow" panose="020B0004020202020204" pitchFamily="34" charset="0"/>
+                      </a:endParaRPr>
+                    </a:p>
+                  </a:txBody>
+                  <a:tcPr marL="4229" marR="4229" marT="4229" marB="0" anchor="ctr">
+                    <a:lnL w="12700" cap="flat" cmpd="sng" algn="ctr">
+                      <a:solidFill>
+                        <a:schemeClr val="tx1"/>
+                      </a:solidFill>
+                      <a:prstDash val="solid"/>
+                      <a:round/>
+                      <a:headEnd type="none" w="med" len="med"/>
+                      <a:tailEnd type="none" w="med" len="med"/>
+                    </a:lnL>
+                    <a:lnR w="12700" cap="flat" cmpd="sng" algn="ctr">
+                      <a:solidFill>
+                        <a:schemeClr val="tx1"/>
+                      </a:solidFill>
+                      <a:prstDash val="solid"/>
+                      <a:round/>
+                      <a:headEnd type="none" w="med" len="med"/>
+                      <a:tailEnd type="none" w="med" len="med"/>
+                    </a:lnR>
+                    <a:lnT w="12700" cap="flat" cmpd="sng" algn="ctr">
+                      <a:solidFill>
+                        <a:schemeClr val="tx1"/>
+                      </a:solidFill>
+                      <a:prstDash val="solid"/>
+                      <a:round/>
+                      <a:headEnd type="none" w="med" len="med"/>
+                      <a:tailEnd type="none" w="med" len="med"/>
+                    </a:lnT>
+                    <a:lnB w="12700" cap="flat" cmpd="sng" algn="ctr">
+                      <a:solidFill>
+                        <a:schemeClr val="tx1"/>
+                      </a:solidFill>
+                      <a:prstDash val="solid"/>
+                      <a:round/>
+                      <a:headEnd type="none" w="med" len="med"/>
+                      <a:tailEnd type="none" w="med" len="med"/>
+                    </a:lnB>
+                  </a:tcPr>
+                </a:tc>
+                <a:tc>
+                  <a:txBody>
+                    <a:bodyPr/>
+                    <a:lstStyle/>
+                    <a:p>
+                      <a:pPr algn="ctr" fontAlgn="ctr"/>
+                      <a:r>
+                        <a:rPr lang="en-GB" sz="1600" u="none" strike="noStrike">
+                          <a:effectLst/>
+                        </a:rPr>
+                        <a:t>became</a:t>
+                      </a:r>
+                      <a:endParaRPr lang="en-GB" sz="1600" b="0" i="0" u="none" strike="noStrike">
+                        <a:solidFill>
+                          <a:srgbClr val="000000"/>
+                        </a:solidFill>
+                        <a:effectLst/>
+                        <a:latin typeface="Aptos Narrow" panose="020B0004020202020204" pitchFamily="34" charset="0"/>
+                      </a:endParaRPr>
+                    </a:p>
+                  </a:txBody>
+                  <a:tcPr marL="4229" marR="4229" marT="4229" marB="0" anchor="ctr">
+                    <a:lnL w="12700" cap="flat" cmpd="sng" algn="ctr">
+                      <a:solidFill>
+                        <a:schemeClr val="tx1"/>
+                      </a:solidFill>
+                      <a:prstDash val="solid"/>
+                      <a:round/>
+                      <a:headEnd type="none" w="med" len="med"/>
+                      <a:tailEnd type="none" w="med" len="med"/>
+                    </a:lnL>
+                    <a:lnR w="12700" cap="flat" cmpd="sng" algn="ctr">
+                      <a:solidFill>
+                        <a:schemeClr val="tx1"/>
+                      </a:solidFill>
+                      <a:prstDash val="solid"/>
+                      <a:round/>
+                      <a:headEnd type="none" w="med" len="med"/>
+                      <a:tailEnd type="none" w="med" len="med"/>
+                    </a:lnR>
+                    <a:lnT w="12700" cap="flat" cmpd="sng" algn="ctr">
+                      <a:solidFill>
+                        <a:schemeClr val="tx1"/>
+                      </a:solidFill>
+                      <a:prstDash val="solid"/>
+                      <a:round/>
+                      <a:headEnd type="none" w="med" len="med"/>
+                      <a:tailEnd type="none" w="med" len="med"/>
+                    </a:lnT>
+                    <a:lnB w="12700" cap="flat" cmpd="sng" algn="ctr">
+                      <a:solidFill>
+                        <a:schemeClr val="tx1"/>
+                      </a:solidFill>
+                      <a:prstDash val="solid"/>
+                      <a:round/>
+                      <a:headEnd type="none" w="med" len="med"/>
+                      <a:tailEnd type="none" w="med" len="med"/>
+                    </a:lnB>
+                  </a:tcPr>
+                </a:tc>
+                <a:tc>
+                  <a:txBody>
+                    <a:bodyPr/>
+                    <a:lstStyle/>
+                    <a:p>
+                      <a:pPr algn="ctr" fontAlgn="ctr"/>
+                      <a:r>
+                        <a:rPr lang="en-GB" sz="1600" u="none" strike="noStrike">
+                          <a:effectLst/>
+                        </a:rPr>
+                        <a:t>become</a:t>
+                      </a:r>
+                      <a:endParaRPr lang="en-GB" sz="1600" b="0" i="0" u="none" strike="noStrike">
+                        <a:solidFill>
+                          <a:srgbClr val="000000"/>
+                        </a:solidFill>
+                        <a:effectLst/>
+                        <a:latin typeface="Aptos Narrow" panose="020B0004020202020204" pitchFamily="34" charset="0"/>
+                      </a:endParaRPr>
+                    </a:p>
+                  </a:txBody>
+                  <a:tcPr marL="4229" marR="4229" marT="4229" marB="0" anchor="ctr">
+                    <a:lnL w="12700" cap="flat" cmpd="sng" algn="ctr">
+                      <a:solidFill>
+                        <a:schemeClr val="tx1"/>
+                      </a:solidFill>
+                      <a:prstDash val="solid"/>
+                      <a:round/>
+                      <a:headEnd type="none" w="med" len="med"/>
+                      <a:tailEnd type="none" w="med" len="med"/>
+                    </a:lnL>
+                    <a:lnR w="12700" cap="flat" cmpd="sng" algn="ctr">
+                      <a:solidFill>
+                        <a:schemeClr val="tx1"/>
+                      </a:solidFill>
+                      <a:prstDash val="solid"/>
+                      <a:round/>
+                      <a:headEnd type="none" w="med" len="med"/>
+                      <a:tailEnd type="none" w="med" len="med"/>
+                    </a:lnR>
+                    <a:lnT w="12700" cap="flat" cmpd="sng" algn="ctr">
+                      <a:solidFill>
+                        <a:schemeClr val="tx1"/>
+                      </a:solidFill>
+                      <a:prstDash val="solid"/>
+                      <a:round/>
+                      <a:headEnd type="none" w="med" len="med"/>
+                      <a:tailEnd type="none" w="med" len="med"/>
+                    </a:lnT>
+                    <a:lnB w="12700" cap="flat" cmpd="sng" algn="ctr">
+                      <a:solidFill>
+                        <a:schemeClr val="tx1"/>
+                      </a:solidFill>
+                      <a:prstDash val="solid"/>
+                      <a:round/>
+                      <a:headEnd type="none" w="med" len="med"/>
+                      <a:tailEnd type="none" w="med" len="med"/>
+                    </a:lnB>
+                  </a:tcPr>
+                </a:tc>
+                <a:tc>
+                  <a:txBody>
+                    <a:bodyPr/>
+                    <a:lstStyle/>
+                    <a:p>
+                      <a:pPr algn="ctr" fontAlgn="ctr"/>
+                      <a:r>
+                        <a:rPr lang="uk-UA" sz="1600" u="none" strike="noStrike" dirty="0">
+                          <a:effectLst/>
+                        </a:rPr>
+                        <a:t>ставати</a:t>
+                      </a:r>
+                      <a:endParaRPr lang="uk-UA" sz="1600" b="0" i="0" u="none" strike="noStrike" dirty="0">
+                        <a:solidFill>
+                          <a:srgbClr val="000000"/>
+                        </a:solidFill>
+                        <a:effectLst/>
+                        <a:latin typeface="Aptos Narrow" panose="020B0004020202020204" pitchFamily="34" charset="0"/>
+                      </a:endParaRPr>
+                    </a:p>
+                  </a:txBody>
+                  <a:tcPr marL="4229" marR="4229" marT="4229" marB="0" anchor="ctr">
+                    <a:lnL w="12700" cap="flat" cmpd="sng" algn="ctr">
+                      <a:solidFill>
+                        <a:schemeClr val="tx1"/>
+                      </a:solidFill>
+                      <a:prstDash val="solid"/>
+                      <a:round/>
+                      <a:headEnd type="none" w="med" len="med"/>
+                      <a:tailEnd type="none" w="med" len="med"/>
+                    </a:lnL>
+                    <a:lnR w="12700" cap="flat" cmpd="sng" algn="ctr">
+                      <a:solidFill>
+                        <a:schemeClr val="tx1"/>
+                      </a:solidFill>
+                      <a:prstDash val="solid"/>
+                      <a:round/>
+                      <a:headEnd type="none" w="med" len="med"/>
+                      <a:tailEnd type="none" w="med" len="med"/>
+                    </a:lnR>
+                    <a:lnT w="12700" cap="flat" cmpd="sng" algn="ctr">
+                      <a:solidFill>
+                        <a:schemeClr val="tx1"/>
+                      </a:solidFill>
+                      <a:prstDash val="solid"/>
+                      <a:round/>
+                      <a:headEnd type="none" w="med" len="med"/>
+                      <a:tailEnd type="none" w="med" len="med"/>
+                    </a:lnT>
+                    <a:lnB w="12700" cap="flat" cmpd="sng" algn="ctr">
+                      <a:solidFill>
+                        <a:schemeClr val="tx1"/>
+                      </a:solidFill>
+                      <a:prstDash val="solid"/>
+                      <a:round/>
+                      <a:headEnd type="none" w="med" len="med"/>
+                      <a:tailEnd type="none" w="med" len="med"/>
+                    </a:lnB>
+                  </a:tcPr>
+                </a:tc>
+                <a:extLst>
+                  <a:ext uri="{0D108BD9-81ED-4DB2-BD59-A6C34878D82A}">
+                    <a16:rowId xmlns:a16="http://schemas.microsoft.com/office/drawing/2014/main" val="648836828"/>
+                  </a:ext>
+                </a:extLst>
+              </a:tr>
+              <a:tr h="264799">
+                <a:tc>
+                  <a:txBody>
+                    <a:bodyPr/>
+                    <a:lstStyle/>
+                    <a:p>
+                      <a:pPr algn="ctr" fontAlgn="ctr"/>
+                      <a:r>
+                        <a:rPr lang="en-GB" sz="1600" u="none" strike="noStrike">
+                          <a:effectLst/>
+                        </a:rPr>
+                        <a:t>show</a:t>
+                      </a:r>
+                      <a:endParaRPr lang="en-GB" sz="1600" b="0" i="0" u="none" strike="noStrike">
+                        <a:solidFill>
+                          <a:srgbClr val="000000"/>
+                        </a:solidFill>
+                        <a:effectLst/>
+                        <a:latin typeface="Aptos Narrow" panose="020B0004020202020204" pitchFamily="34" charset="0"/>
+                      </a:endParaRPr>
+                    </a:p>
+                  </a:txBody>
+                  <a:tcPr marL="4229" marR="4229" marT="4229" marB="0" anchor="ctr">
+                    <a:lnL w="12700" cap="flat" cmpd="sng" algn="ctr">
+                      <a:solidFill>
+                        <a:schemeClr val="tx1"/>
+                      </a:solidFill>
+                      <a:prstDash val="solid"/>
+                      <a:round/>
+                      <a:headEnd type="none" w="med" len="med"/>
+                      <a:tailEnd type="none" w="med" len="med"/>
+                    </a:lnL>
+                    <a:lnR w="12700" cap="flat" cmpd="sng" algn="ctr">
+                      <a:solidFill>
+                        <a:schemeClr val="tx1"/>
+                      </a:solidFill>
+                      <a:prstDash val="solid"/>
+                      <a:round/>
+                      <a:headEnd type="none" w="med" len="med"/>
+                      <a:tailEnd type="none" w="med" len="med"/>
+                    </a:lnR>
+                    <a:lnT w="12700" cap="flat" cmpd="sng" algn="ctr">
+                      <a:solidFill>
+                        <a:schemeClr val="tx1"/>
+                      </a:solidFill>
+                      <a:prstDash val="solid"/>
+                      <a:round/>
+                      <a:headEnd type="none" w="med" len="med"/>
+                      <a:tailEnd type="none" w="med" len="med"/>
+                    </a:lnT>
+                    <a:lnB w="12700" cap="flat" cmpd="sng" algn="ctr">
+                      <a:solidFill>
+                        <a:schemeClr val="tx1"/>
+                      </a:solidFill>
+                      <a:prstDash val="solid"/>
+                      <a:round/>
+                      <a:headEnd type="none" w="med" len="med"/>
+                      <a:tailEnd type="none" w="med" len="med"/>
+                    </a:lnB>
+                  </a:tcPr>
+                </a:tc>
+                <a:tc>
+                  <a:txBody>
+                    <a:bodyPr/>
+                    <a:lstStyle/>
+                    <a:p>
+                      <a:pPr algn="ctr" fontAlgn="ctr"/>
+                      <a:r>
+                        <a:rPr lang="en-GB" sz="1600" u="none" strike="noStrike">
+                          <a:effectLst/>
+                        </a:rPr>
+                        <a:t>showed</a:t>
+                      </a:r>
+                      <a:endParaRPr lang="en-GB" sz="1600" b="0" i="0" u="none" strike="noStrike">
+                        <a:solidFill>
+                          <a:srgbClr val="000000"/>
+                        </a:solidFill>
+                        <a:effectLst/>
+                        <a:latin typeface="Aptos Narrow" panose="020B0004020202020204" pitchFamily="34" charset="0"/>
+                      </a:endParaRPr>
+                    </a:p>
+                  </a:txBody>
+                  <a:tcPr marL="4229" marR="4229" marT="4229" marB="0" anchor="ctr">
+                    <a:lnL w="12700" cap="flat" cmpd="sng" algn="ctr">
+                      <a:solidFill>
+                        <a:schemeClr val="tx1"/>
+                      </a:solidFill>
+                      <a:prstDash val="solid"/>
+                      <a:round/>
+                      <a:headEnd type="none" w="med" len="med"/>
+                      <a:tailEnd type="none" w="med" len="med"/>
+                    </a:lnL>
+                    <a:lnR w="12700" cap="flat" cmpd="sng" algn="ctr">
+                      <a:solidFill>
+                        <a:schemeClr val="tx1"/>
+                      </a:solidFill>
+                      <a:prstDash val="solid"/>
+                      <a:round/>
+                      <a:headEnd type="none" w="med" len="med"/>
+                      <a:tailEnd type="none" w="med" len="med"/>
+                    </a:lnR>
+                    <a:lnT w="12700" cap="flat" cmpd="sng" algn="ctr">
+                      <a:solidFill>
+                        <a:schemeClr val="tx1"/>
+                      </a:solidFill>
+                      <a:prstDash val="solid"/>
+                      <a:round/>
+                      <a:headEnd type="none" w="med" len="med"/>
+                      <a:tailEnd type="none" w="med" len="med"/>
+                    </a:lnT>
+                    <a:lnB w="12700" cap="flat" cmpd="sng" algn="ctr">
+                      <a:solidFill>
+                        <a:schemeClr val="tx1"/>
+                      </a:solidFill>
+                      <a:prstDash val="solid"/>
+                      <a:round/>
+                      <a:headEnd type="none" w="med" len="med"/>
+                      <a:tailEnd type="none" w="med" len="med"/>
+                    </a:lnB>
+                  </a:tcPr>
+                </a:tc>
+                <a:tc>
+                  <a:txBody>
+                    <a:bodyPr/>
+                    <a:lstStyle/>
+                    <a:p>
+                      <a:pPr algn="ctr" fontAlgn="ctr"/>
+                      <a:r>
+                        <a:rPr lang="en-GB" sz="1600" u="none" strike="noStrike">
+                          <a:effectLst/>
+                        </a:rPr>
+                        <a:t>shown</a:t>
+                      </a:r>
+                      <a:endParaRPr lang="en-GB" sz="1600" b="0" i="0" u="none" strike="noStrike">
+                        <a:solidFill>
+                          <a:srgbClr val="000000"/>
+                        </a:solidFill>
+                        <a:effectLst/>
+                        <a:latin typeface="Aptos Narrow" panose="020B0004020202020204" pitchFamily="34" charset="0"/>
+                      </a:endParaRPr>
+                    </a:p>
+                  </a:txBody>
+                  <a:tcPr marL="4229" marR="4229" marT="4229" marB="0" anchor="ctr">
+                    <a:lnL w="12700" cap="flat" cmpd="sng" algn="ctr">
+                      <a:solidFill>
+                        <a:schemeClr val="tx1"/>
+                      </a:solidFill>
+                      <a:prstDash val="solid"/>
+                      <a:round/>
+                      <a:headEnd type="none" w="med" len="med"/>
+                      <a:tailEnd type="none" w="med" len="med"/>
+                    </a:lnL>
+                    <a:lnR w="12700" cap="flat" cmpd="sng" algn="ctr">
+                      <a:solidFill>
+                        <a:schemeClr val="tx1"/>
+                      </a:solidFill>
+                      <a:prstDash val="solid"/>
+                      <a:round/>
+                      <a:headEnd type="none" w="med" len="med"/>
+                      <a:tailEnd type="none" w="med" len="med"/>
+                    </a:lnR>
+                    <a:lnT w="12700" cap="flat" cmpd="sng" algn="ctr">
+                      <a:solidFill>
+                        <a:schemeClr val="tx1"/>
+                      </a:solidFill>
+                      <a:prstDash val="solid"/>
+                      <a:round/>
+                      <a:headEnd type="none" w="med" len="med"/>
+                      <a:tailEnd type="none" w="med" len="med"/>
+                    </a:lnT>
+                    <a:lnB w="12700" cap="flat" cmpd="sng" algn="ctr">
+                      <a:solidFill>
+                        <a:schemeClr val="tx1"/>
+                      </a:solidFill>
+                      <a:prstDash val="solid"/>
+                      <a:round/>
+                      <a:headEnd type="none" w="med" len="med"/>
+                      <a:tailEnd type="none" w="med" len="med"/>
+                    </a:lnB>
+                  </a:tcPr>
+                </a:tc>
+                <a:tc>
+                  <a:txBody>
+                    <a:bodyPr/>
+                    <a:lstStyle/>
+                    <a:p>
+                      <a:pPr algn="ctr" fontAlgn="ctr"/>
+                      <a:r>
+                        <a:rPr lang="uk-UA" sz="1600" u="none" strike="noStrike" dirty="0">
+                          <a:effectLst/>
+                        </a:rPr>
+                        <a:t>показувати</a:t>
+                      </a:r>
+                      <a:endParaRPr lang="uk-UA" sz="1600" b="0" i="0" u="none" strike="noStrike" dirty="0">
+                        <a:solidFill>
+                          <a:srgbClr val="000000"/>
+                        </a:solidFill>
+                        <a:effectLst/>
+                        <a:latin typeface="Aptos Narrow" panose="020B0004020202020204" pitchFamily="34" charset="0"/>
+                      </a:endParaRPr>
+                    </a:p>
+                  </a:txBody>
+                  <a:tcPr marL="4229" marR="4229" marT="4229" marB="0" anchor="ctr">
+                    <a:lnL w="12700" cap="flat" cmpd="sng" algn="ctr">
+                      <a:solidFill>
+                        <a:schemeClr val="tx1"/>
+                      </a:solidFill>
+                      <a:prstDash val="solid"/>
+                      <a:round/>
+                      <a:headEnd type="none" w="med" len="med"/>
+                      <a:tailEnd type="none" w="med" len="med"/>
+                    </a:lnL>
+                    <a:lnR w="12700" cap="flat" cmpd="sng" algn="ctr">
+                      <a:solidFill>
+                        <a:schemeClr val="tx1"/>
+                      </a:solidFill>
+                      <a:prstDash val="solid"/>
+                      <a:round/>
+                      <a:headEnd type="none" w="med" len="med"/>
+                      <a:tailEnd type="none" w="med" len="med"/>
+                    </a:lnR>
+                    <a:lnT w="12700" cap="flat" cmpd="sng" algn="ctr">
+                      <a:solidFill>
+                        <a:schemeClr val="tx1"/>
+                      </a:solidFill>
+                      <a:prstDash val="solid"/>
+                      <a:round/>
+                      <a:headEnd type="none" w="med" len="med"/>
+                      <a:tailEnd type="none" w="med" len="med"/>
+                    </a:lnT>
+                    <a:lnB w="12700" cap="flat" cmpd="sng" algn="ctr">
+                      <a:solidFill>
+                        <a:schemeClr val="tx1"/>
+                      </a:solidFill>
+                      <a:prstDash val="solid"/>
+                      <a:round/>
+                      <a:headEnd type="none" w="med" len="med"/>
+                      <a:tailEnd type="none" w="med" len="med"/>
+                    </a:lnB>
+                  </a:tcPr>
+                </a:tc>
+                <a:extLst>
+                  <a:ext uri="{0D108BD9-81ED-4DB2-BD59-A6C34878D82A}">
+                    <a16:rowId xmlns:a16="http://schemas.microsoft.com/office/drawing/2014/main" val="402124995"/>
+                  </a:ext>
+                </a:extLst>
+              </a:tr>
+              <a:tr h="264799">
+                <a:tc>
+                  <a:txBody>
+                    <a:bodyPr/>
+                    <a:lstStyle/>
+                    <a:p>
+                      <a:pPr algn="ctr" fontAlgn="ctr"/>
+                      <a:r>
+                        <a:rPr lang="en-GB" sz="1600" u="none" strike="noStrike">
+                          <a:effectLst/>
+                        </a:rPr>
+                        <a:t>leave</a:t>
+                      </a:r>
+                      <a:endParaRPr lang="en-GB" sz="1600" b="0" i="0" u="none" strike="noStrike">
+                        <a:solidFill>
+                          <a:srgbClr val="000000"/>
+                        </a:solidFill>
+                        <a:effectLst/>
+                        <a:latin typeface="Aptos Narrow" panose="020B0004020202020204" pitchFamily="34" charset="0"/>
+                      </a:endParaRPr>
+                    </a:p>
+                  </a:txBody>
+                  <a:tcPr marL="4229" marR="4229" marT="4229" marB="0" anchor="ctr">
+                    <a:lnL w="12700" cap="flat" cmpd="sng" algn="ctr">
+                      <a:solidFill>
+                        <a:schemeClr val="tx1"/>
+                      </a:solidFill>
+                      <a:prstDash val="solid"/>
+                      <a:round/>
+                      <a:headEnd type="none" w="med" len="med"/>
+                      <a:tailEnd type="none" w="med" len="med"/>
+                    </a:lnL>
+                    <a:lnR w="12700" cap="flat" cmpd="sng" algn="ctr">
+                      <a:solidFill>
+                        <a:schemeClr val="tx1"/>
+                      </a:solidFill>
+                      <a:prstDash val="solid"/>
+                      <a:round/>
+                      <a:headEnd type="none" w="med" len="med"/>
+                      <a:tailEnd type="none" w="med" len="med"/>
+                    </a:lnR>
+                    <a:lnT w="12700" cap="flat" cmpd="sng" algn="ctr">
+                      <a:solidFill>
+                        <a:schemeClr val="tx1"/>
+                      </a:solidFill>
+                      <a:prstDash val="solid"/>
+                      <a:round/>
+                      <a:headEnd type="none" w="med" len="med"/>
+                      <a:tailEnd type="none" w="med" len="med"/>
+                    </a:lnT>
+                    <a:lnB w="12700" cap="flat" cmpd="sng" algn="ctr">
+                      <a:solidFill>
+                        <a:schemeClr val="tx1"/>
+                      </a:solidFill>
+                      <a:prstDash val="solid"/>
+                      <a:round/>
+                      <a:headEnd type="none" w="med" len="med"/>
+                      <a:tailEnd type="none" w="med" len="med"/>
+                    </a:lnB>
+                  </a:tcPr>
+                </a:tc>
+                <a:tc>
+                  <a:txBody>
+                    <a:bodyPr/>
+                    <a:lstStyle/>
+                    <a:p>
+                      <a:pPr algn="ctr" fontAlgn="ctr"/>
+                      <a:r>
+                        <a:rPr lang="en-GB" sz="1600" u="none" strike="noStrike">
+                          <a:effectLst/>
+                        </a:rPr>
+                        <a:t>left</a:t>
+                      </a:r>
+                      <a:endParaRPr lang="en-GB" sz="1600" b="0" i="0" u="none" strike="noStrike">
+                        <a:solidFill>
+                          <a:srgbClr val="000000"/>
+                        </a:solidFill>
+                        <a:effectLst/>
+                        <a:latin typeface="Aptos Narrow" panose="020B0004020202020204" pitchFamily="34" charset="0"/>
+                      </a:endParaRPr>
+                    </a:p>
+                  </a:txBody>
+                  <a:tcPr marL="4229" marR="4229" marT="4229" marB="0" anchor="ctr">
+                    <a:lnL w="12700" cap="flat" cmpd="sng" algn="ctr">
+                      <a:solidFill>
+                        <a:schemeClr val="tx1"/>
+                      </a:solidFill>
+                      <a:prstDash val="solid"/>
+                      <a:round/>
+                      <a:headEnd type="none" w="med" len="med"/>
+                      <a:tailEnd type="none" w="med" len="med"/>
+                    </a:lnL>
+                    <a:lnR w="12700" cap="flat" cmpd="sng" algn="ctr">
+                      <a:solidFill>
+                        <a:schemeClr val="tx1"/>
+                      </a:solidFill>
+                      <a:prstDash val="solid"/>
+                      <a:round/>
+                      <a:headEnd type="none" w="med" len="med"/>
+                      <a:tailEnd type="none" w="med" len="med"/>
+                    </a:lnR>
+                    <a:lnT w="12700" cap="flat" cmpd="sng" algn="ctr">
+                      <a:solidFill>
+                        <a:schemeClr val="tx1"/>
+                      </a:solidFill>
+                      <a:prstDash val="solid"/>
+                      <a:round/>
+                      <a:headEnd type="none" w="med" len="med"/>
+                      <a:tailEnd type="none" w="med" len="med"/>
+                    </a:lnT>
+                    <a:lnB w="12700" cap="flat" cmpd="sng" algn="ctr">
+                      <a:solidFill>
+                        <a:schemeClr val="tx1"/>
+                      </a:solidFill>
+                      <a:prstDash val="solid"/>
+                      <a:round/>
+                      <a:headEnd type="none" w="med" len="med"/>
+                      <a:tailEnd type="none" w="med" len="med"/>
+                    </a:lnB>
+                  </a:tcPr>
+                </a:tc>
+                <a:tc>
+                  <a:txBody>
+                    <a:bodyPr/>
+                    <a:lstStyle/>
+                    <a:p>
+                      <a:pPr algn="ctr" fontAlgn="ctr"/>
+                      <a:r>
+                        <a:rPr lang="en-GB" sz="1600" u="none" strike="noStrike">
+                          <a:effectLst/>
+                        </a:rPr>
+                        <a:t>left</a:t>
+                      </a:r>
+                      <a:endParaRPr lang="en-GB" sz="1600" b="0" i="0" u="none" strike="noStrike">
+                        <a:solidFill>
+                          <a:srgbClr val="000000"/>
+                        </a:solidFill>
+                        <a:effectLst/>
+                        <a:latin typeface="Aptos Narrow" panose="020B0004020202020204" pitchFamily="34" charset="0"/>
+                      </a:endParaRPr>
+                    </a:p>
+                  </a:txBody>
+                  <a:tcPr marL="4229" marR="4229" marT="4229" marB="0" anchor="ctr">
+                    <a:lnL w="12700" cap="flat" cmpd="sng" algn="ctr">
+                      <a:solidFill>
+                        <a:schemeClr val="tx1"/>
+                      </a:solidFill>
+                      <a:prstDash val="solid"/>
+                      <a:round/>
+                      <a:headEnd type="none" w="med" len="med"/>
+                      <a:tailEnd type="none" w="med" len="med"/>
+                    </a:lnL>
+                    <a:lnR w="12700" cap="flat" cmpd="sng" algn="ctr">
+                      <a:solidFill>
+                        <a:schemeClr val="tx1"/>
+                      </a:solidFill>
+                      <a:prstDash val="solid"/>
+                      <a:round/>
+                      <a:headEnd type="none" w="med" len="med"/>
+                      <a:tailEnd type="none" w="med" len="med"/>
+                    </a:lnR>
+                    <a:lnT w="12700" cap="flat" cmpd="sng" algn="ctr">
+                      <a:solidFill>
+                        <a:schemeClr val="tx1"/>
+                      </a:solidFill>
+                      <a:prstDash val="solid"/>
+                      <a:round/>
+                      <a:headEnd type="none" w="med" len="med"/>
+                      <a:tailEnd type="none" w="med" len="med"/>
+                    </a:lnT>
+                    <a:lnB w="12700" cap="flat" cmpd="sng" algn="ctr">
+                      <a:solidFill>
+                        <a:schemeClr val="tx1"/>
+                      </a:solidFill>
+                      <a:prstDash val="solid"/>
+                      <a:round/>
+                      <a:headEnd type="none" w="med" len="med"/>
+                      <a:tailEnd type="none" w="med" len="med"/>
+                    </a:lnB>
+                  </a:tcPr>
+                </a:tc>
+                <a:tc>
+                  <a:txBody>
+                    <a:bodyPr/>
+                    <a:lstStyle/>
+                    <a:p>
+                      <a:pPr algn="ctr" fontAlgn="ctr"/>
+                      <a:r>
+                        <a:rPr lang="uk-UA" sz="1600" u="none" strike="noStrike" dirty="0">
+                          <a:effectLst/>
+                        </a:rPr>
+                        <a:t>залишати</a:t>
+                      </a:r>
+                      <a:endParaRPr lang="uk-UA" sz="1600" b="0" i="0" u="none" strike="noStrike" dirty="0">
+                        <a:solidFill>
+                          <a:srgbClr val="000000"/>
+                        </a:solidFill>
+                        <a:effectLst/>
+                        <a:latin typeface="Aptos Narrow" panose="020B0004020202020204" pitchFamily="34" charset="0"/>
+                      </a:endParaRPr>
+                    </a:p>
+                  </a:txBody>
+                  <a:tcPr marL="4229" marR="4229" marT="4229" marB="0" anchor="ctr">
+                    <a:lnL w="12700" cap="flat" cmpd="sng" algn="ctr">
+                      <a:solidFill>
+                        <a:schemeClr val="tx1"/>
+                      </a:solidFill>
+                      <a:prstDash val="solid"/>
+                      <a:round/>
+                      <a:headEnd type="none" w="med" len="med"/>
+                      <a:tailEnd type="none" w="med" len="med"/>
+                    </a:lnL>
+                    <a:lnR w="12700" cap="flat" cmpd="sng" algn="ctr">
+                      <a:solidFill>
+                        <a:schemeClr val="tx1"/>
+                      </a:solidFill>
+                      <a:prstDash val="solid"/>
+                      <a:round/>
+                      <a:headEnd type="none" w="med" len="med"/>
+                      <a:tailEnd type="none" w="med" len="med"/>
+                    </a:lnR>
+                    <a:lnT w="12700" cap="flat" cmpd="sng" algn="ctr">
+                      <a:solidFill>
+                        <a:schemeClr val="tx1"/>
+                      </a:solidFill>
+                      <a:prstDash val="solid"/>
+                      <a:round/>
+                      <a:headEnd type="none" w="med" len="med"/>
+                      <a:tailEnd type="none" w="med" len="med"/>
+                    </a:lnT>
+                    <a:lnB w="12700" cap="flat" cmpd="sng" algn="ctr">
+                      <a:solidFill>
+                        <a:schemeClr val="tx1"/>
+                      </a:solidFill>
+                      <a:prstDash val="solid"/>
+                      <a:round/>
+                      <a:headEnd type="none" w="med" len="med"/>
+                      <a:tailEnd type="none" w="med" len="med"/>
+                    </a:lnB>
+                  </a:tcPr>
+                </a:tc>
+                <a:extLst>
+                  <a:ext uri="{0D108BD9-81ED-4DB2-BD59-A6C34878D82A}">
+                    <a16:rowId xmlns:a16="http://schemas.microsoft.com/office/drawing/2014/main" val="677158723"/>
+                  </a:ext>
+                </a:extLst>
+              </a:tr>
+              <a:tr h="264799">
+                <a:tc>
+                  <a:txBody>
+                    <a:bodyPr/>
+                    <a:lstStyle/>
+                    <a:p>
+                      <a:pPr algn="ctr" fontAlgn="ctr"/>
+                      <a:r>
+                        <a:rPr lang="en-GB" sz="1600" u="none" strike="noStrike">
+                          <a:effectLst/>
+                        </a:rPr>
+                        <a:t>feel</a:t>
+                      </a:r>
+                      <a:endParaRPr lang="en-GB" sz="1600" b="0" i="0" u="none" strike="noStrike">
+                        <a:solidFill>
+                          <a:srgbClr val="000000"/>
+                        </a:solidFill>
+                        <a:effectLst/>
+                        <a:latin typeface="Aptos Narrow" panose="020B0004020202020204" pitchFamily="34" charset="0"/>
+                      </a:endParaRPr>
+                    </a:p>
+                  </a:txBody>
+                  <a:tcPr marL="4229" marR="4229" marT="4229" marB="0" anchor="ctr">
+                    <a:lnL w="12700" cap="flat" cmpd="sng" algn="ctr">
+                      <a:solidFill>
+                        <a:schemeClr val="tx1"/>
+                      </a:solidFill>
+                      <a:prstDash val="solid"/>
+                      <a:round/>
+                      <a:headEnd type="none" w="med" len="med"/>
+                      <a:tailEnd type="none" w="med" len="med"/>
+                    </a:lnL>
+                    <a:lnR w="12700" cap="flat" cmpd="sng" algn="ctr">
+                      <a:solidFill>
+                        <a:schemeClr val="tx1"/>
+                      </a:solidFill>
+                      <a:prstDash val="solid"/>
+                      <a:round/>
+                      <a:headEnd type="none" w="med" len="med"/>
+                      <a:tailEnd type="none" w="med" len="med"/>
+                    </a:lnR>
+                    <a:lnT w="12700" cap="flat" cmpd="sng" algn="ctr">
+                      <a:solidFill>
+                        <a:schemeClr val="tx1"/>
+                      </a:solidFill>
+                      <a:prstDash val="solid"/>
+                      <a:round/>
+                      <a:headEnd type="none" w="med" len="med"/>
+                      <a:tailEnd type="none" w="med" len="med"/>
+                    </a:lnT>
+                    <a:lnB w="12700" cap="flat" cmpd="sng" algn="ctr">
+                      <a:solidFill>
+                        <a:schemeClr val="tx1"/>
+                      </a:solidFill>
+                      <a:prstDash val="solid"/>
+                      <a:round/>
+                      <a:headEnd type="none" w="med" len="med"/>
+                      <a:tailEnd type="none" w="med" len="med"/>
+                    </a:lnB>
+                  </a:tcPr>
+                </a:tc>
+                <a:tc>
+                  <a:txBody>
+                    <a:bodyPr/>
+                    <a:lstStyle/>
+                    <a:p>
+                      <a:pPr algn="ctr" fontAlgn="ctr"/>
+                      <a:r>
+                        <a:rPr lang="en-GB" sz="1600" u="none" strike="noStrike">
+                          <a:effectLst/>
+                        </a:rPr>
+                        <a:t>felt</a:t>
+                      </a:r>
+                      <a:endParaRPr lang="en-GB" sz="1600" b="0" i="0" u="none" strike="noStrike">
+                        <a:solidFill>
+                          <a:srgbClr val="000000"/>
+                        </a:solidFill>
+                        <a:effectLst/>
+                        <a:latin typeface="Aptos Narrow" panose="020B0004020202020204" pitchFamily="34" charset="0"/>
+                      </a:endParaRPr>
+                    </a:p>
+                  </a:txBody>
+                  <a:tcPr marL="4229" marR="4229" marT="4229" marB="0" anchor="ctr">
+                    <a:lnL w="12700" cap="flat" cmpd="sng" algn="ctr">
+                      <a:solidFill>
+                        <a:schemeClr val="tx1"/>
+                      </a:solidFill>
+                      <a:prstDash val="solid"/>
+                      <a:round/>
+                      <a:headEnd type="none" w="med" len="med"/>
+                      <a:tailEnd type="none" w="med" len="med"/>
+                    </a:lnL>
+                    <a:lnR w="12700" cap="flat" cmpd="sng" algn="ctr">
+                      <a:solidFill>
+                        <a:schemeClr val="tx1"/>
+                      </a:solidFill>
+                      <a:prstDash val="solid"/>
+                      <a:round/>
+                      <a:headEnd type="none" w="med" len="med"/>
+                      <a:tailEnd type="none" w="med" len="med"/>
+                    </a:lnR>
+                    <a:lnT w="12700" cap="flat" cmpd="sng" algn="ctr">
+                      <a:solidFill>
+                        <a:schemeClr val="tx1"/>
+                      </a:solidFill>
+                      <a:prstDash val="solid"/>
+                      <a:round/>
+                      <a:headEnd type="none" w="med" len="med"/>
+                      <a:tailEnd type="none" w="med" len="med"/>
+                    </a:lnT>
+                    <a:lnB w="12700" cap="flat" cmpd="sng" algn="ctr">
+                      <a:solidFill>
+                        <a:schemeClr val="tx1"/>
+                      </a:solidFill>
+                      <a:prstDash val="solid"/>
+                      <a:round/>
+                      <a:headEnd type="none" w="med" len="med"/>
+                      <a:tailEnd type="none" w="med" len="med"/>
+                    </a:lnB>
+                  </a:tcPr>
+                </a:tc>
+                <a:tc>
+                  <a:txBody>
+                    <a:bodyPr/>
+                    <a:lstStyle/>
+                    <a:p>
+                      <a:pPr algn="ctr" fontAlgn="ctr"/>
+                      <a:r>
+                        <a:rPr lang="en-GB" sz="1600" u="none" strike="noStrike">
+                          <a:effectLst/>
+                        </a:rPr>
+                        <a:t>felt</a:t>
+                      </a:r>
+                      <a:endParaRPr lang="en-GB" sz="1600" b="0" i="0" u="none" strike="noStrike">
+                        <a:solidFill>
+                          <a:srgbClr val="000000"/>
+                        </a:solidFill>
+                        <a:effectLst/>
+                        <a:latin typeface="Aptos Narrow" panose="020B0004020202020204" pitchFamily="34" charset="0"/>
+                      </a:endParaRPr>
+                    </a:p>
+                  </a:txBody>
+                  <a:tcPr marL="4229" marR="4229" marT="4229" marB="0" anchor="ctr">
+                    <a:lnL w="12700" cap="flat" cmpd="sng" algn="ctr">
+                      <a:solidFill>
+                        <a:schemeClr val="tx1"/>
+                      </a:solidFill>
+                      <a:prstDash val="solid"/>
+                      <a:round/>
+                      <a:headEnd type="none" w="med" len="med"/>
+                      <a:tailEnd type="none" w="med" len="med"/>
+                    </a:lnL>
+                    <a:lnR w="12700" cap="flat" cmpd="sng" algn="ctr">
+                      <a:solidFill>
+                        <a:schemeClr val="tx1"/>
+                      </a:solidFill>
+                      <a:prstDash val="solid"/>
+                      <a:round/>
+                      <a:headEnd type="none" w="med" len="med"/>
+                      <a:tailEnd type="none" w="med" len="med"/>
+                    </a:lnR>
+                    <a:lnT w="12700" cap="flat" cmpd="sng" algn="ctr">
+                      <a:solidFill>
+                        <a:schemeClr val="tx1"/>
+                      </a:solidFill>
+                      <a:prstDash val="solid"/>
+                      <a:round/>
+                      <a:headEnd type="none" w="med" len="med"/>
+                      <a:tailEnd type="none" w="med" len="med"/>
+                    </a:lnT>
+                    <a:lnB w="12700" cap="flat" cmpd="sng" algn="ctr">
+                      <a:solidFill>
+                        <a:schemeClr val="tx1"/>
+                      </a:solidFill>
+                      <a:prstDash val="solid"/>
+                      <a:round/>
+                      <a:headEnd type="none" w="med" len="med"/>
+                      <a:tailEnd type="none" w="med" len="med"/>
+                    </a:lnB>
+                  </a:tcPr>
+                </a:tc>
+                <a:tc>
+                  <a:txBody>
+                    <a:bodyPr/>
+                    <a:lstStyle/>
+                    <a:p>
+                      <a:pPr algn="ctr" fontAlgn="ctr"/>
+                      <a:r>
+                        <a:rPr lang="uk-UA" sz="1600" u="none" strike="noStrike" dirty="0">
+                          <a:effectLst/>
+                        </a:rPr>
+                        <a:t>відчувати</a:t>
+                      </a:r>
+                      <a:endParaRPr lang="uk-UA" sz="1600" b="0" i="0" u="none" strike="noStrike" dirty="0">
+                        <a:solidFill>
+                          <a:srgbClr val="000000"/>
+                        </a:solidFill>
+                        <a:effectLst/>
+                        <a:latin typeface="Aptos Narrow" panose="020B0004020202020204" pitchFamily="34" charset="0"/>
+                      </a:endParaRPr>
+                    </a:p>
+                  </a:txBody>
+                  <a:tcPr marL="4229" marR="4229" marT="4229" marB="0" anchor="ctr">
+                    <a:lnL w="12700" cap="flat" cmpd="sng" algn="ctr">
+                      <a:solidFill>
+                        <a:schemeClr val="tx1"/>
+                      </a:solidFill>
+                      <a:prstDash val="solid"/>
+                      <a:round/>
+                      <a:headEnd type="none" w="med" len="med"/>
+                      <a:tailEnd type="none" w="med" len="med"/>
+                    </a:lnL>
+                    <a:lnR w="12700" cap="flat" cmpd="sng" algn="ctr">
+                      <a:solidFill>
+                        <a:schemeClr val="tx1"/>
+                      </a:solidFill>
+                      <a:prstDash val="solid"/>
+                      <a:round/>
+                      <a:headEnd type="none" w="med" len="med"/>
+                      <a:tailEnd type="none" w="med" len="med"/>
+                    </a:lnR>
+                    <a:lnT w="12700" cap="flat" cmpd="sng" algn="ctr">
+                      <a:solidFill>
+                        <a:schemeClr val="tx1"/>
+                      </a:solidFill>
+                      <a:prstDash val="solid"/>
+                      <a:round/>
+                      <a:headEnd type="none" w="med" len="med"/>
+                      <a:tailEnd type="none" w="med" len="med"/>
+                    </a:lnT>
+                    <a:lnB w="12700" cap="flat" cmpd="sng" algn="ctr">
+                      <a:solidFill>
+                        <a:schemeClr val="tx1"/>
+                      </a:solidFill>
+                      <a:prstDash val="solid"/>
+                      <a:round/>
+                      <a:headEnd type="none" w="med" len="med"/>
+                      <a:tailEnd type="none" w="med" len="med"/>
+                    </a:lnB>
+                  </a:tcPr>
+                </a:tc>
+                <a:extLst>
+                  <a:ext uri="{0D108BD9-81ED-4DB2-BD59-A6C34878D82A}">
+                    <a16:rowId xmlns:a16="http://schemas.microsoft.com/office/drawing/2014/main" val="309629433"/>
+                  </a:ext>
+                </a:extLst>
+              </a:tr>
+              <a:tr h="264799">
+                <a:tc>
+                  <a:txBody>
+                    <a:bodyPr/>
+                    <a:lstStyle/>
+                    <a:p>
+                      <a:pPr algn="ctr" fontAlgn="ctr"/>
+                      <a:r>
+                        <a:rPr lang="en-GB" sz="1600" u="none" strike="noStrike">
+                          <a:effectLst/>
+                        </a:rPr>
+                        <a:t>bring</a:t>
+                      </a:r>
+                      <a:endParaRPr lang="en-GB" sz="1600" b="0" i="0" u="none" strike="noStrike">
+                        <a:solidFill>
+                          <a:srgbClr val="000000"/>
+                        </a:solidFill>
+                        <a:effectLst/>
+                        <a:latin typeface="Aptos Narrow" panose="020B0004020202020204" pitchFamily="34" charset="0"/>
+                      </a:endParaRPr>
+                    </a:p>
+                  </a:txBody>
+                  <a:tcPr marL="4229" marR="4229" marT="4229" marB="0" anchor="ctr">
+                    <a:lnL w="12700" cap="flat" cmpd="sng" algn="ctr">
+                      <a:solidFill>
+                        <a:schemeClr val="tx1"/>
+                      </a:solidFill>
+                      <a:prstDash val="solid"/>
+                      <a:round/>
+                      <a:headEnd type="none" w="med" len="med"/>
+                      <a:tailEnd type="none" w="med" len="med"/>
+                    </a:lnL>
+                    <a:lnR w="12700" cap="flat" cmpd="sng" algn="ctr">
+                      <a:solidFill>
+                        <a:schemeClr val="tx1"/>
+                      </a:solidFill>
+                      <a:prstDash val="solid"/>
+                      <a:round/>
+                      <a:headEnd type="none" w="med" len="med"/>
+                      <a:tailEnd type="none" w="med" len="med"/>
+                    </a:lnR>
+                    <a:lnT w="12700" cap="flat" cmpd="sng" algn="ctr">
+                      <a:solidFill>
+                        <a:schemeClr val="tx1"/>
+                      </a:solidFill>
+                      <a:prstDash val="solid"/>
+                      <a:round/>
+                      <a:headEnd type="none" w="med" len="med"/>
+                      <a:tailEnd type="none" w="med" len="med"/>
+                    </a:lnT>
+                    <a:lnB w="12700" cap="flat" cmpd="sng" algn="ctr">
+                      <a:solidFill>
+                        <a:schemeClr val="tx1"/>
+                      </a:solidFill>
+                      <a:prstDash val="solid"/>
+                      <a:round/>
+                      <a:headEnd type="none" w="med" len="med"/>
+                      <a:tailEnd type="none" w="med" len="med"/>
+                    </a:lnB>
+                  </a:tcPr>
+                </a:tc>
+                <a:tc>
+                  <a:txBody>
+                    <a:bodyPr/>
+                    <a:lstStyle/>
+                    <a:p>
+                      <a:pPr algn="ctr" fontAlgn="ctr"/>
+                      <a:r>
+                        <a:rPr lang="en-GB" sz="1600" u="none" strike="noStrike">
+                          <a:effectLst/>
+                        </a:rPr>
+                        <a:t>brought</a:t>
+                      </a:r>
+                      <a:endParaRPr lang="en-GB" sz="1600" b="0" i="0" u="none" strike="noStrike">
+                        <a:solidFill>
+                          <a:srgbClr val="000000"/>
+                        </a:solidFill>
+                        <a:effectLst/>
+                        <a:latin typeface="Aptos Narrow" panose="020B0004020202020204" pitchFamily="34" charset="0"/>
+                      </a:endParaRPr>
+                    </a:p>
+                  </a:txBody>
+                  <a:tcPr marL="4229" marR="4229" marT="4229" marB="0" anchor="ctr">
+                    <a:lnL w="12700" cap="flat" cmpd="sng" algn="ctr">
+                      <a:solidFill>
+                        <a:schemeClr val="tx1"/>
+                      </a:solidFill>
+                      <a:prstDash val="solid"/>
+                      <a:round/>
+                      <a:headEnd type="none" w="med" len="med"/>
+                      <a:tailEnd type="none" w="med" len="med"/>
+                    </a:lnL>
+                    <a:lnR w="12700" cap="flat" cmpd="sng" algn="ctr">
+                      <a:solidFill>
+                        <a:schemeClr val="tx1"/>
+                      </a:solidFill>
+                      <a:prstDash val="solid"/>
+                      <a:round/>
+                      <a:headEnd type="none" w="med" len="med"/>
+                      <a:tailEnd type="none" w="med" len="med"/>
+                    </a:lnR>
+                    <a:lnT w="12700" cap="flat" cmpd="sng" algn="ctr">
+                      <a:solidFill>
+                        <a:schemeClr val="tx1"/>
+                      </a:solidFill>
+                      <a:prstDash val="solid"/>
+                      <a:round/>
+                      <a:headEnd type="none" w="med" len="med"/>
+                      <a:tailEnd type="none" w="med" len="med"/>
+                    </a:lnT>
+                    <a:lnB w="12700" cap="flat" cmpd="sng" algn="ctr">
+                      <a:solidFill>
+                        <a:schemeClr val="tx1"/>
+                      </a:solidFill>
+                      <a:prstDash val="solid"/>
+                      <a:round/>
+                      <a:headEnd type="none" w="med" len="med"/>
+                      <a:tailEnd type="none" w="med" len="med"/>
+                    </a:lnB>
+                  </a:tcPr>
+                </a:tc>
+                <a:tc>
+                  <a:txBody>
+                    <a:bodyPr/>
+                    <a:lstStyle/>
+                    <a:p>
+                      <a:pPr algn="ctr" fontAlgn="ctr"/>
+                      <a:r>
+                        <a:rPr lang="en-GB" sz="1600" u="none" strike="noStrike">
+                          <a:effectLst/>
+                        </a:rPr>
+                        <a:t>brought</a:t>
+                      </a:r>
+                      <a:endParaRPr lang="en-GB" sz="1600" b="0" i="0" u="none" strike="noStrike">
+                        <a:solidFill>
+                          <a:srgbClr val="000000"/>
+                        </a:solidFill>
+                        <a:effectLst/>
+                        <a:latin typeface="Aptos Narrow" panose="020B0004020202020204" pitchFamily="34" charset="0"/>
+                      </a:endParaRPr>
+                    </a:p>
+                  </a:txBody>
+                  <a:tcPr marL="4229" marR="4229" marT="4229" marB="0" anchor="ctr">
+                    <a:lnL w="12700" cap="flat" cmpd="sng" algn="ctr">
+                      <a:solidFill>
+                        <a:schemeClr val="tx1"/>
+                      </a:solidFill>
+                      <a:prstDash val="solid"/>
+                      <a:round/>
+                      <a:headEnd type="none" w="med" len="med"/>
+                      <a:tailEnd type="none" w="med" len="med"/>
+                    </a:lnL>
+                    <a:lnR w="12700" cap="flat" cmpd="sng" algn="ctr">
+                      <a:solidFill>
+                        <a:schemeClr val="tx1"/>
+                      </a:solidFill>
+                      <a:prstDash val="solid"/>
+                      <a:round/>
+                      <a:headEnd type="none" w="med" len="med"/>
+                      <a:tailEnd type="none" w="med" len="med"/>
+                    </a:lnR>
+                    <a:lnT w="12700" cap="flat" cmpd="sng" algn="ctr">
+                      <a:solidFill>
+                        <a:schemeClr val="tx1"/>
+                      </a:solidFill>
+                      <a:prstDash val="solid"/>
+                      <a:round/>
+                      <a:headEnd type="none" w="med" len="med"/>
+                      <a:tailEnd type="none" w="med" len="med"/>
+                    </a:lnT>
+                    <a:lnB w="12700" cap="flat" cmpd="sng" algn="ctr">
+                      <a:solidFill>
+                        <a:schemeClr val="tx1"/>
+                      </a:solidFill>
+                      <a:prstDash val="solid"/>
+                      <a:round/>
+                      <a:headEnd type="none" w="med" len="med"/>
+                      <a:tailEnd type="none" w="med" len="med"/>
+                    </a:lnB>
+                  </a:tcPr>
+                </a:tc>
+                <a:tc>
+                  <a:txBody>
+                    <a:bodyPr/>
+                    <a:lstStyle/>
+                    <a:p>
+                      <a:pPr algn="ctr" fontAlgn="ctr"/>
+                      <a:r>
+                        <a:rPr lang="uk-UA" sz="1600" u="none" strike="noStrike" dirty="0">
+                          <a:effectLst/>
+                        </a:rPr>
+                        <a:t>приносити</a:t>
+                      </a:r>
+                      <a:endParaRPr lang="uk-UA" sz="1600" b="0" i="0" u="none" strike="noStrike" dirty="0">
+                        <a:solidFill>
+                          <a:srgbClr val="000000"/>
+                        </a:solidFill>
+                        <a:effectLst/>
+                        <a:latin typeface="Aptos Narrow" panose="020B0004020202020204" pitchFamily="34" charset="0"/>
+                      </a:endParaRPr>
+                    </a:p>
+                  </a:txBody>
+                  <a:tcPr marL="4229" marR="4229" marT="4229" marB="0" anchor="ctr">
+                    <a:lnL w="12700" cap="flat" cmpd="sng" algn="ctr">
+                      <a:solidFill>
+                        <a:schemeClr val="tx1"/>
+                      </a:solidFill>
+                      <a:prstDash val="solid"/>
+                      <a:round/>
+                      <a:headEnd type="none" w="med" len="med"/>
+                      <a:tailEnd type="none" w="med" len="med"/>
+                    </a:lnL>
+                    <a:lnR w="12700" cap="flat" cmpd="sng" algn="ctr">
+                      <a:solidFill>
+                        <a:schemeClr val="tx1"/>
+                      </a:solidFill>
+                      <a:prstDash val="solid"/>
+                      <a:round/>
+                      <a:headEnd type="none" w="med" len="med"/>
+                      <a:tailEnd type="none" w="med" len="med"/>
+                    </a:lnR>
+                    <a:lnT w="12700" cap="flat" cmpd="sng" algn="ctr">
+                      <a:solidFill>
+                        <a:schemeClr val="tx1"/>
+                      </a:solidFill>
+                      <a:prstDash val="solid"/>
+                      <a:round/>
+                      <a:headEnd type="none" w="med" len="med"/>
+                      <a:tailEnd type="none" w="med" len="med"/>
+                    </a:lnT>
+                    <a:lnB w="12700" cap="flat" cmpd="sng" algn="ctr">
+                      <a:solidFill>
+                        <a:schemeClr val="tx1"/>
+                      </a:solidFill>
+                      <a:prstDash val="solid"/>
+                      <a:round/>
+                      <a:headEnd type="none" w="med" len="med"/>
+                      <a:tailEnd type="none" w="med" len="med"/>
+                    </a:lnB>
+                  </a:tcPr>
+                </a:tc>
+                <a:extLst>
+                  <a:ext uri="{0D108BD9-81ED-4DB2-BD59-A6C34878D82A}">
+                    <a16:rowId xmlns:a16="http://schemas.microsoft.com/office/drawing/2014/main" val="3201876968"/>
+                  </a:ext>
+                </a:extLst>
+              </a:tr>
+            </a:tbl>
+          </a:graphicData>
+        </a:graphic>
+      </p:graphicFrame>
     </p:spTree>
     <p:extLst>
       <p:ext uri="{BB962C8B-B14F-4D97-AF65-F5344CB8AC3E}">
         <p14:creationId xmlns:p14="http://schemas.microsoft.com/office/powerpoint/2010/main" val="529281065"/>
+      </p:ext>
+    </p:extLst>
+  </p:cSld>
+  <p:clrMapOvr>
+    <a:masterClrMapping/>
+  </p:clrMapOvr>
+</p:sld>
+</file>
+
+<file path=ppt/slides/slide7.xml><?xml version="1.0" encoding="utf-8"?>
+<p:sld xmlns:a="http://schemas.openxmlformats.org/drawingml/2006/main" xmlns:r="http://schemas.openxmlformats.org/officeDocument/2006/relationships" xmlns:p="http://schemas.openxmlformats.org/presentationml/2006/main">
+  <p:cSld>
+    <p:spTree>
+      <p:nvGrpSpPr>
+        <p:cNvPr id="1" name="">
+          <a:extLst>
+            <a:ext uri="{FF2B5EF4-FFF2-40B4-BE49-F238E27FC236}">
+              <a16:creationId xmlns:a16="http://schemas.microsoft.com/office/drawing/2014/main" id="{5757ADD1-A9B9-F921-AC08-A8361964EC0E}"/>
+            </a:ext>
+          </a:extLst>
+        </p:cNvPr>
+        <p:cNvGrpSpPr/>
+        <p:nvPr/>
+      </p:nvGrpSpPr>
+      <p:grpSpPr>
+        <a:xfrm>
+          <a:off x="0" y="0"/>
+          <a:ext cx="0" cy="0"/>
+          <a:chOff x="0" y="0"/>
+          <a:chExt cx="0" cy="0"/>
+        </a:xfrm>
+      </p:grpSpPr>
+      <p:sp>
+        <p:nvSpPr>
+          <p:cNvPr id="5" name="Title 4" hidden="1">
+            <a:extLst>
+              <a:ext uri="{FF2B5EF4-FFF2-40B4-BE49-F238E27FC236}">
+                <a16:creationId xmlns:a16="http://schemas.microsoft.com/office/drawing/2014/main" id="{92F5FF16-606C-6245-711B-359FA5A33EF1}"/>
+              </a:ext>
+            </a:extLst>
+          </p:cNvPr>
+          <p:cNvSpPr>
+            <a:spLocks noGrp="1"/>
+          </p:cNvSpPr>
+          <p:nvPr>
+            <p:ph type="title" idx="4294967295"/>
+          </p:nvPr>
+        </p:nvSpPr>
+        <p:spPr>
+          <a:xfrm>
+            <a:off x="0" y="365125"/>
+            <a:ext cx="10515600" cy="1325563"/>
+          </a:xfrm>
+        </p:spPr>
+        <p:txBody>
+          <a:bodyPr rtlCol="0"/>
+          <a:lstStyle/>
+          <a:p>
+            <a:pPr rtl="0"/>
+            <a:r>
+              <a:rPr lang="en-GB"/>
+              <a:t>Balanced scorecard slide 5</a:t>
+            </a:r>
+          </a:p>
+        </p:txBody>
+      </p:sp>
+      <p:sp>
+        <p:nvSpPr>
+          <p:cNvPr id="13" name="TextBox 12">
+            <a:extLst>
+              <a:ext uri="{FF2B5EF4-FFF2-40B4-BE49-F238E27FC236}">
+                <a16:creationId xmlns:a16="http://schemas.microsoft.com/office/drawing/2014/main" id="{12432FD1-ED59-8CA3-DAC4-925FE6B869F3}"/>
+              </a:ext>
+            </a:extLst>
+          </p:cNvPr>
+          <p:cNvSpPr txBox="1"/>
+          <p:nvPr/>
+        </p:nvSpPr>
+        <p:spPr>
+          <a:xfrm>
+            <a:off x="894869" y="399299"/>
+            <a:ext cx="7492867" cy="492443"/>
+          </a:xfrm>
+          <a:prstGeom prst="rect">
+            <a:avLst/>
+          </a:prstGeom>
+          <a:noFill/>
+        </p:spPr>
+        <p:txBody>
+          <a:bodyPr wrap="square" lIns="0" tIns="0" rIns="0" bIns="0" rtlCol="0" anchor="ctr">
+            <a:spAutoFit/>
+          </a:bodyPr>
+          <a:lstStyle/>
+          <a:p>
+            <a:pPr algn="ctr" rtl="0"/>
+            <a:r>
+              <a:rPr lang="en-GB" sz="3200" b="1" dirty="0">
+                <a:latin typeface="+mj-lt"/>
+              </a:rPr>
+              <a:t>DATE AND TIME</a:t>
+            </a:r>
+            <a:endParaRPr lang="en-GB" sz="3600" dirty="0">
+              <a:latin typeface="+mj-lt"/>
+            </a:endParaRPr>
+          </a:p>
+        </p:txBody>
+      </p:sp>
+      <p:sp>
+        <p:nvSpPr>
+          <p:cNvPr id="61" name="Rounded Rectangle 82">
+            <a:extLst>
+              <a:ext uri="{FF2B5EF4-FFF2-40B4-BE49-F238E27FC236}">
+                <a16:creationId xmlns:a16="http://schemas.microsoft.com/office/drawing/2014/main" id="{B2241117-8C4C-F3F3-1A5A-5ABE1C1269B2}"/>
+              </a:ext>
+              <a:ext uri="{C183D7F6-B498-43B3-948B-1728B52AA6E4}">
+                <adec:decorative xmlns:adec="http://schemas.microsoft.com/office/drawing/2017/decorative" val="1"/>
+              </a:ext>
+            </a:extLst>
+          </p:cNvPr>
+          <p:cNvSpPr/>
+          <p:nvPr/>
+        </p:nvSpPr>
+        <p:spPr>
+          <a:xfrm>
+            <a:off x="3865018" y="1350216"/>
+            <a:ext cx="2146450" cy="560290"/>
+          </a:xfrm>
+          <a:prstGeom prst="roundRect">
+            <a:avLst>
+              <a:gd name="adj" fmla="val 50000"/>
+            </a:avLst>
+          </a:prstGeom>
+          <a:solidFill>
+            <a:schemeClr val="tx2">
+              <a:lumMod val="40000"/>
+              <a:lumOff val="60000"/>
+              <a:alpha val="25000"/>
+            </a:schemeClr>
+          </a:solidFill>
+          <a:ln w="9525">
+            <a:noFill/>
+          </a:ln>
+        </p:spPr>
+        <p:style>
+          <a:lnRef idx="2">
+            <a:schemeClr val="accent1">
+              <a:shade val="50000"/>
+            </a:schemeClr>
+          </a:lnRef>
+          <a:fillRef idx="1">
+            <a:schemeClr val="accent1"/>
+          </a:fillRef>
+          <a:effectRef idx="0">
+            <a:schemeClr val="accent1"/>
+          </a:effectRef>
+          <a:fontRef idx="minor">
+            <a:schemeClr val="lt1"/>
+          </a:fontRef>
+        </p:style>
+        <p:txBody>
+          <a:bodyPr rtlCol="0" anchor="ctr"/>
+          <a:lstStyle/>
+          <a:p>
+            <a:pPr algn="ctr" rtl="0"/>
+            <a:endParaRPr lang="en-GB"/>
+          </a:p>
+        </p:txBody>
+      </p:sp>
+      <p:grpSp>
+        <p:nvGrpSpPr>
+          <p:cNvPr id="26" name="Group 25">
+            <a:extLst>
+              <a:ext uri="{FF2B5EF4-FFF2-40B4-BE49-F238E27FC236}">
+                <a16:creationId xmlns:a16="http://schemas.microsoft.com/office/drawing/2014/main" id="{CAAA5F73-FB9C-4CEB-33E5-83E662004F3B}"/>
+              </a:ext>
+            </a:extLst>
+          </p:cNvPr>
+          <p:cNvGrpSpPr/>
+          <p:nvPr/>
+        </p:nvGrpSpPr>
+        <p:grpSpPr>
+          <a:xfrm>
+            <a:off x="894870" y="1350216"/>
+            <a:ext cx="2015063" cy="560290"/>
+            <a:chOff x="894870" y="1350216"/>
+            <a:chExt cx="2015063" cy="560290"/>
+          </a:xfrm>
+        </p:grpSpPr>
+        <p:sp>
+          <p:nvSpPr>
+            <p:cNvPr id="58" name="Rounded Rectangle 77">
+              <a:extLst>
+                <a:ext uri="{FF2B5EF4-FFF2-40B4-BE49-F238E27FC236}">
+                  <a16:creationId xmlns:a16="http://schemas.microsoft.com/office/drawing/2014/main" id="{08AC9A6D-E442-CA9B-F8A9-5E6FC32A999B}"/>
+                </a:ext>
+                <a:ext uri="{C183D7F6-B498-43B3-948B-1728B52AA6E4}">
+                  <adec:decorative xmlns:adec="http://schemas.microsoft.com/office/drawing/2017/decorative" val="1"/>
+                </a:ext>
+              </a:extLst>
+            </p:cNvPr>
+            <p:cNvSpPr/>
+            <p:nvPr/>
+          </p:nvSpPr>
+          <p:spPr>
+            <a:xfrm>
+              <a:off x="894870" y="1350216"/>
+              <a:ext cx="2015063" cy="560290"/>
+            </a:xfrm>
+            <a:prstGeom prst="roundRect">
+              <a:avLst>
+                <a:gd name="adj" fmla="val 50000"/>
+              </a:avLst>
+            </a:prstGeom>
+            <a:solidFill>
+              <a:schemeClr val="tx2">
+                <a:alpha val="55000"/>
+              </a:schemeClr>
+            </a:solidFill>
+            <a:ln w="9525">
+              <a:noFill/>
+            </a:ln>
+          </p:spPr>
+          <p:style>
+            <a:lnRef idx="2">
+              <a:schemeClr val="accent1">
+                <a:shade val="50000"/>
+              </a:schemeClr>
+            </a:lnRef>
+            <a:fillRef idx="1">
+              <a:schemeClr val="accent1"/>
+            </a:fillRef>
+            <a:effectRef idx="0">
+              <a:schemeClr val="accent1"/>
+            </a:effectRef>
+            <a:fontRef idx="minor">
+              <a:schemeClr val="lt1"/>
+            </a:fontRef>
+          </p:style>
+          <p:txBody>
+            <a:bodyPr rtlCol="0" anchor="ctr"/>
+            <a:lstStyle/>
+            <a:p>
+              <a:pPr algn="ctr" rtl="0"/>
+              <a:endParaRPr lang="en-GB" b="1"/>
+            </a:p>
+          </p:txBody>
+        </p:sp>
+        <p:sp>
+          <p:nvSpPr>
+            <p:cNvPr id="70" name="TextBox 69">
+              <a:extLst>
+                <a:ext uri="{FF2B5EF4-FFF2-40B4-BE49-F238E27FC236}">
+                  <a16:creationId xmlns:a16="http://schemas.microsoft.com/office/drawing/2014/main" id="{B2D79325-C23D-710B-A42E-8C10E45E351D}"/>
+                </a:ext>
+              </a:extLst>
+            </p:cNvPr>
+            <p:cNvSpPr txBox="1"/>
+            <p:nvPr/>
+          </p:nvSpPr>
+          <p:spPr>
+            <a:xfrm>
+              <a:off x="1694814" y="1507250"/>
+              <a:ext cx="415178" cy="246221"/>
+            </a:xfrm>
+            <a:prstGeom prst="rect">
+              <a:avLst/>
+            </a:prstGeom>
+            <a:noFill/>
+          </p:spPr>
+          <p:txBody>
+            <a:bodyPr wrap="none" lIns="0" tIns="0" rIns="0" bIns="0" rtlCol="0" anchor="ctr">
+              <a:spAutoFit/>
+            </a:bodyPr>
+            <a:lstStyle/>
+            <a:p>
+              <a:pPr algn="ctr" rtl="0"/>
+              <a:r>
+                <a:rPr lang="en-GB" sz="1600" b="1" dirty="0"/>
+                <a:t>TIME</a:t>
+              </a:r>
+            </a:p>
+          </p:txBody>
+        </p:sp>
+      </p:grpSp>
+      <p:sp>
+        <p:nvSpPr>
+          <p:cNvPr id="62" name="Rounded Rectangle 83">
+            <a:extLst>
+              <a:ext uri="{FF2B5EF4-FFF2-40B4-BE49-F238E27FC236}">
+                <a16:creationId xmlns:a16="http://schemas.microsoft.com/office/drawing/2014/main" id="{DE577E95-FABC-0E7C-D6E7-549D41B642C7}"/>
+              </a:ext>
+              <a:ext uri="{C183D7F6-B498-43B3-948B-1728B52AA6E4}">
+                <adec:decorative xmlns:adec="http://schemas.microsoft.com/office/drawing/2017/decorative" val="1"/>
+              </a:ext>
+            </a:extLst>
+          </p:cNvPr>
+          <p:cNvSpPr/>
+          <p:nvPr/>
+        </p:nvSpPr>
+        <p:spPr>
+          <a:xfrm>
+            <a:off x="3865018" y="2061948"/>
+            <a:ext cx="2146450" cy="560290"/>
+          </a:xfrm>
+          <a:prstGeom prst="roundRect">
+            <a:avLst>
+              <a:gd name="adj" fmla="val 50000"/>
+            </a:avLst>
+          </a:prstGeom>
+          <a:solidFill>
+            <a:schemeClr val="tx2">
+              <a:lumMod val="40000"/>
+              <a:lumOff val="60000"/>
+              <a:alpha val="25000"/>
+            </a:schemeClr>
+          </a:solidFill>
+          <a:ln w="9525">
+            <a:noFill/>
+          </a:ln>
+        </p:spPr>
+        <p:style>
+          <a:lnRef idx="2">
+            <a:schemeClr val="accent1">
+              <a:shade val="50000"/>
+            </a:schemeClr>
+          </a:lnRef>
+          <a:fillRef idx="1">
+            <a:schemeClr val="accent1"/>
+          </a:fillRef>
+          <a:effectRef idx="0">
+            <a:schemeClr val="accent1"/>
+          </a:effectRef>
+          <a:fontRef idx="minor">
+            <a:schemeClr val="lt1"/>
+          </a:fontRef>
+        </p:style>
+        <p:txBody>
+          <a:bodyPr rtlCol="0" anchor="ctr"/>
+          <a:lstStyle/>
+          <a:p>
+            <a:pPr algn="ctr" rtl="0"/>
+            <a:endParaRPr lang="en-GB"/>
+          </a:p>
+        </p:txBody>
+      </p:sp>
+      <p:sp>
+        <p:nvSpPr>
+          <p:cNvPr id="63" name="Rounded Rectangle 84">
+            <a:extLst>
+              <a:ext uri="{FF2B5EF4-FFF2-40B4-BE49-F238E27FC236}">
+                <a16:creationId xmlns:a16="http://schemas.microsoft.com/office/drawing/2014/main" id="{F770E13D-107A-8C97-65AA-FB2D1DFDABD0}"/>
+              </a:ext>
+              <a:ext uri="{C183D7F6-B498-43B3-948B-1728B52AA6E4}">
+                <adec:decorative xmlns:adec="http://schemas.microsoft.com/office/drawing/2017/decorative" val="1"/>
+              </a:ext>
+            </a:extLst>
+          </p:cNvPr>
+          <p:cNvSpPr/>
+          <p:nvPr/>
+        </p:nvSpPr>
+        <p:spPr>
+          <a:xfrm>
+            <a:off x="3865018" y="2768087"/>
+            <a:ext cx="2146450" cy="560290"/>
+          </a:xfrm>
+          <a:prstGeom prst="roundRect">
+            <a:avLst>
+              <a:gd name="adj" fmla="val 50000"/>
+            </a:avLst>
+          </a:prstGeom>
+          <a:solidFill>
+            <a:schemeClr val="tx2">
+              <a:lumMod val="40000"/>
+              <a:lumOff val="60000"/>
+              <a:alpha val="25000"/>
+            </a:schemeClr>
+          </a:solidFill>
+          <a:ln w="9525">
+            <a:noFill/>
+          </a:ln>
+        </p:spPr>
+        <p:style>
+          <a:lnRef idx="2">
+            <a:schemeClr val="accent1">
+              <a:shade val="50000"/>
+            </a:schemeClr>
+          </a:lnRef>
+          <a:fillRef idx="1">
+            <a:schemeClr val="accent1"/>
+          </a:fillRef>
+          <a:effectRef idx="0">
+            <a:schemeClr val="accent1"/>
+          </a:effectRef>
+          <a:fontRef idx="minor">
+            <a:schemeClr val="lt1"/>
+          </a:fontRef>
+        </p:style>
+        <p:txBody>
+          <a:bodyPr rtlCol="0" anchor="ctr"/>
+          <a:lstStyle/>
+          <a:p>
+            <a:pPr algn="ctr" rtl="0"/>
+            <a:endParaRPr lang="en-GB"/>
+          </a:p>
+        </p:txBody>
+      </p:sp>
+      <p:grpSp>
+        <p:nvGrpSpPr>
+          <p:cNvPr id="28" name="Group 27">
+            <a:extLst>
+              <a:ext uri="{FF2B5EF4-FFF2-40B4-BE49-F238E27FC236}">
+                <a16:creationId xmlns:a16="http://schemas.microsoft.com/office/drawing/2014/main" id="{B631EE72-7814-AD95-0306-EA180C9D0241}"/>
+              </a:ext>
+            </a:extLst>
+          </p:cNvPr>
+          <p:cNvGrpSpPr/>
+          <p:nvPr/>
+        </p:nvGrpSpPr>
+        <p:grpSpPr>
+          <a:xfrm>
+            <a:off x="894870" y="2773680"/>
+            <a:ext cx="2015063" cy="560290"/>
+            <a:chOff x="894870" y="2796296"/>
+            <a:chExt cx="2015063" cy="560290"/>
+          </a:xfrm>
+        </p:grpSpPr>
+        <p:sp>
+          <p:nvSpPr>
+            <p:cNvPr id="60" name="Rounded Rectangle 79">
+              <a:extLst>
+                <a:ext uri="{FF2B5EF4-FFF2-40B4-BE49-F238E27FC236}">
+                  <a16:creationId xmlns:a16="http://schemas.microsoft.com/office/drawing/2014/main" id="{FBF1EDF5-70C0-E14B-C26E-A2E43285CCD5}"/>
+                </a:ext>
+                <a:ext uri="{C183D7F6-B498-43B3-948B-1728B52AA6E4}">
+                  <adec:decorative xmlns:adec="http://schemas.microsoft.com/office/drawing/2017/decorative" val="1"/>
+                </a:ext>
+              </a:extLst>
+            </p:cNvPr>
+            <p:cNvSpPr/>
+            <p:nvPr/>
+          </p:nvSpPr>
+          <p:spPr>
+            <a:xfrm>
+              <a:off x="894870" y="2796296"/>
+              <a:ext cx="2015063" cy="560290"/>
+            </a:xfrm>
+            <a:prstGeom prst="roundRect">
+              <a:avLst>
+                <a:gd name="adj" fmla="val 50000"/>
+              </a:avLst>
+            </a:prstGeom>
+            <a:solidFill>
+              <a:schemeClr val="tx2">
+                <a:alpha val="55000"/>
+              </a:schemeClr>
+            </a:solidFill>
+            <a:ln w="9525">
+              <a:noFill/>
+            </a:ln>
+          </p:spPr>
+          <p:style>
+            <a:lnRef idx="2">
+              <a:schemeClr val="accent1">
+                <a:shade val="50000"/>
+              </a:schemeClr>
+            </a:lnRef>
+            <a:fillRef idx="1">
+              <a:schemeClr val="accent1"/>
+            </a:fillRef>
+            <a:effectRef idx="0">
+              <a:schemeClr val="accent1"/>
+            </a:effectRef>
+            <a:fontRef idx="minor">
+              <a:schemeClr val="lt1"/>
+            </a:fontRef>
+          </p:style>
+          <p:txBody>
+            <a:bodyPr rtlCol="0" anchor="ctr"/>
+            <a:lstStyle/>
+            <a:p>
+              <a:pPr algn="ctr" rtl="0"/>
+              <a:endParaRPr lang="en-GB"/>
+            </a:p>
+          </p:txBody>
+        </p:sp>
+        <p:sp>
+          <p:nvSpPr>
+            <p:cNvPr id="72" name="TextBox 71">
+              <a:extLst>
+                <a:ext uri="{FF2B5EF4-FFF2-40B4-BE49-F238E27FC236}">
+                  <a16:creationId xmlns:a16="http://schemas.microsoft.com/office/drawing/2014/main" id="{5F737037-9CA8-9A79-13F2-97F3DDD3A32F}"/>
+                </a:ext>
+              </a:extLst>
+            </p:cNvPr>
+            <p:cNvSpPr txBox="1"/>
+            <p:nvPr/>
+          </p:nvSpPr>
+          <p:spPr>
+            <a:xfrm>
+              <a:off x="1576192" y="2953330"/>
+              <a:ext cx="652423" cy="246221"/>
+            </a:xfrm>
+            <a:prstGeom prst="rect">
+              <a:avLst/>
+            </a:prstGeom>
+            <a:noFill/>
+          </p:spPr>
+          <p:txBody>
+            <a:bodyPr wrap="none" lIns="0" tIns="0" rIns="0" bIns="0" rtlCol="0" anchor="ctr">
+              <a:spAutoFit/>
+            </a:bodyPr>
+            <a:lstStyle/>
+            <a:p>
+              <a:pPr algn="ctr" rtl="0"/>
+              <a:r>
+                <a:rPr lang="en-GB" sz="1600" b="1" dirty="0"/>
+                <a:t>MONTH</a:t>
+              </a:r>
+            </a:p>
+          </p:txBody>
+        </p:sp>
+      </p:grpSp>
+      <p:sp>
+        <p:nvSpPr>
+          <p:cNvPr id="7" name="Slide Number Placeholder 6">
+            <a:extLst>
+              <a:ext uri="{FF2B5EF4-FFF2-40B4-BE49-F238E27FC236}">
+                <a16:creationId xmlns:a16="http://schemas.microsoft.com/office/drawing/2014/main" id="{44EFA40B-33A0-8078-9A91-C32442DA00A8}"/>
+              </a:ext>
+            </a:extLst>
+          </p:cNvPr>
+          <p:cNvSpPr>
+            <a:spLocks noGrp="1"/>
+          </p:cNvSpPr>
+          <p:nvPr>
+            <p:ph type="sldNum" sz="quarter" idx="12"/>
+          </p:nvPr>
+        </p:nvSpPr>
+        <p:spPr/>
+        <p:txBody>
+          <a:bodyPr/>
+          <a:lstStyle/>
+          <a:p>
+            <a:pPr rtl="0"/>
+            <a:fld id="{5A4A7955-6230-48B4-BD8B-A7C460F75945}" type="slidenum">
+              <a:rPr lang="en-GB" noProof="0" smtClean="0"/>
+              <a:t>7</a:t>
+            </a:fld>
+            <a:endParaRPr lang="en-GB" noProof="0"/>
+          </a:p>
+        </p:txBody>
+      </p:sp>
+      <p:sp>
+        <p:nvSpPr>
+          <p:cNvPr id="4" name="Rounded Rectangle 84">
+            <a:extLst>
+              <a:ext uri="{FF2B5EF4-FFF2-40B4-BE49-F238E27FC236}">
+                <a16:creationId xmlns:a16="http://schemas.microsoft.com/office/drawing/2014/main" id="{B2DDA8EA-12BF-90F6-922D-3627AF1DF9B1}"/>
+              </a:ext>
+              <a:ext uri="{C183D7F6-B498-43B3-948B-1728B52AA6E4}">
+                <adec:decorative xmlns:adec="http://schemas.microsoft.com/office/drawing/2017/decorative" val="1"/>
+              </a:ext>
+            </a:extLst>
+          </p:cNvPr>
+          <p:cNvSpPr/>
+          <p:nvPr/>
+        </p:nvSpPr>
+        <p:spPr>
+          <a:xfrm>
+            <a:off x="3865018" y="3485412"/>
+            <a:ext cx="2146450" cy="560290"/>
+          </a:xfrm>
+          <a:prstGeom prst="roundRect">
+            <a:avLst>
+              <a:gd name="adj" fmla="val 50000"/>
+            </a:avLst>
+          </a:prstGeom>
+          <a:solidFill>
+            <a:schemeClr val="tx2">
+              <a:lumMod val="40000"/>
+              <a:lumOff val="60000"/>
+              <a:alpha val="25000"/>
+            </a:schemeClr>
+          </a:solidFill>
+          <a:ln w="9525">
+            <a:noFill/>
+          </a:ln>
+        </p:spPr>
+        <p:style>
+          <a:lnRef idx="2">
+            <a:schemeClr val="accent1">
+              <a:shade val="50000"/>
+            </a:schemeClr>
+          </a:lnRef>
+          <a:fillRef idx="1">
+            <a:schemeClr val="accent1"/>
+          </a:fillRef>
+          <a:effectRef idx="0">
+            <a:schemeClr val="accent1"/>
+          </a:effectRef>
+          <a:fontRef idx="minor">
+            <a:schemeClr val="lt1"/>
+          </a:fontRef>
+        </p:style>
+        <p:txBody>
+          <a:bodyPr rtlCol="0" anchor="ctr"/>
+          <a:lstStyle/>
+          <a:p>
+            <a:pPr algn="ctr" rtl="0"/>
+            <a:endParaRPr lang="en-GB"/>
+          </a:p>
+        </p:txBody>
+      </p:sp>
+      <p:grpSp>
+        <p:nvGrpSpPr>
+          <p:cNvPr id="29" name="Group 28">
+            <a:extLst>
+              <a:ext uri="{FF2B5EF4-FFF2-40B4-BE49-F238E27FC236}">
+                <a16:creationId xmlns:a16="http://schemas.microsoft.com/office/drawing/2014/main" id="{A1FF6302-6B66-066B-A5CF-B70B5B53C31E}"/>
+              </a:ext>
+            </a:extLst>
+          </p:cNvPr>
+          <p:cNvGrpSpPr/>
+          <p:nvPr/>
+        </p:nvGrpSpPr>
+        <p:grpSpPr>
+          <a:xfrm>
+            <a:off x="894870" y="3485412"/>
+            <a:ext cx="2015063" cy="560290"/>
+            <a:chOff x="894870" y="3485412"/>
+            <a:chExt cx="2015063" cy="560290"/>
+          </a:xfrm>
+        </p:grpSpPr>
+        <p:sp>
+          <p:nvSpPr>
+            <p:cNvPr id="3" name="Rounded Rectangle 79">
+              <a:extLst>
+                <a:ext uri="{FF2B5EF4-FFF2-40B4-BE49-F238E27FC236}">
+                  <a16:creationId xmlns:a16="http://schemas.microsoft.com/office/drawing/2014/main" id="{A1435F1F-A67B-90B4-7F06-C769301AFB65}"/>
+                </a:ext>
+                <a:ext uri="{C183D7F6-B498-43B3-948B-1728B52AA6E4}">
+                  <adec:decorative xmlns:adec="http://schemas.microsoft.com/office/drawing/2017/decorative" val="1"/>
+                </a:ext>
+              </a:extLst>
+            </p:cNvPr>
+            <p:cNvSpPr/>
+            <p:nvPr/>
+          </p:nvSpPr>
+          <p:spPr>
+            <a:xfrm>
+              <a:off x="894870" y="3485412"/>
+              <a:ext cx="2015063" cy="560290"/>
+            </a:xfrm>
+            <a:prstGeom prst="roundRect">
+              <a:avLst>
+                <a:gd name="adj" fmla="val 50000"/>
+              </a:avLst>
+            </a:prstGeom>
+            <a:solidFill>
+              <a:schemeClr val="tx2">
+                <a:alpha val="55000"/>
+              </a:schemeClr>
+            </a:solidFill>
+            <a:ln w="9525">
+              <a:noFill/>
+            </a:ln>
+          </p:spPr>
+          <p:style>
+            <a:lnRef idx="2">
+              <a:schemeClr val="accent1">
+                <a:shade val="50000"/>
+              </a:schemeClr>
+            </a:lnRef>
+            <a:fillRef idx="1">
+              <a:schemeClr val="accent1"/>
+            </a:fillRef>
+            <a:effectRef idx="0">
+              <a:schemeClr val="accent1"/>
+            </a:effectRef>
+            <a:fontRef idx="minor">
+              <a:schemeClr val="lt1"/>
+            </a:fontRef>
+          </p:style>
+          <p:txBody>
+            <a:bodyPr rtlCol="0" anchor="ctr"/>
+            <a:lstStyle/>
+            <a:p>
+              <a:pPr algn="ctr" rtl="0"/>
+              <a:endParaRPr lang="en-GB"/>
+            </a:p>
+          </p:txBody>
+        </p:sp>
+        <p:sp>
+          <p:nvSpPr>
+            <p:cNvPr id="8" name="TextBox 7">
+              <a:extLst>
+                <a:ext uri="{FF2B5EF4-FFF2-40B4-BE49-F238E27FC236}">
+                  <a16:creationId xmlns:a16="http://schemas.microsoft.com/office/drawing/2014/main" id="{0E7544E5-AD22-F574-7894-F37BCDAC363B}"/>
+                </a:ext>
+              </a:extLst>
+            </p:cNvPr>
+            <p:cNvSpPr txBox="1"/>
+            <p:nvPr/>
+          </p:nvSpPr>
+          <p:spPr>
+            <a:xfrm>
+              <a:off x="1696609" y="3642446"/>
+              <a:ext cx="411588" cy="246221"/>
+            </a:xfrm>
+            <a:prstGeom prst="rect">
+              <a:avLst/>
+            </a:prstGeom>
+            <a:noFill/>
+          </p:spPr>
+          <p:txBody>
+            <a:bodyPr wrap="none" lIns="0" tIns="0" rIns="0" bIns="0" rtlCol="0" anchor="ctr">
+              <a:spAutoFit/>
+            </a:bodyPr>
+            <a:lstStyle/>
+            <a:p>
+              <a:pPr algn="ctr" rtl="0"/>
+              <a:r>
+                <a:rPr lang="en-GB" sz="1600" b="1" dirty="0"/>
+                <a:t>YEAR</a:t>
+              </a:r>
+            </a:p>
+          </p:txBody>
+        </p:sp>
+      </p:grpSp>
+      <p:sp>
+        <p:nvSpPr>
+          <p:cNvPr id="15" name="TextBox 14">
+            <a:extLst>
+              <a:ext uri="{FF2B5EF4-FFF2-40B4-BE49-F238E27FC236}">
+                <a16:creationId xmlns:a16="http://schemas.microsoft.com/office/drawing/2014/main" id="{E7CCE51E-0FB6-60C2-BDAC-F30A7607D75B}"/>
+              </a:ext>
+            </a:extLst>
+          </p:cNvPr>
+          <p:cNvSpPr txBox="1"/>
+          <p:nvPr/>
+        </p:nvSpPr>
+        <p:spPr>
+          <a:xfrm>
+            <a:off x="4818368" y="1494032"/>
+            <a:ext cx="198772" cy="246221"/>
+          </a:xfrm>
+          <a:prstGeom prst="rect">
+            <a:avLst/>
+          </a:prstGeom>
+          <a:noFill/>
+        </p:spPr>
+        <p:txBody>
+          <a:bodyPr wrap="none" lIns="0" tIns="0" rIns="0" bIns="0" rtlCol="0" anchor="ctr">
+            <a:spAutoFit/>
+          </a:bodyPr>
+          <a:lstStyle/>
+          <a:p>
+            <a:pPr algn="ctr"/>
+            <a:r>
+              <a:rPr lang="en-GB" sz="1600" dirty="0"/>
+              <a:t>AT</a:t>
+            </a:r>
+          </a:p>
+        </p:txBody>
+      </p:sp>
+      <p:sp>
+        <p:nvSpPr>
+          <p:cNvPr id="18" name="TextBox 17">
+            <a:extLst>
+              <a:ext uri="{FF2B5EF4-FFF2-40B4-BE49-F238E27FC236}">
+                <a16:creationId xmlns:a16="http://schemas.microsoft.com/office/drawing/2014/main" id="{C0BA6905-8709-97B8-9ADF-1802EDEB9DC1}"/>
+              </a:ext>
+            </a:extLst>
+          </p:cNvPr>
+          <p:cNvSpPr txBox="1"/>
+          <p:nvPr/>
+        </p:nvSpPr>
+        <p:spPr>
+          <a:xfrm>
+            <a:off x="4739499" y="2218982"/>
+            <a:ext cx="266099" cy="246221"/>
+          </a:xfrm>
+          <a:prstGeom prst="rect">
+            <a:avLst/>
+          </a:prstGeom>
+          <a:noFill/>
+        </p:spPr>
+        <p:txBody>
+          <a:bodyPr wrap="none" lIns="0" tIns="0" rIns="0" bIns="0" rtlCol="0" anchor="ctr">
+            <a:spAutoFit/>
+          </a:bodyPr>
+          <a:lstStyle/>
+          <a:p>
+            <a:pPr algn="ctr" rtl="0"/>
+            <a:r>
+              <a:rPr lang="en-GB" sz="1600" dirty="0"/>
+              <a:t>ON</a:t>
+            </a:r>
+          </a:p>
+        </p:txBody>
+      </p:sp>
+      <p:sp>
+        <p:nvSpPr>
+          <p:cNvPr id="21" name="TextBox 20">
+            <a:extLst>
+              <a:ext uri="{FF2B5EF4-FFF2-40B4-BE49-F238E27FC236}">
+                <a16:creationId xmlns:a16="http://schemas.microsoft.com/office/drawing/2014/main" id="{C839E13F-8954-8E56-62A6-BCA38117E25F}"/>
+              </a:ext>
+            </a:extLst>
+          </p:cNvPr>
+          <p:cNvSpPr txBox="1"/>
+          <p:nvPr/>
+        </p:nvSpPr>
+        <p:spPr>
+          <a:xfrm>
+            <a:off x="4781979" y="2921922"/>
+            <a:ext cx="181140" cy="246221"/>
+          </a:xfrm>
+          <a:prstGeom prst="rect">
+            <a:avLst/>
+          </a:prstGeom>
+          <a:noFill/>
+        </p:spPr>
+        <p:txBody>
+          <a:bodyPr wrap="none" lIns="0" tIns="0" rIns="0" bIns="0" rtlCol="0" anchor="ctr">
+            <a:spAutoFit/>
+          </a:bodyPr>
+          <a:lstStyle/>
+          <a:p>
+            <a:pPr algn="ctr" rtl="0"/>
+            <a:r>
+              <a:rPr lang="en-GB" sz="1600" dirty="0"/>
+              <a:t>IN</a:t>
+            </a:r>
+          </a:p>
+        </p:txBody>
+      </p:sp>
+      <p:sp>
+        <p:nvSpPr>
+          <p:cNvPr id="24" name="TextBox 23">
+            <a:extLst>
+              <a:ext uri="{FF2B5EF4-FFF2-40B4-BE49-F238E27FC236}">
+                <a16:creationId xmlns:a16="http://schemas.microsoft.com/office/drawing/2014/main" id="{94EB84F4-44BF-4E73-FCC4-6756C263ACA3}"/>
+              </a:ext>
+            </a:extLst>
+          </p:cNvPr>
+          <p:cNvSpPr txBox="1"/>
+          <p:nvPr/>
+        </p:nvSpPr>
+        <p:spPr>
+          <a:xfrm>
+            <a:off x="4781979" y="3642446"/>
+            <a:ext cx="181140" cy="246221"/>
+          </a:xfrm>
+          <a:prstGeom prst="rect">
+            <a:avLst/>
+          </a:prstGeom>
+          <a:noFill/>
+        </p:spPr>
+        <p:txBody>
+          <a:bodyPr wrap="none" lIns="0" tIns="0" rIns="0" bIns="0" rtlCol="0" anchor="ctr">
+            <a:spAutoFit/>
+          </a:bodyPr>
+          <a:lstStyle/>
+          <a:p>
+            <a:pPr algn="ctr" rtl="0"/>
+            <a:r>
+              <a:rPr lang="en-GB" sz="1600" dirty="0"/>
+              <a:t>IN</a:t>
+            </a:r>
+          </a:p>
+        </p:txBody>
+      </p:sp>
+      <p:sp>
+        <p:nvSpPr>
+          <p:cNvPr id="6" name="Rounded Rectangle 82">
+            <a:extLst>
+              <a:ext uri="{FF2B5EF4-FFF2-40B4-BE49-F238E27FC236}">
+                <a16:creationId xmlns:a16="http://schemas.microsoft.com/office/drawing/2014/main" id="{E7851535-6FB5-F564-4866-825D82BC69F7}"/>
+              </a:ext>
+              <a:ext uri="{C183D7F6-B498-43B3-948B-1728B52AA6E4}">
+                <adec:decorative xmlns:adec="http://schemas.microsoft.com/office/drawing/2017/decorative" val="1"/>
+              </a:ext>
+            </a:extLst>
+          </p:cNvPr>
+          <p:cNvSpPr/>
+          <p:nvPr/>
+        </p:nvSpPr>
+        <p:spPr>
+          <a:xfrm>
+            <a:off x="6241286" y="1350216"/>
+            <a:ext cx="2146450" cy="560290"/>
+          </a:xfrm>
+          <a:prstGeom prst="roundRect">
+            <a:avLst>
+              <a:gd name="adj" fmla="val 50000"/>
+            </a:avLst>
+          </a:prstGeom>
+          <a:solidFill>
+            <a:schemeClr val="tx2">
+              <a:lumMod val="40000"/>
+              <a:lumOff val="60000"/>
+              <a:alpha val="25000"/>
+            </a:schemeClr>
+          </a:solidFill>
+          <a:ln w="9525">
+            <a:noFill/>
+          </a:ln>
+        </p:spPr>
+        <p:style>
+          <a:lnRef idx="2">
+            <a:schemeClr val="accent1">
+              <a:shade val="50000"/>
+            </a:schemeClr>
+          </a:lnRef>
+          <a:fillRef idx="1">
+            <a:schemeClr val="accent1"/>
+          </a:fillRef>
+          <a:effectRef idx="0">
+            <a:schemeClr val="accent1"/>
+          </a:effectRef>
+          <a:fontRef idx="minor">
+            <a:schemeClr val="lt1"/>
+          </a:fontRef>
+        </p:style>
+        <p:txBody>
+          <a:bodyPr rtlCol="0" anchor="ctr"/>
+          <a:lstStyle/>
+          <a:p>
+            <a:pPr algn="ctr" rtl="0"/>
+            <a:endParaRPr lang="en-GB"/>
+          </a:p>
+        </p:txBody>
+      </p:sp>
+      <p:sp>
+        <p:nvSpPr>
+          <p:cNvPr id="10" name="Rounded Rectangle 83">
+            <a:extLst>
+              <a:ext uri="{FF2B5EF4-FFF2-40B4-BE49-F238E27FC236}">
+                <a16:creationId xmlns:a16="http://schemas.microsoft.com/office/drawing/2014/main" id="{8C317DC4-9E2C-EAB3-6035-A547A44D4C06}"/>
+              </a:ext>
+              <a:ext uri="{C183D7F6-B498-43B3-948B-1728B52AA6E4}">
+                <adec:decorative xmlns:adec="http://schemas.microsoft.com/office/drawing/2017/decorative" val="1"/>
+              </a:ext>
+            </a:extLst>
+          </p:cNvPr>
+          <p:cNvSpPr/>
+          <p:nvPr/>
+        </p:nvSpPr>
+        <p:spPr>
+          <a:xfrm>
+            <a:off x="6241286" y="2061948"/>
+            <a:ext cx="2146450" cy="560290"/>
+          </a:xfrm>
+          <a:prstGeom prst="roundRect">
+            <a:avLst>
+              <a:gd name="adj" fmla="val 50000"/>
+            </a:avLst>
+          </a:prstGeom>
+          <a:solidFill>
+            <a:schemeClr val="tx2">
+              <a:lumMod val="40000"/>
+              <a:lumOff val="60000"/>
+              <a:alpha val="25000"/>
+            </a:schemeClr>
+          </a:solidFill>
+          <a:ln w="9525">
+            <a:noFill/>
+          </a:ln>
+        </p:spPr>
+        <p:style>
+          <a:lnRef idx="2">
+            <a:schemeClr val="accent1">
+              <a:shade val="50000"/>
+            </a:schemeClr>
+          </a:lnRef>
+          <a:fillRef idx="1">
+            <a:schemeClr val="accent1"/>
+          </a:fillRef>
+          <a:effectRef idx="0">
+            <a:schemeClr val="accent1"/>
+          </a:effectRef>
+          <a:fontRef idx="minor">
+            <a:schemeClr val="lt1"/>
+          </a:fontRef>
+        </p:style>
+        <p:txBody>
+          <a:bodyPr rtlCol="0" anchor="ctr"/>
+          <a:lstStyle/>
+          <a:p>
+            <a:pPr algn="ctr" rtl="0"/>
+            <a:endParaRPr lang="en-GB"/>
+          </a:p>
+        </p:txBody>
+      </p:sp>
+      <p:sp>
+        <p:nvSpPr>
+          <p:cNvPr id="11" name="Rounded Rectangle 84">
+            <a:extLst>
+              <a:ext uri="{FF2B5EF4-FFF2-40B4-BE49-F238E27FC236}">
+                <a16:creationId xmlns:a16="http://schemas.microsoft.com/office/drawing/2014/main" id="{831C113B-9830-EE53-6F38-B4A1BF34D9AE}"/>
+              </a:ext>
+              <a:ext uri="{C183D7F6-B498-43B3-948B-1728B52AA6E4}">
+                <adec:decorative xmlns:adec="http://schemas.microsoft.com/office/drawing/2017/decorative" val="1"/>
+              </a:ext>
+            </a:extLst>
+          </p:cNvPr>
+          <p:cNvSpPr/>
+          <p:nvPr/>
+        </p:nvSpPr>
+        <p:spPr>
+          <a:xfrm>
+            <a:off x="6241286" y="2768087"/>
+            <a:ext cx="2146450" cy="560290"/>
+          </a:xfrm>
+          <a:prstGeom prst="roundRect">
+            <a:avLst>
+              <a:gd name="adj" fmla="val 50000"/>
+            </a:avLst>
+          </a:prstGeom>
+          <a:solidFill>
+            <a:schemeClr val="tx2">
+              <a:lumMod val="40000"/>
+              <a:lumOff val="60000"/>
+              <a:alpha val="25000"/>
+            </a:schemeClr>
+          </a:solidFill>
+          <a:ln w="9525">
+            <a:noFill/>
+          </a:ln>
+        </p:spPr>
+        <p:style>
+          <a:lnRef idx="2">
+            <a:schemeClr val="accent1">
+              <a:shade val="50000"/>
+            </a:schemeClr>
+          </a:lnRef>
+          <a:fillRef idx="1">
+            <a:schemeClr val="accent1"/>
+          </a:fillRef>
+          <a:effectRef idx="0">
+            <a:schemeClr val="accent1"/>
+          </a:effectRef>
+          <a:fontRef idx="minor">
+            <a:schemeClr val="lt1"/>
+          </a:fontRef>
+        </p:style>
+        <p:txBody>
+          <a:bodyPr rtlCol="0" anchor="ctr"/>
+          <a:lstStyle/>
+          <a:p>
+            <a:pPr algn="ctr" rtl="0"/>
+            <a:endParaRPr lang="en-GB"/>
+          </a:p>
+        </p:txBody>
+      </p:sp>
+      <p:sp>
+        <p:nvSpPr>
+          <p:cNvPr id="12" name="Rounded Rectangle 84">
+            <a:extLst>
+              <a:ext uri="{FF2B5EF4-FFF2-40B4-BE49-F238E27FC236}">
+                <a16:creationId xmlns:a16="http://schemas.microsoft.com/office/drawing/2014/main" id="{7B6FDCB8-2C0A-817B-D333-87AF98993A99}"/>
+              </a:ext>
+              <a:ext uri="{C183D7F6-B498-43B3-948B-1728B52AA6E4}">
+                <adec:decorative xmlns:adec="http://schemas.microsoft.com/office/drawing/2017/decorative" val="1"/>
+              </a:ext>
+            </a:extLst>
+          </p:cNvPr>
+          <p:cNvSpPr/>
+          <p:nvPr/>
+        </p:nvSpPr>
+        <p:spPr>
+          <a:xfrm>
+            <a:off x="6241286" y="3485412"/>
+            <a:ext cx="2146450" cy="560290"/>
+          </a:xfrm>
+          <a:prstGeom prst="roundRect">
+            <a:avLst>
+              <a:gd name="adj" fmla="val 50000"/>
+            </a:avLst>
+          </a:prstGeom>
+          <a:solidFill>
+            <a:schemeClr val="tx2">
+              <a:lumMod val="40000"/>
+              <a:lumOff val="60000"/>
+              <a:alpha val="25000"/>
+            </a:schemeClr>
+          </a:solidFill>
+          <a:ln w="9525">
+            <a:noFill/>
+          </a:ln>
+        </p:spPr>
+        <p:style>
+          <a:lnRef idx="2">
+            <a:schemeClr val="accent1">
+              <a:shade val="50000"/>
+            </a:schemeClr>
+          </a:lnRef>
+          <a:fillRef idx="1">
+            <a:schemeClr val="accent1"/>
+          </a:fillRef>
+          <a:effectRef idx="0">
+            <a:schemeClr val="accent1"/>
+          </a:effectRef>
+          <a:fontRef idx="minor">
+            <a:schemeClr val="lt1"/>
+          </a:fontRef>
+        </p:style>
+        <p:txBody>
+          <a:bodyPr rtlCol="0" anchor="ctr"/>
+          <a:lstStyle/>
+          <a:p>
+            <a:pPr algn="ctr" rtl="0"/>
+            <a:endParaRPr lang="en-GB"/>
+          </a:p>
+        </p:txBody>
+      </p:sp>
+      <p:sp>
+        <p:nvSpPr>
+          <p:cNvPr id="17" name="TextBox 16">
+            <a:extLst>
+              <a:ext uri="{FF2B5EF4-FFF2-40B4-BE49-F238E27FC236}">
+                <a16:creationId xmlns:a16="http://schemas.microsoft.com/office/drawing/2014/main" id="{D002E919-AAB9-89D7-06EE-F82AE2A7F28F}"/>
+              </a:ext>
+            </a:extLst>
+          </p:cNvPr>
+          <p:cNvSpPr txBox="1"/>
+          <p:nvPr/>
+        </p:nvSpPr>
+        <p:spPr>
+          <a:xfrm>
+            <a:off x="6985638" y="1494032"/>
+            <a:ext cx="616772" cy="246221"/>
+          </a:xfrm>
+          <a:prstGeom prst="rect">
+            <a:avLst/>
+          </a:prstGeom>
+          <a:noFill/>
+        </p:spPr>
+        <p:txBody>
+          <a:bodyPr wrap="none" lIns="0" tIns="0" rIns="0" bIns="0" rtlCol="0" anchor="ctr">
+            <a:spAutoFit/>
+          </a:bodyPr>
+          <a:lstStyle/>
+          <a:p>
+            <a:pPr algn="ctr"/>
+            <a:r>
+              <a:rPr lang="en-GB" sz="1600" dirty="0"/>
+              <a:t>at 5 am</a:t>
+            </a:r>
+          </a:p>
+        </p:txBody>
+      </p:sp>
+      <p:sp>
+        <p:nvSpPr>
+          <p:cNvPr id="19" name="TextBox 18">
+            <a:extLst>
+              <a:ext uri="{FF2B5EF4-FFF2-40B4-BE49-F238E27FC236}">
+                <a16:creationId xmlns:a16="http://schemas.microsoft.com/office/drawing/2014/main" id="{54D20E69-F475-8162-A9C1-A514BB936627}"/>
+              </a:ext>
+            </a:extLst>
+          </p:cNvPr>
+          <p:cNvSpPr txBox="1"/>
+          <p:nvPr/>
+        </p:nvSpPr>
+        <p:spPr>
+          <a:xfrm>
+            <a:off x="6779559" y="2095871"/>
+            <a:ext cx="938526" cy="492443"/>
+          </a:xfrm>
+          <a:prstGeom prst="rect">
+            <a:avLst/>
+          </a:prstGeom>
+          <a:noFill/>
+        </p:spPr>
+        <p:txBody>
+          <a:bodyPr wrap="none" lIns="0" tIns="0" rIns="0" bIns="0" rtlCol="0" anchor="ctr">
+            <a:spAutoFit/>
+          </a:bodyPr>
+          <a:lstStyle/>
+          <a:p>
+            <a:pPr algn="ctr" rtl="0"/>
+            <a:r>
+              <a:rPr lang="en-GB" sz="1600" dirty="0"/>
+              <a:t>on Monday</a:t>
+            </a:r>
+            <a:br>
+              <a:rPr lang="en-GB" sz="1600" dirty="0"/>
+            </a:br>
+            <a:r>
+              <a:rPr lang="en-GB" sz="1600" dirty="0"/>
+              <a:t>on May 7</a:t>
+            </a:r>
+          </a:p>
+        </p:txBody>
+      </p:sp>
+      <p:sp>
+        <p:nvSpPr>
+          <p:cNvPr id="20" name="TextBox 19">
+            <a:extLst>
+              <a:ext uri="{FF2B5EF4-FFF2-40B4-BE49-F238E27FC236}">
+                <a16:creationId xmlns:a16="http://schemas.microsoft.com/office/drawing/2014/main" id="{7C274BA6-B502-8459-6C24-013BE4A0780E}"/>
+              </a:ext>
+            </a:extLst>
+          </p:cNvPr>
+          <p:cNvSpPr txBox="1"/>
+          <p:nvPr/>
+        </p:nvSpPr>
+        <p:spPr>
+          <a:xfrm>
+            <a:off x="6833127" y="2921922"/>
+            <a:ext cx="831382" cy="246221"/>
+          </a:xfrm>
+          <a:prstGeom prst="rect">
+            <a:avLst/>
+          </a:prstGeom>
+          <a:noFill/>
+        </p:spPr>
+        <p:txBody>
+          <a:bodyPr wrap="none" lIns="0" tIns="0" rIns="0" bIns="0" rtlCol="0" anchor="ctr">
+            <a:spAutoFit/>
+          </a:bodyPr>
+          <a:lstStyle/>
+          <a:p>
+            <a:pPr algn="ctr" rtl="0"/>
+            <a:r>
+              <a:rPr lang="en-GB" sz="1600" dirty="0"/>
+              <a:t>in January</a:t>
+            </a:r>
+          </a:p>
+        </p:txBody>
+      </p:sp>
+      <p:sp>
+        <p:nvSpPr>
+          <p:cNvPr id="22" name="TextBox 21">
+            <a:extLst>
+              <a:ext uri="{FF2B5EF4-FFF2-40B4-BE49-F238E27FC236}">
+                <a16:creationId xmlns:a16="http://schemas.microsoft.com/office/drawing/2014/main" id="{017ACEE8-3D17-DE8E-1EDD-94EF023DCDB3}"/>
+              </a:ext>
+            </a:extLst>
+          </p:cNvPr>
+          <p:cNvSpPr txBox="1"/>
+          <p:nvPr/>
+        </p:nvSpPr>
+        <p:spPr>
+          <a:xfrm>
+            <a:off x="6941042" y="3642446"/>
+            <a:ext cx="615553" cy="246221"/>
+          </a:xfrm>
+          <a:prstGeom prst="rect">
+            <a:avLst/>
+          </a:prstGeom>
+          <a:noFill/>
+        </p:spPr>
+        <p:txBody>
+          <a:bodyPr wrap="none" lIns="0" tIns="0" rIns="0" bIns="0" rtlCol="0" anchor="ctr">
+            <a:spAutoFit/>
+          </a:bodyPr>
+          <a:lstStyle/>
+          <a:p>
+            <a:pPr algn="ctr" rtl="0"/>
+            <a:r>
+              <a:rPr lang="en-GB" sz="1600" dirty="0"/>
+              <a:t>in 1991</a:t>
+            </a:r>
+          </a:p>
+        </p:txBody>
+      </p:sp>
+      <p:grpSp>
+        <p:nvGrpSpPr>
+          <p:cNvPr id="27" name="Group 26">
+            <a:extLst>
+              <a:ext uri="{FF2B5EF4-FFF2-40B4-BE49-F238E27FC236}">
+                <a16:creationId xmlns:a16="http://schemas.microsoft.com/office/drawing/2014/main" id="{A9E48F00-254D-2952-D453-AA3E1887BB5B}"/>
+              </a:ext>
+            </a:extLst>
+          </p:cNvPr>
+          <p:cNvGrpSpPr/>
+          <p:nvPr/>
+        </p:nvGrpSpPr>
+        <p:grpSpPr>
+          <a:xfrm>
+            <a:off x="894869" y="2061948"/>
+            <a:ext cx="2015063" cy="560290"/>
+            <a:chOff x="894869" y="2075182"/>
+            <a:chExt cx="2015063" cy="560290"/>
+          </a:xfrm>
+        </p:grpSpPr>
+        <p:sp>
+          <p:nvSpPr>
+            <p:cNvPr id="23" name="Rounded Rectangle 77">
+              <a:extLst>
+                <a:ext uri="{FF2B5EF4-FFF2-40B4-BE49-F238E27FC236}">
+                  <a16:creationId xmlns:a16="http://schemas.microsoft.com/office/drawing/2014/main" id="{D0F3DB2A-788A-C1EE-6634-2BC3890D947B}"/>
+                </a:ext>
+                <a:ext uri="{C183D7F6-B498-43B3-948B-1728B52AA6E4}">
+                  <adec:decorative xmlns:adec="http://schemas.microsoft.com/office/drawing/2017/decorative" val="1"/>
+                </a:ext>
+              </a:extLst>
+            </p:cNvPr>
+            <p:cNvSpPr/>
+            <p:nvPr/>
+          </p:nvSpPr>
+          <p:spPr>
+            <a:xfrm>
+              <a:off x="894869" y="2075182"/>
+              <a:ext cx="2015063" cy="560290"/>
+            </a:xfrm>
+            <a:prstGeom prst="roundRect">
+              <a:avLst>
+                <a:gd name="adj" fmla="val 50000"/>
+              </a:avLst>
+            </a:prstGeom>
+            <a:solidFill>
+              <a:schemeClr val="tx2">
+                <a:alpha val="55000"/>
+              </a:schemeClr>
+            </a:solidFill>
+            <a:ln w="9525">
+              <a:noFill/>
+            </a:ln>
+          </p:spPr>
+          <p:style>
+            <a:lnRef idx="2">
+              <a:schemeClr val="accent1">
+                <a:shade val="50000"/>
+              </a:schemeClr>
+            </a:lnRef>
+            <a:fillRef idx="1">
+              <a:schemeClr val="accent1"/>
+            </a:fillRef>
+            <a:effectRef idx="0">
+              <a:schemeClr val="accent1"/>
+            </a:effectRef>
+            <a:fontRef idx="minor">
+              <a:schemeClr val="lt1"/>
+            </a:fontRef>
+          </p:style>
+          <p:txBody>
+            <a:bodyPr rtlCol="0" anchor="ctr"/>
+            <a:lstStyle/>
+            <a:p>
+              <a:pPr algn="ctr" rtl="0"/>
+              <a:endParaRPr lang="en-GB" b="1"/>
+            </a:p>
+          </p:txBody>
+        </p:sp>
+        <p:sp>
+          <p:nvSpPr>
+            <p:cNvPr id="25" name="TextBox 24">
+              <a:extLst>
+                <a:ext uri="{FF2B5EF4-FFF2-40B4-BE49-F238E27FC236}">
+                  <a16:creationId xmlns:a16="http://schemas.microsoft.com/office/drawing/2014/main" id="{1A9B1A1D-CE0F-C04A-054D-5982A3753343}"/>
+                </a:ext>
+              </a:extLst>
+            </p:cNvPr>
+            <p:cNvSpPr txBox="1"/>
+            <p:nvPr/>
+          </p:nvSpPr>
+          <p:spPr>
+            <a:xfrm>
+              <a:off x="1745308" y="2230234"/>
+              <a:ext cx="314189" cy="246221"/>
+            </a:xfrm>
+            <a:prstGeom prst="rect">
+              <a:avLst/>
+            </a:prstGeom>
+            <a:noFill/>
+          </p:spPr>
+          <p:txBody>
+            <a:bodyPr wrap="none" lIns="0" tIns="0" rIns="0" bIns="0" rtlCol="0" anchor="ctr">
+              <a:spAutoFit/>
+            </a:bodyPr>
+            <a:lstStyle/>
+            <a:p>
+              <a:pPr algn="ctr" rtl="0"/>
+              <a:r>
+                <a:rPr lang="en-GB" sz="1600" b="1" dirty="0"/>
+                <a:t>DAY</a:t>
+              </a:r>
+            </a:p>
+          </p:txBody>
+        </p:sp>
+      </p:grpSp>
+    </p:spTree>
+    <p:extLst>
+      <p:ext uri="{BB962C8B-B14F-4D97-AF65-F5344CB8AC3E}">
+        <p14:creationId xmlns:p14="http://schemas.microsoft.com/office/powerpoint/2010/main" val="1005256417"/>
+      </p:ext>
+    </p:extLst>
+  </p:cSld>
+  <p:clrMapOvr>
+    <a:masterClrMapping/>
+  </p:clrMapOvr>
+</p:sld>
+</file>
+
+<file path=ppt/slides/slide8.xml><?xml version="1.0" encoding="utf-8"?>
+<p:sld xmlns:a="http://schemas.openxmlformats.org/drawingml/2006/main" xmlns:r="http://schemas.openxmlformats.org/officeDocument/2006/relationships" xmlns:p="http://schemas.openxmlformats.org/presentationml/2006/main">
+  <p:cSld>
+    <p:spTree>
+      <p:nvGrpSpPr>
+        <p:cNvPr id="1" name="">
+          <a:extLst>
+            <a:ext uri="{FF2B5EF4-FFF2-40B4-BE49-F238E27FC236}">
+              <a16:creationId xmlns:a16="http://schemas.microsoft.com/office/drawing/2014/main" id="{6F68DFEE-7D82-656B-ADE2-2B3A8F451481}"/>
+            </a:ext>
+          </a:extLst>
+        </p:cNvPr>
+        <p:cNvGrpSpPr/>
+        <p:nvPr/>
+      </p:nvGrpSpPr>
+      <p:grpSpPr>
+        <a:xfrm>
+          <a:off x="0" y="0"/>
+          <a:ext cx="0" cy="0"/>
+          <a:chOff x="0" y="0"/>
+          <a:chExt cx="0" cy="0"/>
+        </a:xfrm>
+      </p:grpSpPr>
+      <p:sp>
+        <p:nvSpPr>
+          <p:cNvPr id="5" name="Title 4" hidden="1">
+            <a:extLst>
+              <a:ext uri="{FF2B5EF4-FFF2-40B4-BE49-F238E27FC236}">
+                <a16:creationId xmlns:a16="http://schemas.microsoft.com/office/drawing/2014/main" id="{D4E9CABA-9D01-5CBB-B08C-F0C639629AB7}"/>
+              </a:ext>
+            </a:extLst>
+          </p:cNvPr>
+          <p:cNvSpPr>
+            <a:spLocks noGrp="1"/>
+          </p:cNvSpPr>
+          <p:nvPr>
+            <p:ph type="title" idx="4294967295"/>
+          </p:nvPr>
+        </p:nvSpPr>
+        <p:spPr>
+          <a:xfrm>
+            <a:off x="0" y="365125"/>
+            <a:ext cx="10515600" cy="1325563"/>
+          </a:xfrm>
+        </p:spPr>
+        <p:txBody>
+          <a:bodyPr rtlCol="0"/>
+          <a:lstStyle/>
+          <a:p>
+            <a:pPr rtl="0"/>
+            <a:r>
+              <a:rPr lang="en-GB"/>
+              <a:t>Balanced scorecard slide 5</a:t>
+            </a:r>
+          </a:p>
+        </p:txBody>
+      </p:sp>
+      <p:sp>
+        <p:nvSpPr>
+          <p:cNvPr id="13" name="TextBox 12">
+            <a:extLst>
+              <a:ext uri="{FF2B5EF4-FFF2-40B4-BE49-F238E27FC236}">
+                <a16:creationId xmlns:a16="http://schemas.microsoft.com/office/drawing/2014/main" id="{526EBD57-70B2-9823-05AA-5E3CAF5776A6}"/>
+              </a:ext>
+            </a:extLst>
+          </p:cNvPr>
+          <p:cNvSpPr txBox="1"/>
+          <p:nvPr/>
+        </p:nvSpPr>
+        <p:spPr>
+          <a:xfrm>
+            <a:off x="894869" y="399300"/>
+            <a:ext cx="7492867" cy="492443"/>
+          </a:xfrm>
+          <a:prstGeom prst="rect">
+            <a:avLst/>
+          </a:prstGeom>
+          <a:noFill/>
+        </p:spPr>
+        <p:txBody>
+          <a:bodyPr wrap="square" lIns="0" tIns="0" rIns="0" bIns="0" rtlCol="0" anchor="ctr">
+            <a:spAutoFit/>
+          </a:bodyPr>
+          <a:lstStyle/>
+          <a:p>
+            <a:pPr algn="ctr" rtl="0"/>
+            <a:r>
+              <a:rPr lang="en-GB" sz="3200" b="1" dirty="0">
+                <a:latin typeface="+mj-lt"/>
+              </a:rPr>
+              <a:t>PREPOSITIONS OF PLACE</a:t>
+            </a:r>
+            <a:endParaRPr lang="en-GB" sz="3600" dirty="0">
+              <a:latin typeface="+mj-lt"/>
+            </a:endParaRPr>
+          </a:p>
+        </p:txBody>
+      </p:sp>
+      <p:sp>
+        <p:nvSpPr>
+          <p:cNvPr id="7" name="Slide Number Placeholder 6">
+            <a:extLst>
+              <a:ext uri="{FF2B5EF4-FFF2-40B4-BE49-F238E27FC236}">
+                <a16:creationId xmlns:a16="http://schemas.microsoft.com/office/drawing/2014/main" id="{3F77537C-7C09-F2FB-FD3F-0D7D562CD816}"/>
+              </a:ext>
+            </a:extLst>
+          </p:cNvPr>
+          <p:cNvSpPr>
+            <a:spLocks noGrp="1"/>
+          </p:cNvSpPr>
+          <p:nvPr>
+            <p:ph type="sldNum" sz="quarter" idx="12"/>
+          </p:nvPr>
+        </p:nvSpPr>
+        <p:spPr/>
+        <p:txBody>
+          <a:bodyPr/>
+          <a:lstStyle/>
+          <a:p>
+            <a:pPr rtl="0"/>
+            <a:fld id="{5A4A7955-6230-48B4-BD8B-A7C460F75945}" type="slidenum">
+              <a:rPr lang="en-GB" noProof="0" smtClean="0"/>
+              <a:t>8</a:t>
+            </a:fld>
+            <a:endParaRPr lang="en-GB" noProof="0"/>
+          </a:p>
+        </p:txBody>
+      </p:sp>
+      <p:sp>
+        <p:nvSpPr>
+          <p:cNvPr id="14" name="TextBox 13">
+            <a:extLst>
+              <a:ext uri="{FF2B5EF4-FFF2-40B4-BE49-F238E27FC236}">
+                <a16:creationId xmlns:a16="http://schemas.microsoft.com/office/drawing/2014/main" id="{94BD9B4C-625E-8A9F-9C0A-1595D77C483D}"/>
+              </a:ext>
+            </a:extLst>
+          </p:cNvPr>
+          <p:cNvSpPr txBox="1"/>
+          <p:nvPr/>
+        </p:nvSpPr>
+        <p:spPr>
+          <a:xfrm>
+            <a:off x="10119808" y="4109541"/>
+            <a:ext cx="616772" cy="246221"/>
+          </a:xfrm>
+          <a:prstGeom prst="rect">
+            <a:avLst/>
+          </a:prstGeom>
+          <a:noFill/>
+        </p:spPr>
+        <p:txBody>
+          <a:bodyPr wrap="none" lIns="0" tIns="0" rIns="0" bIns="0" rtlCol="0" anchor="ctr">
+            <a:spAutoFit/>
+          </a:bodyPr>
+          <a:lstStyle/>
+          <a:p>
+            <a:pPr algn="ctr"/>
+            <a:r>
+              <a:rPr lang="en-GB" sz="1600" dirty="0"/>
+              <a:t>at 5 am</a:t>
+            </a:r>
+          </a:p>
+        </p:txBody>
+      </p:sp>
+      <p:sp>
+        <p:nvSpPr>
+          <p:cNvPr id="16" name="TextBox 15">
+            <a:extLst>
+              <a:ext uri="{FF2B5EF4-FFF2-40B4-BE49-F238E27FC236}">
+                <a16:creationId xmlns:a16="http://schemas.microsoft.com/office/drawing/2014/main" id="{A73D9F1B-390A-1639-2F00-1AFCA6415818}"/>
+              </a:ext>
+            </a:extLst>
+          </p:cNvPr>
+          <p:cNvSpPr txBox="1"/>
+          <p:nvPr/>
+        </p:nvSpPr>
+        <p:spPr>
+          <a:xfrm>
+            <a:off x="10272208" y="4261941"/>
+            <a:ext cx="616772" cy="246221"/>
+          </a:xfrm>
+          <a:prstGeom prst="rect">
+            <a:avLst/>
+          </a:prstGeom>
+          <a:noFill/>
+        </p:spPr>
+        <p:txBody>
+          <a:bodyPr wrap="none" lIns="0" tIns="0" rIns="0" bIns="0" rtlCol="0" anchor="ctr">
+            <a:spAutoFit/>
+          </a:bodyPr>
+          <a:lstStyle/>
+          <a:p>
+            <a:pPr algn="ctr"/>
+            <a:r>
+              <a:rPr lang="en-GB" sz="1600" dirty="0"/>
+              <a:t>at 5 am</a:t>
+            </a:r>
+          </a:p>
+        </p:txBody>
+      </p:sp>
+      <p:sp>
+        <p:nvSpPr>
+          <p:cNvPr id="30" name="TextBox 29">
+            <a:extLst>
+              <a:ext uri="{FF2B5EF4-FFF2-40B4-BE49-F238E27FC236}">
+                <a16:creationId xmlns:a16="http://schemas.microsoft.com/office/drawing/2014/main" id="{60621D04-B2CA-8953-27C7-B9067E62458B}"/>
+              </a:ext>
+            </a:extLst>
+          </p:cNvPr>
+          <p:cNvSpPr txBox="1"/>
+          <p:nvPr/>
+        </p:nvSpPr>
+        <p:spPr>
+          <a:xfrm>
+            <a:off x="10424608" y="4414341"/>
+            <a:ext cx="616772" cy="246221"/>
+          </a:xfrm>
+          <a:prstGeom prst="rect">
+            <a:avLst/>
+          </a:prstGeom>
+          <a:noFill/>
+        </p:spPr>
+        <p:txBody>
+          <a:bodyPr wrap="none" lIns="0" tIns="0" rIns="0" bIns="0" rtlCol="0" anchor="ctr">
+            <a:spAutoFit/>
+          </a:bodyPr>
+          <a:lstStyle/>
+          <a:p>
+            <a:pPr algn="ctr"/>
+            <a:r>
+              <a:rPr lang="en-GB" sz="1600" dirty="0"/>
+              <a:t>at 5 am</a:t>
+            </a:r>
+          </a:p>
+        </p:txBody>
+      </p:sp>
+      <p:sp>
+        <p:nvSpPr>
+          <p:cNvPr id="31" name="TextBox 30">
+            <a:extLst>
+              <a:ext uri="{FF2B5EF4-FFF2-40B4-BE49-F238E27FC236}">
+                <a16:creationId xmlns:a16="http://schemas.microsoft.com/office/drawing/2014/main" id="{C23E19A2-79C3-B067-FBCB-AF0FC7D0FD4B}"/>
+              </a:ext>
+            </a:extLst>
+          </p:cNvPr>
+          <p:cNvSpPr txBox="1"/>
+          <p:nvPr/>
+        </p:nvSpPr>
+        <p:spPr>
+          <a:xfrm>
+            <a:off x="10577008" y="4566741"/>
+            <a:ext cx="616772" cy="246221"/>
+          </a:xfrm>
+          <a:prstGeom prst="rect">
+            <a:avLst/>
+          </a:prstGeom>
+          <a:noFill/>
+        </p:spPr>
+        <p:txBody>
+          <a:bodyPr wrap="none" lIns="0" tIns="0" rIns="0" bIns="0" rtlCol="0" anchor="ctr">
+            <a:spAutoFit/>
+          </a:bodyPr>
+          <a:lstStyle/>
+          <a:p>
+            <a:pPr algn="ctr"/>
+            <a:r>
+              <a:rPr lang="en-GB" sz="1600" dirty="0"/>
+              <a:t>at 5 am</a:t>
+            </a:r>
+          </a:p>
+        </p:txBody>
+      </p:sp>
+      <p:sp>
+        <p:nvSpPr>
+          <p:cNvPr id="32" name="TextBox 31">
+            <a:extLst>
+              <a:ext uri="{FF2B5EF4-FFF2-40B4-BE49-F238E27FC236}">
+                <a16:creationId xmlns:a16="http://schemas.microsoft.com/office/drawing/2014/main" id="{D191742D-AE43-F2CF-6661-2760009D05B1}"/>
+              </a:ext>
+            </a:extLst>
+          </p:cNvPr>
+          <p:cNvSpPr txBox="1"/>
+          <p:nvPr/>
+        </p:nvSpPr>
+        <p:spPr>
+          <a:xfrm>
+            <a:off x="10729408" y="4719141"/>
+            <a:ext cx="616772" cy="246221"/>
+          </a:xfrm>
+          <a:prstGeom prst="rect">
+            <a:avLst/>
+          </a:prstGeom>
+          <a:noFill/>
+        </p:spPr>
+        <p:txBody>
+          <a:bodyPr wrap="none" lIns="0" tIns="0" rIns="0" bIns="0" rtlCol="0" anchor="ctr">
+            <a:spAutoFit/>
+          </a:bodyPr>
+          <a:lstStyle/>
+          <a:p>
+            <a:pPr algn="ctr"/>
+            <a:r>
+              <a:rPr lang="en-GB" sz="1600" dirty="0"/>
+              <a:t>at 5 am</a:t>
+            </a:r>
+          </a:p>
+        </p:txBody>
+      </p:sp>
+      <p:sp>
+        <p:nvSpPr>
+          <p:cNvPr id="33" name="TextBox 32">
+            <a:extLst>
+              <a:ext uri="{FF2B5EF4-FFF2-40B4-BE49-F238E27FC236}">
+                <a16:creationId xmlns:a16="http://schemas.microsoft.com/office/drawing/2014/main" id="{2D569683-186F-4C69-6F09-9791AE06C2EC}"/>
+              </a:ext>
+            </a:extLst>
+          </p:cNvPr>
+          <p:cNvSpPr txBox="1"/>
+          <p:nvPr/>
+        </p:nvSpPr>
+        <p:spPr>
+          <a:xfrm>
+            <a:off x="10881808" y="4871541"/>
+            <a:ext cx="616772" cy="246221"/>
+          </a:xfrm>
+          <a:prstGeom prst="rect">
+            <a:avLst/>
+          </a:prstGeom>
+          <a:noFill/>
+        </p:spPr>
+        <p:txBody>
+          <a:bodyPr wrap="none" lIns="0" tIns="0" rIns="0" bIns="0" rtlCol="0" anchor="ctr">
+            <a:spAutoFit/>
+          </a:bodyPr>
+          <a:lstStyle/>
+          <a:p>
+            <a:pPr algn="ctr"/>
+            <a:r>
+              <a:rPr lang="en-GB" sz="1600" dirty="0"/>
+              <a:t>at 5 am</a:t>
+            </a:r>
+          </a:p>
+        </p:txBody>
+      </p:sp>
+      <p:sp>
+        <p:nvSpPr>
+          <p:cNvPr id="34" name="TextBox 33">
+            <a:extLst>
+              <a:ext uri="{FF2B5EF4-FFF2-40B4-BE49-F238E27FC236}">
+                <a16:creationId xmlns:a16="http://schemas.microsoft.com/office/drawing/2014/main" id="{EA9191A2-49FF-55E5-C595-92192006985C}"/>
+              </a:ext>
+            </a:extLst>
+          </p:cNvPr>
+          <p:cNvSpPr txBox="1"/>
+          <p:nvPr/>
+        </p:nvSpPr>
+        <p:spPr>
+          <a:xfrm>
+            <a:off x="11034208" y="5023941"/>
+            <a:ext cx="616772" cy="246221"/>
+          </a:xfrm>
+          <a:prstGeom prst="rect">
+            <a:avLst/>
+          </a:prstGeom>
+          <a:noFill/>
+        </p:spPr>
+        <p:txBody>
+          <a:bodyPr wrap="none" lIns="0" tIns="0" rIns="0" bIns="0" rtlCol="0" anchor="ctr">
+            <a:spAutoFit/>
+          </a:bodyPr>
+          <a:lstStyle/>
+          <a:p>
+            <a:pPr algn="ctr"/>
+            <a:r>
+              <a:rPr lang="en-GB" sz="1600" dirty="0"/>
+              <a:t>at 5 am</a:t>
+            </a:r>
+          </a:p>
+        </p:txBody>
+      </p:sp>
+      <p:sp>
+        <p:nvSpPr>
+          <p:cNvPr id="35" name="TextBox 34">
+            <a:extLst>
+              <a:ext uri="{FF2B5EF4-FFF2-40B4-BE49-F238E27FC236}">
+                <a16:creationId xmlns:a16="http://schemas.microsoft.com/office/drawing/2014/main" id="{FF61EAF6-ACAB-E83D-A0C1-FA5EF370E01F}"/>
+              </a:ext>
+            </a:extLst>
+          </p:cNvPr>
+          <p:cNvSpPr txBox="1"/>
+          <p:nvPr/>
+        </p:nvSpPr>
+        <p:spPr>
+          <a:xfrm>
+            <a:off x="5005936" y="3724793"/>
+            <a:ext cx="493726" cy="246221"/>
+          </a:xfrm>
+          <a:prstGeom prst="rect">
+            <a:avLst/>
+          </a:prstGeom>
+          <a:noFill/>
+        </p:spPr>
+        <p:txBody>
+          <a:bodyPr wrap="none" lIns="0" tIns="0" rIns="0" bIns="0" rtlCol="0" anchor="ctr">
+            <a:spAutoFit/>
+          </a:bodyPr>
+          <a:lstStyle/>
+          <a:p>
+            <a:pPr algn="ctr"/>
+            <a:r>
+              <a:rPr lang="en-GB" sz="1600" dirty="0"/>
+              <a:t>under</a:t>
+            </a:r>
+          </a:p>
+        </p:txBody>
+      </p:sp>
+      <p:sp>
+        <p:nvSpPr>
+          <p:cNvPr id="36" name="TextBox 35">
+            <a:extLst>
+              <a:ext uri="{FF2B5EF4-FFF2-40B4-BE49-F238E27FC236}">
+                <a16:creationId xmlns:a16="http://schemas.microsoft.com/office/drawing/2014/main" id="{C266D1C2-9FFE-3BFC-1DF9-FAA369C8470A}"/>
+              </a:ext>
+            </a:extLst>
+          </p:cNvPr>
+          <p:cNvSpPr txBox="1"/>
+          <p:nvPr/>
+        </p:nvSpPr>
+        <p:spPr>
+          <a:xfrm>
+            <a:off x="5163778" y="1474085"/>
+            <a:ext cx="498727" cy="246221"/>
+          </a:xfrm>
+          <a:prstGeom prst="rect">
+            <a:avLst/>
+          </a:prstGeom>
+          <a:noFill/>
+        </p:spPr>
+        <p:txBody>
+          <a:bodyPr wrap="none" lIns="0" tIns="0" rIns="0" bIns="0" rtlCol="0" anchor="ctr">
+            <a:spAutoFit/>
+          </a:bodyPr>
+          <a:lstStyle/>
+          <a:p>
+            <a:pPr algn="ctr"/>
+            <a:r>
+              <a:rPr lang="en-GB" sz="1600" dirty="0"/>
+              <a:t>above</a:t>
+            </a:r>
+          </a:p>
+        </p:txBody>
+      </p:sp>
+      <p:sp>
+        <p:nvSpPr>
+          <p:cNvPr id="37" name="TextBox 36">
+            <a:extLst>
+              <a:ext uri="{FF2B5EF4-FFF2-40B4-BE49-F238E27FC236}">
+                <a16:creationId xmlns:a16="http://schemas.microsoft.com/office/drawing/2014/main" id="{19D6A1F2-B27C-EA74-250A-9A9C94650FC6}"/>
+              </a:ext>
+            </a:extLst>
+          </p:cNvPr>
+          <p:cNvSpPr txBox="1"/>
+          <p:nvPr/>
+        </p:nvSpPr>
+        <p:spPr>
+          <a:xfrm>
+            <a:off x="7881898" y="3078454"/>
+            <a:ext cx="640255" cy="246221"/>
+          </a:xfrm>
+          <a:prstGeom prst="rect">
+            <a:avLst/>
+          </a:prstGeom>
+          <a:solidFill>
+            <a:schemeClr val="bg1">
+              <a:lumMod val="75000"/>
+            </a:schemeClr>
+          </a:solidFill>
+          <a:ln>
+            <a:solidFill>
+              <a:schemeClr val="tx1"/>
+            </a:solidFill>
+          </a:ln>
+        </p:spPr>
+        <p:txBody>
+          <a:bodyPr wrap="square" lIns="0" tIns="0" rIns="0" bIns="0" rtlCol="0" anchor="ctr">
+            <a:spAutoFit/>
+          </a:bodyPr>
+          <a:lstStyle/>
+          <a:p>
+            <a:pPr algn="ctr"/>
+            <a:r>
+              <a:rPr lang="en-GB" sz="1600" dirty="0"/>
+              <a:t>above</a:t>
+            </a:r>
+          </a:p>
+        </p:txBody>
+      </p:sp>
+      <p:grpSp>
+        <p:nvGrpSpPr>
+          <p:cNvPr id="40" name="Group 39">
+            <a:extLst>
+              <a:ext uri="{FF2B5EF4-FFF2-40B4-BE49-F238E27FC236}">
+                <a16:creationId xmlns:a16="http://schemas.microsoft.com/office/drawing/2014/main" id="{9C832B03-CF9B-0522-5F31-E8F4A6EEEE8C}"/>
+              </a:ext>
+            </a:extLst>
+          </p:cNvPr>
+          <p:cNvGrpSpPr/>
+          <p:nvPr/>
+        </p:nvGrpSpPr>
+        <p:grpSpPr>
+          <a:xfrm>
+            <a:off x="4765997" y="1826455"/>
+            <a:ext cx="1467330" cy="560290"/>
+            <a:chOff x="894870" y="1350216"/>
+            <a:chExt cx="2015063" cy="560290"/>
+          </a:xfrm>
+        </p:grpSpPr>
+        <p:sp>
+          <p:nvSpPr>
+            <p:cNvPr id="41" name="Rounded Rectangle 77">
+              <a:extLst>
+                <a:ext uri="{FF2B5EF4-FFF2-40B4-BE49-F238E27FC236}">
+                  <a16:creationId xmlns:a16="http://schemas.microsoft.com/office/drawing/2014/main" id="{011A6AEA-1E5D-33A2-3C6A-ED1027500282}"/>
+                </a:ext>
+                <a:ext uri="{C183D7F6-B498-43B3-948B-1728B52AA6E4}">
+                  <adec:decorative xmlns:adec="http://schemas.microsoft.com/office/drawing/2017/decorative" val="1"/>
+                </a:ext>
+              </a:extLst>
+            </p:cNvPr>
+            <p:cNvSpPr/>
+            <p:nvPr/>
+          </p:nvSpPr>
+          <p:spPr>
+            <a:xfrm>
+              <a:off x="894870" y="1350216"/>
+              <a:ext cx="2015063" cy="560290"/>
+            </a:xfrm>
+            <a:prstGeom prst="roundRect">
+              <a:avLst>
+                <a:gd name="adj" fmla="val 50000"/>
+              </a:avLst>
+            </a:prstGeom>
+            <a:solidFill>
+              <a:schemeClr val="tx2">
+                <a:alpha val="55000"/>
+              </a:schemeClr>
+            </a:solidFill>
+            <a:ln w="9525">
+              <a:noFill/>
+            </a:ln>
+          </p:spPr>
+          <p:style>
+            <a:lnRef idx="2">
+              <a:schemeClr val="accent1">
+                <a:shade val="50000"/>
+              </a:schemeClr>
+            </a:lnRef>
+            <a:fillRef idx="1">
+              <a:schemeClr val="accent1"/>
+            </a:fillRef>
+            <a:effectRef idx="0">
+              <a:schemeClr val="accent1"/>
+            </a:effectRef>
+            <a:fontRef idx="minor">
+              <a:schemeClr val="lt1"/>
+            </a:fontRef>
+          </p:style>
+          <p:txBody>
+            <a:bodyPr rtlCol="0" anchor="ctr"/>
+            <a:lstStyle/>
+            <a:p>
+              <a:pPr algn="ctr" rtl="0"/>
+              <a:endParaRPr lang="en-GB" b="1"/>
+            </a:p>
+          </p:txBody>
+        </p:sp>
+        <p:sp>
+          <p:nvSpPr>
+            <p:cNvPr id="42" name="TextBox 41">
+              <a:extLst>
+                <a:ext uri="{FF2B5EF4-FFF2-40B4-BE49-F238E27FC236}">
+                  <a16:creationId xmlns:a16="http://schemas.microsoft.com/office/drawing/2014/main" id="{26C8FA98-2FFE-491C-8A03-BEF0708ACEFC}"/>
+                </a:ext>
+              </a:extLst>
+            </p:cNvPr>
+            <p:cNvSpPr txBox="1"/>
+            <p:nvPr/>
+          </p:nvSpPr>
+          <p:spPr>
+            <a:xfrm>
+              <a:off x="1507252" y="1384140"/>
+              <a:ext cx="790297" cy="246221"/>
+            </a:xfrm>
+            <a:prstGeom prst="rect">
+              <a:avLst/>
+            </a:prstGeom>
+            <a:noFill/>
+          </p:spPr>
+          <p:txBody>
+            <a:bodyPr wrap="none" lIns="0" tIns="0" rIns="0" bIns="0" rtlCol="0" anchor="ctr">
+              <a:spAutoFit/>
+            </a:bodyPr>
+            <a:lstStyle/>
+            <a:p>
+              <a:pPr algn="ctr" rtl="0"/>
+              <a:r>
+                <a:rPr lang="en-GB" sz="1600" dirty="0"/>
+                <a:t>behind</a:t>
+              </a:r>
+            </a:p>
+          </p:txBody>
+        </p:sp>
+      </p:grpSp>
+      <p:sp>
+        <p:nvSpPr>
+          <p:cNvPr id="38" name="Cube 37">
+            <a:extLst>
+              <a:ext uri="{FF2B5EF4-FFF2-40B4-BE49-F238E27FC236}">
+                <a16:creationId xmlns:a16="http://schemas.microsoft.com/office/drawing/2014/main" id="{8A33ED6F-8D12-8B65-7756-E8B643D990FE}"/>
+              </a:ext>
+            </a:extLst>
+          </p:cNvPr>
+          <p:cNvSpPr/>
+          <p:nvPr/>
+        </p:nvSpPr>
+        <p:spPr>
+          <a:xfrm>
+            <a:off x="4152878" y="2106600"/>
+            <a:ext cx="2194840" cy="1451265"/>
+          </a:xfrm>
+          <a:prstGeom prst="cube">
+            <a:avLst/>
+          </a:prstGeom>
+          <a:solidFill>
+            <a:schemeClr val="accent1"/>
+          </a:solidFill>
+        </p:spPr>
+        <p:style>
+          <a:lnRef idx="2">
+            <a:schemeClr val="accent1">
+              <a:shade val="15000"/>
+            </a:schemeClr>
+          </a:lnRef>
+          <a:fillRef idx="1">
+            <a:schemeClr val="accent1"/>
+          </a:fillRef>
+          <a:effectRef idx="0">
+            <a:schemeClr val="accent1"/>
+          </a:effectRef>
+          <a:fontRef idx="minor">
+            <a:schemeClr val="lt1"/>
+          </a:fontRef>
+        </p:style>
+        <p:txBody>
+          <a:bodyPr rtlCol="0" anchor="ctr"/>
+          <a:lstStyle/>
+          <a:p>
+            <a:pPr algn="ctr"/>
+            <a:endParaRPr lang="en-GB"/>
+          </a:p>
+        </p:txBody>
+      </p:sp>
+      <p:sp>
+        <p:nvSpPr>
+          <p:cNvPr id="9" name="TextBox 8">
+            <a:extLst>
+              <a:ext uri="{FF2B5EF4-FFF2-40B4-BE49-F238E27FC236}">
+                <a16:creationId xmlns:a16="http://schemas.microsoft.com/office/drawing/2014/main" id="{0B1630B0-CBE8-1185-AE99-778E238C39CB}"/>
+              </a:ext>
+            </a:extLst>
+          </p:cNvPr>
+          <p:cNvSpPr txBox="1"/>
+          <p:nvPr/>
+        </p:nvSpPr>
+        <p:spPr>
+          <a:xfrm>
+            <a:off x="5032193" y="2832233"/>
+            <a:ext cx="152286" cy="246221"/>
+          </a:xfrm>
+          <a:prstGeom prst="rect">
+            <a:avLst/>
+          </a:prstGeom>
+          <a:noFill/>
+        </p:spPr>
+        <p:txBody>
+          <a:bodyPr wrap="none" lIns="0" tIns="0" rIns="0" bIns="0" rtlCol="0" anchor="ctr">
+            <a:spAutoFit/>
+          </a:bodyPr>
+          <a:lstStyle/>
+          <a:p>
+            <a:pPr algn="ctr"/>
+            <a:r>
+              <a:rPr lang="en-GB" sz="1600" dirty="0"/>
+              <a:t>in</a:t>
+            </a:r>
+          </a:p>
+        </p:txBody>
+      </p:sp>
+      <p:sp>
+        <p:nvSpPr>
+          <p:cNvPr id="39" name="TextBox 38">
+            <a:extLst>
+              <a:ext uri="{FF2B5EF4-FFF2-40B4-BE49-F238E27FC236}">
+                <a16:creationId xmlns:a16="http://schemas.microsoft.com/office/drawing/2014/main" id="{F24C3577-565D-214B-BD81-C1C1F7961609}"/>
+              </a:ext>
+            </a:extLst>
+          </p:cNvPr>
+          <p:cNvSpPr txBox="1"/>
+          <p:nvPr/>
+        </p:nvSpPr>
+        <p:spPr>
+          <a:xfrm>
+            <a:off x="5142897" y="2128688"/>
+            <a:ext cx="214803" cy="246221"/>
+          </a:xfrm>
+          <a:prstGeom prst="rect">
+            <a:avLst/>
+          </a:prstGeom>
+          <a:noFill/>
+        </p:spPr>
+        <p:txBody>
+          <a:bodyPr wrap="none" lIns="0" tIns="0" rIns="0" bIns="0" rtlCol="0" anchor="ctr">
+            <a:spAutoFit/>
+          </a:bodyPr>
+          <a:lstStyle/>
+          <a:p>
+            <a:pPr algn="ctr"/>
+            <a:r>
+              <a:rPr lang="en-GB" sz="1600" dirty="0"/>
+              <a:t>on</a:t>
+            </a:r>
+          </a:p>
+        </p:txBody>
+      </p:sp>
+    </p:spTree>
+    <p:extLst>
+      <p:ext uri="{BB962C8B-B14F-4D97-AF65-F5344CB8AC3E}">
+        <p14:creationId xmlns:p14="http://schemas.microsoft.com/office/powerpoint/2010/main" val="3212578158"/>
       </p:ext>
     </p:extLst>
   </p:cSld>

--- a/public/docs/Reviews.pptx
+++ b/public/docs/Reviews.pptx
@@ -248,7 +248,7 @@
             <a:pPr rtl="0"/>
             <a:fld id="{9DC5279A-4D42-4957-B952-8AEA79243149}" type="datetime1">
               <a:rPr lang="en-GB" smtClean="0"/>
-              <a:t>24/07/2025</a:t>
+              <a:t>02/10/2025</a:t>
             </a:fld>
             <a:endParaRPr lang="en-GB"/>
           </a:p>
@@ -430,7 +430,7 @@
             <a:pPr rtl="0"/>
             <a:fld id="{07504B99-E122-4338-B6A6-EF721852AB96}" type="datetime1">
               <a:rPr lang="en-GB" noProof="0" smtClean="0"/>
-              <a:t>24/07/2025</a:t>
+              <a:t>02/10/2025</a:t>
             </a:fld>
             <a:endParaRPr lang="en-GB" noProof="0"/>
           </a:p>
@@ -2039,7 +2039,7 @@
             <a:pPr rtl="0"/>
             <a:fld id="{22531FCF-9EA0-4948-B3BA-41D4C749111E}" type="datetime1">
               <a:rPr lang="en-GB" noProof="0" smtClean="0"/>
-              <a:t>24/07/2025</a:t>
+              <a:t>02/10/2025</a:t>
             </a:fld>
             <a:endParaRPr lang="en-GB" noProof="0"/>
           </a:p>
@@ -2243,7 +2243,7 @@
             <a:pPr rtl="0"/>
             <a:fld id="{AEA218E7-6F34-4B85-9710-3564F06DECA4}" type="datetime1">
               <a:rPr lang="en-GB" noProof="0" smtClean="0"/>
-              <a:t>24/07/2025</a:t>
+              <a:t>02/10/2025</a:t>
             </a:fld>
             <a:endParaRPr lang="en-GB" noProof="0"/>
           </a:p>
@@ -2457,7 +2457,7 @@
             <a:pPr rtl="0"/>
             <a:fld id="{EC531974-393E-457E-B34E-F7F8AF171E56}" type="datetime1">
               <a:rPr lang="en-GB" noProof="0" smtClean="0"/>
-              <a:t>24/07/2025</a:t>
+              <a:t>02/10/2025</a:t>
             </a:fld>
             <a:endParaRPr lang="en-GB" noProof="0"/>
           </a:p>
@@ -2661,7 +2661,7 @@
             <a:pPr rtl="0"/>
             <a:fld id="{8BA2E906-192D-4717-94C6-19D0AF21F9AC}" type="datetime1">
               <a:rPr lang="en-GB" noProof="0" smtClean="0"/>
-              <a:t>24/07/2025</a:t>
+              <a:t>02/10/2025</a:t>
             </a:fld>
             <a:endParaRPr lang="en-GB" noProof="0"/>
           </a:p>
@@ -2941,7 +2941,7 @@
             <a:pPr rtl="0"/>
             <a:fld id="{44A33630-8D30-41A2-B646-94BE51F6CF33}" type="datetime1">
               <a:rPr lang="en-GB" noProof="0" smtClean="0"/>
-              <a:t>24/07/2025</a:t>
+              <a:t>02/10/2025</a:t>
             </a:fld>
             <a:endParaRPr lang="en-GB" noProof="0"/>
           </a:p>
@@ -3213,7 +3213,7 @@
             <a:pPr rtl="0"/>
             <a:fld id="{8243883E-3DE8-414A-8D5A-EC7335CD7EB1}" type="datetime1">
               <a:rPr lang="en-GB" noProof="0" smtClean="0"/>
-              <a:t>24/07/2025</a:t>
+              <a:t>02/10/2025</a:t>
             </a:fld>
             <a:endParaRPr lang="en-GB" noProof="0"/>
           </a:p>
@@ -3632,7 +3632,7 @@
             <a:pPr rtl="0"/>
             <a:fld id="{517E45AE-93CC-465B-AC29-280ECFB9E592}" type="datetime1">
               <a:rPr lang="en-GB" noProof="0" smtClean="0"/>
-              <a:t>24/07/2025</a:t>
+              <a:t>02/10/2025</a:t>
             </a:fld>
             <a:endParaRPr lang="en-GB" noProof="0"/>
           </a:p>
@@ -3778,7 +3778,7 @@
             <a:pPr rtl="0"/>
             <a:fld id="{9EC806A3-7FC9-4908-ADDC-2A4BF32E1033}" type="datetime1">
               <a:rPr lang="en-GB" noProof="0" smtClean="0"/>
-              <a:t>24/07/2025</a:t>
+              <a:t>02/10/2025</a:t>
             </a:fld>
             <a:endParaRPr lang="en-GB" noProof="0"/>
           </a:p>
@@ -3894,7 +3894,7 @@
             <a:pPr rtl="0"/>
             <a:fld id="{BBE79FC2-89D4-4B20-A266-ABE878E7A6CA}" type="datetime1">
               <a:rPr lang="en-GB" noProof="0" smtClean="0"/>
-              <a:t>24/07/2025</a:t>
+              <a:t>02/10/2025</a:t>
             </a:fld>
             <a:endParaRPr lang="en-GB" noProof="0"/>
           </a:p>
@@ -4211,7 +4211,7 @@
             <a:pPr rtl="0"/>
             <a:fld id="{FFC84638-7A06-4C29-A808-607AC6E92EFF}" type="datetime1">
               <a:rPr lang="en-GB" noProof="0" smtClean="0"/>
-              <a:t>24/07/2025</a:t>
+              <a:t>02/10/2025</a:t>
             </a:fld>
             <a:endParaRPr lang="en-GB" noProof="0"/>
           </a:p>
@@ -4509,7 +4509,7 @@
             <a:pPr rtl="0"/>
             <a:fld id="{7DEC0D12-BC96-4D3A-AEEA-216D95884D3A}" type="datetime1">
               <a:rPr lang="en-GB" noProof="0" smtClean="0"/>
-              <a:t>24/07/2025</a:t>
+              <a:t>02/10/2025</a:t>
             </a:fld>
             <a:endParaRPr lang="en-GB" noProof="0"/>
           </a:p>
@@ -4766,7 +4766,7 @@
             <a:pPr rtl="0"/>
             <a:fld id="{2E9A85F2-FB08-4945-8960-F6E1CDAD4E6B}" type="datetime1">
               <a:rPr lang="en-GB" noProof="0" smtClean="0"/>
-              <a:t>24/07/2025</a:t>
+              <a:t>02/10/2025</a:t>
             </a:fld>
             <a:endParaRPr lang="en-GB" noProof="0"/>
           </a:p>
@@ -5234,8 +5234,8 @@
         </p:nvSpPr>
         <p:spPr>
           <a:xfrm>
-            <a:off x="3448105" y="249530"/>
-            <a:ext cx="6425718" cy="492443"/>
+            <a:off x="3448105" y="187976"/>
+            <a:ext cx="6425718" cy="615553"/>
           </a:xfrm>
           <a:prstGeom prst="rect">
             <a:avLst/>
@@ -5250,13 +5250,15 @@
           <a:p>
             <a:pPr algn="ctr" rtl="0"/>
             <a:r>
-              <a:rPr lang="en-GB" sz="3200" b="1" dirty="0">
-                <a:latin typeface="+mj-lt"/>
+              <a:rPr lang="en-GB" sz="4000" b="1" dirty="0">
+                <a:latin typeface="Posterama" panose="020B0504020200020000" pitchFamily="34" charset="0"/>
+                <a:cs typeface="Posterama" panose="020B0504020200020000" pitchFamily="34" charset="0"/>
               </a:rPr>
               <a:t>PRESENT TENSE</a:t>
             </a:r>
-            <a:endParaRPr lang="en-GB" sz="3600" dirty="0">
-              <a:latin typeface="+mj-lt"/>
+            <a:endParaRPr lang="en-GB" sz="4400" dirty="0">
+              <a:latin typeface="Posterama" panose="020B0504020200020000" pitchFamily="34" charset="0"/>
+              <a:cs typeface="Posterama" panose="020B0504020200020000" pitchFamily="34" charset="0"/>
             </a:endParaRPr>
           </a:p>
         </p:txBody>
@@ -5275,8 +5277,8 @@
         </p:nvSpPr>
         <p:spPr>
           <a:xfrm>
-            <a:off x="3493308" y="763422"/>
-            <a:ext cx="6425717" cy="307777"/>
+            <a:off x="3012508" y="762679"/>
+            <a:ext cx="7296912" cy="369332"/>
           </a:xfrm>
           <a:prstGeom prst="rect">
             <a:avLst/>
@@ -5291,18 +5293,30 @@
           <a:p>
             <a:pPr algn="ctr" rtl="0"/>
             <a:r>
-              <a:rPr lang="uk-UA" sz="2000" dirty="0"/>
+              <a:rPr lang="uk-UA" sz="2400" dirty="0">
+                <a:latin typeface="Posterama" panose="020B0504020200020000" pitchFamily="34" charset="0"/>
+                <a:cs typeface="Posterama" panose="020B0504020200020000" pitchFamily="34" charset="0"/>
+              </a:rPr>
               <a:t>В</a:t>
             </a:r>
             <a:r>
-              <a:rPr lang="ru-RU" sz="2000" dirty="0"/>
+              <a:rPr lang="ru-RU" sz="2400" dirty="0">
+                <a:latin typeface="Posterama" panose="020B0504020200020000" pitchFamily="34" charset="0"/>
+                <a:cs typeface="Posterama" panose="020B0504020200020000" pitchFamily="34" charset="0"/>
+              </a:rPr>
               <a:t>иражає </a:t>
             </a:r>
             <a:r>
-              <a:rPr lang="ru-RU" sz="2000" b="1" dirty="0"/>
+              <a:rPr lang="ru-RU" sz="2400" b="1" dirty="0">
+                <a:latin typeface="Posterama" panose="020B0504020200020000" pitchFamily="34" charset="0"/>
+                <a:cs typeface="Posterama" panose="020B0504020200020000" pitchFamily="34" charset="0"/>
+              </a:rPr>
               <a:t>звичайну, регулярну або фактичну дію</a:t>
             </a:r>
-            <a:endParaRPr lang="en-GB" sz="2000" dirty="0"/>
+            <a:endParaRPr lang="en-GB" sz="2400" dirty="0">
+              <a:latin typeface="Posterama" panose="020B0504020200020000" pitchFamily="34" charset="0"/>
+              <a:cs typeface="Posterama" panose="020B0504020200020000" pitchFamily="34" charset="0"/>
+            </a:endParaRPr>
           </a:p>
         </p:txBody>
       </p:sp>
@@ -5328,13 +5342,13 @@
           </a:xfrm>
           <a:prstGeom prst="roundRect">
             <a:avLst>
-              <a:gd name="adj" fmla="val 50000"/>
+              <a:gd name="adj" fmla="val 33680"/>
             </a:avLst>
           </a:prstGeom>
           <a:solidFill>
-            <a:schemeClr val="accent1">
-              <a:alpha val="55000"/>
-            </a:schemeClr>
+            <a:srgbClr val="66B2B0">
+              <a:alpha val="54902"/>
+            </a:srgbClr>
           </a:solidFill>
           <a:ln w="9525">
             <a:noFill/>
@@ -5361,7 +5375,7 @@
           <a:lstStyle/>
           <a:p>
             <a:pPr algn="ctr" rtl="0"/>
-            <a:endParaRPr lang="en-GB"/>
+            <a:endParaRPr lang="en-GB" dirty="0"/>
           </a:p>
         </p:txBody>
       </p:sp>
@@ -5379,8 +5393,8 @@
         </p:nvSpPr>
         <p:spPr>
           <a:xfrm>
-            <a:off x="4095154" y="1604836"/>
-            <a:ext cx="720967" cy="246221"/>
+            <a:off x="3760737" y="1543281"/>
+            <a:ext cx="1389804" cy="369332"/>
           </a:xfrm>
           <a:prstGeom prst="rect">
             <a:avLst/>
@@ -5395,7 +5409,10 @@
           <a:p>
             <a:pPr algn="ctr" rtl="0"/>
             <a:r>
-              <a:rPr lang="en-GB" sz="1600" b="1" dirty="0"/>
+              <a:rPr lang="en-GB" sz="2400" b="1" dirty="0">
+                <a:latin typeface="Posterama" panose="020B0504020200020000" pitchFamily="34" charset="0"/>
+                <a:cs typeface="Posterama" panose="020B0504020200020000" pitchFamily="34" charset="0"/>
+              </a:rPr>
               <a:t>PRESENT</a:t>
             </a:r>
           </a:p>
@@ -5415,8 +5432,8 @@
         </p:nvSpPr>
         <p:spPr>
           <a:xfrm>
-            <a:off x="6387682" y="1604836"/>
-            <a:ext cx="388504" cy="246221"/>
+            <a:off x="6179581" y="1543281"/>
+            <a:ext cx="804707" cy="369332"/>
           </a:xfrm>
           <a:prstGeom prst="rect">
             <a:avLst/>
@@ -5431,7 +5448,10 @@
           <a:p>
             <a:pPr algn="ctr" rtl="0"/>
             <a:r>
-              <a:rPr lang="en-GB" sz="1600" b="1" dirty="0"/>
+              <a:rPr lang="en-GB" sz="2400" b="1" dirty="0">
+                <a:latin typeface="Posterama" panose="020B0504020200020000" pitchFamily="34" charset="0"/>
+                <a:cs typeface="Posterama" panose="020B0504020200020000" pitchFamily="34" charset="0"/>
+              </a:rPr>
               <a:t>PAST</a:t>
             </a:r>
           </a:p>
@@ -5451,8 +5471,8 @@
         </p:nvSpPr>
         <p:spPr>
           <a:xfrm>
-            <a:off x="8382017" y="1604836"/>
-            <a:ext cx="652423" cy="246221"/>
+            <a:off x="8091073" y="1543281"/>
+            <a:ext cx="1234313" cy="369332"/>
           </a:xfrm>
           <a:prstGeom prst="rect">
             <a:avLst/>
@@ -5467,7 +5487,10 @@
           <a:p>
             <a:pPr algn="ctr" rtl="0"/>
             <a:r>
-              <a:rPr lang="en-GB" sz="1600" b="1" dirty="0"/>
+              <a:rPr lang="en-GB" sz="2400" b="1" dirty="0">
+                <a:latin typeface="Posterama" panose="020B0504020200020000" pitchFamily="34" charset="0"/>
+                <a:cs typeface="Posterama" panose="020B0504020200020000" pitchFamily="34" charset="0"/>
+              </a:rPr>
               <a:t>FUTURE</a:t>
             </a:r>
           </a:p>
@@ -5495,15 +5518,13 @@
           </a:xfrm>
           <a:prstGeom prst="roundRect">
             <a:avLst>
-              <a:gd name="adj" fmla="val 50000"/>
+              <a:gd name="adj" fmla="val 28784"/>
             </a:avLst>
           </a:prstGeom>
           <a:solidFill>
-            <a:schemeClr val="tx2">
-              <a:lumMod val="40000"/>
-              <a:lumOff val="60000"/>
-              <a:alpha val="25000"/>
-            </a:schemeClr>
+            <a:srgbClr val="C7DFDC">
+              <a:alpha val="24706"/>
+            </a:srgbClr>
           </a:solidFill>
           <a:ln w="9525">
             <a:noFill/>
@@ -5556,13 +5577,13 @@
           </a:xfrm>
           <a:prstGeom prst="roundRect">
             <a:avLst>
-              <a:gd name="adj" fmla="val 50000"/>
+              <a:gd name="adj" fmla="val 30416"/>
             </a:avLst>
           </a:prstGeom>
           <a:solidFill>
-            <a:schemeClr val="accent1">
+            <a:srgbClr val="66B2B0">
               <a:alpha val="55000"/>
-            </a:schemeClr>
+            </a:srgbClr>
           </a:solidFill>
           <a:ln w="9525">
             <a:noFill/>
@@ -5607,8 +5628,8 @@
         </p:nvSpPr>
         <p:spPr>
           <a:xfrm>
-            <a:off x="1818563" y="2327876"/>
-            <a:ext cx="49693" cy="246221"/>
+            <a:off x="1793717" y="2266321"/>
+            <a:ext cx="99387" cy="369332"/>
           </a:xfrm>
           <a:prstGeom prst="rect">
             <a:avLst/>
@@ -5623,7 +5644,10 @@
           <a:p>
             <a:pPr algn="ctr" rtl="0"/>
             <a:r>
-              <a:rPr lang="en-GB" sz="1600" b="1" dirty="0"/>
+              <a:rPr lang="en-GB" sz="2400" b="1" dirty="0">
+                <a:latin typeface="Posterama" panose="020B0504020200020000" pitchFamily="34" charset="0"/>
+                <a:cs typeface="Posterama" panose="020B0504020200020000" pitchFamily="34" charset="0"/>
+              </a:rPr>
               <a:t>I</a:t>
             </a:r>
           </a:p>
@@ -5651,13 +5675,13 @@
           </a:xfrm>
           <a:prstGeom prst="roundRect">
             <a:avLst>
-              <a:gd name="adj" fmla="val 50000"/>
+              <a:gd name="adj" fmla="val 30416"/>
             </a:avLst>
           </a:prstGeom>
           <a:solidFill>
-            <a:schemeClr val="tx2">
-              <a:alpha val="55000"/>
-            </a:schemeClr>
+            <a:srgbClr val="C8DFDE">
+              <a:alpha val="54902"/>
+            </a:srgbClr>
           </a:solidFill>
           <a:ln w="9525">
             <a:noFill/>
@@ -5710,15 +5734,13 @@
           </a:xfrm>
           <a:prstGeom prst="roundRect">
             <a:avLst>
-              <a:gd name="adj" fmla="val 50000"/>
+              <a:gd name="adj" fmla="val 33680"/>
             </a:avLst>
           </a:prstGeom>
           <a:solidFill>
-            <a:schemeClr val="tx2">
-              <a:lumMod val="40000"/>
-              <a:lumOff val="60000"/>
+            <a:srgbClr val="C7DFDC">
               <a:alpha val="25000"/>
-            </a:schemeClr>
+            </a:srgbClr>
           </a:solidFill>
           <a:ln w="9525">
             <a:noFill/>
@@ -5763,8 +5785,8 @@
         </p:nvSpPr>
         <p:spPr>
           <a:xfrm>
-            <a:off x="1695195" y="3050915"/>
-            <a:ext cx="296428" cy="246221"/>
+            <a:off x="1551663" y="2989360"/>
+            <a:ext cx="583494" cy="369332"/>
           </a:xfrm>
           <a:prstGeom prst="rect">
             <a:avLst/>
@@ -5779,7 +5801,10 @@
           <a:p>
             <a:pPr algn="ctr" rtl="0"/>
             <a:r>
-              <a:rPr lang="en-GB" sz="1600" b="1" dirty="0"/>
+              <a:rPr lang="en-GB" sz="2400" b="1" dirty="0">
+                <a:latin typeface="Posterama" panose="020B0504020200020000" pitchFamily="34" charset="0"/>
+                <a:cs typeface="Posterama" panose="020B0504020200020000" pitchFamily="34" charset="0"/>
+              </a:rPr>
               <a:t>You</a:t>
             </a:r>
           </a:p>
@@ -5807,13 +5832,13 @@
           </a:xfrm>
           <a:prstGeom prst="roundRect">
             <a:avLst>
-              <a:gd name="adj" fmla="val 50000"/>
+              <a:gd name="adj" fmla="val 25520"/>
             </a:avLst>
           </a:prstGeom>
           <a:solidFill>
-            <a:schemeClr val="accent1">
+            <a:srgbClr val="66B2B0">
               <a:alpha val="55000"/>
-            </a:schemeClr>
+            </a:srgbClr>
           </a:solidFill>
           <a:ln w="9525">
             <a:noFill/>
@@ -5866,15 +5891,13 @@
           </a:xfrm>
           <a:prstGeom prst="roundRect">
             <a:avLst>
-              <a:gd name="adj" fmla="val 50000"/>
+              <a:gd name="adj" fmla="val 28784"/>
             </a:avLst>
           </a:prstGeom>
           <a:solidFill>
-            <a:schemeClr val="tx2">
-              <a:lumMod val="40000"/>
-              <a:lumOff val="60000"/>
+            <a:srgbClr val="C7DFDC">
               <a:alpha val="25000"/>
-            </a:schemeClr>
+            </a:srgbClr>
           </a:solidFill>
           <a:ln w="9525">
             <a:noFill/>
@@ -5919,8 +5942,8 @@
         </p:nvSpPr>
         <p:spPr>
           <a:xfrm>
-            <a:off x="1452279" y="3773955"/>
-            <a:ext cx="782266" cy="246221"/>
+            <a:off x="1112444" y="3712400"/>
+            <a:ext cx="1461939" cy="369332"/>
           </a:xfrm>
           <a:prstGeom prst="rect">
             <a:avLst/>
@@ -5935,7 +5958,10 @@
           <a:p>
             <a:pPr algn="ctr" rtl="0"/>
             <a:r>
-              <a:rPr lang="en-GB" sz="1600" b="1" dirty="0"/>
+              <a:rPr lang="en-GB" sz="2400" b="1" dirty="0">
+                <a:latin typeface="Posterama" panose="020B0504020200020000" pitchFamily="34" charset="0"/>
+                <a:cs typeface="Posterama" panose="020B0504020200020000" pitchFamily="34" charset="0"/>
+              </a:rPr>
               <a:t>He/She/It</a:t>
             </a:r>
           </a:p>
@@ -5963,13 +5989,13 @@
           </a:xfrm>
           <a:prstGeom prst="roundRect">
             <a:avLst>
-              <a:gd name="adj" fmla="val 50000"/>
+              <a:gd name="adj" fmla="val 23888"/>
             </a:avLst>
           </a:prstGeom>
           <a:solidFill>
-            <a:schemeClr val="tx2">
+            <a:srgbClr val="C8DFDE">
               <a:alpha val="55000"/>
-            </a:schemeClr>
+            </a:srgbClr>
           </a:solidFill>
           <a:ln w="9525">
             <a:noFill/>
@@ -6022,15 +6048,13 @@
           </a:xfrm>
           <a:prstGeom prst="roundRect">
             <a:avLst>
-              <a:gd name="adj" fmla="val 50000"/>
+              <a:gd name="adj" fmla="val 30416"/>
             </a:avLst>
           </a:prstGeom>
           <a:solidFill>
-            <a:schemeClr val="tx2">
-              <a:lumMod val="40000"/>
-              <a:lumOff val="60000"/>
+            <a:srgbClr val="C7DFDC">
               <a:alpha val="25000"/>
-            </a:schemeClr>
+            </a:srgbClr>
           </a:solidFill>
           <a:ln w="9525">
             <a:noFill/>
@@ -6075,8 +6099,8 @@
         </p:nvSpPr>
         <p:spPr>
           <a:xfrm>
-            <a:off x="1706096" y="4496995"/>
-            <a:ext cx="274627" cy="246221"/>
+            <a:off x="1606166" y="4435440"/>
+            <a:ext cx="474490" cy="369332"/>
           </a:xfrm>
           <a:prstGeom prst="rect">
             <a:avLst/>
@@ -6091,7 +6115,10 @@
           <a:p>
             <a:pPr algn="ctr" rtl="0"/>
             <a:r>
-              <a:rPr lang="en-GB" sz="1600" b="1" dirty="0"/>
+              <a:rPr lang="en-GB" sz="2400" b="1" dirty="0">
+                <a:latin typeface="Posterama" panose="020B0504020200020000" pitchFamily="34" charset="0"/>
+                <a:cs typeface="Posterama" panose="020B0504020200020000" pitchFamily="34" charset="0"/>
+              </a:rPr>
               <a:t>We</a:t>
             </a:r>
           </a:p>
@@ -6149,13 +6176,13 @@
           </a:xfrm>
           <a:prstGeom prst="roundRect">
             <a:avLst>
-              <a:gd name="adj" fmla="val 50000"/>
+              <a:gd name="adj" fmla="val 38576"/>
             </a:avLst>
           </a:prstGeom>
           <a:solidFill>
-            <a:schemeClr val="tx2">
+            <a:srgbClr val="66B2B0">
               <a:alpha val="55000"/>
-            </a:schemeClr>
+            </a:srgbClr>
           </a:solidFill>
           <a:ln w="9525">
             <a:noFill/>
@@ -6208,15 +6235,13 @@
           </a:xfrm>
           <a:prstGeom prst="roundRect">
             <a:avLst>
-              <a:gd name="adj" fmla="val 50000"/>
+              <a:gd name="adj" fmla="val 33680"/>
             </a:avLst>
           </a:prstGeom>
           <a:solidFill>
-            <a:schemeClr val="tx2">
-              <a:lumMod val="40000"/>
-              <a:lumOff val="60000"/>
+            <a:srgbClr val="C7DFDC">
               <a:alpha val="25000"/>
-            </a:schemeClr>
+            </a:srgbClr>
           </a:solidFill>
           <a:ln w="9525">
             <a:noFill/>
@@ -6261,8 +6286,8 @@
         </p:nvSpPr>
         <p:spPr>
           <a:xfrm>
-            <a:off x="1645149" y="5287088"/>
-            <a:ext cx="396520" cy="246221"/>
+            <a:off x="1478726" y="5225533"/>
+            <a:ext cx="729367" cy="369332"/>
           </a:xfrm>
           <a:prstGeom prst="rect">
             <a:avLst/>
@@ -6277,7 +6302,10 @@
           <a:p>
             <a:pPr algn="ctr" rtl="0"/>
             <a:r>
-              <a:rPr lang="en-GB" sz="1600" b="1" dirty="0"/>
+              <a:rPr lang="en-GB" sz="2400" b="1" dirty="0">
+                <a:latin typeface="Posterama" panose="020B0504020200020000" pitchFamily="34" charset="0"/>
+                <a:cs typeface="Posterama" panose="020B0504020200020000" pitchFamily="34" charset="0"/>
+              </a:rPr>
               <a:t>They</a:t>
             </a:r>
           </a:p>
@@ -6297,8 +6325,8 @@
         </p:nvSpPr>
         <p:spPr>
           <a:xfrm>
-            <a:off x="4251446" y="2327876"/>
-            <a:ext cx="408382" cy="246221"/>
+            <a:off x="4097367" y="2266321"/>
+            <a:ext cx="716543" cy="369332"/>
           </a:xfrm>
           <a:prstGeom prst="rect">
             <a:avLst/>
@@ -6313,7 +6341,10 @@
           <a:p>
             <a:pPr algn="ctr" rtl="0"/>
             <a:r>
-              <a:rPr lang="en-GB" sz="1600" dirty="0"/>
+              <a:rPr lang="en-GB" sz="2400" dirty="0">
+                <a:latin typeface="Posterama" panose="020B0504020200020000" pitchFamily="34" charset="0"/>
+                <a:cs typeface="Posterama" panose="020B0504020200020000" pitchFamily="34" charset="0"/>
+              </a:rPr>
               <a:t>work</a:t>
             </a:r>
           </a:p>
@@ -6333,8 +6364,8 @@
         </p:nvSpPr>
         <p:spPr>
           <a:xfrm>
-            <a:off x="6277043" y="2327876"/>
-            <a:ext cx="609783" cy="246221"/>
+            <a:off x="6044127" y="2266321"/>
+            <a:ext cx="1075615" cy="369332"/>
           </a:xfrm>
           <a:prstGeom prst="rect">
             <a:avLst/>
@@ -6349,11 +6380,17 @@
           <a:p>
             <a:pPr algn="ctr" rtl="0"/>
             <a:r>
-              <a:rPr lang="en-GB" sz="1600" dirty="0"/>
+              <a:rPr lang="en-GB" sz="2400" dirty="0">
+                <a:latin typeface="Posterama" panose="020B0504020200020000" pitchFamily="34" charset="0"/>
+                <a:cs typeface="Posterama" panose="020B0504020200020000" pitchFamily="34" charset="0"/>
+              </a:rPr>
               <a:t>work</a:t>
             </a:r>
             <a:r>
-              <a:rPr lang="en-GB" sz="1600" b="1" u="sng" dirty="0"/>
+              <a:rPr lang="en-GB" sz="2400" b="1" u="sng" dirty="0">
+                <a:latin typeface="Posterama" panose="020B0504020200020000" pitchFamily="34" charset="0"/>
+                <a:cs typeface="Posterama" panose="020B0504020200020000" pitchFamily="34" charset="0"/>
+              </a:rPr>
               <a:t>ed</a:t>
             </a:r>
           </a:p>
@@ -6373,8 +6410,8 @@
         </p:nvSpPr>
         <p:spPr>
           <a:xfrm>
-            <a:off x="8342135" y="2327876"/>
-            <a:ext cx="732188" cy="246221"/>
+            <a:off x="8039778" y="2266321"/>
+            <a:ext cx="1336904" cy="369332"/>
           </a:xfrm>
           <a:prstGeom prst="rect">
             <a:avLst/>
@@ -6389,11 +6426,17 @@
           <a:p>
             <a:pPr algn="ctr" rtl="0"/>
             <a:r>
-              <a:rPr lang="en-GB" sz="1600" b="1" dirty="0"/>
+              <a:rPr lang="en-GB" sz="2400" b="1" dirty="0">
+                <a:latin typeface="Posterama" panose="020B0504020200020000" pitchFamily="34" charset="0"/>
+                <a:cs typeface="Posterama" panose="020B0504020200020000" pitchFamily="34" charset="0"/>
+              </a:rPr>
               <a:t>will</a:t>
             </a:r>
             <a:r>
-              <a:rPr lang="en-GB" sz="1600" dirty="0"/>
+              <a:rPr lang="en-GB" sz="2400" dirty="0">
+                <a:latin typeface="Posterama" panose="020B0504020200020000" pitchFamily="34" charset="0"/>
+                <a:cs typeface="Posterama" panose="020B0504020200020000" pitchFamily="34" charset="0"/>
+              </a:rPr>
               <a:t> work</a:t>
             </a:r>
           </a:p>
@@ -6413,8 +6456,8 @@
         </p:nvSpPr>
         <p:spPr>
           <a:xfrm>
-            <a:off x="4251446" y="3037697"/>
-            <a:ext cx="408382" cy="246221"/>
+            <a:off x="4097367" y="2976142"/>
+            <a:ext cx="716543" cy="369332"/>
           </a:xfrm>
           <a:prstGeom prst="rect">
             <a:avLst/>
@@ -6429,7 +6472,10 @@
           <a:p>
             <a:pPr algn="ctr" rtl="0"/>
             <a:r>
-              <a:rPr lang="en-GB" sz="1600" dirty="0"/>
+              <a:rPr lang="en-GB" sz="2400" dirty="0">
+                <a:latin typeface="Posterama" panose="020B0504020200020000" pitchFamily="34" charset="0"/>
+                <a:cs typeface="Posterama" panose="020B0504020200020000" pitchFamily="34" charset="0"/>
+              </a:rPr>
               <a:t>work</a:t>
             </a:r>
           </a:p>
@@ -6449,8 +6495,8 @@
         </p:nvSpPr>
         <p:spPr>
           <a:xfrm>
-            <a:off x="6277043" y="3037697"/>
-            <a:ext cx="609783" cy="246221"/>
+            <a:off x="6044127" y="2976142"/>
+            <a:ext cx="1075615" cy="369332"/>
           </a:xfrm>
           <a:prstGeom prst="rect">
             <a:avLst/>
@@ -6465,11 +6511,17 @@
           <a:p>
             <a:pPr algn="ctr" rtl="0"/>
             <a:r>
-              <a:rPr lang="en-GB" sz="1600" dirty="0"/>
+              <a:rPr lang="en-GB" sz="2400" dirty="0">
+                <a:latin typeface="Posterama" panose="020B0504020200020000" pitchFamily="34" charset="0"/>
+                <a:cs typeface="Posterama" panose="020B0504020200020000" pitchFamily="34" charset="0"/>
+              </a:rPr>
               <a:t>work</a:t>
             </a:r>
             <a:r>
-              <a:rPr lang="en-GB" sz="1600" b="1" u="sng" dirty="0"/>
+              <a:rPr lang="en-GB" sz="2400" b="1" u="sng" dirty="0">
+                <a:latin typeface="Posterama" panose="020B0504020200020000" pitchFamily="34" charset="0"/>
+                <a:cs typeface="Posterama" panose="020B0504020200020000" pitchFamily="34" charset="0"/>
+              </a:rPr>
               <a:t>ed</a:t>
             </a:r>
           </a:p>
@@ -6489,8 +6541,8 @@
         </p:nvSpPr>
         <p:spPr>
           <a:xfrm>
-            <a:off x="8342135" y="3037697"/>
-            <a:ext cx="732188" cy="246221"/>
+            <a:off x="8039778" y="2976142"/>
+            <a:ext cx="1336904" cy="369332"/>
           </a:xfrm>
           <a:prstGeom prst="rect">
             <a:avLst/>
@@ -6505,11 +6557,17 @@
           <a:p>
             <a:pPr algn="ctr" rtl="0"/>
             <a:r>
-              <a:rPr lang="en-GB" sz="1600" b="1" dirty="0"/>
+              <a:rPr lang="en-GB" sz="2400" b="1" dirty="0">
+                <a:latin typeface="Posterama" panose="020B0504020200020000" pitchFamily="34" charset="0"/>
+                <a:cs typeface="Posterama" panose="020B0504020200020000" pitchFamily="34" charset="0"/>
+              </a:rPr>
               <a:t>will</a:t>
             </a:r>
             <a:r>
-              <a:rPr lang="en-GB" sz="1600" dirty="0"/>
+              <a:rPr lang="en-GB" sz="2400" dirty="0">
+                <a:latin typeface="Posterama" panose="020B0504020200020000" pitchFamily="34" charset="0"/>
+                <a:cs typeface="Posterama" panose="020B0504020200020000" pitchFamily="34" charset="0"/>
+              </a:rPr>
               <a:t> work</a:t>
             </a:r>
           </a:p>
@@ -6529,8 +6587,8 @@
         </p:nvSpPr>
         <p:spPr>
           <a:xfrm>
-            <a:off x="4212365" y="3773955"/>
-            <a:ext cx="486544" cy="246221"/>
+            <a:off x="4022026" y="3712400"/>
+            <a:ext cx="867225" cy="369332"/>
           </a:xfrm>
           <a:prstGeom prst="rect">
             <a:avLst/>
@@ -6545,11 +6603,17 @@
           <a:p>
             <a:pPr algn="ctr" rtl="0"/>
             <a:r>
-              <a:rPr lang="en-GB" sz="1600" dirty="0"/>
+              <a:rPr lang="en-GB" sz="2400" dirty="0">
+                <a:latin typeface="Posterama" panose="020B0504020200020000" pitchFamily="34" charset="0"/>
+                <a:cs typeface="Posterama" panose="020B0504020200020000" pitchFamily="34" charset="0"/>
+              </a:rPr>
               <a:t>work</a:t>
             </a:r>
             <a:r>
-              <a:rPr lang="en-GB" sz="1600" b="1" u="sng" dirty="0"/>
+              <a:rPr lang="en-GB" sz="2400" b="1" u="sng" dirty="0">
+                <a:latin typeface="Posterama" panose="020B0504020200020000" pitchFamily="34" charset="0"/>
+                <a:cs typeface="Posterama" panose="020B0504020200020000" pitchFamily="34" charset="0"/>
+              </a:rPr>
               <a:t>s</a:t>
             </a:r>
           </a:p>
@@ -6569,8 +6633,8 @@
         </p:nvSpPr>
         <p:spPr>
           <a:xfrm>
-            <a:off x="6277043" y="3773955"/>
-            <a:ext cx="609783" cy="246221"/>
+            <a:off x="6044127" y="3712400"/>
+            <a:ext cx="1075615" cy="369332"/>
           </a:xfrm>
           <a:prstGeom prst="rect">
             <a:avLst/>
@@ -6585,11 +6649,17 @@
           <a:p>
             <a:pPr algn="ctr" rtl="0"/>
             <a:r>
-              <a:rPr lang="en-GB" sz="1600" dirty="0"/>
+              <a:rPr lang="en-GB" sz="2400" dirty="0">
+                <a:latin typeface="Posterama" panose="020B0504020200020000" pitchFamily="34" charset="0"/>
+                <a:cs typeface="Posterama" panose="020B0504020200020000" pitchFamily="34" charset="0"/>
+              </a:rPr>
               <a:t>work</a:t>
             </a:r>
             <a:r>
-              <a:rPr lang="en-GB" sz="1600" b="1" u="sng" dirty="0"/>
+              <a:rPr lang="en-GB" sz="2400" b="1" u="sng" dirty="0">
+                <a:latin typeface="Posterama" panose="020B0504020200020000" pitchFamily="34" charset="0"/>
+                <a:cs typeface="Posterama" panose="020B0504020200020000" pitchFamily="34" charset="0"/>
+              </a:rPr>
               <a:t>ed</a:t>
             </a:r>
           </a:p>
@@ -6609,8 +6679,8 @@
         </p:nvSpPr>
         <p:spPr>
           <a:xfrm>
-            <a:off x="8342135" y="3773955"/>
-            <a:ext cx="732188" cy="246221"/>
+            <a:off x="8039778" y="3712400"/>
+            <a:ext cx="1336904" cy="369332"/>
           </a:xfrm>
           <a:prstGeom prst="rect">
             <a:avLst/>
@@ -6625,11 +6695,17 @@
           <a:p>
             <a:pPr algn="ctr" rtl="0"/>
             <a:r>
-              <a:rPr lang="en-GB" sz="1600" b="1" dirty="0"/>
+              <a:rPr lang="en-GB" sz="2400" b="1" dirty="0">
+                <a:latin typeface="Posterama" panose="020B0504020200020000" pitchFamily="34" charset="0"/>
+                <a:cs typeface="Posterama" panose="020B0504020200020000" pitchFamily="34" charset="0"/>
+              </a:rPr>
               <a:t>will</a:t>
             </a:r>
             <a:r>
-              <a:rPr lang="en-GB" sz="1600" dirty="0"/>
+              <a:rPr lang="en-GB" sz="2400" dirty="0">
+                <a:latin typeface="Posterama" panose="020B0504020200020000" pitchFamily="34" charset="0"/>
+                <a:cs typeface="Posterama" panose="020B0504020200020000" pitchFamily="34" charset="0"/>
+              </a:rPr>
               <a:t> work</a:t>
             </a:r>
           </a:p>
@@ -6649,8 +6725,8 @@
         </p:nvSpPr>
         <p:spPr>
           <a:xfrm>
-            <a:off x="4251446" y="4493796"/>
-            <a:ext cx="408382" cy="246221"/>
+            <a:off x="4097367" y="4432241"/>
+            <a:ext cx="716543" cy="369332"/>
           </a:xfrm>
           <a:prstGeom prst="rect">
             <a:avLst/>
@@ -6665,7 +6741,10 @@
           <a:p>
             <a:pPr algn="ctr" rtl="0"/>
             <a:r>
-              <a:rPr lang="en-GB" sz="1600" dirty="0"/>
+              <a:rPr lang="en-GB" sz="2400" dirty="0">
+                <a:latin typeface="Posterama" panose="020B0504020200020000" pitchFamily="34" charset="0"/>
+                <a:cs typeface="Posterama" panose="020B0504020200020000" pitchFamily="34" charset="0"/>
+              </a:rPr>
               <a:t>work</a:t>
             </a:r>
           </a:p>
@@ -6685,8 +6764,8 @@
         </p:nvSpPr>
         <p:spPr>
           <a:xfrm>
-            <a:off x="6277043" y="4493796"/>
-            <a:ext cx="609783" cy="246221"/>
+            <a:off x="6044127" y="4432241"/>
+            <a:ext cx="1075615" cy="369332"/>
           </a:xfrm>
           <a:prstGeom prst="rect">
             <a:avLst/>
@@ -6701,11 +6780,17 @@
           <a:p>
             <a:pPr algn="ctr" rtl="0"/>
             <a:r>
-              <a:rPr lang="en-GB" sz="1600" dirty="0"/>
+              <a:rPr lang="en-GB" sz="2400" dirty="0">
+                <a:latin typeface="Posterama" panose="020B0504020200020000" pitchFamily="34" charset="0"/>
+                <a:cs typeface="Posterama" panose="020B0504020200020000" pitchFamily="34" charset="0"/>
+              </a:rPr>
               <a:t>work</a:t>
             </a:r>
             <a:r>
-              <a:rPr lang="en-GB" sz="1600" b="1" u="sng" dirty="0"/>
+              <a:rPr lang="en-GB" sz="2400" b="1" u="sng" dirty="0">
+                <a:latin typeface="Posterama" panose="020B0504020200020000" pitchFamily="34" charset="0"/>
+                <a:cs typeface="Posterama" panose="020B0504020200020000" pitchFamily="34" charset="0"/>
+              </a:rPr>
               <a:t>ed</a:t>
             </a:r>
           </a:p>
@@ -6725,8 +6810,8 @@
         </p:nvSpPr>
         <p:spPr>
           <a:xfrm>
-            <a:off x="8342135" y="4493796"/>
-            <a:ext cx="732188" cy="246221"/>
+            <a:off x="8039778" y="4432241"/>
+            <a:ext cx="1336904" cy="369332"/>
           </a:xfrm>
           <a:prstGeom prst="rect">
             <a:avLst/>
@@ -6741,11 +6826,17 @@
           <a:p>
             <a:pPr algn="ctr" rtl="0"/>
             <a:r>
-              <a:rPr lang="en-GB" sz="1600" b="1" dirty="0"/>
+              <a:rPr lang="en-GB" sz="2400" b="1" dirty="0">
+                <a:latin typeface="Posterama" panose="020B0504020200020000" pitchFamily="34" charset="0"/>
+                <a:cs typeface="Posterama" panose="020B0504020200020000" pitchFamily="34" charset="0"/>
+              </a:rPr>
               <a:t>will</a:t>
             </a:r>
             <a:r>
-              <a:rPr lang="en-GB" sz="1600" dirty="0"/>
+              <a:rPr lang="en-GB" sz="2400" dirty="0">
+                <a:latin typeface="Posterama" panose="020B0504020200020000" pitchFamily="34" charset="0"/>
+                <a:cs typeface="Posterama" panose="020B0504020200020000" pitchFamily="34" charset="0"/>
+              </a:rPr>
               <a:t> work</a:t>
             </a:r>
           </a:p>
@@ -6765,8 +6856,8 @@
         </p:nvSpPr>
         <p:spPr>
           <a:xfrm>
-            <a:off x="4251446" y="5287088"/>
-            <a:ext cx="408382" cy="246221"/>
+            <a:off x="4097367" y="5225533"/>
+            <a:ext cx="716543" cy="369332"/>
           </a:xfrm>
           <a:prstGeom prst="rect">
             <a:avLst/>
@@ -6781,7 +6872,10 @@
           <a:p>
             <a:pPr algn="ctr" rtl="0"/>
             <a:r>
-              <a:rPr lang="en-GB" sz="1600" dirty="0"/>
+              <a:rPr lang="en-GB" sz="2400" dirty="0">
+                <a:latin typeface="Posterama" panose="020B0504020200020000" pitchFamily="34" charset="0"/>
+                <a:cs typeface="Posterama" panose="020B0504020200020000" pitchFamily="34" charset="0"/>
+              </a:rPr>
               <a:t>work</a:t>
             </a:r>
           </a:p>
@@ -6801,8 +6895,8 @@
         </p:nvSpPr>
         <p:spPr>
           <a:xfrm>
-            <a:off x="6277043" y="5287088"/>
-            <a:ext cx="609783" cy="246221"/>
+            <a:off x="6044127" y="5225533"/>
+            <a:ext cx="1075615" cy="369332"/>
           </a:xfrm>
           <a:prstGeom prst="rect">
             <a:avLst/>
@@ -6817,11 +6911,17 @@
           <a:p>
             <a:pPr algn="ctr" rtl="0"/>
             <a:r>
-              <a:rPr lang="en-GB" sz="1600" dirty="0"/>
+              <a:rPr lang="en-GB" sz="2400" dirty="0">
+                <a:latin typeface="Posterama" panose="020B0504020200020000" pitchFamily="34" charset="0"/>
+                <a:cs typeface="Posterama" panose="020B0504020200020000" pitchFamily="34" charset="0"/>
+              </a:rPr>
               <a:t>work</a:t>
             </a:r>
             <a:r>
-              <a:rPr lang="en-GB" sz="1600" b="1" u="sng" dirty="0"/>
+              <a:rPr lang="en-GB" sz="2400" b="1" u="sng" dirty="0">
+                <a:latin typeface="Posterama" panose="020B0504020200020000" pitchFamily="34" charset="0"/>
+                <a:cs typeface="Posterama" panose="020B0504020200020000" pitchFamily="34" charset="0"/>
+              </a:rPr>
               <a:t>ed</a:t>
             </a:r>
           </a:p>
@@ -6841,8 +6941,8 @@
         </p:nvSpPr>
         <p:spPr>
           <a:xfrm>
-            <a:off x="8342135" y="5287088"/>
-            <a:ext cx="732188" cy="246221"/>
+            <a:off x="8039778" y="5225533"/>
+            <a:ext cx="1336904" cy="369332"/>
           </a:xfrm>
           <a:prstGeom prst="rect">
             <a:avLst/>
@@ -6857,11 +6957,17 @@
           <a:p>
             <a:pPr algn="ctr" rtl="0"/>
             <a:r>
-              <a:rPr lang="en-GB" sz="1600" b="1" dirty="0"/>
+              <a:rPr lang="en-GB" sz="2400" b="1" dirty="0">
+                <a:latin typeface="Posterama" panose="020B0504020200020000" pitchFamily="34" charset="0"/>
+                <a:cs typeface="Posterama" panose="020B0504020200020000" pitchFamily="34" charset="0"/>
+              </a:rPr>
               <a:t>will</a:t>
             </a:r>
             <a:r>
-              <a:rPr lang="en-GB" sz="1600" dirty="0"/>
+              <a:rPr lang="en-GB" sz="2400" dirty="0">
+                <a:latin typeface="Posterama" panose="020B0504020200020000" pitchFamily="34" charset="0"/>
+                <a:cs typeface="Posterama" panose="020B0504020200020000" pitchFamily="34" charset="0"/>
+              </a:rPr>
               <a:t> work</a:t>
             </a:r>
           </a:p>
@@ -24245,23 +24351,12 @@
 </file>
 
 <file path=customXml/item1.xml><?xml version="1.0" encoding="utf-8"?>
-<p:properties xmlns:p="http://schemas.microsoft.com/office/2006/metadata/properties" xmlns:xsi="http://www.w3.org/2001/XMLSchema-instance" xmlns:pc="http://schemas.microsoft.com/office/infopath/2007/PartnerControls">
-  <documentManagement>
-    <_ip_UnifiedCompliancePolicyUIAction xmlns="http://schemas.microsoft.com/sharepoint/v3" xsi:nil="true"/>
-    <Image xmlns="71af3243-3dd4-4a8d-8c0d-dd76da1f02a5">
-      <Url xsi:nil="true"/>
-      <Description xsi:nil="true"/>
-    </Image>
-    <Status xmlns="71af3243-3dd4-4a8d-8c0d-dd76da1f02a5">Not started</Status>
-    <Background xmlns="71af3243-3dd4-4a8d-8c0d-dd76da1f02a5">false</Background>
-    <_ip_UnifiedCompliancePolicyProperties xmlns="http://schemas.microsoft.com/sharepoint/v3" xsi:nil="true"/>
-    <ImageTagsTaxHTField xmlns="71af3243-3dd4-4a8d-8c0d-dd76da1f02a5">
-      <Terms xmlns="http://schemas.microsoft.com/office/infopath/2007/PartnerControls"/>
-    </ImageTagsTaxHTField>
-    <TaxCatchAll xmlns="230e9df3-be65-4c73-a93b-d1236ebd677e" xsi:nil="true"/>
-    <MediaServiceKeyPoints xmlns="71af3243-3dd4-4a8d-8c0d-dd76da1f02a5" xsi:nil="true"/>
-  </documentManagement>
-</p:properties>
+<?mso-contentType ?>
+<FormTemplates xmlns="http://schemas.microsoft.com/sharepoint/v3/contenttype/forms">
+  <Display>DocumentLibraryForm</Display>
+  <Edit>DocumentLibraryForm</Edit>
+  <New>DocumentLibraryForm</New>
+</FormTemplates>
 </file>
 
 <file path=customXml/item2.xml><?xml version="1.0" encoding="utf-8"?>
@@ -24553,29 +24648,29 @@
 </file>
 
 <file path=customXml/item3.xml><?xml version="1.0" encoding="utf-8"?>
-<?mso-contentType ?>
-<FormTemplates xmlns="http://schemas.microsoft.com/sharepoint/v3/contenttype/forms">
-  <Display>DocumentLibraryForm</Display>
-  <Edit>DocumentLibraryForm</Edit>
-  <New>DocumentLibraryForm</New>
-</FormTemplates>
+<p:properties xmlns:p="http://schemas.microsoft.com/office/2006/metadata/properties" xmlns:xsi="http://www.w3.org/2001/XMLSchema-instance" xmlns:pc="http://schemas.microsoft.com/office/infopath/2007/PartnerControls">
+  <documentManagement>
+    <_ip_UnifiedCompliancePolicyUIAction xmlns="http://schemas.microsoft.com/sharepoint/v3" xsi:nil="true"/>
+    <Image xmlns="71af3243-3dd4-4a8d-8c0d-dd76da1f02a5">
+      <Url xsi:nil="true"/>
+      <Description xsi:nil="true"/>
+    </Image>
+    <Status xmlns="71af3243-3dd4-4a8d-8c0d-dd76da1f02a5">Not started</Status>
+    <Background xmlns="71af3243-3dd4-4a8d-8c0d-dd76da1f02a5">false</Background>
+    <_ip_UnifiedCompliancePolicyProperties xmlns="http://schemas.microsoft.com/sharepoint/v3" xsi:nil="true"/>
+    <ImageTagsTaxHTField xmlns="71af3243-3dd4-4a8d-8c0d-dd76da1f02a5">
+      <Terms xmlns="http://schemas.microsoft.com/office/infopath/2007/PartnerControls"/>
+    </ImageTagsTaxHTField>
+    <TaxCatchAll xmlns="230e9df3-be65-4c73-a93b-d1236ebd677e" xsi:nil="true"/>
+    <MediaServiceKeyPoints xmlns="71af3243-3dd4-4a8d-8c0d-dd76da1f02a5" xsi:nil="true"/>
+  </documentManagement>
+</p:properties>
 </file>
 
 <file path=customXml/itemProps1.xml><?xml version="1.0" encoding="utf-8"?>
-<ds:datastoreItem xmlns:ds="http://schemas.openxmlformats.org/officeDocument/2006/customXml" ds:itemID="{1024ABD0-81DD-4E89-ADBD-FD03EEA4B679}">
+<ds:datastoreItem xmlns:ds="http://schemas.openxmlformats.org/officeDocument/2006/customXml" ds:itemID="{3AD23832-4FF3-481A-BF21-E685DF749377}">
   <ds:schemaRefs>
-    <ds:schemaRef ds:uri="http://schemas.openxmlformats.org/package/2006/metadata/core-properties"/>
-    <ds:schemaRef ds:uri="http://www.w3.org/XML/1998/namespace"/>
-    <ds:schemaRef ds:uri="16c05727-aa75-4e4a-9b5f-8a80a1165891"/>
-    <ds:schemaRef ds:uri="http://purl.org/dc/elements/1.1/"/>
-    <ds:schemaRef ds:uri="http://purl.org/dc/dcmitype/"/>
-    <ds:schemaRef ds:uri="http://schemas.microsoft.com/office/infopath/2007/PartnerControls"/>
-    <ds:schemaRef ds:uri="230e9df3-be65-4c73-a93b-d1236ebd677e"/>
-    <ds:schemaRef ds:uri="71af3243-3dd4-4a8d-8c0d-dd76da1f02a5"/>
-    <ds:schemaRef ds:uri="http://schemas.microsoft.com/office/2006/documentManagement/types"/>
-    <ds:schemaRef ds:uri="http://schemas.microsoft.com/sharepoint/v3"/>
-    <ds:schemaRef ds:uri="http://schemas.microsoft.com/office/2006/metadata/properties"/>
-    <ds:schemaRef ds:uri="http://purl.org/dc/terms/"/>
+    <ds:schemaRef ds:uri="http://schemas.microsoft.com/sharepoint/v3/contenttype/forms"/>
   </ds:schemaRefs>
 </ds:datastoreItem>
 </file>
@@ -24602,9 +24697,20 @@
 </file>
 
 <file path=customXml/itemProps3.xml><?xml version="1.0" encoding="utf-8"?>
-<ds:datastoreItem xmlns:ds="http://schemas.openxmlformats.org/officeDocument/2006/customXml" ds:itemID="{3AD23832-4FF3-481A-BF21-E685DF749377}">
+<ds:datastoreItem xmlns:ds="http://schemas.openxmlformats.org/officeDocument/2006/customXml" ds:itemID="{1024ABD0-81DD-4E89-ADBD-FD03EEA4B679}">
   <ds:schemaRefs>
-    <ds:schemaRef ds:uri="http://schemas.microsoft.com/sharepoint/v3/contenttype/forms"/>
+    <ds:schemaRef ds:uri="http://schemas.openxmlformats.org/package/2006/metadata/core-properties"/>
+    <ds:schemaRef ds:uri="http://www.w3.org/XML/1998/namespace"/>
+    <ds:schemaRef ds:uri="16c05727-aa75-4e4a-9b5f-8a80a1165891"/>
+    <ds:schemaRef ds:uri="http://purl.org/dc/elements/1.1/"/>
+    <ds:schemaRef ds:uri="http://purl.org/dc/dcmitype/"/>
+    <ds:schemaRef ds:uri="http://schemas.microsoft.com/office/infopath/2007/PartnerControls"/>
+    <ds:schemaRef ds:uri="230e9df3-be65-4c73-a93b-d1236ebd677e"/>
+    <ds:schemaRef ds:uri="71af3243-3dd4-4a8d-8c0d-dd76da1f02a5"/>
+    <ds:schemaRef ds:uri="http://schemas.microsoft.com/office/2006/documentManagement/types"/>
+    <ds:schemaRef ds:uri="http://schemas.microsoft.com/sharepoint/v3"/>
+    <ds:schemaRef ds:uri="http://schemas.microsoft.com/office/2006/metadata/properties"/>
+    <ds:schemaRef ds:uri="http://purl.org/dc/terms/"/>
   </ds:schemaRefs>
 </ds:datastoreItem>
 </file>
--- a/public/docs/Reviews.pptx
+++ b/public/docs/Reviews.pptx
@@ -5393,8 +5393,8 @@
         </p:nvSpPr>
         <p:spPr>
           <a:xfrm>
-            <a:off x="3760737" y="1543281"/>
-            <a:ext cx="1389804" cy="369332"/>
+            <a:off x="3646122" y="1512504"/>
+            <a:ext cx="1619034" cy="430887"/>
           </a:xfrm>
           <a:prstGeom prst="rect">
             <a:avLst/>
@@ -5409,7 +5409,7 @@
           <a:p>
             <a:pPr algn="ctr" rtl="0"/>
             <a:r>
-              <a:rPr lang="en-GB" sz="2400" b="1" dirty="0">
+              <a:rPr lang="en-GB" sz="2800" b="1" dirty="0">
                 <a:latin typeface="Posterama" panose="020B0504020200020000" pitchFamily="34" charset="0"/>
                 <a:cs typeface="Posterama" panose="020B0504020200020000" pitchFamily="34" charset="0"/>
               </a:rPr>
@@ -5432,8 +5432,8 @@
         </p:nvSpPr>
         <p:spPr>
           <a:xfrm>
-            <a:off x="6179581" y="1543281"/>
-            <a:ext cx="804707" cy="369332"/>
+            <a:off x="6113857" y="1512504"/>
+            <a:ext cx="936155" cy="430887"/>
           </a:xfrm>
           <a:prstGeom prst="rect">
             <a:avLst/>
@@ -5448,7 +5448,7 @@
           <a:p>
             <a:pPr algn="ctr" rtl="0"/>
             <a:r>
-              <a:rPr lang="en-GB" sz="2400" b="1" dirty="0">
+              <a:rPr lang="en-GB" sz="2800" b="1" dirty="0">
                 <a:latin typeface="Posterama" panose="020B0504020200020000" pitchFamily="34" charset="0"/>
                 <a:cs typeface="Posterama" panose="020B0504020200020000" pitchFamily="34" charset="0"/>
               </a:rPr>
@@ -5471,8 +5471,8 @@
         </p:nvSpPr>
         <p:spPr>
           <a:xfrm>
-            <a:off x="8091073" y="1543281"/>
-            <a:ext cx="1234313" cy="369332"/>
+            <a:off x="7987680" y="1512504"/>
+            <a:ext cx="1441100" cy="430887"/>
           </a:xfrm>
           <a:prstGeom prst="rect">
             <a:avLst/>
@@ -5487,7 +5487,7 @@
           <a:p>
             <a:pPr algn="ctr" rtl="0"/>
             <a:r>
-              <a:rPr lang="en-GB" sz="2400" b="1" dirty="0">
+              <a:rPr lang="en-GB" sz="2800" b="1" dirty="0">
                 <a:latin typeface="Posterama" panose="020B0504020200020000" pitchFamily="34" charset="0"/>
                 <a:cs typeface="Posterama" panose="020B0504020200020000" pitchFamily="34" charset="0"/>
               </a:rPr>
@@ -6325,8 +6325,8 @@
         </p:nvSpPr>
         <p:spPr>
           <a:xfrm>
-            <a:off x="4097367" y="2266321"/>
-            <a:ext cx="716543" cy="369332"/>
+            <a:off x="4037254" y="2235544"/>
+            <a:ext cx="836769" cy="430887"/>
           </a:xfrm>
           <a:prstGeom prst="rect">
             <a:avLst/>
@@ -6341,7 +6341,7 @@
           <a:p>
             <a:pPr algn="ctr" rtl="0"/>
             <a:r>
-              <a:rPr lang="en-GB" sz="2400" dirty="0">
+              <a:rPr lang="en-GB" sz="2800" dirty="0">
                 <a:latin typeface="Posterama" panose="020B0504020200020000" pitchFamily="34" charset="0"/>
                 <a:cs typeface="Posterama" panose="020B0504020200020000" pitchFamily="34" charset="0"/>
               </a:rPr>
@@ -6364,8 +6364,8 @@
         </p:nvSpPr>
         <p:spPr>
           <a:xfrm>
-            <a:off x="6044127" y="2266321"/>
-            <a:ext cx="1075615" cy="369332"/>
+            <a:off x="5953557" y="2235544"/>
+            <a:ext cx="1256755" cy="430887"/>
           </a:xfrm>
           <a:prstGeom prst="rect">
             <a:avLst/>
@@ -6380,14 +6380,14 @@
           <a:p>
             <a:pPr algn="ctr" rtl="0"/>
             <a:r>
-              <a:rPr lang="en-GB" sz="2400" dirty="0">
+              <a:rPr lang="en-GB" sz="2800" dirty="0">
                 <a:latin typeface="Posterama" panose="020B0504020200020000" pitchFamily="34" charset="0"/>
                 <a:cs typeface="Posterama" panose="020B0504020200020000" pitchFamily="34" charset="0"/>
               </a:rPr>
               <a:t>work</a:t>
             </a:r>
             <a:r>
-              <a:rPr lang="en-GB" sz="2400" b="1" u="sng" dirty="0">
+              <a:rPr lang="en-GB" sz="2800" b="1" u="sng" dirty="0">
                 <a:latin typeface="Posterama" panose="020B0504020200020000" pitchFamily="34" charset="0"/>
                 <a:cs typeface="Posterama" panose="020B0504020200020000" pitchFamily="34" charset="0"/>
               </a:rPr>
@@ -6410,8 +6410,8 @@
         </p:nvSpPr>
         <p:spPr>
           <a:xfrm>
-            <a:off x="8039778" y="2266321"/>
-            <a:ext cx="1336904" cy="369332"/>
+            <a:off x="7926766" y="2235544"/>
+            <a:ext cx="1562928" cy="430887"/>
           </a:xfrm>
           <a:prstGeom prst="rect">
             <a:avLst/>
@@ -6426,14 +6426,14 @@
           <a:p>
             <a:pPr algn="ctr" rtl="0"/>
             <a:r>
-              <a:rPr lang="en-GB" sz="2400" b="1" dirty="0">
+              <a:rPr lang="en-GB" sz="2800" b="1" dirty="0">
                 <a:latin typeface="Posterama" panose="020B0504020200020000" pitchFamily="34" charset="0"/>
                 <a:cs typeface="Posterama" panose="020B0504020200020000" pitchFamily="34" charset="0"/>
               </a:rPr>
               <a:t>will</a:t>
             </a:r>
             <a:r>
-              <a:rPr lang="en-GB" sz="2400" dirty="0">
+              <a:rPr lang="en-GB" sz="2800" dirty="0">
                 <a:latin typeface="Posterama" panose="020B0504020200020000" pitchFamily="34" charset="0"/>
                 <a:cs typeface="Posterama" panose="020B0504020200020000" pitchFamily="34" charset="0"/>
               </a:rPr>
@@ -6456,8 +6456,8 @@
         </p:nvSpPr>
         <p:spPr>
           <a:xfrm>
-            <a:off x="4097367" y="2976142"/>
-            <a:ext cx="716543" cy="369332"/>
+            <a:off x="4037254" y="2945365"/>
+            <a:ext cx="836769" cy="430887"/>
           </a:xfrm>
           <a:prstGeom prst="rect">
             <a:avLst/>
@@ -6472,7 +6472,7 @@
           <a:p>
             <a:pPr algn="ctr" rtl="0"/>
             <a:r>
-              <a:rPr lang="en-GB" sz="2400" dirty="0">
+              <a:rPr lang="en-GB" sz="2800" dirty="0">
                 <a:latin typeface="Posterama" panose="020B0504020200020000" pitchFamily="34" charset="0"/>
                 <a:cs typeface="Posterama" panose="020B0504020200020000" pitchFamily="34" charset="0"/>
               </a:rPr>
@@ -6495,8 +6495,8 @@
         </p:nvSpPr>
         <p:spPr>
           <a:xfrm>
-            <a:off x="6044127" y="2976142"/>
-            <a:ext cx="1075615" cy="369332"/>
+            <a:off x="5953557" y="2945365"/>
+            <a:ext cx="1256755" cy="430887"/>
           </a:xfrm>
           <a:prstGeom prst="rect">
             <a:avLst/>
@@ -6511,14 +6511,14 @@
           <a:p>
             <a:pPr algn="ctr" rtl="0"/>
             <a:r>
-              <a:rPr lang="en-GB" sz="2400" dirty="0">
+              <a:rPr lang="en-GB" sz="2800" dirty="0">
                 <a:latin typeface="Posterama" panose="020B0504020200020000" pitchFamily="34" charset="0"/>
                 <a:cs typeface="Posterama" panose="020B0504020200020000" pitchFamily="34" charset="0"/>
               </a:rPr>
               <a:t>work</a:t>
             </a:r>
             <a:r>
-              <a:rPr lang="en-GB" sz="2400" b="1" u="sng" dirty="0">
+              <a:rPr lang="en-GB" sz="2800" b="1" u="sng" dirty="0">
                 <a:latin typeface="Posterama" panose="020B0504020200020000" pitchFamily="34" charset="0"/>
                 <a:cs typeface="Posterama" panose="020B0504020200020000" pitchFamily="34" charset="0"/>
               </a:rPr>
@@ -6541,8 +6541,8 @@
         </p:nvSpPr>
         <p:spPr>
           <a:xfrm>
-            <a:off x="8039778" y="2976142"/>
-            <a:ext cx="1336904" cy="369332"/>
+            <a:off x="7926766" y="2945365"/>
+            <a:ext cx="1562928" cy="430887"/>
           </a:xfrm>
           <a:prstGeom prst="rect">
             <a:avLst/>
@@ -6557,14 +6557,14 @@
           <a:p>
             <a:pPr algn="ctr" rtl="0"/>
             <a:r>
-              <a:rPr lang="en-GB" sz="2400" b="1" dirty="0">
+              <a:rPr lang="en-GB" sz="2800" b="1" dirty="0">
                 <a:latin typeface="Posterama" panose="020B0504020200020000" pitchFamily="34" charset="0"/>
                 <a:cs typeface="Posterama" panose="020B0504020200020000" pitchFamily="34" charset="0"/>
               </a:rPr>
               <a:t>will</a:t>
             </a:r>
             <a:r>
-              <a:rPr lang="en-GB" sz="2400" dirty="0">
+              <a:rPr lang="en-GB" sz="2800" dirty="0">
                 <a:latin typeface="Posterama" panose="020B0504020200020000" pitchFamily="34" charset="0"/>
                 <a:cs typeface="Posterama" panose="020B0504020200020000" pitchFamily="34" charset="0"/>
               </a:rPr>
@@ -6587,8 +6587,8 @@
         </p:nvSpPr>
         <p:spPr>
           <a:xfrm>
-            <a:off x="4022026" y="3712400"/>
-            <a:ext cx="867225" cy="369332"/>
+            <a:off x="3949089" y="3681623"/>
+            <a:ext cx="1013099" cy="430887"/>
           </a:xfrm>
           <a:prstGeom prst="rect">
             <a:avLst/>
@@ -6603,14 +6603,14 @@
           <a:p>
             <a:pPr algn="ctr" rtl="0"/>
             <a:r>
-              <a:rPr lang="en-GB" sz="2400" dirty="0">
+              <a:rPr lang="en-GB" sz="2800" dirty="0">
                 <a:latin typeface="Posterama" panose="020B0504020200020000" pitchFamily="34" charset="0"/>
                 <a:cs typeface="Posterama" panose="020B0504020200020000" pitchFamily="34" charset="0"/>
               </a:rPr>
               <a:t>work</a:t>
             </a:r>
             <a:r>
-              <a:rPr lang="en-GB" sz="2400" b="1" u="sng" dirty="0">
+              <a:rPr lang="en-GB" sz="2800" b="1" u="sng" dirty="0">
                 <a:latin typeface="Posterama" panose="020B0504020200020000" pitchFamily="34" charset="0"/>
                 <a:cs typeface="Posterama" panose="020B0504020200020000" pitchFamily="34" charset="0"/>
               </a:rPr>
@@ -6633,8 +6633,8 @@
         </p:nvSpPr>
         <p:spPr>
           <a:xfrm>
-            <a:off x="6044127" y="3712400"/>
-            <a:ext cx="1075615" cy="369332"/>
+            <a:off x="5953557" y="3681623"/>
+            <a:ext cx="1256755" cy="430887"/>
           </a:xfrm>
           <a:prstGeom prst="rect">
             <a:avLst/>
@@ -6649,14 +6649,14 @@
           <a:p>
             <a:pPr algn="ctr" rtl="0"/>
             <a:r>
-              <a:rPr lang="en-GB" sz="2400" dirty="0">
+              <a:rPr lang="en-GB" sz="2800" dirty="0">
                 <a:latin typeface="Posterama" panose="020B0504020200020000" pitchFamily="34" charset="0"/>
                 <a:cs typeface="Posterama" panose="020B0504020200020000" pitchFamily="34" charset="0"/>
               </a:rPr>
               <a:t>work</a:t>
             </a:r>
             <a:r>
-              <a:rPr lang="en-GB" sz="2400" b="1" u="sng" dirty="0">
+              <a:rPr lang="en-GB" sz="2800" b="1" u="sng" dirty="0">
                 <a:latin typeface="Posterama" panose="020B0504020200020000" pitchFamily="34" charset="0"/>
                 <a:cs typeface="Posterama" panose="020B0504020200020000" pitchFamily="34" charset="0"/>
               </a:rPr>
@@ -6679,8 +6679,8 @@
         </p:nvSpPr>
         <p:spPr>
           <a:xfrm>
-            <a:off x="8039778" y="3712400"/>
-            <a:ext cx="1336904" cy="369332"/>
+            <a:off x="7926766" y="3681623"/>
+            <a:ext cx="1562928" cy="430887"/>
           </a:xfrm>
           <a:prstGeom prst="rect">
             <a:avLst/>
@@ -6695,14 +6695,14 @@
           <a:p>
             <a:pPr algn="ctr" rtl="0"/>
             <a:r>
-              <a:rPr lang="en-GB" sz="2400" b="1" dirty="0">
+              <a:rPr lang="en-GB" sz="2800" b="1" dirty="0">
                 <a:latin typeface="Posterama" panose="020B0504020200020000" pitchFamily="34" charset="0"/>
                 <a:cs typeface="Posterama" panose="020B0504020200020000" pitchFamily="34" charset="0"/>
               </a:rPr>
               <a:t>will</a:t>
             </a:r>
             <a:r>
-              <a:rPr lang="en-GB" sz="2400" dirty="0">
+              <a:rPr lang="en-GB" sz="2800" dirty="0">
                 <a:latin typeface="Posterama" panose="020B0504020200020000" pitchFamily="34" charset="0"/>
                 <a:cs typeface="Posterama" panose="020B0504020200020000" pitchFamily="34" charset="0"/>
               </a:rPr>
@@ -6725,8 +6725,8 @@
         </p:nvSpPr>
         <p:spPr>
           <a:xfrm>
-            <a:off x="4097367" y="4432241"/>
-            <a:ext cx="716543" cy="369332"/>
+            <a:off x="4037254" y="4401464"/>
+            <a:ext cx="836769" cy="430887"/>
           </a:xfrm>
           <a:prstGeom prst="rect">
             <a:avLst/>
@@ -6741,7 +6741,7 @@
           <a:p>
             <a:pPr algn="ctr" rtl="0"/>
             <a:r>
-              <a:rPr lang="en-GB" sz="2400" dirty="0">
+              <a:rPr lang="en-GB" sz="2800" dirty="0">
                 <a:latin typeface="Posterama" panose="020B0504020200020000" pitchFamily="34" charset="0"/>
                 <a:cs typeface="Posterama" panose="020B0504020200020000" pitchFamily="34" charset="0"/>
               </a:rPr>
@@ -6764,8 +6764,8 @@
         </p:nvSpPr>
         <p:spPr>
           <a:xfrm>
-            <a:off x="6044127" y="4432241"/>
-            <a:ext cx="1075615" cy="369332"/>
+            <a:off x="5953557" y="4401464"/>
+            <a:ext cx="1256755" cy="430887"/>
           </a:xfrm>
           <a:prstGeom prst="rect">
             <a:avLst/>
@@ -6780,14 +6780,14 @@
           <a:p>
             <a:pPr algn="ctr" rtl="0"/>
             <a:r>
-              <a:rPr lang="en-GB" sz="2400" dirty="0">
+              <a:rPr lang="en-GB" sz="2800" dirty="0">
                 <a:latin typeface="Posterama" panose="020B0504020200020000" pitchFamily="34" charset="0"/>
                 <a:cs typeface="Posterama" panose="020B0504020200020000" pitchFamily="34" charset="0"/>
               </a:rPr>
               <a:t>work</a:t>
             </a:r>
             <a:r>
-              <a:rPr lang="en-GB" sz="2400" b="1" u="sng" dirty="0">
+              <a:rPr lang="en-GB" sz="2800" b="1" u="sng" dirty="0">
                 <a:latin typeface="Posterama" panose="020B0504020200020000" pitchFamily="34" charset="0"/>
                 <a:cs typeface="Posterama" panose="020B0504020200020000" pitchFamily="34" charset="0"/>
               </a:rPr>
@@ -6810,8 +6810,8 @@
         </p:nvSpPr>
         <p:spPr>
           <a:xfrm>
-            <a:off x="8039778" y="4432241"/>
-            <a:ext cx="1336904" cy="369332"/>
+            <a:off x="7926766" y="4401464"/>
+            <a:ext cx="1562928" cy="430887"/>
           </a:xfrm>
           <a:prstGeom prst="rect">
             <a:avLst/>
@@ -6826,14 +6826,14 @@
           <a:p>
             <a:pPr algn="ctr" rtl="0"/>
             <a:r>
-              <a:rPr lang="en-GB" sz="2400" b="1" dirty="0">
+              <a:rPr lang="en-GB" sz="2800" b="1" dirty="0">
                 <a:latin typeface="Posterama" panose="020B0504020200020000" pitchFamily="34" charset="0"/>
                 <a:cs typeface="Posterama" panose="020B0504020200020000" pitchFamily="34" charset="0"/>
               </a:rPr>
               <a:t>will</a:t>
             </a:r>
             <a:r>
-              <a:rPr lang="en-GB" sz="2400" dirty="0">
+              <a:rPr lang="en-GB" sz="2800" dirty="0">
                 <a:latin typeface="Posterama" panose="020B0504020200020000" pitchFamily="34" charset="0"/>
                 <a:cs typeface="Posterama" panose="020B0504020200020000" pitchFamily="34" charset="0"/>
               </a:rPr>
@@ -6856,8 +6856,8 @@
         </p:nvSpPr>
         <p:spPr>
           <a:xfrm>
-            <a:off x="4097367" y="5225533"/>
-            <a:ext cx="716543" cy="369332"/>
+            <a:off x="4037254" y="5194756"/>
+            <a:ext cx="836769" cy="430887"/>
           </a:xfrm>
           <a:prstGeom prst="rect">
             <a:avLst/>
@@ -6872,7 +6872,7 @@
           <a:p>
             <a:pPr algn="ctr" rtl="0"/>
             <a:r>
-              <a:rPr lang="en-GB" sz="2400" dirty="0">
+              <a:rPr lang="en-GB" sz="2800" dirty="0">
                 <a:latin typeface="Posterama" panose="020B0504020200020000" pitchFamily="34" charset="0"/>
                 <a:cs typeface="Posterama" panose="020B0504020200020000" pitchFamily="34" charset="0"/>
               </a:rPr>
@@ -6895,8 +6895,8 @@
         </p:nvSpPr>
         <p:spPr>
           <a:xfrm>
-            <a:off x="6044127" y="5225533"/>
-            <a:ext cx="1075615" cy="369332"/>
+            <a:off x="5953557" y="5194756"/>
+            <a:ext cx="1256755" cy="430887"/>
           </a:xfrm>
           <a:prstGeom prst="rect">
             <a:avLst/>
@@ -6911,14 +6911,14 @@
           <a:p>
             <a:pPr algn="ctr" rtl="0"/>
             <a:r>
-              <a:rPr lang="en-GB" sz="2400" dirty="0">
+              <a:rPr lang="en-GB" sz="2800" dirty="0">
                 <a:latin typeface="Posterama" panose="020B0504020200020000" pitchFamily="34" charset="0"/>
                 <a:cs typeface="Posterama" panose="020B0504020200020000" pitchFamily="34" charset="0"/>
               </a:rPr>
               <a:t>work</a:t>
             </a:r>
             <a:r>
-              <a:rPr lang="en-GB" sz="2400" b="1" u="sng" dirty="0">
+              <a:rPr lang="en-GB" sz="2800" b="1" u="sng" dirty="0">
                 <a:latin typeface="Posterama" panose="020B0504020200020000" pitchFamily="34" charset="0"/>
                 <a:cs typeface="Posterama" panose="020B0504020200020000" pitchFamily="34" charset="0"/>
               </a:rPr>
@@ -6941,8 +6941,8 @@
         </p:nvSpPr>
         <p:spPr>
           <a:xfrm>
-            <a:off x="8039778" y="5225533"/>
-            <a:ext cx="1336904" cy="369332"/>
+            <a:off x="7926766" y="5194756"/>
+            <a:ext cx="1562928" cy="430887"/>
           </a:xfrm>
           <a:prstGeom prst="rect">
             <a:avLst/>
@@ -6957,14 +6957,14 @@
           <a:p>
             <a:pPr algn="ctr" rtl="0"/>
             <a:r>
-              <a:rPr lang="en-GB" sz="2400" b="1" dirty="0">
+              <a:rPr lang="en-GB" sz="2800" b="1" dirty="0">
                 <a:latin typeface="Posterama" panose="020B0504020200020000" pitchFamily="34" charset="0"/>
                 <a:cs typeface="Posterama" panose="020B0504020200020000" pitchFamily="34" charset="0"/>
               </a:rPr>
               <a:t>will</a:t>
             </a:r>
             <a:r>
-              <a:rPr lang="en-GB" sz="2400" dirty="0">
+              <a:rPr lang="en-GB" sz="2800" dirty="0">
                 <a:latin typeface="Posterama" panose="020B0504020200020000" pitchFamily="34" charset="0"/>
                 <a:cs typeface="Posterama" panose="020B0504020200020000" pitchFamily="34" charset="0"/>
               </a:rPr>
@@ -24351,12 +24351,23 @@
 </file>
 
 <file path=customXml/item1.xml><?xml version="1.0" encoding="utf-8"?>
-<?mso-contentType ?>
-<FormTemplates xmlns="http://schemas.microsoft.com/sharepoint/v3/contenttype/forms">
-  <Display>DocumentLibraryForm</Display>
-  <Edit>DocumentLibraryForm</Edit>
-  <New>DocumentLibraryForm</New>
-</FormTemplates>
+<p:properties xmlns:p="http://schemas.microsoft.com/office/2006/metadata/properties" xmlns:xsi="http://www.w3.org/2001/XMLSchema-instance" xmlns:pc="http://schemas.microsoft.com/office/infopath/2007/PartnerControls">
+  <documentManagement>
+    <_ip_UnifiedCompliancePolicyUIAction xmlns="http://schemas.microsoft.com/sharepoint/v3" xsi:nil="true"/>
+    <Image xmlns="71af3243-3dd4-4a8d-8c0d-dd76da1f02a5">
+      <Url xsi:nil="true"/>
+      <Description xsi:nil="true"/>
+    </Image>
+    <Status xmlns="71af3243-3dd4-4a8d-8c0d-dd76da1f02a5">Not started</Status>
+    <Background xmlns="71af3243-3dd4-4a8d-8c0d-dd76da1f02a5">false</Background>
+    <_ip_UnifiedCompliancePolicyProperties xmlns="http://schemas.microsoft.com/sharepoint/v3" xsi:nil="true"/>
+    <ImageTagsTaxHTField xmlns="71af3243-3dd4-4a8d-8c0d-dd76da1f02a5">
+      <Terms xmlns="http://schemas.microsoft.com/office/infopath/2007/PartnerControls"/>
+    </ImageTagsTaxHTField>
+    <TaxCatchAll xmlns="230e9df3-be65-4c73-a93b-d1236ebd677e" xsi:nil="true"/>
+    <MediaServiceKeyPoints xmlns="71af3243-3dd4-4a8d-8c0d-dd76da1f02a5" xsi:nil="true"/>
+  </documentManagement>
+</p:properties>
 </file>
 
 <file path=customXml/item2.xml><?xml version="1.0" encoding="utf-8"?>
@@ -24648,29 +24659,29 @@
 </file>
 
 <file path=customXml/item3.xml><?xml version="1.0" encoding="utf-8"?>
-<p:properties xmlns:p="http://schemas.microsoft.com/office/2006/metadata/properties" xmlns:xsi="http://www.w3.org/2001/XMLSchema-instance" xmlns:pc="http://schemas.microsoft.com/office/infopath/2007/PartnerControls">
-  <documentManagement>
-    <_ip_UnifiedCompliancePolicyUIAction xmlns="http://schemas.microsoft.com/sharepoint/v3" xsi:nil="true"/>
-    <Image xmlns="71af3243-3dd4-4a8d-8c0d-dd76da1f02a5">
-      <Url xsi:nil="true"/>
-      <Description xsi:nil="true"/>
-    </Image>
-    <Status xmlns="71af3243-3dd4-4a8d-8c0d-dd76da1f02a5">Not started</Status>
-    <Background xmlns="71af3243-3dd4-4a8d-8c0d-dd76da1f02a5">false</Background>
-    <_ip_UnifiedCompliancePolicyProperties xmlns="http://schemas.microsoft.com/sharepoint/v3" xsi:nil="true"/>
-    <ImageTagsTaxHTField xmlns="71af3243-3dd4-4a8d-8c0d-dd76da1f02a5">
-      <Terms xmlns="http://schemas.microsoft.com/office/infopath/2007/PartnerControls"/>
-    </ImageTagsTaxHTField>
-    <TaxCatchAll xmlns="230e9df3-be65-4c73-a93b-d1236ebd677e" xsi:nil="true"/>
-    <MediaServiceKeyPoints xmlns="71af3243-3dd4-4a8d-8c0d-dd76da1f02a5" xsi:nil="true"/>
-  </documentManagement>
-</p:properties>
+<?mso-contentType ?>
+<FormTemplates xmlns="http://schemas.microsoft.com/sharepoint/v3/contenttype/forms">
+  <Display>DocumentLibraryForm</Display>
+  <Edit>DocumentLibraryForm</Edit>
+  <New>DocumentLibraryForm</New>
+</FormTemplates>
 </file>
 
 <file path=customXml/itemProps1.xml><?xml version="1.0" encoding="utf-8"?>
-<ds:datastoreItem xmlns:ds="http://schemas.openxmlformats.org/officeDocument/2006/customXml" ds:itemID="{3AD23832-4FF3-481A-BF21-E685DF749377}">
+<ds:datastoreItem xmlns:ds="http://schemas.openxmlformats.org/officeDocument/2006/customXml" ds:itemID="{1024ABD0-81DD-4E89-ADBD-FD03EEA4B679}">
   <ds:schemaRefs>
-    <ds:schemaRef ds:uri="http://schemas.microsoft.com/sharepoint/v3/contenttype/forms"/>
+    <ds:schemaRef ds:uri="http://schemas.openxmlformats.org/package/2006/metadata/core-properties"/>
+    <ds:schemaRef ds:uri="http://www.w3.org/XML/1998/namespace"/>
+    <ds:schemaRef ds:uri="16c05727-aa75-4e4a-9b5f-8a80a1165891"/>
+    <ds:schemaRef ds:uri="http://purl.org/dc/elements/1.1/"/>
+    <ds:schemaRef ds:uri="http://purl.org/dc/dcmitype/"/>
+    <ds:schemaRef ds:uri="http://schemas.microsoft.com/office/infopath/2007/PartnerControls"/>
+    <ds:schemaRef ds:uri="230e9df3-be65-4c73-a93b-d1236ebd677e"/>
+    <ds:schemaRef ds:uri="71af3243-3dd4-4a8d-8c0d-dd76da1f02a5"/>
+    <ds:schemaRef ds:uri="http://schemas.microsoft.com/office/2006/documentManagement/types"/>
+    <ds:schemaRef ds:uri="http://schemas.microsoft.com/sharepoint/v3"/>
+    <ds:schemaRef ds:uri="http://schemas.microsoft.com/office/2006/metadata/properties"/>
+    <ds:schemaRef ds:uri="http://purl.org/dc/terms/"/>
   </ds:schemaRefs>
 </ds:datastoreItem>
 </file>
@@ -24697,20 +24708,9 @@
 </file>
 
 <file path=customXml/itemProps3.xml><?xml version="1.0" encoding="utf-8"?>
-<ds:datastoreItem xmlns:ds="http://schemas.openxmlformats.org/officeDocument/2006/customXml" ds:itemID="{1024ABD0-81DD-4E89-ADBD-FD03EEA4B679}">
+<ds:datastoreItem xmlns:ds="http://schemas.openxmlformats.org/officeDocument/2006/customXml" ds:itemID="{3AD23832-4FF3-481A-BF21-E685DF749377}">
   <ds:schemaRefs>
-    <ds:schemaRef ds:uri="http://schemas.openxmlformats.org/package/2006/metadata/core-properties"/>
-    <ds:schemaRef ds:uri="http://www.w3.org/XML/1998/namespace"/>
-    <ds:schemaRef ds:uri="16c05727-aa75-4e4a-9b5f-8a80a1165891"/>
-    <ds:schemaRef ds:uri="http://purl.org/dc/elements/1.1/"/>
-    <ds:schemaRef ds:uri="http://purl.org/dc/dcmitype/"/>
-    <ds:schemaRef ds:uri="http://schemas.microsoft.com/office/infopath/2007/PartnerControls"/>
-    <ds:schemaRef ds:uri="230e9df3-be65-4c73-a93b-d1236ebd677e"/>
-    <ds:schemaRef ds:uri="71af3243-3dd4-4a8d-8c0d-dd76da1f02a5"/>
-    <ds:schemaRef ds:uri="http://schemas.microsoft.com/office/2006/documentManagement/types"/>
-    <ds:schemaRef ds:uri="http://schemas.microsoft.com/sharepoint/v3"/>
-    <ds:schemaRef ds:uri="http://schemas.microsoft.com/office/2006/metadata/properties"/>
-    <ds:schemaRef ds:uri="http://purl.org/dc/terms/"/>
+    <ds:schemaRef ds:uri="http://schemas.microsoft.com/sharepoint/v3/contenttype/forms"/>
   </ds:schemaRefs>
 </ds:datastoreItem>
 </file>
--- a/public/docs/Reviews.pptx
+++ b/public/docs/Reviews.pptx
@@ -9192,8 +9192,8 @@
         </p:nvSpPr>
         <p:spPr>
           <a:xfrm>
-            <a:off x="3448105" y="249530"/>
-            <a:ext cx="6425718" cy="492443"/>
+            <a:off x="3857021" y="122735"/>
+            <a:ext cx="6425718" cy="677108"/>
           </a:xfrm>
           <a:prstGeom prst="rect">
             <a:avLst/>
@@ -9208,13 +9208,15 @@
           <a:p>
             <a:pPr algn="ctr" rtl="0"/>
             <a:r>
-              <a:rPr lang="en-GB" sz="3200" b="1" dirty="0">
-                <a:latin typeface="+mj-lt"/>
+              <a:rPr lang="en-GB" sz="4400" b="1" dirty="0">
+                <a:latin typeface="Posterama" panose="020B0504020200020000" pitchFamily="34" charset="0"/>
+                <a:cs typeface="Posterama" panose="020B0504020200020000" pitchFamily="34" charset="0"/>
               </a:rPr>
               <a:t>CONTINUOUS TENSE</a:t>
             </a:r>
-            <a:endParaRPr lang="en-GB" sz="3600" dirty="0">
-              <a:latin typeface="+mj-lt"/>
+            <a:endParaRPr lang="en-GB" sz="4800" dirty="0">
+              <a:latin typeface="Posterama" panose="020B0504020200020000" pitchFamily="34" charset="0"/>
+              <a:cs typeface="Posterama" panose="020B0504020200020000" pitchFamily="34" charset="0"/>
             </a:endParaRPr>
           </a:p>
         </p:txBody>
@@ -9233,8 +9235,8 @@
         </p:nvSpPr>
         <p:spPr>
           <a:xfrm>
-            <a:off x="3493308" y="763422"/>
-            <a:ext cx="6425717" cy="307777"/>
+            <a:off x="3612505" y="754490"/>
+            <a:ext cx="7068312" cy="369332"/>
           </a:xfrm>
           <a:prstGeom prst="rect">
             <a:avLst/>
@@ -9249,18 +9251,30 @@
           <a:p>
             <a:pPr algn="ctr" rtl="0"/>
             <a:r>
-              <a:rPr lang="uk-UA" sz="2000" dirty="0"/>
+              <a:rPr lang="uk-UA" sz="2400" dirty="0">
+                <a:latin typeface="Posterama" panose="020B0504020200020000" pitchFamily="34" charset="0"/>
+                <a:cs typeface="Posterama" panose="020B0504020200020000" pitchFamily="34" charset="0"/>
+              </a:rPr>
               <a:t>Показує, що</a:t>
             </a:r>
             <a:r>
-              <a:rPr lang="ru-RU" sz="2000" dirty="0"/>
+              <a:rPr lang="ru-RU" sz="2400" dirty="0">
+                <a:latin typeface="Posterama" panose="020B0504020200020000" pitchFamily="34" charset="0"/>
+                <a:cs typeface="Posterama" panose="020B0504020200020000" pitchFamily="34" charset="0"/>
+              </a:rPr>
               <a:t> </a:t>
             </a:r>
             <a:r>
-              <a:rPr lang="ru-RU" sz="2000" b="1" dirty="0"/>
+              <a:rPr lang="ru-RU" sz="2400" b="1" dirty="0">
+                <a:latin typeface="Posterama" panose="020B0504020200020000" pitchFamily="34" charset="0"/>
+                <a:cs typeface="Posterama" panose="020B0504020200020000" pitchFamily="34" charset="0"/>
+              </a:rPr>
               <a:t>дія триває у певний момент часу</a:t>
             </a:r>
-            <a:endParaRPr lang="en-GB" sz="2000" b="1" dirty="0"/>
+            <a:endParaRPr lang="en-GB" sz="2400" b="1" dirty="0">
+              <a:latin typeface="Posterama" panose="020B0504020200020000" pitchFamily="34" charset="0"/>
+              <a:cs typeface="Posterama" panose="020B0504020200020000" pitchFamily="34" charset="0"/>
+            </a:endParaRPr>
           </a:p>
         </p:txBody>
       </p:sp>
@@ -9282,17 +9296,17 @@
         <p:spPr>
           <a:xfrm>
             <a:off x="3448105" y="1447801"/>
-            <a:ext cx="6516124" cy="560290"/>
+            <a:ext cx="7341814" cy="560290"/>
           </a:xfrm>
           <a:prstGeom prst="roundRect">
             <a:avLst>
-              <a:gd name="adj" fmla="val 50000"/>
+              <a:gd name="adj" fmla="val 28784"/>
             </a:avLst>
           </a:prstGeom>
           <a:solidFill>
-            <a:schemeClr val="accent1">
+            <a:srgbClr val="66B2B0">
               <a:alpha val="55000"/>
-            </a:schemeClr>
+            </a:srgbClr>
           </a:solidFill>
           <a:ln w="9525">
             <a:noFill/>
@@ -9337,8 +9351,8 @@
         </p:nvSpPr>
         <p:spPr>
           <a:xfrm>
-            <a:off x="4095154" y="1604836"/>
-            <a:ext cx="720967" cy="246221"/>
+            <a:off x="3840188" y="1527892"/>
+            <a:ext cx="1505220" cy="400110"/>
           </a:xfrm>
           <a:prstGeom prst="rect">
             <a:avLst/>
@@ -9353,7 +9367,10 @@
           <a:p>
             <a:pPr algn="ctr" rtl="0"/>
             <a:r>
-              <a:rPr lang="en-GB" sz="1600" b="1" dirty="0"/>
+              <a:rPr lang="en-GB" sz="2600" b="1" dirty="0">
+                <a:latin typeface="Posterama" panose="020B0504020200020000" pitchFamily="34" charset="0"/>
+                <a:cs typeface="Posterama" panose="020B0504020200020000" pitchFamily="34" charset="0"/>
+              </a:rPr>
               <a:t>PRESENT</a:t>
             </a:r>
           </a:p>
@@ -9373,8 +9390,8 @@
         </p:nvSpPr>
         <p:spPr>
           <a:xfrm>
-            <a:off x="6387682" y="1604836"/>
-            <a:ext cx="388504" cy="246221"/>
+            <a:off x="6357031" y="1527892"/>
+            <a:ext cx="870431" cy="400110"/>
           </a:xfrm>
           <a:prstGeom prst="rect">
             <a:avLst/>
@@ -9389,7 +9406,10 @@
           <a:p>
             <a:pPr algn="ctr" rtl="0"/>
             <a:r>
-              <a:rPr lang="en-GB" sz="1600" b="1" dirty="0"/>
+              <a:rPr lang="en-GB" sz="2600" b="1" dirty="0">
+                <a:latin typeface="Posterama" panose="020B0504020200020000" pitchFamily="34" charset="0"/>
+                <a:cs typeface="Posterama" panose="020B0504020200020000" pitchFamily="34" charset="0"/>
+              </a:rPr>
               <a:t>PAST</a:t>
             </a:r>
           </a:p>
@@ -9409,8 +9429,8 @@
         </p:nvSpPr>
         <p:spPr>
           <a:xfrm>
-            <a:off x="8382017" y="1604836"/>
-            <a:ext cx="652423" cy="246221"/>
+            <a:off x="8944231" y="1527892"/>
+            <a:ext cx="1338508" cy="400110"/>
           </a:xfrm>
           <a:prstGeom prst="rect">
             <a:avLst/>
@@ -9425,7 +9445,10 @@
           <a:p>
             <a:pPr algn="ctr" rtl="0"/>
             <a:r>
-              <a:rPr lang="en-GB" sz="1600" b="1" dirty="0"/>
+              <a:rPr lang="en-GB" sz="2600" b="1" dirty="0">
+                <a:latin typeface="Posterama" panose="020B0504020200020000" pitchFamily="34" charset="0"/>
+                <a:cs typeface="Posterama" panose="020B0504020200020000" pitchFamily="34" charset="0"/>
+              </a:rPr>
               <a:t>FUTURE</a:t>
             </a:r>
           </a:p>
@@ -9448,20 +9471,18 @@
         </p:nvSpPr>
         <p:spPr>
           <a:xfrm>
-            <a:off x="3448105" y="2170841"/>
-            <a:ext cx="6516124" cy="560290"/>
+            <a:off x="3448104" y="2170841"/>
+            <a:ext cx="7341815" cy="560290"/>
           </a:xfrm>
           <a:prstGeom prst="roundRect">
             <a:avLst>
-              <a:gd name="adj" fmla="val 50000"/>
+              <a:gd name="adj" fmla="val 28784"/>
             </a:avLst>
           </a:prstGeom>
           <a:solidFill>
-            <a:schemeClr val="tx2">
-              <a:lumMod val="40000"/>
-              <a:lumOff val="60000"/>
+            <a:srgbClr val="C7DFDC">
               <a:alpha val="25000"/>
-            </a:schemeClr>
+            </a:srgbClr>
           </a:solidFill>
           <a:ln w="9525">
             <a:noFill/>
@@ -9514,13 +9535,13 @@
           </a:xfrm>
           <a:prstGeom prst="roundRect">
             <a:avLst>
-              <a:gd name="adj" fmla="val 50000"/>
+              <a:gd name="adj" fmla="val 25520"/>
             </a:avLst>
           </a:prstGeom>
           <a:solidFill>
-            <a:schemeClr val="accent1">
+            <a:srgbClr val="66B2B0">
               <a:alpha val="55000"/>
-            </a:schemeClr>
+            </a:srgbClr>
           </a:solidFill>
           <a:ln w="9525">
             <a:noFill/>
@@ -9565,8 +9586,8 @@
         </p:nvSpPr>
         <p:spPr>
           <a:xfrm>
-            <a:off x="1818563" y="2327876"/>
-            <a:ext cx="49693" cy="246221"/>
+            <a:off x="1793717" y="2266321"/>
+            <a:ext cx="99387" cy="369332"/>
           </a:xfrm>
           <a:prstGeom prst="rect">
             <a:avLst/>
@@ -9581,7 +9602,10 @@
           <a:p>
             <a:pPr algn="ctr" rtl="0"/>
             <a:r>
-              <a:rPr lang="en-GB" sz="1600" b="1" dirty="0"/>
+              <a:rPr lang="en-GB" sz="2400" b="1" dirty="0">
+                <a:latin typeface="Posterama" panose="020B0504020200020000" pitchFamily="34" charset="0"/>
+                <a:cs typeface="Posterama" panose="020B0504020200020000" pitchFamily="34" charset="0"/>
+              </a:rPr>
               <a:t>I</a:t>
             </a:r>
           </a:p>
@@ -9609,13 +9633,13 @@
           </a:xfrm>
           <a:prstGeom prst="roundRect">
             <a:avLst>
-              <a:gd name="adj" fmla="val 50000"/>
+              <a:gd name="adj" fmla="val 28784"/>
             </a:avLst>
           </a:prstGeom>
           <a:solidFill>
-            <a:schemeClr val="tx2">
+            <a:srgbClr val="C8DFDE">
               <a:alpha val="55000"/>
-            </a:schemeClr>
+            </a:srgbClr>
           </a:solidFill>
           <a:ln w="9525">
             <a:noFill/>
@@ -9663,20 +9687,18 @@
         </p:nvSpPr>
         <p:spPr>
           <a:xfrm>
-            <a:off x="3448105" y="2893881"/>
-            <a:ext cx="6516124" cy="560290"/>
+            <a:off x="3448104" y="2893881"/>
+            <a:ext cx="7341815" cy="560290"/>
           </a:xfrm>
           <a:prstGeom prst="roundRect">
             <a:avLst>
-              <a:gd name="adj" fmla="val 50000"/>
+              <a:gd name="adj" fmla="val 30416"/>
             </a:avLst>
           </a:prstGeom>
           <a:solidFill>
-            <a:schemeClr val="tx2">
-              <a:lumMod val="40000"/>
-              <a:lumOff val="60000"/>
+            <a:srgbClr val="C7DFDC">
               <a:alpha val="25000"/>
-            </a:schemeClr>
+            </a:srgbClr>
           </a:solidFill>
           <a:ln w="9525">
             <a:noFill/>
@@ -9721,8 +9743,8 @@
         </p:nvSpPr>
         <p:spPr>
           <a:xfrm>
-            <a:off x="1695195" y="3050915"/>
-            <a:ext cx="296428" cy="246221"/>
+            <a:off x="1551664" y="2989360"/>
+            <a:ext cx="583494" cy="369332"/>
           </a:xfrm>
           <a:prstGeom prst="rect">
             <a:avLst/>
@@ -9737,7 +9759,10 @@
           <a:p>
             <a:pPr algn="ctr" rtl="0"/>
             <a:r>
-              <a:rPr lang="en-GB" sz="1600" b="1" dirty="0"/>
+              <a:rPr lang="en-GB" sz="2400" b="1" dirty="0">
+                <a:latin typeface="Posterama" panose="020B0504020200020000" pitchFamily="34" charset="0"/>
+                <a:cs typeface="Posterama" panose="020B0504020200020000" pitchFamily="34" charset="0"/>
+              </a:rPr>
               <a:t>You</a:t>
             </a:r>
           </a:p>
@@ -9765,13 +9790,13 @@
           </a:xfrm>
           <a:prstGeom prst="roundRect">
             <a:avLst>
-              <a:gd name="adj" fmla="val 50000"/>
+              <a:gd name="adj" fmla="val 33680"/>
             </a:avLst>
           </a:prstGeom>
           <a:solidFill>
-            <a:schemeClr val="accent1">
+            <a:srgbClr val="66B2B0">
               <a:alpha val="55000"/>
-            </a:schemeClr>
+            </a:srgbClr>
           </a:solidFill>
           <a:ln w="9525">
             <a:noFill/>
@@ -9819,20 +9844,18 @@
         </p:nvSpPr>
         <p:spPr>
           <a:xfrm>
-            <a:off x="3448105" y="3616921"/>
-            <a:ext cx="6516124" cy="560290"/>
+            <a:off x="3448104" y="3616921"/>
+            <a:ext cx="7341815" cy="560290"/>
           </a:xfrm>
           <a:prstGeom prst="roundRect">
             <a:avLst>
-              <a:gd name="adj" fmla="val 50000"/>
+              <a:gd name="adj" fmla="val 25520"/>
             </a:avLst>
           </a:prstGeom>
           <a:solidFill>
-            <a:schemeClr val="tx2">
-              <a:lumMod val="40000"/>
-              <a:lumOff val="60000"/>
+            <a:srgbClr val="C7DFDC">
               <a:alpha val="25000"/>
-            </a:schemeClr>
+            </a:srgbClr>
           </a:solidFill>
           <a:ln w="9525">
             <a:noFill/>
@@ -9877,8 +9900,8 @@
         </p:nvSpPr>
         <p:spPr>
           <a:xfrm>
-            <a:off x="1452279" y="3773955"/>
-            <a:ext cx="782266" cy="246221"/>
+            <a:off x="1112444" y="3712400"/>
+            <a:ext cx="1461939" cy="369332"/>
           </a:xfrm>
           <a:prstGeom prst="rect">
             <a:avLst/>
@@ -9893,7 +9916,10 @@
           <a:p>
             <a:pPr algn="ctr" rtl="0"/>
             <a:r>
-              <a:rPr lang="en-GB" sz="1600" b="1" dirty="0"/>
+              <a:rPr lang="en-GB" sz="2400" b="1" dirty="0">
+                <a:latin typeface="Posterama" panose="020B0504020200020000" pitchFamily="34" charset="0"/>
+                <a:cs typeface="Posterama" panose="020B0504020200020000" pitchFamily="34" charset="0"/>
+              </a:rPr>
               <a:t>He/She/It</a:t>
             </a:r>
           </a:p>
@@ -9921,13 +9947,13 @@
           </a:xfrm>
           <a:prstGeom prst="roundRect">
             <a:avLst>
-              <a:gd name="adj" fmla="val 50000"/>
+              <a:gd name="adj" fmla="val 35312"/>
             </a:avLst>
           </a:prstGeom>
           <a:solidFill>
-            <a:schemeClr val="tx2">
+            <a:srgbClr val="C8DFDE">
               <a:alpha val="55000"/>
-            </a:schemeClr>
+            </a:srgbClr>
           </a:solidFill>
           <a:ln w="9525">
             <a:noFill/>
@@ -9975,20 +10001,18 @@
         </p:nvSpPr>
         <p:spPr>
           <a:xfrm>
-            <a:off x="3448105" y="4339961"/>
-            <a:ext cx="6516124" cy="560290"/>
+            <a:off x="3448104" y="4339961"/>
+            <a:ext cx="7341815" cy="560290"/>
           </a:xfrm>
           <a:prstGeom prst="roundRect">
             <a:avLst>
-              <a:gd name="adj" fmla="val 50000"/>
+              <a:gd name="adj" fmla="val 30416"/>
             </a:avLst>
           </a:prstGeom>
           <a:solidFill>
-            <a:schemeClr val="tx2">
-              <a:lumMod val="40000"/>
-              <a:lumOff val="60000"/>
+            <a:srgbClr val="C7DFDC">
               <a:alpha val="25000"/>
-            </a:schemeClr>
+            </a:srgbClr>
           </a:solidFill>
           <a:ln w="9525">
             <a:noFill/>
@@ -10033,8 +10057,8 @@
         </p:nvSpPr>
         <p:spPr>
           <a:xfrm>
-            <a:off x="1706096" y="4496995"/>
-            <a:ext cx="274627" cy="246221"/>
+            <a:off x="1606165" y="4435440"/>
+            <a:ext cx="474490" cy="369332"/>
           </a:xfrm>
           <a:prstGeom prst="rect">
             <a:avLst/>
@@ -10049,7 +10073,10 @@
           <a:p>
             <a:pPr algn="ctr" rtl="0"/>
             <a:r>
-              <a:rPr lang="en-GB" sz="1600" b="1" dirty="0"/>
+              <a:rPr lang="en-GB" sz="2400" b="1" dirty="0">
+                <a:latin typeface="Posterama" panose="020B0504020200020000" pitchFamily="34" charset="0"/>
+                <a:cs typeface="Posterama" panose="020B0504020200020000" pitchFamily="34" charset="0"/>
+              </a:rPr>
               <a:t>We</a:t>
             </a:r>
           </a:p>
@@ -10107,13 +10134,13 @@
           </a:xfrm>
           <a:prstGeom prst="roundRect">
             <a:avLst>
-              <a:gd name="adj" fmla="val 50000"/>
+              <a:gd name="adj" fmla="val 28784"/>
             </a:avLst>
           </a:prstGeom>
           <a:solidFill>
-            <a:schemeClr val="tx2">
+            <a:srgbClr val="66B2B0">
               <a:alpha val="55000"/>
-            </a:schemeClr>
+            </a:srgbClr>
           </a:solidFill>
           <a:ln w="9525">
             <a:noFill/>
@@ -10161,20 +10188,18 @@
         </p:nvSpPr>
         <p:spPr>
           <a:xfrm>
-            <a:off x="3448105" y="5130054"/>
-            <a:ext cx="6516124" cy="560290"/>
+            <a:off x="3448104" y="5130054"/>
+            <a:ext cx="7341815" cy="560290"/>
           </a:xfrm>
           <a:prstGeom prst="roundRect">
             <a:avLst>
-              <a:gd name="adj" fmla="val 50000"/>
+              <a:gd name="adj" fmla="val 32048"/>
             </a:avLst>
           </a:prstGeom>
           <a:solidFill>
-            <a:schemeClr val="tx2">
-              <a:lumMod val="40000"/>
-              <a:lumOff val="60000"/>
+            <a:srgbClr val="C7DFDC">
               <a:alpha val="25000"/>
-            </a:schemeClr>
+            </a:srgbClr>
           </a:solidFill>
           <a:ln w="9525">
             <a:noFill/>
@@ -10219,8 +10244,8 @@
         </p:nvSpPr>
         <p:spPr>
           <a:xfrm>
-            <a:off x="1645149" y="5287088"/>
-            <a:ext cx="396520" cy="246221"/>
+            <a:off x="1478727" y="5225533"/>
+            <a:ext cx="729367" cy="369332"/>
           </a:xfrm>
           <a:prstGeom prst="rect">
             <a:avLst/>
@@ -10235,7 +10260,10 @@
           <a:p>
             <a:pPr algn="ctr" rtl="0"/>
             <a:r>
-              <a:rPr lang="en-GB" sz="1600" b="1" dirty="0"/>
+              <a:rPr lang="en-GB" sz="2400" b="1" dirty="0">
+                <a:latin typeface="Posterama" panose="020B0504020200020000" pitchFamily="34" charset="0"/>
+                <a:cs typeface="Posterama" panose="020B0504020200020000" pitchFamily="34" charset="0"/>
+              </a:rPr>
               <a:t>They</a:t>
             </a:r>
           </a:p>
@@ -10255,8 +10283,8 @@
         </p:nvSpPr>
         <p:spPr>
           <a:xfrm>
-            <a:off x="3974929" y="2327876"/>
-            <a:ext cx="961417" cy="246221"/>
+            <a:off x="3551545" y="2250932"/>
+            <a:ext cx="1808187" cy="400110"/>
           </a:xfrm>
           <a:prstGeom prst="rect">
             <a:avLst/>
@@ -10271,7 +10299,10 @@
           <a:p>
             <a:pPr algn="ctr" rtl="0"/>
             <a:r>
-              <a:rPr lang="en-GB" sz="1600" dirty="0"/>
+              <a:rPr lang="en-GB" sz="2600" dirty="0">
+                <a:latin typeface="Posterama" panose="020B0504020200020000" pitchFamily="34" charset="0"/>
+                <a:cs typeface="Posterama" panose="020B0504020200020000" pitchFamily="34" charset="0"/>
+              </a:rPr>
               <a:t>am working</a:t>
             </a:r>
           </a:p>
@@ -10291,8 +10322,8 @@
         </p:nvSpPr>
         <p:spPr>
           <a:xfrm>
-            <a:off x="6150675" y="2327876"/>
-            <a:ext cx="1019831" cy="246221"/>
+            <a:off x="5759918" y="2250932"/>
+            <a:ext cx="1947649" cy="400110"/>
           </a:xfrm>
           <a:prstGeom prst="rect">
             <a:avLst/>
@@ -10307,7 +10338,10 @@
           <a:p>
             <a:pPr algn="ctr" rtl="0"/>
             <a:r>
-              <a:rPr lang="en-GB" sz="1600" dirty="0"/>
+              <a:rPr lang="en-GB" sz="2600" dirty="0">
+                <a:latin typeface="Posterama" panose="020B0504020200020000" pitchFamily="34" charset="0"/>
+                <a:cs typeface="Posterama" panose="020B0504020200020000" pitchFamily="34" charset="0"/>
+              </a:rPr>
               <a:t>was working</a:t>
             </a:r>
           </a:p>
@@ -10327,8 +10361,8 @@
         </p:nvSpPr>
         <p:spPr>
           <a:xfrm>
-            <a:off x="8198618" y="2327876"/>
-            <a:ext cx="1235531" cy="246221"/>
+            <a:off x="8248894" y="2250932"/>
+            <a:ext cx="2341988" cy="400110"/>
           </a:xfrm>
           <a:prstGeom prst="rect">
             <a:avLst/>
@@ -10343,7 +10377,10 @@
           <a:p>
             <a:pPr algn="ctr" rtl="0"/>
             <a:r>
-              <a:rPr lang="en-GB" sz="1600" dirty="0"/>
+              <a:rPr lang="en-GB" sz="2600" dirty="0">
+                <a:latin typeface="Posterama" panose="020B0504020200020000" pitchFamily="34" charset="0"/>
+                <a:cs typeface="Posterama" panose="020B0504020200020000" pitchFamily="34" charset="0"/>
+              </a:rPr>
               <a:t>will be working</a:t>
             </a:r>
           </a:p>
@@ -10363,8 +10400,8 @@
         </p:nvSpPr>
         <p:spPr>
           <a:xfrm>
-            <a:off x="3971627" y="3037697"/>
-            <a:ext cx="968022" cy="246221"/>
+            <a:off x="3538721" y="2960753"/>
+            <a:ext cx="1833835" cy="400110"/>
           </a:xfrm>
           <a:prstGeom prst="rect">
             <a:avLst/>
@@ -10379,7 +10416,10 @@
           <a:p>
             <a:pPr algn="ctr" rtl="0"/>
             <a:r>
-              <a:rPr lang="en-GB" sz="1600" dirty="0"/>
+              <a:rPr lang="en-GB" sz="2600" dirty="0">
+                <a:latin typeface="Posterama" panose="020B0504020200020000" pitchFamily="34" charset="0"/>
+                <a:cs typeface="Posterama" panose="020B0504020200020000" pitchFamily="34" charset="0"/>
+              </a:rPr>
               <a:t>are working</a:t>
             </a:r>
           </a:p>
@@ -10399,8 +10439,8 @@
         </p:nvSpPr>
         <p:spPr>
           <a:xfrm>
-            <a:off x="6103835" y="3037697"/>
-            <a:ext cx="1113511" cy="246221"/>
+            <a:off x="5671753" y="2960753"/>
+            <a:ext cx="2123979" cy="400110"/>
           </a:xfrm>
           <a:prstGeom prst="rect">
             <a:avLst/>
@@ -10415,7 +10455,10 @@
           <a:p>
             <a:pPr algn="ctr" rtl="0"/>
             <a:r>
-              <a:rPr lang="en-GB" sz="1600" dirty="0"/>
+              <a:rPr lang="en-GB" sz="2600" dirty="0">
+                <a:latin typeface="Posterama" panose="020B0504020200020000" pitchFamily="34" charset="0"/>
+                <a:cs typeface="Posterama" panose="020B0504020200020000" pitchFamily="34" charset="0"/>
+              </a:rPr>
               <a:t>were working</a:t>
             </a:r>
           </a:p>
@@ -10435,8 +10478,8 @@
         </p:nvSpPr>
         <p:spPr>
           <a:xfrm>
-            <a:off x="8198616" y="3037697"/>
-            <a:ext cx="1235531" cy="246221"/>
+            <a:off x="8248892" y="2960753"/>
+            <a:ext cx="2341988" cy="400110"/>
           </a:xfrm>
           <a:prstGeom prst="rect">
             <a:avLst/>
@@ -10451,7 +10494,10 @@
           <a:p>
             <a:pPr algn="ctr" rtl="0"/>
             <a:r>
-              <a:rPr lang="en-GB" sz="1600" dirty="0"/>
+              <a:rPr lang="en-GB" sz="2600" dirty="0">
+                <a:latin typeface="Posterama" panose="020B0504020200020000" pitchFamily="34" charset="0"/>
+                <a:cs typeface="Posterama" panose="020B0504020200020000" pitchFamily="34" charset="0"/>
+              </a:rPr>
               <a:t>will be working</a:t>
             </a:r>
           </a:p>
@@ -10471,8 +10517,8 @@
         </p:nvSpPr>
         <p:spPr>
           <a:xfrm>
-            <a:off x="4041453" y="3773955"/>
-            <a:ext cx="828368" cy="246221"/>
+            <a:off x="3664556" y="3697011"/>
+            <a:ext cx="1582164" cy="400110"/>
           </a:xfrm>
           <a:prstGeom prst="rect">
             <a:avLst/>
@@ -10487,7 +10533,10 @@
           <a:p>
             <a:pPr algn="ctr"/>
             <a:r>
-              <a:rPr lang="en-GB" sz="1600" dirty="0"/>
+              <a:rPr lang="en-GB" sz="2600" dirty="0">
+                <a:latin typeface="Posterama" panose="020B0504020200020000" pitchFamily="34" charset="0"/>
+                <a:cs typeface="Posterama" panose="020B0504020200020000" pitchFamily="34" charset="0"/>
+              </a:rPr>
               <a:t>is working</a:t>
             </a:r>
           </a:p>
@@ -10507,8 +10556,8 @@
         </p:nvSpPr>
         <p:spPr>
           <a:xfrm>
-            <a:off x="6150675" y="3773955"/>
-            <a:ext cx="1019831" cy="246221"/>
+            <a:off x="5759918" y="3697011"/>
+            <a:ext cx="1947649" cy="400110"/>
           </a:xfrm>
           <a:prstGeom prst="rect">
             <a:avLst/>
@@ -10523,7 +10572,10 @@
           <a:p>
             <a:pPr algn="ctr" rtl="0"/>
             <a:r>
-              <a:rPr lang="en-GB" sz="1600" dirty="0"/>
+              <a:rPr lang="en-GB" sz="2600" dirty="0">
+                <a:latin typeface="Posterama" panose="020B0504020200020000" pitchFamily="34" charset="0"/>
+                <a:cs typeface="Posterama" panose="020B0504020200020000" pitchFamily="34" charset="0"/>
+              </a:rPr>
               <a:t>was working</a:t>
             </a:r>
           </a:p>
@@ -10543,8 +10595,8 @@
         </p:nvSpPr>
         <p:spPr>
           <a:xfrm>
-            <a:off x="8198616" y="3773955"/>
-            <a:ext cx="1235531" cy="246221"/>
+            <a:off x="8248892" y="3697011"/>
+            <a:ext cx="2341988" cy="400110"/>
           </a:xfrm>
           <a:prstGeom prst="rect">
             <a:avLst/>
@@ -10559,7 +10611,10 @@
           <a:p>
             <a:pPr algn="ctr" rtl="0"/>
             <a:r>
-              <a:rPr lang="en-GB" sz="1600" dirty="0"/>
+              <a:rPr lang="en-GB" sz="2600" dirty="0">
+                <a:latin typeface="Posterama" panose="020B0504020200020000" pitchFamily="34" charset="0"/>
+                <a:cs typeface="Posterama" panose="020B0504020200020000" pitchFamily="34" charset="0"/>
+              </a:rPr>
               <a:t>will be working</a:t>
             </a:r>
           </a:p>
@@ -10579,8 +10634,8 @@
         </p:nvSpPr>
         <p:spPr>
           <a:xfrm>
-            <a:off x="3971626" y="4493796"/>
-            <a:ext cx="968022" cy="246221"/>
+            <a:off x="3538720" y="4416852"/>
+            <a:ext cx="1833835" cy="400110"/>
           </a:xfrm>
           <a:prstGeom prst="rect">
             <a:avLst/>
@@ -10595,7 +10650,10 @@
           <a:p>
             <a:pPr algn="ctr"/>
             <a:r>
-              <a:rPr lang="en-GB" sz="1600" dirty="0"/>
+              <a:rPr lang="en-GB" sz="2600" dirty="0">
+                <a:latin typeface="Posterama" panose="020B0504020200020000" pitchFamily="34" charset="0"/>
+                <a:cs typeface="Posterama" panose="020B0504020200020000" pitchFamily="34" charset="0"/>
+              </a:rPr>
               <a:t>are working</a:t>
             </a:r>
           </a:p>
@@ -10615,8 +10673,8 @@
         </p:nvSpPr>
         <p:spPr>
           <a:xfrm>
-            <a:off x="6103835" y="4493796"/>
-            <a:ext cx="1113511" cy="246221"/>
+            <a:off x="5671753" y="4416852"/>
+            <a:ext cx="2123979" cy="400110"/>
           </a:xfrm>
           <a:prstGeom prst="rect">
             <a:avLst/>
@@ -10631,7 +10689,10 @@
           <a:p>
             <a:pPr algn="ctr"/>
             <a:r>
-              <a:rPr lang="en-GB" sz="1600" dirty="0"/>
+              <a:rPr lang="en-GB" sz="2600" dirty="0">
+                <a:latin typeface="Posterama" panose="020B0504020200020000" pitchFamily="34" charset="0"/>
+                <a:cs typeface="Posterama" panose="020B0504020200020000" pitchFamily="34" charset="0"/>
+              </a:rPr>
               <a:t>were working</a:t>
             </a:r>
           </a:p>
@@ -10651,8 +10712,8 @@
         </p:nvSpPr>
         <p:spPr>
           <a:xfrm>
-            <a:off x="8198616" y="4493796"/>
-            <a:ext cx="1235531" cy="246221"/>
+            <a:off x="8248892" y="4416852"/>
+            <a:ext cx="2341988" cy="400110"/>
           </a:xfrm>
           <a:prstGeom prst="rect">
             <a:avLst/>
@@ -10667,7 +10728,10 @@
           <a:p>
             <a:pPr algn="ctr" rtl="0"/>
             <a:r>
-              <a:rPr lang="en-GB" sz="1600" dirty="0"/>
+              <a:rPr lang="en-GB" sz="2600" dirty="0">
+                <a:latin typeface="Posterama" panose="020B0504020200020000" pitchFamily="34" charset="0"/>
+                <a:cs typeface="Posterama" panose="020B0504020200020000" pitchFamily="34" charset="0"/>
+              </a:rPr>
               <a:t>will be working</a:t>
             </a:r>
           </a:p>
@@ -10687,8 +10751,8 @@
         </p:nvSpPr>
         <p:spPr>
           <a:xfrm>
-            <a:off x="3971626" y="5287088"/>
-            <a:ext cx="968022" cy="246221"/>
+            <a:off x="3538720" y="5210144"/>
+            <a:ext cx="1833835" cy="400110"/>
           </a:xfrm>
           <a:prstGeom prst="rect">
             <a:avLst/>
@@ -10703,7 +10767,10 @@
           <a:p>
             <a:pPr algn="ctr"/>
             <a:r>
-              <a:rPr lang="en-GB" sz="1600" dirty="0"/>
+              <a:rPr lang="en-GB" sz="2600" dirty="0">
+                <a:latin typeface="Posterama" panose="020B0504020200020000" pitchFamily="34" charset="0"/>
+                <a:cs typeface="Posterama" panose="020B0504020200020000" pitchFamily="34" charset="0"/>
+              </a:rPr>
               <a:t>are working</a:t>
             </a:r>
           </a:p>
@@ -10723,8 +10790,8 @@
         </p:nvSpPr>
         <p:spPr>
           <a:xfrm>
-            <a:off x="6103835" y="5287088"/>
-            <a:ext cx="1113511" cy="246221"/>
+            <a:off x="5671753" y="5210144"/>
+            <a:ext cx="2123979" cy="400110"/>
           </a:xfrm>
           <a:prstGeom prst="rect">
             <a:avLst/>
@@ -10739,7 +10806,10 @@
           <a:p>
             <a:pPr algn="ctr"/>
             <a:r>
-              <a:rPr lang="en-GB" sz="1600" dirty="0"/>
+              <a:rPr lang="en-GB" sz="2600" dirty="0">
+                <a:latin typeface="Posterama" panose="020B0504020200020000" pitchFamily="34" charset="0"/>
+                <a:cs typeface="Posterama" panose="020B0504020200020000" pitchFamily="34" charset="0"/>
+              </a:rPr>
               <a:t>were working</a:t>
             </a:r>
           </a:p>
@@ -10759,8 +10829,8 @@
         </p:nvSpPr>
         <p:spPr>
           <a:xfrm>
-            <a:off x="8198616" y="5287088"/>
-            <a:ext cx="1235531" cy="246221"/>
+            <a:off x="8248892" y="5210144"/>
+            <a:ext cx="2341988" cy="400110"/>
           </a:xfrm>
           <a:prstGeom prst="rect">
             <a:avLst/>
@@ -10775,7 +10845,10 @@
           <a:p>
             <a:pPr algn="ctr" rtl="0"/>
             <a:r>
-              <a:rPr lang="en-GB" sz="1600" dirty="0"/>
+              <a:rPr lang="en-GB" sz="2600" dirty="0">
+                <a:latin typeface="Posterama" panose="020B0504020200020000" pitchFamily="34" charset="0"/>
+                <a:cs typeface="Posterama" panose="020B0504020200020000" pitchFamily="34" charset="0"/>
+              </a:rPr>
               <a:t>will be working</a:t>
             </a:r>
           </a:p>
@@ -10865,8 +10938,8 @@
         </p:nvSpPr>
         <p:spPr>
           <a:xfrm>
-            <a:off x="527925" y="257431"/>
-            <a:ext cx="6425718" cy="492443"/>
+            <a:off x="237418" y="101793"/>
+            <a:ext cx="7025019" cy="615553"/>
           </a:xfrm>
           <a:prstGeom prst="rect">
             <a:avLst/>
@@ -10881,13 +10954,15 @@
           <a:p>
             <a:pPr algn="ctr" rtl="0"/>
             <a:r>
-              <a:rPr lang="en-GB" sz="3200" b="1" dirty="0">
-                <a:latin typeface="+mj-lt"/>
+              <a:rPr lang="en-GB" sz="4000" b="1" dirty="0">
+                <a:latin typeface="Posterama" panose="020B0504020200020000" pitchFamily="34" charset="0"/>
+                <a:cs typeface="Posterama" panose="020B0504020200020000" pitchFamily="34" charset="0"/>
               </a:rPr>
               <a:t>PRESENT PERFECT TENSE</a:t>
             </a:r>
-            <a:endParaRPr lang="en-GB" sz="3600" dirty="0">
-              <a:latin typeface="+mj-lt"/>
+            <a:endParaRPr lang="en-GB" sz="4400" dirty="0">
+              <a:latin typeface="Posterama" panose="020B0504020200020000" pitchFamily="34" charset="0"/>
+              <a:cs typeface="Posterama" panose="020B0504020200020000" pitchFamily="34" charset="0"/>
             </a:endParaRPr>
           </a:p>
         </p:txBody>
@@ -10907,7 +10982,7 @@
         <p:spPr>
           <a:xfrm>
             <a:off x="527926" y="717346"/>
-            <a:ext cx="6425717" cy="615553"/>
+            <a:ext cx="6425717" cy="738664"/>
           </a:xfrm>
           <a:prstGeom prst="rect">
             <a:avLst/>
@@ -10922,30 +10997,51 @@
           <a:p>
             <a:pPr algn="ctr" rtl="0"/>
             <a:r>
-              <a:rPr lang="uk-UA" sz="2000" dirty="0"/>
+              <a:rPr lang="uk-UA" sz="2400" dirty="0">
+                <a:latin typeface="Posterama" panose="020B0504020200020000" pitchFamily="34" charset="0"/>
+                <a:cs typeface="Posterama" panose="020B0504020200020000" pitchFamily="34" charset="0"/>
+              </a:rPr>
               <a:t>Показує, що</a:t>
             </a:r>
             <a:r>
-              <a:rPr lang="ru-RU" sz="2000" dirty="0"/>
+              <a:rPr lang="ru-RU" sz="2400" dirty="0">
+                <a:latin typeface="Posterama" panose="020B0504020200020000" pitchFamily="34" charset="0"/>
+                <a:cs typeface="Posterama" panose="020B0504020200020000" pitchFamily="34" charset="0"/>
+              </a:rPr>
               <a:t> </a:t>
             </a:r>
             <a:r>
-              <a:rPr lang="uk-UA" sz="2000" b="1" dirty="0"/>
+              <a:rPr lang="uk-UA" sz="2400" b="1" dirty="0">
+                <a:latin typeface="Posterama" panose="020B0504020200020000" pitchFamily="34" charset="0"/>
+                <a:cs typeface="Posterama" panose="020B0504020200020000" pitchFamily="34" charset="0"/>
+              </a:rPr>
               <a:t>дія відбулася</a:t>
             </a:r>
             <a:r>
-              <a:rPr lang="en-GB" sz="2000" b="1" dirty="0"/>
+              <a:rPr lang="en-GB" sz="2400" b="1" dirty="0">
+                <a:latin typeface="Posterama" panose="020B0504020200020000" pitchFamily="34" charset="0"/>
+                <a:cs typeface="Posterama" panose="020B0504020200020000" pitchFamily="34" charset="0"/>
+              </a:rPr>
               <a:t> </a:t>
             </a:r>
             <a:r>
-              <a:rPr lang="ru-UA" sz="2000" b="1" dirty="0"/>
+              <a:rPr lang="ru-UA" sz="2400" b="1" dirty="0">
+                <a:latin typeface="Posterama" panose="020B0504020200020000" pitchFamily="34" charset="0"/>
+                <a:cs typeface="Posterama" panose="020B0504020200020000" pitchFamily="34" charset="0"/>
+              </a:rPr>
               <a:t>в минулому</a:t>
             </a:r>
             <a:r>
-              <a:rPr lang="uk-UA" sz="2000" b="1" dirty="0"/>
+              <a:rPr lang="uk-UA" sz="2400" b="1" dirty="0">
+                <a:latin typeface="Posterama" panose="020B0504020200020000" pitchFamily="34" charset="0"/>
+                <a:cs typeface="Posterama" panose="020B0504020200020000" pitchFamily="34" charset="0"/>
+              </a:rPr>
               <a:t> і має зв’язок з теперішнім</a:t>
             </a:r>
-            <a:endParaRPr lang="en-GB" sz="2000" b="1" dirty="0"/>
+            <a:endParaRPr lang="en-GB" sz="2400" b="1" dirty="0">
+              <a:latin typeface="Posterama" panose="020B0504020200020000" pitchFamily="34" charset="0"/>
+              <a:cs typeface="Posterama" panose="020B0504020200020000" pitchFamily="34" charset="0"/>
+            </a:endParaRPr>
           </a:p>
         </p:txBody>
       </p:sp>
@@ -10966,20 +11062,16 @@
         </p:nvSpPr>
         <p:spPr>
           <a:xfrm>
-            <a:off x="4246018" y="1721261"/>
-            <a:ext cx="2146450" cy="560290"/>
+            <a:off x="3182112" y="1721261"/>
+            <a:ext cx="3639311" cy="560290"/>
           </a:xfrm>
           <a:prstGeom prst="roundRect">
             <a:avLst>
-              <a:gd name="adj" fmla="val 50000"/>
+              <a:gd name="adj" fmla="val 33680"/>
             </a:avLst>
           </a:prstGeom>
           <a:solidFill>
-            <a:schemeClr val="tx2">
-              <a:lumMod val="40000"/>
-              <a:lumOff val="60000"/>
-              <a:alpha val="25000"/>
-            </a:schemeClr>
+            <a:srgbClr val="EAF3F2"/>
           </a:solidFill>
           <a:ln w="9525">
             <a:noFill/>
@@ -11032,13 +11124,11 @@
           </a:xfrm>
           <a:prstGeom prst="roundRect">
             <a:avLst>
-              <a:gd name="adj" fmla="val 50000"/>
+              <a:gd name="adj" fmla="val 33680"/>
             </a:avLst>
           </a:prstGeom>
           <a:solidFill>
-            <a:schemeClr val="accent1">
-              <a:alpha val="55000"/>
-            </a:schemeClr>
+            <a:srgbClr val="66B2B0"/>
           </a:solidFill>
           <a:ln w="9525">
             <a:noFill/>
@@ -11083,8 +11173,8 @@
         </p:nvSpPr>
         <p:spPr>
           <a:xfrm>
-            <a:off x="1894763" y="1878296"/>
-            <a:ext cx="49693" cy="246221"/>
+            <a:off x="1869917" y="1816741"/>
+            <a:ext cx="99387" cy="369332"/>
           </a:xfrm>
           <a:prstGeom prst="rect">
             <a:avLst/>
@@ -11099,7 +11189,10 @@
           <a:p>
             <a:pPr algn="ctr" rtl="0"/>
             <a:r>
-              <a:rPr lang="en-GB" sz="1600" b="1" dirty="0"/>
+              <a:rPr lang="en-GB" sz="2400" b="1" dirty="0">
+                <a:latin typeface="Posterama" panose="020B0504020200020000" pitchFamily="34" charset="0"/>
+                <a:cs typeface="Posterama" panose="020B0504020200020000" pitchFamily="34" charset="0"/>
+              </a:rPr>
               <a:t>I</a:t>
             </a:r>
           </a:p>
@@ -11127,13 +11220,13 @@
           </a:xfrm>
           <a:prstGeom prst="roundRect">
             <a:avLst>
-              <a:gd name="adj" fmla="val 50000"/>
+              <a:gd name="adj" fmla="val 28784"/>
             </a:avLst>
           </a:prstGeom>
           <a:solidFill>
-            <a:schemeClr val="tx2">
+            <a:srgbClr val="C8DFDE">
               <a:alpha val="55000"/>
-            </a:schemeClr>
+            </a:srgbClr>
           </a:solidFill>
           <a:ln w="9525">
             <a:noFill/>
@@ -11181,20 +11274,16 @@
         </p:nvSpPr>
         <p:spPr>
           <a:xfrm>
-            <a:off x="4246018" y="2444301"/>
-            <a:ext cx="2146450" cy="560290"/>
+            <a:off x="3179484" y="2444301"/>
+            <a:ext cx="3708655" cy="560290"/>
           </a:xfrm>
           <a:prstGeom prst="roundRect">
             <a:avLst>
-              <a:gd name="adj" fmla="val 50000"/>
+              <a:gd name="adj" fmla="val 33680"/>
             </a:avLst>
           </a:prstGeom>
           <a:solidFill>
-            <a:schemeClr val="tx2">
-              <a:lumMod val="40000"/>
-              <a:lumOff val="60000"/>
-              <a:alpha val="25000"/>
-            </a:schemeClr>
+            <a:srgbClr val="EAF3F2"/>
           </a:solidFill>
           <a:ln w="9525">
             <a:noFill/>
@@ -11239,8 +11328,8 @@
         </p:nvSpPr>
         <p:spPr>
           <a:xfrm>
-            <a:off x="1771395" y="2601335"/>
-            <a:ext cx="296428" cy="246221"/>
+            <a:off x="1627864" y="2539780"/>
+            <a:ext cx="583494" cy="369332"/>
           </a:xfrm>
           <a:prstGeom prst="rect">
             <a:avLst/>
@@ -11255,7 +11344,10 @@
           <a:p>
             <a:pPr algn="ctr" rtl="0"/>
             <a:r>
-              <a:rPr lang="en-GB" sz="1600" b="1" dirty="0"/>
+              <a:rPr lang="en-GB" sz="2400" b="1" dirty="0">
+                <a:latin typeface="Posterama" panose="020B0504020200020000" pitchFamily="34" charset="0"/>
+                <a:cs typeface="Posterama" panose="020B0504020200020000" pitchFamily="34" charset="0"/>
+              </a:rPr>
               <a:t>You</a:t>
             </a:r>
           </a:p>
@@ -11283,13 +11375,11 @@
           </a:xfrm>
           <a:prstGeom prst="roundRect">
             <a:avLst>
-              <a:gd name="adj" fmla="val 50000"/>
+              <a:gd name="adj" fmla="val 30416"/>
             </a:avLst>
           </a:prstGeom>
           <a:solidFill>
-            <a:schemeClr val="accent1">
-              <a:alpha val="55000"/>
-            </a:schemeClr>
+            <a:srgbClr val="66B2B0"/>
           </a:solidFill>
           <a:ln w="9525">
             <a:noFill/>
@@ -11337,20 +11427,16 @@
         </p:nvSpPr>
         <p:spPr>
           <a:xfrm>
-            <a:off x="4291222" y="3167341"/>
-            <a:ext cx="2146450" cy="560290"/>
+            <a:off x="3180270" y="3167341"/>
+            <a:ext cx="3687891" cy="560290"/>
           </a:xfrm>
           <a:prstGeom prst="roundRect">
             <a:avLst>
-              <a:gd name="adj" fmla="val 50000"/>
+              <a:gd name="adj" fmla="val 38576"/>
             </a:avLst>
           </a:prstGeom>
           <a:solidFill>
-            <a:schemeClr val="tx2">
-              <a:lumMod val="40000"/>
-              <a:lumOff val="60000"/>
-              <a:alpha val="25000"/>
-            </a:schemeClr>
+            <a:srgbClr val="EAF3F2"/>
           </a:solidFill>
           <a:ln w="9525">
             <a:noFill/>
@@ -11395,8 +11481,8 @@
         </p:nvSpPr>
         <p:spPr>
           <a:xfrm>
-            <a:off x="1528479" y="3324375"/>
-            <a:ext cx="782266" cy="246221"/>
+            <a:off x="1188644" y="3262820"/>
+            <a:ext cx="1461939" cy="369332"/>
           </a:xfrm>
           <a:prstGeom prst="rect">
             <a:avLst/>
@@ -11411,7 +11497,10 @@
           <a:p>
             <a:pPr algn="ctr" rtl="0"/>
             <a:r>
-              <a:rPr lang="en-GB" sz="1600" b="1" dirty="0"/>
+              <a:rPr lang="en-GB" sz="2400" b="1" dirty="0">
+                <a:latin typeface="Posterama" panose="020B0504020200020000" pitchFamily="34" charset="0"/>
+                <a:cs typeface="Posterama" panose="020B0504020200020000" pitchFamily="34" charset="0"/>
+              </a:rPr>
               <a:t>He/She/It</a:t>
             </a:r>
           </a:p>
@@ -11439,13 +11528,13 @@
           </a:xfrm>
           <a:prstGeom prst="roundRect">
             <a:avLst>
-              <a:gd name="adj" fmla="val 50000"/>
+              <a:gd name="adj" fmla="val 30416"/>
             </a:avLst>
           </a:prstGeom>
           <a:solidFill>
-            <a:schemeClr val="tx2">
+            <a:srgbClr val="C8DFDE">
               <a:alpha val="55000"/>
-            </a:schemeClr>
+            </a:srgbClr>
           </a:solidFill>
           <a:ln w="9525">
             <a:noFill/>
@@ -11493,20 +11582,16 @@
         </p:nvSpPr>
         <p:spPr>
           <a:xfrm>
-            <a:off x="4291222" y="3890381"/>
-            <a:ext cx="2146450" cy="560290"/>
+            <a:off x="3180232" y="3890381"/>
+            <a:ext cx="3688925" cy="560290"/>
           </a:xfrm>
           <a:prstGeom prst="roundRect">
             <a:avLst>
-              <a:gd name="adj" fmla="val 50000"/>
+              <a:gd name="adj" fmla="val 35312"/>
             </a:avLst>
           </a:prstGeom>
           <a:solidFill>
-            <a:schemeClr val="tx2">
-              <a:lumMod val="40000"/>
-              <a:lumOff val="60000"/>
-              <a:alpha val="25000"/>
-            </a:schemeClr>
+            <a:srgbClr val="EAF3F2"/>
           </a:solidFill>
           <a:ln w="9525">
             <a:noFill/>
@@ -11551,8 +11636,8 @@
         </p:nvSpPr>
         <p:spPr>
           <a:xfrm>
-            <a:off x="1782296" y="4047415"/>
-            <a:ext cx="274627" cy="246221"/>
+            <a:off x="1682365" y="3985860"/>
+            <a:ext cx="474490" cy="369332"/>
           </a:xfrm>
           <a:prstGeom prst="rect">
             <a:avLst/>
@@ -11567,7 +11652,10 @@
           <a:p>
             <a:pPr algn="ctr" rtl="0"/>
             <a:r>
-              <a:rPr lang="en-GB" sz="1600" b="1" dirty="0"/>
+              <a:rPr lang="en-GB" sz="2400" b="1" dirty="0">
+                <a:latin typeface="Posterama" panose="020B0504020200020000" pitchFamily="34" charset="0"/>
+                <a:cs typeface="Posterama" panose="020B0504020200020000" pitchFamily="34" charset="0"/>
+              </a:rPr>
               <a:t>We</a:t>
             </a:r>
           </a:p>
@@ -11625,13 +11713,11 @@
           </a:xfrm>
           <a:prstGeom prst="roundRect">
             <a:avLst>
-              <a:gd name="adj" fmla="val 50000"/>
+              <a:gd name="adj" fmla="val 28784"/>
             </a:avLst>
           </a:prstGeom>
           <a:solidFill>
-            <a:schemeClr val="tx2">
-              <a:alpha val="55000"/>
-            </a:schemeClr>
+            <a:srgbClr val="66B2B0"/>
           </a:solidFill>
           <a:ln w="9525">
             <a:noFill/>
@@ -11679,20 +11765,16 @@
         </p:nvSpPr>
         <p:spPr>
           <a:xfrm>
-            <a:off x="4291222" y="4680474"/>
-            <a:ext cx="2146450" cy="560290"/>
+            <a:off x="3179290" y="4680474"/>
+            <a:ext cx="3688925" cy="560290"/>
           </a:xfrm>
           <a:prstGeom prst="roundRect">
             <a:avLst>
-              <a:gd name="adj" fmla="val 50000"/>
+              <a:gd name="adj" fmla="val 33680"/>
             </a:avLst>
           </a:prstGeom>
           <a:solidFill>
-            <a:schemeClr val="tx2">
-              <a:lumMod val="40000"/>
-              <a:lumOff val="60000"/>
-              <a:alpha val="25000"/>
-            </a:schemeClr>
+            <a:srgbClr val="EAF3F2"/>
           </a:solidFill>
           <a:ln w="9525">
             <a:noFill/>
@@ -11737,8 +11819,8 @@
         </p:nvSpPr>
         <p:spPr>
           <a:xfrm>
-            <a:off x="1721349" y="4837508"/>
-            <a:ext cx="396520" cy="246221"/>
+            <a:off x="1554927" y="4775953"/>
+            <a:ext cx="729367" cy="369332"/>
           </a:xfrm>
           <a:prstGeom prst="rect">
             <a:avLst/>
@@ -11753,7 +11835,10 @@
           <a:p>
             <a:pPr algn="ctr" rtl="0"/>
             <a:r>
-              <a:rPr lang="en-GB" sz="1600" b="1" dirty="0"/>
+              <a:rPr lang="en-GB" sz="2400" b="1" dirty="0">
+                <a:latin typeface="Posterama" panose="020B0504020200020000" pitchFamily="34" charset="0"/>
+                <a:cs typeface="Posterama" panose="020B0504020200020000" pitchFamily="34" charset="0"/>
+              </a:rPr>
               <a:t>They</a:t>
             </a:r>
           </a:p>
@@ -11773,8 +11858,8 @@
         </p:nvSpPr>
         <p:spPr>
           <a:xfrm>
-            <a:off x="4468684" y="1878296"/>
-            <a:ext cx="1765228" cy="246221"/>
+            <a:off x="3378417" y="1801352"/>
+            <a:ext cx="3342262" cy="400110"/>
           </a:xfrm>
           <a:prstGeom prst="rect">
             <a:avLst/>
@@ -11789,15 +11874,24 @@
           <a:p>
             <a:pPr algn="ctr" rtl="0"/>
             <a:r>
-              <a:rPr lang="en-GB" sz="1600" dirty="0"/>
+              <a:rPr lang="en-GB" sz="2600" dirty="0">
+                <a:latin typeface="Posterama" panose="020B0504020200020000" pitchFamily="34" charset="0"/>
+                <a:cs typeface="Posterama" panose="020B0504020200020000" pitchFamily="34" charset="0"/>
+              </a:rPr>
               <a:t>have</a:t>
             </a:r>
             <a:r>
-              <a:rPr lang="ru-UA" sz="1600" dirty="0"/>
+              <a:rPr lang="ru-UA" sz="2600" dirty="0">
+                <a:latin typeface="Posterama" panose="020B0504020200020000" pitchFamily="34" charset="0"/>
+                <a:cs typeface="Posterama" panose="020B0504020200020000" pitchFamily="34" charset="0"/>
+              </a:rPr>
               <a:t> </a:t>
             </a:r>
             <a:r>
-              <a:rPr lang="en-GB" sz="1600" dirty="0"/>
+              <a:rPr lang="en-GB" sz="2600" dirty="0">
+                <a:latin typeface="Posterama" panose="020B0504020200020000" pitchFamily="34" charset="0"/>
+                <a:cs typeface="Posterama" panose="020B0504020200020000" pitchFamily="34" charset="0"/>
+              </a:rPr>
               <a:t>written 3 books </a:t>
             </a:r>
           </a:p>
@@ -11817,8 +11911,8 @@
         </p:nvSpPr>
         <p:spPr>
           <a:xfrm>
-            <a:off x="4468684" y="2584316"/>
-            <a:ext cx="1765227" cy="246221"/>
+            <a:off x="3378416" y="2507372"/>
+            <a:ext cx="3342262" cy="400110"/>
           </a:xfrm>
           <a:prstGeom prst="rect">
             <a:avLst/>
@@ -11833,15 +11927,24 @@
           <a:p>
             <a:pPr algn="ctr" rtl="0"/>
             <a:r>
-              <a:rPr lang="en-GB" sz="1600" dirty="0"/>
+              <a:rPr lang="en-GB" sz="2600" dirty="0">
+                <a:latin typeface="Posterama" panose="020B0504020200020000" pitchFamily="34" charset="0"/>
+                <a:cs typeface="Posterama" panose="020B0504020200020000" pitchFamily="34" charset="0"/>
+              </a:rPr>
               <a:t>have</a:t>
             </a:r>
             <a:r>
-              <a:rPr lang="ru-UA" sz="1600" dirty="0"/>
+              <a:rPr lang="ru-UA" sz="2600" dirty="0">
+                <a:latin typeface="Posterama" panose="020B0504020200020000" pitchFamily="34" charset="0"/>
+                <a:cs typeface="Posterama" panose="020B0504020200020000" pitchFamily="34" charset="0"/>
+              </a:rPr>
               <a:t> </a:t>
             </a:r>
             <a:r>
-              <a:rPr lang="en-GB" sz="1600" dirty="0"/>
+              <a:rPr lang="en-GB" sz="2600" dirty="0">
+                <a:latin typeface="Posterama" panose="020B0504020200020000" pitchFamily="34" charset="0"/>
+                <a:cs typeface="Posterama" panose="020B0504020200020000" pitchFamily="34" charset="0"/>
+              </a:rPr>
               <a:t>written 3 books </a:t>
             </a:r>
           </a:p>
@@ -11861,8 +11964,8 @@
         </p:nvSpPr>
         <p:spPr>
           <a:xfrm>
-            <a:off x="4521234" y="3324375"/>
-            <a:ext cx="1660134" cy="246221"/>
+            <a:off x="3485820" y="3247431"/>
+            <a:ext cx="3127459" cy="400110"/>
           </a:xfrm>
           <a:prstGeom prst="rect">
             <a:avLst/>
@@ -11877,15 +11980,24 @@
           <a:p>
             <a:pPr algn="ctr" rtl="0"/>
             <a:r>
-              <a:rPr lang="en-GB" sz="1600" dirty="0"/>
+              <a:rPr lang="en-GB" sz="2600" dirty="0">
+                <a:latin typeface="Posterama" panose="020B0504020200020000" pitchFamily="34" charset="0"/>
+                <a:cs typeface="Posterama" panose="020B0504020200020000" pitchFamily="34" charset="0"/>
+              </a:rPr>
               <a:t>has</a:t>
             </a:r>
             <a:r>
-              <a:rPr lang="ru-UA" sz="1600" dirty="0"/>
+              <a:rPr lang="ru-UA" sz="2600" dirty="0">
+                <a:latin typeface="Posterama" panose="020B0504020200020000" pitchFamily="34" charset="0"/>
+                <a:cs typeface="Posterama" panose="020B0504020200020000" pitchFamily="34" charset="0"/>
+              </a:rPr>
               <a:t> </a:t>
             </a:r>
             <a:r>
-              <a:rPr lang="en-GB" sz="1600" dirty="0"/>
+              <a:rPr lang="en-GB" sz="2600" dirty="0">
+                <a:latin typeface="Posterama" panose="020B0504020200020000" pitchFamily="34" charset="0"/>
+                <a:cs typeface="Posterama" panose="020B0504020200020000" pitchFamily="34" charset="0"/>
+              </a:rPr>
               <a:t>written 3 books </a:t>
             </a:r>
           </a:p>
@@ -11905,8 +12017,8 @@
         </p:nvSpPr>
         <p:spPr>
           <a:xfrm>
-            <a:off x="4468684" y="4047414"/>
-            <a:ext cx="1765227" cy="246221"/>
+            <a:off x="3378416" y="3970470"/>
+            <a:ext cx="3342262" cy="400110"/>
           </a:xfrm>
           <a:prstGeom prst="rect">
             <a:avLst/>
@@ -11921,15 +12033,24 @@
           <a:p>
             <a:pPr algn="ctr" rtl="0"/>
             <a:r>
-              <a:rPr lang="en-GB" sz="1600" dirty="0"/>
+              <a:rPr lang="en-GB" sz="2600" dirty="0">
+                <a:latin typeface="Posterama" panose="020B0504020200020000" pitchFamily="34" charset="0"/>
+                <a:cs typeface="Posterama" panose="020B0504020200020000" pitchFamily="34" charset="0"/>
+              </a:rPr>
               <a:t>have</a:t>
             </a:r>
             <a:r>
-              <a:rPr lang="ru-UA" sz="1600" dirty="0"/>
+              <a:rPr lang="ru-UA" sz="2600" dirty="0">
+                <a:latin typeface="Posterama" panose="020B0504020200020000" pitchFamily="34" charset="0"/>
+                <a:cs typeface="Posterama" panose="020B0504020200020000" pitchFamily="34" charset="0"/>
+              </a:rPr>
               <a:t> </a:t>
             </a:r>
             <a:r>
-              <a:rPr lang="en-GB" sz="1600" dirty="0"/>
+              <a:rPr lang="en-GB" sz="2600" dirty="0">
+                <a:latin typeface="Posterama" panose="020B0504020200020000" pitchFamily="34" charset="0"/>
+                <a:cs typeface="Posterama" panose="020B0504020200020000" pitchFamily="34" charset="0"/>
+              </a:rPr>
               <a:t>written 3 books </a:t>
             </a:r>
           </a:p>
@@ -11949,8 +12070,8 @@
         </p:nvSpPr>
         <p:spPr>
           <a:xfrm>
-            <a:off x="4468684" y="4836316"/>
-            <a:ext cx="1765227" cy="246221"/>
+            <a:off x="3378416" y="4759372"/>
+            <a:ext cx="3342262" cy="400110"/>
           </a:xfrm>
           <a:prstGeom prst="rect">
             <a:avLst/>
@@ -11965,15 +12086,24 @@
           <a:p>
             <a:pPr algn="ctr" rtl="0"/>
             <a:r>
-              <a:rPr lang="en-GB" sz="1600" dirty="0"/>
+              <a:rPr lang="en-GB" sz="2600" dirty="0">
+                <a:latin typeface="Posterama" panose="020B0504020200020000" pitchFamily="34" charset="0"/>
+                <a:cs typeface="Posterama" panose="020B0504020200020000" pitchFamily="34" charset="0"/>
+              </a:rPr>
               <a:t>have</a:t>
             </a:r>
             <a:r>
-              <a:rPr lang="ru-UA" sz="1600" dirty="0"/>
+              <a:rPr lang="ru-UA" sz="2600" dirty="0">
+                <a:latin typeface="Posterama" panose="020B0504020200020000" pitchFamily="34" charset="0"/>
+                <a:cs typeface="Posterama" panose="020B0504020200020000" pitchFamily="34" charset="0"/>
+              </a:rPr>
               <a:t> </a:t>
             </a:r>
             <a:r>
-              <a:rPr lang="en-GB" sz="1600" dirty="0"/>
+              <a:rPr lang="en-GB" sz="2600" dirty="0">
+                <a:latin typeface="Posterama" panose="020B0504020200020000" pitchFamily="34" charset="0"/>
+                <a:cs typeface="Posterama" panose="020B0504020200020000" pitchFamily="34" charset="0"/>
+              </a:rPr>
               <a:t>written 3 books </a:t>
             </a:r>
           </a:p>
@@ -12063,8 +12193,8 @@
         </p:nvSpPr>
         <p:spPr>
           <a:xfrm>
-            <a:off x="2082404" y="450186"/>
-            <a:ext cx="7253619" cy="492443"/>
+            <a:off x="1614827" y="46931"/>
+            <a:ext cx="8284464" cy="1231106"/>
           </a:xfrm>
           <a:prstGeom prst="rect">
             <a:avLst/>
@@ -12079,13 +12209,15 @@
           <a:p>
             <a:pPr algn="ctr" rtl="0"/>
             <a:r>
-              <a:rPr lang="en-GB" sz="3200" b="1" dirty="0">
-                <a:latin typeface="+mj-lt"/>
+              <a:rPr lang="en-GB" sz="4000" b="1" dirty="0">
+                <a:latin typeface="Posterama" panose="020B0504020200020000" pitchFamily="34" charset="0"/>
+                <a:cs typeface="Posterama" panose="020B0504020200020000" pitchFamily="34" charset="0"/>
               </a:rPr>
               <a:t>PRESENT PERFECT CONTINUOUS TENSE</a:t>
             </a:r>
-            <a:endParaRPr lang="en-GB" sz="3600" dirty="0">
-              <a:latin typeface="+mj-lt"/>
+            <a:endParaRPr lang="en-GB" sz="4400" dirty="0">
+              <a:latin typeface="Posterama" panose="020B0504020200020000" pitchFamily="34" charset="0"/>
+              <a:cs typeface="Posterama" panose="020B0504020200020000" pitchFamily="34" charset="0"/>
             </a:endParaRPr>
           </a:p>
         </p:txBody>
@@ -12104,8 +12236,8 @@
         </p:nvSpPr>
         <p:spPr>
           <a:xfrm>
-            <a:off x="2411590" y="1105379"/>
-            <a:ext cx="6425717" cy="861774"/>
+            <a:off x="1795272" y="1349811"/>
+            <a:ext cx="8138160" cy="861774"/>
           </a:xfrm>
           <a:prstGeom prst="rect">
             <a:avLst/>
@@ -12120,30 +12252,51 @@
           <a:p>
             <a:pPr algn="ctr" rtl="0"/>
             <a:r>
-              <a:rPr lang="uk-UA" sz="2800" dirty="0"/>
+              <a:rPr lang="uk-UA" sz="2800" dirty="0">
+                <a:latin typeface="Posterama" panose="020B0504020200020000" pitchFamily="34" charset="0"/>
+                <a:cs typeface="Posterama" panose="020B0504020200020000" pitchFamily="34" charset="0"/>
+              </a:rPr>
               <a:t>Показує, що</a:t>
             </a:r>
             <a:r>
-              <a:rPr lang="ru-RU" sz="2800" dirty="0"/>
+              <a:rPr lang="ru-RU" sz="2800" dirty="0">
+                <a:latin typeface="Posterama" panose="020B0504020200020000" pitchFamily="34" charset="0"/>
+                <a:cs typeface="Posterama" panose="020B0504020200020000" pitchFamily="34" charset="0"/>
+              </a:rPr>
               <a:t> </a:t>
             </a:r>
             <a:r>
-              <a:rPr lang="uk-UA" sz="2800" b="1" dirty="0"/>
+              <a:rPr lang="uk-UA" sz="2800" b="1" dirty="0">
+                <a:latin typeface="Posterama" panose="020B0504020200020000" pitchFamily="34" charset="0"/>
+                <a:cs typeface="Posterama" panose="020B0504020200020000" pitchFamily="34" charset="0"/>
+              </a:rPr>
               <a:t>дія відбулася</a:t>
             </a:r>
             <a:r>
-              <a:rPr lang="en-GB" sz="2800" b="1" dirty="0"/>
+              <a:rPr lang="en-GB" sz="2800" b="1" dirty="0">
+                <a:latin typeface="Posterama" panose="020B0504020200020000" pitchFamily="34" charset="0"/>
+                <a:cs typeface="Posterama" panose="020B0504020200020000" pitchFamily="34" charset="0"/>
+              </a:rPr>
               <a:t> </a:t>
             </a:r>
             <a:r>
-              <a:rPr lang="ru-UA" sz="2800" b="1" dirty="0"/>
+              <a:rPr lang="ru-UA" sz="2800" b="1" dirty="0">
+                <a:latin typeface="Posterama" panose="020B0504020200020000" pitchFamily="34" charset="0"/>
+                <a:cs typeface="Posterama" panose="020B0504020200020000" pitchFamily="34" charset="0"/>
+              </a:rPr>
               <a:t>в минулому</a:t>
             </a:r>
             <a:r>
-              <a:rPr lang="uk-UA" sz="2800" b="1" dirty="0"/>
+              <a:rPr lang="uk-UA" sz="2800" b="1" dirty="0">
+                <a:latin typeface="Posterama" panose="020B0504020200020000" pitchFamily="34" charset="0"/>
+                <a:cs typeface="Posterama" panose="020B0504020200020000" pitchFamily="34" charset="0"/>
+              </a:rPr>
               <a:t> і триває до теперішнього моменту</a:t>
             </a:r>
-            <a:endParaRPr lang="en-GB" sz="2800" b="1" dirty="0"/>
+            <a:endParaRPr lang="en-GB" sz="2800" b="1" dirty="0">
+              <a:latin typeface="Posterama" panose="020B0504020200020000" pitchFamily="34" charset="0"/>
+              <a:cs typeface="Posterama" panose="020B0504020200020000" pitchFamily="34" charset="0"/>
+            </a:endParaRPr>
           </a:p>
         </p:txBody>
       </p:sp>
@@ -12165,19 +12318,17 @@
         <p:spPr>
           <a:xfrm>
             <a:off x="5757059" y="2529718"/>
-            <a:ext cx="2853541" cy="560290"/>
+            <a:ext cx="3085705" cy="560290"/>
           </a:xfrm>
           <a:prstGeom prst="roundRect">
             <a:avLst>
-              <a:gd name="adj" fmla="val 50000"/>
+              <a:gd name="adj" fmla="val 23888"/>
             </a:avLst>
           </a:prstGeom>
           <a:solidFill>
-            <a:schemeClr val="tx2">
-              <a:lumMod val="40000"/>
-              <a:lumOff val="60000"/>
+            <a:srgbClr val="C8DFDE">
               <a:alpha val="25000"/>
-            </a:schemeClr>
+            </a:srgbClr>
           </a:solidFill>
           <a:ln w="9525">
             <a:noFill/>
@@ -12230,13 +12381,11 @@
           </a:xfrm>
           <a:prstGeom prst="roundRect">
             <a:avLst>
-              <a:gd name="adj" fmla="val 50000"/>
+              <a:gd name="adj" fmla="val 18992"/>
             </a:avLst>
           </a:prstGeom>
           <a:solidFill>
-            <a:schemeClr val="accent1">
-              <a:alpha val="55000"/>
-            </a:schemeClr>
+            <a:srgbClr val="66B2B0"/>
           </a:solidFill>
           <a:ln w="9525">
             <a:noFill/>
@@ -12281,8 +12430,8 @@
         </p:nvSpPr>
         <p:spPr>
           <a:xfrm>
-            <a:off x="3921854" y="2625198"/>
-            <a:ext cx="73738" cy="369332"/>
+            <a:off x="3909030" y="2625198"/>
+            <a:ext cx="99386" cy="369332"/>
           </a:xfrm>
           <a:prstGeom prst="rect">
             <a:avLst/>
@@ -12290,14 +12439,17 @@
           <a:noFill/>
         </p:spPr>
         <p:txBody>
-          <a:bodyPr wrap="none" lIns="0" tIns="0" rIns="0" bIns="0" rtlCol="0" anchor="ctr">
+          <a:bodyPr wrap="square" lIns="0" tIns="0" rIns="0" bIns="0" rtlCol="0" anchor="ctr">
             <a:spAutoFit/>
           </a:bodyPr>
           <a:lstStyle/>
           <a:p>
             <a:pPr algn="ctr" rtl="0"/>
             <a:r>
-              <a:rPr lang="en-GB" sz="2400" b="1" dirty="0"/>
+              <a:rPr lang="en-GB" sz="2400" b="1" dirty="0">
+                <a:latin typeface="Posterama" panose="020B0504020200020000" pitchFamily="34" charset="0"/>
+                <a:cs typeface="Posterama" panose="020B0504020200020000" pitchFamily="34" charset="0"/>
+              </a:rPr>
               <a:t>I</a:t>
             </a:r>
           </a:p>
@@ -12325,13 +12477,13 @@
           </a:xfrm>
           <a:prstGeom prst="roundRect">
             <a:avLst>
-              <a:gd name="adj" fmla="val 50000"/>
+              <a:gd name="adj" fmla="val 25520"/>
             </a:avLst>
           </a:prstGeom>
           <a:solidFill>
-            <a:schemeClr val="tx2">
+            <a:srgbClr val="C8DEDE">
               <a:alpha val="55000"/>
-            </a:schemeClr>
+            </a:srgbClr>
           </a:solidFill>
           <a:ln w="9525">
             <a:noFill/>
@@ -12380,19 +12532,17 @@
         <p:spPr>
           <a:xfrm>
             <a:off x="5757059" y="3252758"/>
-            <a:ext cx="2853541" cy="560290"/>
+            <a:ext cx="3085705" cy="560290"/>
           </a:xfrm>
           <a:prstGeom prst="roundRect">
             <a:avLst>
-              <a:gd name="adj" fmla="val 50000"/>
+              <a:gd name="adj" fmla="val 32048"/>
             </a:avLst>
           </a:prstGeom>
           <a:solidFill>
-            <a:schemeClr val="tx2">
-              <a:lumMod val="40000"/>
-              <a:lumOff val="60000"/>
+            <a:srgbClr val="C8DFDE">
               <a:alpha val="25000"/>
-            </a:schemeClr>
+            </a:srgbClr>
           </a:solidFill>
           <a:ln w="9525">
             <a:noFill/>
@@ -12437,8 +12587,8 @@
         </p:nvSpPr>
         <p:spPr>
           <a:xfrm>
-            <a:off x="3741996" y="3348237"/>
-            <a:ext cx="433452" cy="369332"/>
+            <a:off x="3666975" y="3348237"/>
+            <a:ext cx="583494" cy="369332"/>
           </a:xfrm>
           <a:prstGeom prst="rect">
             <a:avLst/>
@@ -12446,14 +12596,17 @@
           <a:noFill/>
         </p:spPr>
         <p:txBody>
-          <a:bodyPr wrap="none" lIns="0" tIns="0" rIns="0" bIns="0" rtlCol="0" anchor="ctr">
+          <a:bodyPr wrap="square" lIns="0" tIns="0" rIns="0" bIns="0" rtlCol="0" anchor="ctr">
             <a:spAutoFit/>
           </a:bodyPr>
           <a:lstStyle/>
           <a:p>
             <a:pPr algn="ctr" rtl="0"/>
             <a:r>
-              <a:rPr lang="en-GB" sz="2400" b="1" dirty="0"/>
+              <a:rPr lang="en-GB" sz="2400" b="1" dirty="0">
+                <a:latin typeface="Posterama" panose="020B0504020200020000" pitchFamily="34" charset="0"/>
+                <a:cs typeface="Posterama" panose="020B0504020200020000" pitchFamily="34" charset="0"/>
+              </a:rPr>
               <a:t>You</a:t>
             </a:r>
           </a:p>
@@ -12481,13 +12634,11 @@
           </a:xfrm>
           <a:prstGeom prst="roundRect">
             <a:avLst>
-              <a:gd name="adj" fmla="val 50000"/>
+              <a:gd name="adj" fmla="val 28784"/>
             </a:avLst>
           </a:prstGeom>
           <a:solidFill>
-            <a:schemeClr val="accent1">
-              <a:alpha val="55000"/>
-            </a:schemeClr>
+            <a:srgbClr val="66B2B0"/>
           </a:solidFill>
           <a:ln w="9525">
             <a:noFill/>
@@ -12536,19 +12687,17 @@
         <p:spPr>
           <a:xfrm>
             <a:off x="5802263" y="3975798"/>
-            <a:ext cx="2853541" cy="560290"/>
+            <a:ext cx="3085705" cy="560290"/>
           </a:xfrm>
           <a:prstGeom prst="roundRect">
             <a:avLst>
-              <a:gd name="adj" fmla="val 50000"/>
+              <a:gd name="adj" fmla="val 22256"/>
             </a:avLst>
           </a:prstGeom>
           <a:solidFill>
-            <a:schemeClr val="tx2">
-              <a:lumMod val="40000"/>
-              <a:lumOff val="60000"/>
+            <a:srgbClr val="C8DFDE">
               <a:alpha val="25000"/>
-            </a:schemeClr>
+            </a:srgbClr>
           </a:solidFill>
           <a:ln w="9525">
             <a:noFill/>
@@ -12593,8 +12742,8 @@
         </p:nvSpPr>
         <p:spPr>
           <a:xfrm>
-            <a:off x="3373628" y="4071277"/>
-            <a:ext cx="1170193" cy="369332"/>
+            <a:off x="3227755" y="4071277"/>
+            <a:ext cx="1461940" cy="369332"/>
           </a:xfrm>
           <a:prstGeom prst="rect">
             <a:avLst/>
@@ -12602,14 +12751,17 @@
           <a:noFill/>
         </p:spPr>
         <p:txBody>
-          <a:bodyPr wrap="none" lIns="0" tIns="0" rIns="0" bIns="0" rtlCol="0" anchor="ctr">
+          <a:bodyPr wrap="square" lIns="0" tIns="0" rIns="0" bIns="0" rtlCol="0" anchor="ctr">
             <a:spAutoFit/>
           </a:bodyPr>
           <a:lstStyle/>
           <a:p>
             <a:pPr algn="ctr" rtl="0"/>
             <a:r>
-              <a:rPr lang="en-GB" sz="2400" b="1" dirty="0"/>
+              <a:rPr lang="en-GB" sz="2400" b="1" dirty="0">
+                <a:latin typeface="Posterama" panose="020B0504020200020000" pitchFamily="34" charset="0"/>
+                <a:cs typeface="Posterama" panose="020B0504020200020000" pitchFamily="34" charset="0"/>
+              </a:rPr>
               <a:t>He/She/It</a:t>
             </a:r>
           </a:p>
@@ -12637,13 +12789,13 @@
           </a:xfrm>
           <a:prstGeom prst="roundRect">
             <a:avLst>
-              <a:gd name="adj" fmla="val 50000"/>
+              <a:gd name="adj" fmla="val 32048"/>
             </a:avLst>
           </a:prstGeom>
           <a:solidFill>
-            <a:schemeClr val="tx2">
+            <a:srgbClr val="C8DEDE">
               <a:alpha val="55000"/>
-            </a:schemeClr>
+            </a:srgbClr>
           </a:solidFill>
           <a:ln w="9525">
             <a:noFill/>
@@ -12692,19 +12844,17 @@
         <p:spPr>
           <a:xfrm>
             <a:off x="5802263" y="4698838"/>
-            <a:ext cx="2853541" cy="560290"/>
+            <a:ext cx="3085705" cy="560290"/>
           </a:xfrm>
           <a:prstGeom prst="roundRect">
             <a:avLst>
-              <a:gd name="adj" fmla="val 50000"/>
+              <a:gd name="adj" fmla="val 28784"/>
             </a:avLst>
           </a:prstGeom>
           <a:solidFill>
-            <a:schemeClr val="tx2">
-              <a:lumMod val="40000"/>
-              <a:lumOff val="60000"/>
+            <a:srgbClr val="C8DFDE">
               <a:alpha val="25000"/>
-            </a:schemeClr>
+            </a:srgbClr>
           </a:solidFill>
           <a:ln w="9525">
             <a:noFill/>
@@ -12749,8 +12899,8 @@
         </p:nvSpPr>
         <p:spPr>
           <a:xfrm>
-            <a:off x="3756776" y="4794317"/>
-            <a:ext cx="403893" cy="369332"/>
+            <a:off x="3721478" y="4794317"/>
+            <a:ext cx="474490" cy="369332"/>
           </a:xfrm>
           <a:prstGeom prst="rect">
             <a:avLst/>
@@ -12758,14 +12908,17 @@
           <a:noFill/>
         </p:spPr>
         <p:txBody>
-          <a:bodyPr wrap="none" lIns="0" tIns="0" rIns="0" bIns="0" rtlCol="0" anchor="ctr">
+          <a:bodyPr wrap="square" lIns="0" tIns="0" rIns="0" bIns="0" rtlCol="0" anchor="ctr">
             <a:spAutoFit/>
           </a:bodyPr>
           <a:lstStyle/>
           <a:p>
             <a:pPr algn="ctr" rtl="0"/>
             <a:r>
-              <a:rPr lang="en-GB" sz="2400" b="1" dirty="0"/>
+              <a:rPr lang="en-GB" sz="2400" b="1" dirty="0">
+                <a:latin typeface="Posterama" panose="020B0504020200020000" pitchFamily="34" charset="0"/>
+                <a:cs typeface="Posterama" panose="020B0504020200020000" pitchFamily="34" charset="0"/>
+              </a:rPr>
               <a:t>We</a:t>
             </a:r>
           </a:p>
@@ -12823,13 +12976,11 @@
           </a:xfrm>
           <a:prstGeom prst="roundRect">
             <a:avLst>
-              <a:gd name="adj" fmla="val 50000"/>
+              <a:gd name="adj" fmla="val 27152"/>
             </a:avLst>
           </a:prstGeom>
           <a:solidFill>
-            <a:schemeClr val="tx2">
-              <a:alpha val="55000"/>
-            </a:schemeClr>
+            <a:srgbClr val="66B2B0"/>
           </a:solidFill>
           <a:ln w="9525">
             <a:noFill/>
@@ -12878,19 +13029,17 @@
         <p:spPr>
           <a:xfrm>
             <a:off x="5802263" y="5488931"/>
-            <a:ext cx="2853541" cy="560290"/>
+            <a:ext cx="3085705" cy="560290"/>
           </a:xfrm>
           <a:prstGeom prst="roundRect">
             <a:avLst>
-              <a:gd name="adj" fmla="val 50000"/>
+              <a:gd name="adj" fmla="val 28784"/>
             </a:avLst>
           </a:prstGeom>
           <a:solidFill>
-            <a:schemeClr val="tx2">
-              <a:lumMod val="40000"/>
-              <a:lumOff val="60000"/>
+            <a:srgbClr val="C8DFDE">
               <a:alpha val="25000"/>
-            </a:schemeClr>
+            </a:srgbClr>
           </a:solidFill>
           <a:ln w="9525">
             <a:noFill/>
@@ -12935,8 +13084,8 @@
         </p:nvSpPr>
         <p:spPr>
           <a:xfrm>
-            <a:off x="3666910" y="5584410"/>
-            <a:ext cx="583622" cy="369332"/>
+            <a:off x="3594038" y="5584410"/>
+            <a:ext cx="729367" cy="369332"/>
           </a:xfrm>
           <a:prstGeom prst="rect">
             <a:avLst/>
@@ -12944,14 +13093,17 @@
           <a:noFill/>
         </p:spPr>
         <p:txBody>
-          <a:bodyPr wrap="none" lIns="0" tIns="0" rIns="0" bIns="0" rtlCol="0" anchor="ctr">
+          <a:bodyPr wrap="square" lIns="0" tIns="0" rIns="0" bIns="0" rtlCol="0" anchor="ctr">
             <a:spAutoFit/>
           </a:bodyPr>
           <a:lstStyle/>
           <a:p>
             <a:pPr algn="ctr" rtl="0"/>
             <a:r>
-              <a:rPr lang="en-GB" sz="2400" b="1" dirty="0"/>
+              <a:rPr lang="en-GB" sz="2400" b="1" dirty="0">
+                <a:latin typeface="Posterama" panose="020B0504020200020000" pitchFamily="34" charset="0"/>
+                <a:cs typeface="Posterama" panose="020B0504020200020000" pitchFamily="34" charset="0"/>
+              </a:rPr>
               <a:t>They</a:t>
             </a:r>
           </a:p>
@@ -12971,8 +13123,8 @@
         </p:nvSpPr>
         <p:spPr>
           <a:xfrm>
-            <a:off x="6113136" y="2618512"/>
-            <a:ext cx="2207079" cy="369332"/>
+            <a:off x="5937478" y="2603123"/>
+            <a:ext cx="2853541" cy="400110"/>
           </a:xfrm>
           <a:prstGeom prst="rect">
             <a:avLst/>
@@ -12980,22 +13132,31 @@
           <a:noFill/>
         </p:spPr>
         <p:txBody>
-          <a:bodyPr wrap="none" lIns="0" tIns="0" rIns="0" bIns="0" rtlCol="0" anchor="ctr">
+          <a:bodyPr wrap="square" lIns="0" tIns="0" rIns="0" bIns="0" rtlCol="0" anchor="ctr">
             <a:spAutoFit/>
           </a:bodyPr>
           <a:lstStyle/>
           <a:p>
             <a:pPr algn="ctr" rtl="0"/>
             <a:r>
-              <a:rPr lang="en-GB" sz="2400" dirty="0"/>
+              <a:rPr lang="en-GB" sz="2600" dirty="0">
+                <a:latin typeface="Posterama" panose="020B0504020200020000" pitchFamily="34" charset="0"/>
+                <a:cs typeface="Posterama" panose="020B0504020200020000" pitchFamily="34" charset="0"/>
+              </a:rPr>
               <a:t>have been</a:t>
             </a:r>
             <a:r>
-              <a:rPr lang="ru-UA" sz="2400" dirty="0"/>
+              <a:rPr lang="ru-UA" sz="2600" dirty="0">
+                <a:latin typeface="Posterama" panose="020B0504020200020000" pitchFamily="34" charset="0"/>
+                <a:cs typeface="Posterama" panose="020B0504020200020000" pitchFamily="34" charset="0"/>
+              </a:rPr>
               <a:t> </a:t>
             </a:r>
             <a:r>
-              <a:rPr lang="en-GB" sz="2400" dirty="0"/>
+              <a:rPr lang="en-GB" sz="2600" dirty="0">
+                <a:latin typeface="Posterama" panose="020B0504020200020000" pitchFamily="34" charset="0"/>
+                <a:cs typeface="Posterama" panose="020B0504020200020000" pitchFamily="34" charset="0"/>
+              </a:rPr>
               <a:t>writing</a:t>
             </a:r>
           </a:p>
@@ -13015,8 +13176,8 @@
         </p:nvSpPr>
         <p:spPr>
           <a:xfrm>
-            <a:off x="6113134" y="3324532"/>
-            <a:ext cx="2207079" cy="369332"/>
+            <a:off x="5937476" y="3309143"/>
+            <a:ext cx="2853541" cy="400110"/>
           </a:xfrm>
           <a:prstGeom prst="rect">
             <a:avLst/>
@@ -13024,22 +13185,31 @@
           <a:noFill/>
         </p:spPr>
         <p:txBody>
-          <a:bodyPr wrap="none" lIns="0" tIns="0" rIns="0" bIns="0" rtlCol="0" anchor="ctr">
+          <a:bodyPr wrap="square" lIns="0" tIns="0" rIns="0" bIns="0" rtlCol="0" anchor="ctr">
             <a:spAutoFit/>
           </a:bodyPr>
           <a:lstStyle/>
           <a:p>
             <a:pPr algn="ctr"/>
             <a:r>
-              <a:rPr lang="en-GB" sz="2400" dirty="0"/>
+              <a:rPr lang="en-GB" sz="2600" dirty="0">
+                <a:latin typeface="Posterama" panose="020B0504020200020000" pitchFamily="34" charset="0"/>
+                <a:cs typeface="Posterama" panose="020B0504020200020000" pitchFamily="34" charset="0"/>
+              </a:rPr>
               <a:t>have been</a:t>
             </a:r>
             <a:r>
-              <a:rPr lang="ru-UA" sz="2400" dirty="0"/>
+              <a:rPr lang="ru-UA" sz="2600" dirty="0">
+                <a:latin typeface="Posterama" panose="020B0504020200020000" pitchFamily="34" charset="0"/>
+                <a:cs typeface="Posterama" panose="020B0504020200020000" pitchFamily="34" charset="0"/>
+              </a:rPr>
               <a:t> </a:t>
             </a:r>
             <a:r>
-              <a:rPr lang="en-GB" sz="2400" dirty="0"/>
+              <a:rPr lang="en-GB" sz="2600" dirty="0">
+                <a:latin typeface="Posterama" panose="020B0504020200020000" pitchFamily="34" charset="0"/>
+                <a:cs typeface="Posterama" panose="020B0504020200020000" pitchFamily="34" charset="0"/>
+              </a:rPr>
               <a:t>writing</a:t>
             </a:r>
           </a:p>
@@ -13059,8 +13229,8 @@
         </p:nvSpPr>
         <p:spPr>
           <a:xfrm>
-            <a:off x="6193160" y="4064591"/>
-            <a:ext cx="2047035" cy="369332"/>
+            <a:off x="6036065" y="4049202"/>
+            <a:ext cx="2633625" cy="400110"/>
           </a:xfrm>
           <a:prstGeom prst="rect">
             <a:avLst/>
@@ -13068,22 +13238,31 @@
           <a:noFill/>
         </p:spPr>
         <p:txBody>
-          <a:bodyPr wrap="none" lIns="0" tIns="0" rIns="0" bIns="0" rtlCol="0" anchor="ctr">
+          <a:bodyPr wrap="square" lIns="0" tIns="0" rIns="0" bIns="0" rtlCol="0" anchor="ctr">
             <a:spAutoFit/>
           </a:bodyPr>
           <a:lstStyle/>
           <a:p>
             <a:pPr algn="ctr"/>
             <a:r>
-              <a:rPr lang="en-GB" sz="2400" dirty="0"/>
+              <a:rPr lang="en-GB" sz="2600" dirty="0">
+                <a:latin typeface="Posterama" panose="020B0504020200020000" pitchFamily="34" charset="0"/>
+                <a:cs typeface="Posterama" panose="020B0504020200020000" pitchFamily="34" charset="0"/>
+              </a:rPr>
               <a:t>has been</a:t>
             </a:r>
             <a:r>
-              <a:rPr lang="ru-UA" sz="2400" dirty="0"/>
+              <a:rPr lang="ru-UA" sz="2600" dirty="0">
+                <a:latin typeface="Posterama" panose="020B0504020200020000" pitchFamily="34" charset="0"/>
+                <a:cs typeface="Posterama" panose="020B0504020200020000" pitchFamily="34" charset="0"/>
+              </a:rPr>
               <a:t> </a:t>
             </a:r>
             <a:r>
-              <a:rPr lang="en-GB" sz="2400" dirty="0"/>
+              <a:rPr lang="en-GB" sz="2600" dirty="0">
+                <a:latin typeface="Posterama" panose="020B0504020200020000" pitchFamily="34" charset="0"/>
+                <a:cs typeface="Posterama" panose="020B0504020200020000" pitchFamily="34" charset="0"/>
+              </a:rPr>
               <a:t>writing</a:t>
             </a:r>
           </a:p>
@@ -13103,8 +13282,8 @@
         </p:nvSpPr>
         <p:spPr>
           <a:xfrm>
-            <a:off x="6113134" y="4787630"/>
-            <a:ext cx="2207079" cy="369332"/>
+            <a:off x="5937476" y="4772241"/>
+            <a:ext cx="2853541" cy="400110"/>
           </a:xfrm>
           <a:prstGeom prst="rect">
             <a:avLst/>
@@ -13112,22 +13291,31 @@
           <a:noFill/>
         </p:spPr>
         <p:txBody>
-          <a:bodyPr wrap="none" lIns="0" tIns="0" rIns="0" bIns="0" rtlCol="0" anchor="ctr">
+          <a:bodyPr wrap="square" lIns="0" tIns="0" rIns="0" bIns="0" rtlCol="0" anchor="ctr">
             <a:spAutoFit/>
           </a:bodyPr>
           <a:lstStyle/>
           <a:p>
             <a:pPr algn="ctr"/>
             <a:r>
-              <a:rPr lang="en-GB" sz="2400" dirty="0"/>
+              <a:rPr lang="en-GB" sz="2600" dirty="0">
+                <a:latin typeface="Posterama" panose="020B0504020200020000" pitchFamily="34" charset="0"/>
+                <a:cs typeface="Posterama" panose="020B0504020200020000" pitchFamily="34" charset="0"/>
+              </a:rPr>
               <a:t>have been</a:t>
             </a:r>
             <a:r>
-              <a:rPr lang="ru-UA" sz="2400" dirty="0"/>
+              <a:rPr lang="ru-UA" sz="2600" dirty="0">
+                <a:latin typeface="Posterama" panose="020B0504020200020000" pitchFamily="34" charset="0"/>
+                <a:cs typeface="Posterama" panose="020B0504020200020000" pitchFamily="34" charset="0"/>
+              </a:rPr>
               <a:t> </a:t>
             </a:r>
             <a:r>
-              <a:rPr lang="en-GB" sz="2400" dirty="0"/>
+              <a:rPr lang="en-GB" sz="2600" dirty="0">
+                <a:latin typeface="Posterama" panose="020B0504020200020000" pitchFamily="34" charset="0"/>
+                <a:cs typeface="Posterama" panose="020B0504020200020000" pitchFamily="34" charset="0"/>
+              </a:rPr>
               <a:t>writing</a:t>
             </a:r>
           </a:p>
@@ -13147,8 +13335,8 @@
         </p:nvSpPr>
         <p:spPr>
           <a:xfrm>
-            <a:off x="6113134" y="5576532"/>
-            <a:ext cx="2207079" cy="369332"/>
+            <a:off x="5937476" y="5561143"/>
+            <a:ext cx="2853541" cy="400110"/>
           </a:xfrm>
           <a:prstGeom prst="rect">
             <a:avLst/>
@@ -13156,22 +13344,31 @@
           <a:noFill/>
         </p:spPr>
         <p:txBody>
-          <a:bodyPr wrap="none" lIns="0" tIns="0" rIns="0" bIns="0" rtlCol="0" anchor="ctr">
+          <a:bodyPr wrap="square" lIns="0" tIns="0" rIns="0" bIns="0" rtlCol="0" anchor="ctr">
             <a:spAutoFit/>
           </a:bodyPr>
           <a:lstStyle/>
           <a:p>
             <a:pPr algn="ctr"/>
             <a:r>
-              <a:rPr lang="en-GB" sz="2400" dirty="0"/>
+              <a:rPr lang="en-GB" sz="2600" dirty="0">
+                <a:latin typeface="Posterama" panose="020B0504020200020000" pitchFamily="34" charset="0"/>
+                <a:cs typeface="Posterama" panose="020B0504020200020000" pitchFamily="34" charset="0"/>
+              </a:rPr>
               <a:t>have been</a:t>
             </a:r>
             <a:r>
-              <a:rPr lang="ru-UA" sz="2400" dirty="0"/>
+              <a:rPr lang="ru-UA" sz="2600" dirty="0">
+                <a:latin typeface="Posterama" panose="020B0504020200020000" pitchFamily="34" charset="0"/>
+                <a:cs typeface="Posterama" panose="020B0504020200020000" pitchFamily="34" charset="0"/>
+              </a:rPr>
               <a:t> </a:t>
             </a:r>
             <a:r>
-              <a:rPr lang="en-GB" sz="2400" dirty="0"/>
+              <a:rPr lang="en-GB" sz="2600" dirty="0">
+                <a:latin typeface="Posterama" panose="020B0504020200020000" pitchFamily="34" charset="0"/>
+                <a:cs typeface="Posterama" panose="020B0504020200020000" pitchFamily="34" charset="0"/>
+              </a:rPr>
               <a:t>writing</a:t>
             </a:r>
           </a:p>
@@ -24351,23 +24548,12 @@
 </file>
 
 <file path=customXml/item1.xml><?xml version="1.0" encoding="utf-8"?>
-<p:properties xmlns:p="http://schemas.microsoft.com/office/2006/metadata/properties" xmlns:xsi="http://www.w3.org/2001/XMLSchema-instance" xmlns:pc="http://schemas.microsoft.com/office/infopath/2007/PartnerControls">
-  <documentManagement>
-    <_ip_UnifiedCompliancePolicyUIAction xmlns="http://schemas.microsoft.com/sharepoint/v3" xsi:nil="true"/>
-    <Image xmlns="71af3243-3dd4-4a8d-8c0d-dd76da1f02a5">
-      <Url xsi:nil="true"/>
-      <Description xsi:nil="true"/>
-    </Image>
-    <Status xmlns="71af3243-3dd4-4a8d-8c0d-dd76da1f02a5">Not started</Status>
-    <Background xmlns="71af3243-3dd4-4a8d-8c0d-dd76da1f02a5">false</Background>
-    <_ip_UnifiedCompliancePolicyProperties xmlns="http://schemas.microsoft.com/sharepoint/v3" xsi:nil="true"/>
-    <ImageTagsTaxHTField xmlns="71af3243-3dd4-4a8d-8c0d-dd76da1f02a5">
-      <Terms xmlns="http://schemas.microsoft.com/office/infopath/2007/PartnerControls"/>
-    </ImageTagsTaxHTField>
-    <TaxCatchAll xmlns="230e9df3-be65-4c73-a93b-d1236ebd677e" xsi:nil="true"/>
-    <MediaServiceKeyPoints xmlns="71af3243-3dd4-4a8d-8c0d-dd76da1f02a5" xsi:nil="true"/>
-  </documentManagement>
-</p:properties>
+<?mso-contentType ?>
+<FormTemplates xmlns="http://schemas.microsoft.com/sharepoint/v3/contenttype/forms">
+  <Display>DocumentLibraryForm</Display>
+  <Edit>DocumentLibraryForm</Edit>
+  <New>DocumentLibraryForm</New>
+</FormTemplates>
 </file>
 
 <file path=customXml/item2.xml><?xml version="1.0" encoding="utf-8"?>
@@ -24659,29 +24845,29 @@
 </file>
 
 <file path=customXml/item3.xml><?xml version="1.0" encoding="utf-8"?>
-<?mso-contentType ?>
-<FormTemplates xmlns="http://schemas.microsoft.com/sharepoint/v3/contenttype/forms">
-  <Display>DocumentLibraryForm</Display>
-  <Edit>DocumentLibraryForm</Edit>
-  <New>DocumentLibraryForm</New>
-</FormTemplates>
+<p:properties xmlns:p="http://schemas.microsoft.com/office/2006/metadata/properties" xmlns:xsi="http://www.w3.org/2001/XMLSchema-instance" xmlns:pc="http://schemas.microsoft.com/office/infopath/2007/PartnerControls">
+  <documentManagement>
+    <_ip_UnifiedCompliancePolicyUIAction xmlns="http://schemas.microsoft.com/sharepoint/v3" xsi:nil="true"/>
+    <Image xmlns="71af3243-3dd4-4a8d-8c0d-dd76da1f02a5">
+      <Url xsi:nil="true"/>
+      <Description xsi:nil="true"/>
+    </Image>
+    <Status xmlns="71af3243-3dd4-4a8d-8c0d-dd76da1f02a5">Not started</Status>
+    <Background xmlns="71af3243-3dd4-4a8d-8c0d-dd76da1f02a5">false</Background>
+    <_ip_UnifiedCompliancePolicyProperties xmlns="http://schemas.microsoft.com/sharepoint/v3" xsi:nil="true"/>
+    <ImageTagsTaxHTField xmlns="71af3243-3dd4-4a8d-8c0d-dd76da1f02a5">
+      <Terms xmlns="http://schemas.microsoft.com/office/infopath/2007/PartnerControls"/>
+    </ImageTagsTaxHTField>
+    <TaxCatchAll xmlns="230e9df3-be65-4c73-a93b-d1236ebd677e" xsi:nil="true"/>
+    <MediaServiceKeyPoints xmlns="71af3243-3dd4-4a8d-8c0d-dd76da1f02a5" xsi:nil="true"/>
+  </documentManagement>
+</p:properties>
 </file>
 
 <file path=customXml/itemProps1.xml><?xml version="1.0" encoding="utf-8"?>
-<ds:datastoreItem xmlns:ds="http://schemas.openxmlformats.org/officeDocument/2006/customXml" ds:itemID="{1024ABD0-81DD-4E89-ADBD-FD03EEA4B679}">
+<ds:datastoreItem xmlns:ds="http://schemas.openxmlformats.org/officeDocument/2006/customXml" ds:itemID="{3AD23832-4FF3-481A-BF21-E685DF749377}">
   <ds:schemaRefs>
-    <ds:schemaRef ds:uri="http://schemas.openxmlformats.org/package/2006/metadata/core-properties"/>
-    <ds:schemaRef ds:uri="http://www.w3.org/XML/1998/namespace"/>
-    <ds:schemaRef ds:uri="16c05727-aa75-4e4a-9b5f-8a80a1165891"/>
-    <ds:schemaRef ds:uri="http://purl.org/dc/elements/1.1/"/>
-    <ds:schemaRef ds:uri="http://purl.org/dc/dcmitype/"/>
-    <ds:schemaRef ds:uri="http://schemas.microsoft.com/office/infopath/2007/PartnerControls"/>
-    <ds:schemaRef ds:uri="230e9df3-be65-4c73-a93b-d1236ebd677e"/>
-    <ds:schemaRef ds:uri="71af3243-3dd4-4a8d-8c0d-dd76da1f02a5"/>
-    <ds:schemaRef ds:uri="http://schemas.microsoft.com/office/2006/documentManagement/types"/>
-    <ds:schemaRef ds:uri="http://schemas.microsoft.com/sharepoint/v3"/>
-    <ds:schemaRef ds:uri="http://schemas.microsoft.com/office/2006/metadata/properties"/>
-    <ds:schemaRef ds:uri="http://purl.org/dc/terms/"/>
+    <ds:schemaRef ds:uri="http://schemas.microsoft.com/sharepoint/v3/contenttype/forms"/>
   </ds:schemaRefs>
 </ds:datastoreItem>
 </file>
@@ -24708,9 +24894,20 @@
 </file>
 
 <file path=customXml/itemProps3.xml><?xml version="1.0" encoding="utf-8"?>
-<ds:datastoreItem xmlns:ds="http://schemas.openxmlformats.org/officeDocument/2006/customXml" ds:itemID="{3AD23832-4FF3-481A-BF21-E685DF749377}">
+<ds:datastoreItem xmlns:ds="http://schemas.openxmlformats.org/officeDocument/2006/customXml" ds:itemID="{1024ABD0-81DD-4E89-ADBD-FD03EEA4B679}">
   <ds:schemaRefs>
-    <ds:schemaRef ds:uri="http://schemas.microsoft.com/sharepoint/v3/contenttype/forms"/>
+    <ds:schemaRef ds:uri="http://schemas.openxmlformats.org/package/2006/metadata/core-properties"/>
+    <ds:schemaRef ds:uri="http://www.w3.org/XML/1998/namespace"/>
+    <ds:schemaRef ds:uri="16c05727-aa75-4e4a-9b5f-8a80a1165891"/>
+    <ds:schemaRef ds:uri="http://purl.org/dc/elements/1.1/"/>
+    <ds:schemaRef ds:uri="http://purl.org/dc/dcmitype/"/>
+    <ds:schemaRef ds:uri="http://schemas.microsoft.com/office/infopath/2007/PartnerControls"/>
+    <ds:schemaRef ds:uri="230e9df3-be65-4c73-a93b-d1236ebd677e"/>
+    <ds:schemaRef ds:uri="71af3243-3dd4-4a8d-8c0d-dd76da1f02a5"/>
+    <ds:schemaRef ds:uri="http://schemas.microsoft.com/office/2006/documentManagement/types"/>
+    <ds:schemaRef ds:uri="http://schemas.microsoft.com/sharepoint/v3"/>
+    <ds:schemaRef ds:uri="http://schemas.microsoft.com/office/2006/metadata/properties"/>
+    <ds:schemaRef ds:uri="http://purl.org/dc/terms/"/>
   </ds:schemaRefs>
 </ds:datastoreItem>
 </file>